--- a/presentations/K.pptx
+++ b/presentations/K.pptx
@@ -10,16 +10,16 @@
   <p:sldIdLst>
     <p:sldId id="266" r:id="rId2"/>
     <p:sldId id="268" r:id="rId3"/>
-    <p:sldId id="269" r:id="rId4"/>
-    <p:sldId id="271" r:id="rId5"/>
+    <p:sldId id="271" r:id="rId4"/>
+    <p:sldId id="269" r:id="rId5"/>
     <p:sldId id="261" r:id="rId6"/>
     <p:sldId id="263" r:id="rId7"/>
     <p:sldId id="282" r:id="rId8"/>
     <p:sldId id="281" r:id="rId9"/>
     <p:sldId id="278" r:id="rId10"/>
     <p:sldId id="279" r:id="rId11"/>
-    <p:sldId id="285" r:id="rId12"/>
-    <p:sldId id="280" r:id="rId13"/>
+    <p:sldId id="280" r:id="rId12"/>
+    <p:sldId id="285" r:id="rId13"/>
     <p:sldId id="286" r:id="rId14"/>
     <p:sldId id="288" r:id="rId15"/>
     <p:sldId id="257" r:id="rId16"/>
@@ -1119,61 +1119,6 @@
         </a:p>
       </dgm:t>
     </dgm:pt>
-    <dgm:pt modelId="{754F64B4-FC2C-4BB2-B6C0-18D58A08CAAE}">
-      <dgm:prSet phldrT="[Text]" custT="1"/>
-      <dgm:spPr/>
-      <dgm:t>
-        <a:bodyPr/>
-        <a:lstStyle/>
-        <a:p>
-          <a:r>
-            <a:rPr lang="en-US" sz="1400" dirty="0" smtClean="0"/>
-            <a:t>Type Checking </a:t>
-          </a:r>
-          <a:r>
-            <a:rPr lang="en-US" sz="1400" i="1" dirty="0" smtClean="0">
-              <a:solidFill>
-                <a:schemeClr val="accent4">
-                  <a:lumMod val="75000"/>
-                </a:schemeClr>
-              </a:solidFill>
-              <a:latin typeface="Consolas" panose="020B0609020204030204" pitchFamily="49" charset="0"/>
-              <a:cs typeface="Consolas" panose="020B0609020204030204" pitchFamily="49" charset="0"/>
-            </a:rPr>
-            <a:t>√</a:t>
-          </a:r>
-          <a:endParaRPr lang="en-US" sz="1400" i="1" dirty="0">
-            <a:solidFill>
-              <a:schemeClr val="accent4">
-                <a:lumMod val="75000"/>
-              </a:schemeClr>
-            </a:solidFill>
-          </a:endParaRPr>
-        </a:p>
-      </dgm:t>
-    </dgm:pt>
-    <dgm:pt modelId="{0A33B44B-8D21-4976-9A1C-FE34A5948E0F}" type="parTrans" cxnId="{C7D4B171-EE83-4239-9889-4539F469A98F}">
-      <dgm:prSet/>
-      <dgm:spPr/>
-      <dgm:t>
-        <a:bodyPr/>
-        <a:lstStyle/>
-        <a:p>
-          <a:endParaRPr lang="en-US" sz="1400"/>
-        </a:p>
-      </dgm:t>
-    </dgm:pt>
-    <dgm:pt modelId="{88DC622E-6777-43C2-9B41-99C0A69D4122}" type="sibTrans" cxnId="{C7D4B171-EE83-4239-9889-4539F469A98F}">
-      <dgm:prSet/>
-      <dgm:spPr/>
-      <dgm:t>
-        <a:bodyPr/>
-        <a:lstStyle/>
-        <a:p>
-          <a:endParaRPr lang="en-US" sz="4400"/>
-        </a:p>
-      </dgm:t>
-    </dgm:pt>
     <dgm:pt modelId="{A056FB49-F477-465A-B39F-FE65E20D5F2A}">
       <dgm:prSet phldrT="[Text]" custT="1"/>
       <dgm:spPr/>
@@ -1670,6 +1615,141 @@
         </a:p>
       </dgm:t>
     </dgm:pt>
+    <dgm:pt modelId="{C8F89FDB-1B01-44EA-ACFF-60DB3F58DC8B}">
+      <dgm:prSet phldrT="[Text]" custT="1"/>
+      <dgm:spPr/>
+      <dgm:t>
+        <a:bodyPr/>
+        <a:lstStyle/>
+        <a:p>
+          <a:r>
+            <a:rPr lang="en-US" sz="1400" dirty="0" smtClean="0"/>
+            <a:t>Documentation</a:t>
+          </a:r>
+          <a:endParaRPr lang="en-US" sz="1400" dirty="0"/>
+        </a:p>
+      </dgm:t>
+    </dgm:pt>
+    <dgm:pt modelId="{43A42314-2EAC-4DAD-A1A1-C6D0A51E0BAC}" type="parTrans" cxnId="{C66EAD64-C6F8-4362-A3C9-9E07558C4F90}">
+      <dgm:prSet/>
+      <dgm:spPr/>
+      <dgm:t>
+        <a:bodyPr/>
+        <a:lstStyle/>
+        <a:p>
+          <a:endParaRPr lang="en-US"/>
+        </a:p>
+      </dgm:t>
+    </dgm:pt>
+    <dgm:pt modelId="{5EC999CD-9912-4E84-94BE-798BF19BDD17}" type="sibTrans" cxnId="{C66EAD64-C6F8-4362-A3C9-9E07558C4F90}">
+      <dgm:prSet/>
+      <dgm:spPr/>
+      <dgm:t>
+        <a:bodyPr/>
+        <a:lstStyle/>
+        <a:p>
+          <a:endParaRPr lang="en-US"/>
+        </a:p>
+      </dgm:t>
+    </dgm:pt>
+    <dgm:pt modelId="{52B1F852-D929-4D6D-AA15-BE4D72739A86}">
+      <dgm:prSet phldrT="[Text]" custT="1"/>
+      <dgm:spPr/>
+      <dgm:t>
+        <a:bodyPr/>
+        <a:lstStyle/>
+        <a:p>
+          <a:r>
+            <a:rPr lang="en-US" sz="1400" dirty="0" smtClean="0"/>
+            <a:t>Latex </a:t>
+          </a:r>
+          <a:r>
+            <a:rPr lang="en-US" sz="1400" i="1" dirty="0" smtClean="0">
+              <a:solidFill>
+                <a:schemeClr val="accent4">
+                  <a:lumMod val="75000"/>
+                </a:schemeClr>
+              </a:solidFill>
+              <a:latin typeface="Consolas" panose="020B0609020204030204" pitchFamily="49" charset="0"/>
+              <a:cs typeface="Consolas" panose="020B0609020204030204" pitchFamily="49" charset="0"/>
+            </a:rPr>
+            <a:t>√</a:t>
+          </a:r>
+          <a:endParaRPr lang="en-US" sz="1400" dirty="0"/>
+        </a:p>
+      </dgm:t>
+    </dgm:pt>
+    <dgm:pt modelId="{EF2D4896-77CB-445C-877D-F11B38C2579D}" type="parTrans" cxnId="{1708B78A-8818-4BF5-B50E-D46BB35C502D}">
+      <dgm:prSet/>
+      <dgm:spPr/>
+      <dgm:t>
+        <a:bodyPr/>
+        <a:lstStyle/>
+        <a:p>
+          <a:endParaRPr lang="en-US"/>
+        </a:p>
+      </dgm:t>
+    </dgm:pt>
+    <dgm:pt modelId="{7D2CE263-60D2-443D-97B5-3CEB8A6C09A1}" type="sibTrans" cxnId="{1708B78A-8818-4BF5-B50E-D46BB35C502D}">
+      <dgm:prSet/>
+      <dgm:spPr/>
+      <dgm:t>
+        <a:bodyPr/>
+        <a:lstStyle/>
+        <a:p>
+          <a:endParaRPr lang="en-US"/>
+        </a:p>
+      </dgm:t>
+    </dgm:pt>
+    <dgm:pt modelId="{A1EC8075-019A-443B-A990-CF7F53DE9B6C}">
+      <dgm:prSet phldrT="[Text]" custT="1"/>
+      <dgm:spPr/>
+      <dgm:t>
+        <a:bodyPr/>
+        <a:lstStyle/>
+        <a:p>
+          <a:r>
+            <a:rPr lang="en-US" sz="1400" dirty="0" smtClean="0"/>
+            <a:t>Type Checking </a:t>
+          </a:r>
+          <a:r>
+            <a:rPr lang="en-US" sz="1400" i="1" dirty="0" smtClean="0">
+              <a:solidFill>
+                <a:schemeClr val="accent4">
+                  <a:lumMod val="75000"/>
+                </a:schemeClr>
+              </a:solidFill>
+              <a:latin typeface="Consolas" panose="020B0609020204030204" pitchFamily="49" charset="0"/>
+              <a:cs typeface="Consolas" panose="020B0609020204030204" pitchFamily="49" charset="0"/>
+            </a:rPr>
+            <a:t>√</a:t>
+          </a:r>
+          <a:endParaRPr lang="en-US" sz="1400" dirty="0"/>
+        </a:p>
+      </dgm:t>
+    </dgm:pt>
+    <dgm:pt modelId="{C18AE9E4-58C3-4D76-A5FB-6AB6DCC5F6CE}" type="parTrans" cxnId="{4DD4FF97-F18B-4F98-8428-14D2CC30F320}">
+      <dgm:prSet/>
+      <dgm:spPr/>
+      <dgm:t>
+        <a:bodyPr/>
+        <a:lstStyle/>
+        <a:p>
+          <a:endParaRPr lang="en-US"/>
+        </a:p>
+      </dgm:t>
+    </dgm:pt>
+    <dgm:pt modelId="{4F8DAD16-68C0-43DC-AB46-1A6CAA9F3B1B}" type="sibTrans" cxnId="{4DD4FF97-F18B-4F98-8428-14D2CC30F320}">
+      <dgm:prSet/>
+      <dgm:spPr/>
+      <dgm:t>
+        <a:bodyPr/>
+        <a:lstStyle/>
+        <a:p>
+          <a:endParaRPr lang="en-US"/>
+        </a:p>
+      </dgm:t>
+    </dgm:pt>
     <dgm:pt modelId="{9A36C04C-EC3D-41FC-A56E-948710EC083E}" type="pres">
       <dgm:prSet presAssocID="{0EA680EF-1CA6-4CDD-98AC-9858A5EA3EF7}" presName="Name0" presStyleCnt="0">
         <dgm:presLayoutVars>
@@ -1682,6 +1762,13 @@
         </dgm:presLayoutVars>
       </dgm:prSet>
       <dgm:spPr/>
+      <dgm:t>
+        <a:bodyPr/>
+        <a:lstStyle/>
+        <a:p>
+          <a:endParaRPr lang="en-US"/>
+        </a:p>
+      </dgm:t>
     </dgm:pt>
     <dgm:pt modelId="{EA1E2B13-0982-43AC-B2BA-C2C6CD68D0CB}" type="pres">
       <dgm:prSet presAssocID="{7B7203B6-20DB-4281-8539-1072620383ED}" presName="hierRoot1" presStyleCnt="0">
@@ -1702,18 +1789,32 @@
         </dgm:presLayoutVars>
       </dgm:prSet>
       <dgm:spPr/>
+      <dgm:t>
+        <a:bodyPr/>
+        <a:lstStyle/>
+        <a:p>
+          <a:endParaRPr lang="en-US"/>
+        </a:p>
+      </dgm:t>
     </dgm:pt>
     <dgm:pt modelId="{3A5B0F3B-1D54-42AC-AA45-855E2902F93A}" type="pres">
-      <dgm:prSet presAssocID="{7B7203B6-20DB-4281-8539-1072620383ED}" presName="topArc1" presStyleLbl="parChTrans1D1" presStyleIdx="0" presStyleCnt="32"/>
+      <dgm:prSet presAssocID="{7B7203B6-20DB-4281-8539-1072620383ED}" presName="topArc1" presStyleLbl="parChTrans1D1" presStyleIdx="0" presStyleCnt="36"/>
       <dgm:spPr/>
     </dgm:pt>
     <dgm:pt modelId="{F7CEE381-80E3-4C85-9970-F17C6A5805BB}" type="pres">
-      <dgm:prSet presAssocID="{7B7203B6-20DB-4281-8539-1072620383ED}" presName="bottomArc1" presStyleLbl="parChTrans1D1" presStyleIdx="1" presStyleCnt="32"/>
+      <dgm:prSet presAssocID="{7B7203B6-20DB-4281-8539-1072620383ED}" presName="bottomArc1" presStyleLbl="parChTrans1D1" presStyleIdx="1" presStyleCnt="36"/>
       <dgm:spPr/>
     </dgm:pt>
     <dgm:pt modelId="{A121B180-66BB-4442-AEE4-D8032C6E0E2B}" type="pres">
       <dgm:prSet presAssocID="{7B7203B6-20DB-4281-8539-1072620383ED}" presName="topConnNode1" presStyleLbl="node1" presStyleIdx="0" presStyleCnt="0"/>
       <dgm:spPr/>
+      <dgm:t>
+        <a:bodyPr/>
+        <a:lstStyle/>
+        <a:p>
+          <a:endParaRPr lang="en-US"/>
+        </a:p>
+      </dgm:t>
     </dgm:pt>
     <dgm:pt modelId="{9A133843-4035-4337-8976-887C914216AD}" type="pres">
       <dgm:prSet presAssocID="{7B7203B6-20DB-4281-8539-1072620383ED}" presName="hierChild2" presStyleCnt="0"/>
@@ -1722,6 +1823,13 @@
     <dgm:pt modelId="{DF023ABA-E34F-4E78-BBD3-7D55876D0B06}" type="pres">
       <dgm:prSet presAssocID="{A0CD79B0-DBD6-441D-BCFE-4C84129DFCA7}" presName="Name28" presStyleLbl="parChTrans1D2" presStyleIdx="0" presStyleCnt="1"/>
       <dgm:spPr/>
+      <dgm:t>
+        <a:bodyPr/>
+        <a:lstStyle/>
+        <a:p>
+          <a:endParaRPr lang="en-US"/>
+        </a:p>
+      </dgm:t>
     </dgm:pt>
     <dgm:pt modelId="{497109E3-7574-4BBE-BC22-9BEF227B60A6}" type="pres">
       <dgm:prSet presAssocID="{66DBE711-4A49-4547-8CF2-6E2CF867FF00}" presName="hierRoot2" presStyleCnt="0">
@@ -1736,7 +1844,7 @@
       <dgm:spPr/>
     </dgm:pt>
     <dgm:pt modelId="{6224BBFC-5F3E-491F-AC1A-4BD1E8D437D5}" type="pres">
-      <dgm:prSet presAssocID="{66DBE711-4A49-4547-8CF2-6E2CF867FF00}" presName="rootText2" presStyleLbl="alignAcc1" presStyleIdx="0" presStyleCnt="0">
+      <dgm:prSet presAssocID="{66DBE711-4A49-4547-8CF2-6E2CF867FF00}" presName="rootText2" presStyleLbl="alignAcc1" presStyleIdx="0" presStyleCnt="0" custScaleX="166336">
         <dgm:presLayoutVars>
           <dgm:chPref val="3"/>
         </dgm:presLayoutVars>
@@ -1751,16 +1859,23 @@
       </dgm:t>
     </dgm:pt>
     <dgm:pt modelId="{393B7EF1-45A2-428C-81C6-07699A8AAAFC}" type="pres">
-      <dgm:prSet presAssocID="{66DBE711-4A49-4547-8CF2-6E2CF867FF00}" presName="topArc2" presStyleLbl="parChTrans1D1" presStyleIdx="2" presStyleCnt="32"/>
+      <dgm:prSet presAssocID="{66DBE711-4A49-4547-8CF2-6E2CF867FF00}" presName="topArc2" presStyleLbl="parChTrans1D1" presStyleIdx="2" presStyleCnt="36"/>
       <dgm:spPr/>
     </dgm:pt>
     <dgm:pt modelId="{A1CD0BB2-3B53-4E54-8880-449EA23E54E7}" type="pres">
-      <dgm:prSet presAssocID="{66DBE711-4A49-4547-8CF2-6E2CF867FF00}" presName="bottomArc2" presStyleLbl="parChTrans1D1" presStyleIdx="3" presStyleCnt="32"/>
+      <dgm:prSet presAssocID="{66DBE711-4A49-4547-8CF2-6E2CF867FF00}" presName="bottomArc2" presStyleLbl="parChTrans1D1" presStyleIdx="3" presStyleCnt="36"/>
       <dgm:spPr/>
     </dgm:pt>
     <dgm:pt modelId="{39840B04-74A9-430D-8615-F9CEC991CBE5}" type="pres">
       <dgm:prSet presAssocID="{66DBE711-4A49-4547-8CF2-6E2CF867FF00}" presName="topConnNode2" presStyleLbl="node2" presStyleIdx="0" presStyleCnt="0"/>
       <dgm:spPr/>
+      <dgm:t>
+        <a:bodyPr/>
+        <a:lstStyle/>
+        <a:p>
+          <a:endParaRPr lang="en-US"/>
+        </a:p>
+      </dgm:t>
     </dgm:pt>
     <dgm:pt modelId="{D6FC57DE-2D1E-4157-9A1E-7D5508157EA1}" type="pres">
       <dgm:prSet presAssocID="{66DBE711-4A49-4547-8CF2-6E2CF867FF00}" presName="hierChild4" presStyleCnt="0"/>
@@ -1769,6 +1884,13 @@
     <dgm:pt modelId="{B3AE80F9-2103-4B71-8F02-CAB3AA4CF62D}" type="pres">
       <dgm:prSet presAssocID="{46279AFF-16FC-4AC9-A440-F482ED3920CC}" presName="Name28" presStyleLbl="parChTrans1D3" presStyleIdx="0" presStyleCnt="1"/>
       <dgm:spPr/>
+      <dgm:t>
+        <a:bodyPr/>
+        <a:lstStyle/>
+        <a:p>
+          <a:endParaRPr lang="en-US"/>
+        </a:p>
+      </dgm:t>
     </dgm:pt>
     <dgm:pt modelId="{0DE31544-1B06-4115-B8E2-0FB503082091}" type="pres">
       <dgm:prSet presAssocID="{B27876A7-3F8C-431C-956B-7EAC02A1E33F}" presName="hierRoot2" presStyleCnt="0">
@@ -1798,43 +1920,15 @@
       </dgm:t>
     </dgm:pt>
     <dgm:pt modelId="{9547FDBC-85F8-4482-875B-2A91930BD865}" type="pres">
-      <dgm:prSet presAssocID="{B27876A7-3F8C-431C-956B-7EAC02A1E33F}" presName="topArc2" presStyleLbl="parChTrans1D1" presStyleIdx="4" presStyleCnt="32"/>
+      <dgm:prSet presAssocID="{B27876A7-3F8C-431C-956B-7EAC02A1E33F}" presName="topArc2" presStyleLbl="parChTrans1D1" presStyleIdx="4" presStyleCnt="36"/>
       <dgm:spPr/>
     </dgm:pt>
     <dgm:pt modelId="{7E1F0D96-FEDE-492B-BA91-2077254DDF1F}" type="pres">
-      <dgm:prSet presAssocID="{B27876A7-3F8C-431C-956B-7EAC02A1E33F}" presName="bottomArc2" presStyleLbl="parChTrans1D1" presStyleIdx="5" presStyleCnt="32"/>
+      <dgm:prSet presAssocID="{B27876A7-3F8C-431C-956B-7EAC02A1E33F}" presName="bottomArc2" presStyleLbl="parChTrans1D1" presStyleIdx="5" presStyleCnt="36"/>
       <dgm:spPr/>
     </dgm:pt>
     <dgm:pt modelId="{AC8F9C80-B792-406D-9BE6-FE9A429B2B0D}" type="pres">
       <dgm:prSet presAssocID="{B27876A7-3F8C-431C-956B-7EAC02A1E33F}" presName="topConnNode2" presStyleLbl="node3" presStyleIdx="0" presStyleCnt="0"/>
-      <dgm:spPr/>
-    </dgm:pt>
-    <dgm:pt modelId="{527D52BA-68CA-49D7-8C44-075DE07A8C66}" type="pres">
-      <dgm:prSet presAssocID="{B27876A7-3F8C-431C-956B-7EAC02A1E33F}" presName="hierChild4" presStyleCnt="0"/>
-      <dgm:spPr/>
-    </dgm:pt>
-    <dgm:pt modelId="{D64BDF23-6061-4F23-BA11-C3AC79E0521F}" type="pres">
-      <dgm:prSet presAssocID="{0A33B44B-8D21-4976-9A1C-FE34A5948E0F}" presName="Name28" presStyleLbl="parChTrans1D4" presStyleIdx="0" presStyleCnt="13"/>
-      <dgm:spPr/>
-    </dgm:pt>
-    <dgm:pt modelId="{18DD11CC-6CEC-42C9-97B1-9336B960060D}" type="pres">
-      <dgm:prSet presAssocID="{754F64B4-FC2C-4BB2-B6C0-18D58A08CAAE}" presName="hierRoot2" presStyleCnt="0">
-        <dgm:presLayoutVars>
-          <dgm:hierBranch val="init"/>
-        </dgm:presLayoutVars>
-      </dgm:prSet>
-      <dgm:spPr/>
-    </dgm:pt>
-    <dgm:pt modelId="{4D2E8158-AD09-4E2D-8C56-56C47F4C2D4D}" type="pres">
-      <dgm:prSet presAssocID="{754F64B4-FC2C-4BB2-B6C0-18D58A08CAAE}" presName="rootComposite2" presStyleCnt="0"/>
-      <dgm:spPr/>
-    </dgm:pt>
-    <dgm:pt modelId="{FC409BB6-A1A9-44E5-A868-A18127A4C53F}" type="pres">
-      <dgm:prSet presAssocID="{754F64B4-FC2C-4BB2-B6C0-18D58A08CAAE}" presName="rootText2" presStyleLbl="alignAcc1" presStyleIdx="0" presStyleCnt="0" custScaleX="197067">
-        <dgm:presLayoutVars>
-          <dgm:chPref val="3"/>
-        </dgm:presLayoutVars>
-      </dgm:prSet>
       <dgm:spPr/>
       <dgm:t>
         <a:bodyPr/>
@@ -1844,29 +1938,20 @@
         </a:p>
       </dgm:t>
     </dgm:pt>
-    <dgm:pt modelId="{C2B0B3D4-4701-4FBD-A5EB-09D22387AE88}" type="pres">
-      <dgm:prSet presAssocID="{754F64B4-FC2C-4BB2-B6C0-18D58A08CAAE}" presName="topArc2" presStyleLbl="parChTrans1D1" presStyleIdx="6" presStyleCnt="32"/>
-      <dgm:spPr/>
-    </dgm:pt>
-    <dgm:pt modelId="{C3141B79-01EF-43C9-9EAF-41159B26E579}" type="pres">
-      <dgm:prSet presAssocID="{754F64B4-FC2C-4BB2-B6C0-18D58A08CAAE}" presName="bottomArc2" presStyleLbl="parChTrans1D1" presStyleIdx="7" presStyleCnt="32"/>
-      <dgm:spPr/>
-    </dgm:pt>
-    <dgm:pt modelId="{61EFB216-6749-4CF4-8F68-29189CDA74D0}" type="pres">
-      <dgm:prSet presAssocID="{754F64B4-FC2C-4BB2-B6C0-18D58A08CAAE}" presName="topConnNode2" presStyleLbl="node4" presStyleIdx="0" presStyleCnt="0"/>
-      <dgm:spPr/>
-    </dgm:pt>
-    <dgm:pt modelId="{1335A727-95FE-4724-B948-D55DA4EBCB2F}" type="pres">
-      <dgm:prSet presAssocID="{754F64B4-FC2C-4BB2-B6C0-18D58A08CAAE}" presName="hierChild4" presStyleCnt="0"/>
-      <dgm:spPr/>
-    </dgm:pt>
-    <dgm:pt modelId="{4010BBCA-B9B9-489D-8129-E1A83445EF26}" type="pres">
-      <dgm:prSet presAssocID="{754F64B4-FC2C-4BB2-B6C0-18D58A08CAAE}" presName="hierChild5" presStyleCnt="0"/>
+    <dgm:pt modelId="{527D52BA-68CA-49D7-8C44-075DE07A8C66}" type="pres">
+      <dgm:prSet presAssocID="{B27876A7-3F8C-431C-956B-7EAC02A1E33F}" presName="hierChild4" presStyleCnt="0"/>
       <dgm:spPr/>
     </dgm:pt>
     <dgm:pt modelId="{D8110EF7-E15B-4001-A3CB-7ADAA5444A7C}" type="pres">
-      <dgm:prSet presAssocID="{72324453-13DB-4627-ACB6-B569C90981C3}" presName="Name28" presStyleLbl="parChTrans1D4" presStyleIdx="1" presStyleCnt="13"/>
+      <dgm:prSet presAssocID="{72324453-13DB-4627-ACB6-B569C90981C3}" presName="Name28" presStyleLbl="parChTrans1D4" presStyleIdx="0" presStyleCnt="15"/>
       <dgm:spPr/>
+      <dgm:t>
+        <a:bodyPr/>
+        <a:lstStyle/>
+        <a:p>
+          <a:endParaRPr lang="en-US"/>
+        </a:p>
+      </dgm:t>
     </dgm:pt>
     <dgm:pt modelId="{90E5F86D-99A1-4F33-BA40-B8EEDF81E569}" type="pres">
       <dgm:prSet presAssocID="{A056FB49-F477-465A-B39F-FE65E20D5F2A}" presName="hierRoot2" presStyleCnt="0">
@@ -1881,32 +1966,53 @@
       <dgm:spPr/>
     </dgm:pt>
     <dgm:pt modelId="{E0D2B6F8-DBD2-46D6-9746-95F8869D9A07}" type="pres">
-      <dgm:prSet presAssocID="{A056FB49-F477-465A-B39F-FE65E20D5F2A}" presName="rootText2" presStyleLbl="alignAcc1" presStyleIdx="0" presStyleCnt="0" custScaleX="285198">
+      <dgm:prSet presAssocID="{A056FB49-F477-465A-B39F-FE65E20D5F2A}" presName="rootText2" presStyleLbl="alignAcc1" presStyleIdx="0" presStyleCnt="0" custScaleX="348742">
         <dgm:presLayoutVars>
           <dgm:chPref val="3"/>
         </dgm:presLayoutVars>
       </dgm:prSet>
       <dgm:spPr/>
+      <dgm:t>
+        <a:bodyPr/>
+        <a:lstStyle/>
+        <a:p>
+          <a:endParaRPr lang="en-US"/>
+        </a:p>
+      </dgm:t>
     </dgm:pt>
     <dgm:pt modelId="{E31517EB-C846-4A00-93D5-87480B62B81A}" type="pres">
-      <dgm:prSet presAssocID="{A056FB49-F477-465A-B39F-FE65E20D5F2A}" presName="topArc2" presStyleLbl="parChTrans1D1" presStyleIdx="8" presStyleCnt="32"/>
+      <dgm:prSet presAssocID="{A056FB49-F477-465A-B39F-FE65E20D5F2A}" presName="topArc2" presStyleLbl="parChTrans1D1" presStyleIdx="6" presStyleCnt="36"/>
       <dgm:spPr/>
     </dgm:pt>
     <dgm:pt modelId="{5850E104-533A-4AD8-810B-0172E1ECD260}" type="pres">
-      <dgm:prSet presAssocID="{A056FB49-F477-465A-B39F-FE65E20D5F2A}" presName="bottomArc2" presStyleLbl="parChTrans1D1" presStyleIdx="9" presStyleCnt="32"/>
+      <dgm:prSet presAssocID="{A056FB49-F477-465A-B39F-FE65E20D5F2A}" presName="bottomArc2" presStyleLbl="parChTrans1D1" presStyleIdx="7" presStyleCnt="36"/>
       <dgm:spPr/>
     </dgm:pt>
     <dgm:pt modelId="{148AE8B7-38E0-48F6-AEF7-9463C452981A}" type="pres">
       <dgm:prSet presAssocID="{A056FB49-F477-465A-B39F-FE65E20D5F2A}" presName="topConnNode2" presStyleLbl="node4" presStyleIdx="0" presStyleCnt="0"/>
       <dgm:spPr/>
+      <dgm:t>
+        <a:bodyPr/>
+        <a:lstStyle/>
+        <a:p>
+          <a:endParaRPr lang="en-US"/>
+        </a:p>
+      </dgm:t>
     </dgm:pt>
     <dgm:pt modelId="{E1E75EB5-FF2B-4B82-ABC1-7615A2A0B3AF}" type="pres">
       <dgm:prSet presAssocID="{A056FB49-F477-465A-B39F-FE65E20D5F2A}" presName="hierChild4" presStyleCnt="0"/>
       <dgm:spPr/>
     </dgm:pt>
     <dgm:pt modelId="{6FF57E50-04A8-4951-847A-2C725B24ABB4}" type="pres">
-      <dgm:prSet presAssocID="{884BB362-3BD4-4CA6-ADD3-538298516D23}" presName="Name28" presStyleLbl="parChTrans1D4" presStyleIdx="2" presStyleCnt="13"/>
+      <dgm:prSet presAssocID="{884BB362-3BD4-4CA6-ADD3-538298516D23}" presName="Name28" presStyleLbl="parChTrans1D4" presStyleIdx="1" presStyleCnt="15"/>
       <dgm:spPr/>
+      <dgm:t>
+        <a:bodyPr/>
+        <a:lstStyle/>
+        <a:p>
+          <a:endParaRPr lang="en-US"/>
+        </a:p>
+      </dgm:t>
     </dgm:pt>
     <dgm:pt modelId="{D13FA9DF-6A94-477F-ACFE-3D5A5585B404}" type="pres">
       <dgm:prSet presAssocID="{0A49A00D-6E82-4D45-9E4A-6FDEE4EEA527}" presName="hierRoot2" presStyleCnt="0">
@@ -1936,16 +2042,23 @@
       </dgm:t>
     </dgm:pt>
     <dgm:pt modelId="{146E1CFA-54DB-425B-9FA0-F19AC302FCB0}" type="pres">
-      <dgm:prSet presAssocID="{0A49A00D-6E82-4D45-9E4A-6FDEE4EEA527}" presName="topArc2" presStyleLbl="parChTrans1D1" presStyleIdx="10" presStyleCnt="32"/>
+      <dgm:prSet presAssocID="{0A49A00D-6E82-4D45-9E4A-6FDEE4EEA527}" presName="topArc2" presStyleLbl="parChTrans1D1" presStyleIdx="8" presStyleCnt="36"/>
       <dgm:spPr/>
     </dgm:pt>
     <dgm:pt modelId="{D141DC33-1FD7-42E5-A6C7-7E60DC2ED7E0}" type="pres">
-      <dgm:prSet presAssocID="{0A49A00D-6E82-4D45-9E4A-6FDEE4EEA527}" presName="bottomArc2" presStyleLbl="parChTrans1D1" presStyleIdx="11" presStyleCnt="32"/>
+      <dgm:prSet presAssocID="{0A49A00D-6E82-4D45-9E4A-6FDEE4EEA527}" presName="bottomArc2" presStyleLbl="parChTrans1D1" presStyleIdx="9" presStyleCnt="36"/>
       <dgm:spPr/>
     </dgm:pt>
     <dgm:pt modelId="{A9DED617-FFF3-4BE5-ABFC-DA272A85657E}" type="pres">
       <dgm:prSet presAssocID="{0A49A00D-6E82-4D45-9E4A-6FDEE4EEA527}" presName="topConnNode2" presStyleLbl="node4" presStyleIdx="0" presStyleCnt="0"/>
       <dgm:spPr/>
+      <dgm:t>
+        <a:bodyPr/>
+        <a:lstStyle/>
+        <a:p>
+          <a:endParaRPr lang="en-US"/>
+        </a:p>
+      </dgm:t>
     </dgm:pt>
     <dgm:pt modelId="{5BE19DF6-601C-42EE-A4D8-A6285A57C589}" type="pres">
       <dgm:prSet presAssocID="{0A49A00D-6E82-4D45-9E4A-6FDEE4EEA527}" presName="hierChild4" presStyleCnt="0"/>
@@ -1956,8 +2069,15 @@
       <dgm:spPr/>
     </dgm:pt>
     <dgm:pt modelId="{77AFC571-5D4A-4713-BAD2-B2F043D9E4F0}" type="pres">
-      <dgm:prSet presAssocID="{2BA41C0E-3BD3-4FAC-986D-6CC8E2028BC7}" presName="Name28" presStyleLbl="parChTrans1D4" presStyleIdx="3" presStyleCnt="13"/>
+      <dgm:prSet presAssocID="{2BA41C0E-3BD3-4FAC-986D-6CC8E2028BC7}" presName="Name28" presStyleLbl="parChTrans1D4" presStyleIdx="2" presStyleCnt="15"/>
       <dgm:spPr/>
+      <dgm:t>
+        <a:bodyPr/>
+        <a:lstStyle/>
+        <a:p>
+          <a:endParaRPr lang="en-US"/>
+        </a:p>
+      </dgm:t>
     </dgm:pt>
     <dgm:pt modelId="{2BDF6056-519B-4249-9807-17118A7B9F60}" type="pres">
       <dgm:prSet presAssocID="{D4DBD54D-CAAC-4F67-8AC9-F0FF09111B76}" presName="hierRoot2" presStyleCnt="0">
@@ -1978,18 +2098,32 @@
         </dgm:presLayoutVars>
       </dgm:prSet>
       <dgm:spPr/>
+      <dgm:t>
+        <a:bodyPr/>
+        <a:lstStyle/>
+        <a:p>
+          <a:endParaRPr lang="en-US"/>
+        </a:p>
+      </dgm:t>
     </dgm:pt>
     <dgm:pt modelId="{288875E8-CD6F-4FD8-8F03-8BBD78219C3A}" type="pres">
-      <dgm:prSet presAssocID="{D4DBD54D-CAAC-4F67-8AC9-F0FF09111B76}" presName="topArc2" presStyleLbl="parChTrans1D1" presStyleIdx="12" presStyleCnt="32"/>
+      <dgm:prSet presAssocID="{D4DBD54D-CAAC-4F67-8AC9-F0FF09111B76}" presName="topArc2" presStyleLbl="parChTrans1D1" presStyleIdx="10" presStyleCnt="36"/>
       <dgm:spPr/>
     </dgm:pt>
     <dgm:pt modelId="{FA2DD701-E4E3-4B86-AAA9-C10491ED0A3E}" type="pres">
-      <dgm:prSet presAssocID="{D4DBD54D-CAAC-4F67-8AC9-F0FF09111B76}" presName="bottomArc2" presStyleLbl="parChTrans1D1" presStyleIdx="13" presStyleCnt="32"/>
+      <dgm:prSet presAssocID="{D4DBD54D-CAAC-4F67-8AC9-F0FF09111B76}" presName="bottomArc2" presStyleLbl="parChTrans1D1" presStyleIdx="11" presStyleCnt="36"/>
       <dgm:spPr/>
     </dgm:pt>
     <dgm:pt modelId="{304EE8DC-74F9-4EA2-A898-F562AB921F08}" type="pres">
       <dgm:prSet presAssocID="{D4DBD54D-CAAC-4F67-8AC9-F0FF09111B76}" presName="topConnNode2" presStyleLbl="node4" presStyleIdx="0" presStyleCnt="0"/>
       <dgm:spPr/>
+      <dgm:t>
+        <a:bodyPr/>
+        <a:lstStyle/>
+        <a:p>
+          <a:endParaRPr lang="en-US"/>
+        </a:p>
+      </dgm:t>
     </dgm:pt>
     <dgm:pt modelId="{D42D4020-116D-4544-B547-2A60F80DA6A5}" type="pres">
       <dgm:prSet presAssocID="{D4DBD54D-CAAC-4F67-8AC9-F0FF09111B76}" presName="hierChild4" presStyleCnt="0"/>
@@ -2004,8 +2138,15 @@
       <dgm:spPr/>
     </dgm:pt>
     <dgm:pt modelId="{B4F2084F-355C-4A22-A705-3DDCE1749361}" type="pres">
-      <dgm:prSet presAssocID="{153103D2-A285-4A1F-B43F-97FF1E941393}" presName="Name28" presStyleLbl="parChTrans1D4" presStyleIdx="4" presStyleCnt="13"/>
+      <dgm:prSet presAssocID="{153103D2-A285-4A1F-B43F-97FF1E941393}" presName="Name28" presStyleLbl="parChTrans1D4" presStyleIdx="3" presStyleCnt="15"/>
       <dgm:spPr/>
+      <dgm:t>
+        <a:bodyPr/>
+        <a:lstStyle/>
+        <a:p>
+          <a:endParaRPr lang="en-US"/>
+        </a:p>
+      </dgm:t>
     </dgm:pt>
     <dgm:pt modelId="{94732B17-1B83-4263-93FC-41C8AB711E14}" type="pres">
       <dgm:prSet presAssocID="{AD0F264C-28C5-43BA-86B4-8733D972B0FF}" presName="hierRoot2" presStyleCnt="0">
@@ -2035,24 +2176,96 @@
       </dgm:t>
     </dgm:pt>
     <dgm:pt modelId="{097E3815-5124-496B-A12D-0E759A531691}" type="pres">
-      <dgm:prSet presAssocID="{AD0F264C-28C5-43BA-86B4-8733D972B0FF}" presName="topArc2" presStyleLbl="parChTrans1D1" presStyleIdx="14" presStyleCnt="32"/>
+      <dgm:prSet presAssocID="{AD0F264C-28C5-43BA-86B4-8733D972B0FF}" presName="topArc2" presStyleLbl="parChTrans1D1" presStyleIdx="12" presStyleCnt="36"/>
       <dgm:spPr/>
     </dgm:pt>
     <dgm:pt modelId="{9F87DB24-2326-4139-8CBF-41A595E83F31}" type="pres">
-      <dgm:prSet presAssocID="{AD0F264C-28C5-43BA-86B4-8733D972B0FF}" presName="bottomArc2" presStyleLbl="parChTrans1D1" presStyleIdx="15" presStyleCnt="32"/>
+      <dgm:prSet presAssocID="{AD0F264C-28C5-43BA-86B4-8733D972B0FF}" presName="bottomArc2" presStyleLbl="parChTrans1D1" presStyleIdx="13" presStyleCnt="36"/>
       <dgm:spPr/>
     </dgm:pt>
     <dgm:pt modelId="{93E80003-D8D9-406A-99A3-533244C42A0E}" type="pres">
       <dgm:prSet presAssocID="{AD0F264C-28C5-43BA-86B4-8733D972B0FF}" presName="topConnNode2" presStyleLbl="node4" presStyleIdx="0" presStyleCnt="0"/>
       <dgm:spPr/>
+      <dgm:t>
+        <a:bodyPr/>
+        <a:lstStyle/>
+        <a:p>
+          <a:endParaRPr lang="en-US"/>
+        </a:p>
+      </dgm:t>
     </dgm:pt>
     <dgm:pt modelId="{B827676D-834A-4CC5-8D61-97E98D36F963}" type="pres">
       <dgm:prSet presAssocID="{AD0F264C-28C5-43BA-86B4-8733D972B0FF}" presName="hierChild4" presStyleCnt="0"/>
       <dgm:spPr/>
     </dgm:pt>
+    <dgm:pt modelId="{0E025C5C-57D9-444F-B0C2-7AF9C3D9CB9A}" type="pres">
+      <dgm:prSet presAssocID="{C18AE9E4-58C3-4D76-A5FB-6AB6DCC5F6CE}" presName="Name28" presStyleLbl="parChTrans1D4" presStyleIdx="4" presStyleCnt="15"/>
+      <dgm:spPr/>
+    </dgm:pt>
+    <dgm:pt modelId="{C5EDF823-32C3-47D5-B733-EFC17EBAE5C1}" type="pres">
+      <dgm:prSet presAssocID="{A1EC8075-019A-443B-A990-CF7F53DE9B6C}" presName="hierRoot2" presStyleCnt="0">
+        <dgm:presLayoutVars>
+          <dgm:hierBranch val="init"/>
+        </dgm:presLayoutVars>
+      </dgm:prSet>
+      <dgm:spPr/>
+    </dgm:pt>
+    <dgm:pt modelId="{F2AA286A-F220-4255-8C94-E786BCB7A9D2}" type="pres">
+      <dgm:prSet presAssocID="{A1EC8075-019A-443B-A990-CF7F53DE9B6C}" presName="rootComposite2" presStyleCnt="0"/>
+      <dgm:spPr/>
+    </dgm:pt>
+    <dgm:pt modelId="{8AB6158F-8531-4243-9B9E-F063F6D62F02}" type="pres">
+      <dgm:prSet presAssocID="{A1EC8075-019A-443B-A990-CF7F53DE9B6C}" presName="rootText2" presStyleLbl="alignAcc1" presStyleIdx="0" presStyleCnt="0" custScaleX="171901">
+        <dgm:presLayoutVars>
+          <dgm:chPref val="3"/>
+        </dgm:presLayoutVars>
+      </dgm:prSet>
+      <dgm:spPr/>
+      <dgm:t>
+        <a:bodyPr/>
+        <a:lstStyle/>
+        <a:p>
+          <a:endParaRPr lang="en-US"/>
+        </a:p>
+      </dgm:t>
+    </dgm:pt>
+    <dgm:pt modelId="{5EBF7DAF-B9CC-430C-9A32-FEC851E299DE}" type="pres">
+      <dgm:prSet presAssocID="{A1EC8075-019A-443B-A990-CF7F53DE9B6C}" presName="topArc2" presStyleLbl="parChTrans1D1" presStyleIdx="14" presStyleCnt="36"/>
+      <dgm:spPr/>
+    </dgm:pt>
+    <dgm:pt modelId="{B39AAD30-56C5-4B5C-A5FE-F7EE6B698A6F}" type="pres">
+      <dgm:prSet presAssocID="{A1EC8075-019A-443B-A990-CF7F53DE9B6C}" presName="bottomArc2" presStyleLbl="parChTrans1D1" presStyleIdx="15" presStyleCnt="36"/>
+      <dgm:spPr/>
+    </dgm:pt>
+    <dgm:pt modelId="{16E10861-320A-4751-8F93-EF257D70805C}" type="pres">
+      <dgm:prSet presAssocID="{A1EC8075-019A-443B-A990-CF7F53DE9B6C}" presName="topConnNode2" presStyleLbl="node4" presStyleIdx="0" presStyleCnt="0"/>
+      <dgm:spPr/>
+      <dgm:t>
+        <a:bodyPr/>
+        <a:lstStyle/>
+        <a:p>
+          <a:endParaRPr lang="en-US"/>
+        </a:p>
+      </dgm:t>
+    </dgm:pt>
+    <dgm:pt modelId="{EE3F7EB5-0792-4C16-B6C0-8581C98A848F}" type="pres">
+      <dgm:prSet presAssocID="{A1EC8075-019A-443B-A990-CF7F53DE9B6C}" presName="hierChild4" presStyleCnt="0"/>
+      <dgm:spPr/>
+    </dgm:pt>
+    <dgm:pt modelId="{8FED2C8B-F894-48E4-9D0F-B4718B9118D8}" type="pres">
+      <dgm:prSet presAssocID="{A1EC8075-019A-443B-A990-CF7F53DE9B6C}" presName="hierChild5" presStyleCnt="0"/>
+      <dgm:spPr/>
+    </dgm:pt>
     <dgm:pt modelId="{B168139D-9638-4836-9432-0FB779B3B428}" type="pres">
-      <dgm:prSet presAssocID="{8D7FDFAF-5840-48AE-905E-FEC26B5CBEBE}" presName="Name28" presStyleLbl="parChTrans1D4" presStyleIdx="5" presStyleCnt="13"/>
+      <dgm:prSet presAssocID="{8D7FDFAF-5840-48AE-905E-FEC26B5CBEBE}" presName="Name28" presStyleLbl="parChTrans1D4" presStyleIdx="5" presStyleCnt="15"/>
       <dgm:spPr/>
+      <dgm:t>
+        <a:bodyPr/>
+        <a:lstStyle/>
+        <a:p>
+          <a:endParaRPr lang="en-US"/>
+        </a:p>
+      </dgm:t>
     </dgm:pt>
     <dgm:pt modelId="{0F091016-C307-4E01-9B99-A2D945757FC5}" type="pres">
       <dgm:prSet presAssocID="{5F413A98-045E-4A43-AC3C-B2E8D07F4B83}" presName="hierRoot2" presStyleCnt="0">
@@ -2082,16 +2295,23 @@
       </dgm:t>
     </dgm:pt>
     <dgm:pt modelId="{0342C0EC-4FAA-42C0-A8B6-F4C9EF916262}" type="pres">
-      <dgm:prSet presAssocID="{5F413A98-045E-4A43-AC3C-B2E8D07F4B83}" presName="topArc2" presStyleLbl="parChTrans1D1" presStyleIdx="16" presStyleCnt="32"/>
+      <dgm:prSet presAssocID="{5F413A98-045E-4A43-AC3C-B2E8D07F4B83}" presName="topArc2" presStyleLbl="parChTrans1D1" presStyleIdx="16" presStyleCnt="36"/>
       <dgm:spPr/>
     </dgm:pt>
     <dgm:pt modelId="{771EFBD6-F752-4C5D-A2EB-73C2B557B48B}" type="pres">
-      <dgm:prSet presAssocID="{5F413A98-045E-4A43-AC3C-B2E8D07F4B83}" presName="bottomArc2" presStyleLbl="parChTrans1D1" presStyleIdx="17" presStyleCnt="32"/>
+      <dgm:prSet presAssocID="{5F413A98-045E-4A43-AC3C-B2E8D07F4B83}" presName="bottomArc2" presStyleLbl="parChTrans1D1" presStyleIdx="17" presStyleCnt="36"/>
       <dgm:spPr/>
     </dgm:pt>
     <dgm:pt modelId="{E3829788-7D38-4CB5-9F9B-856D393113D2}" type="pres">
       <dgm:prSet presAssocID="{5F413A98-045E-4A43-AC3C-B2E8D07F4B83}" presName="topConnNode2" presStyleLbl="node4" presStyleIdx="0" presStyleCnt="0"/>
       <dgm:spPr/>
+      <dgm:t>
+        <a:bodyPr/>
+        <a:lstStyle/>
+        <a:p>
+          <a:endParaRPr lang="en-US"/>
+        </a:p>
+      </dgm:t>
     </dgm:pt>
     <dgm:pt modelId="{9FF9B21B-06C1-4D0D-A9A1-0C10287FF4AD}" type="pres">
       <dgm:prSet presAssocID="{5F413A98-045E-4A43-AC3C-B2E8D07F4B83}" presName="hierChild4" presStyleCnt="0"/>
@@ -2102,8 +2322,15 @@
       <dgm:spPr/>
     </dgm:pt>
     <dgm:pt modelId="{95646D47-2327-4564-85D8-6CCBB654AD0A}" type="pres">
-      <dgm:prSet presAssocID="{97068351-7F29-4DB1-A0B4-9EBF9D77EEEF}" presName="Name28" presStyleLbl="parChTrans1D4" presStyleIdx="6" presStyleCnt="13"/>
+      <dgm:prSet presAssocID="{97068351-7F29-4DB1-A0B4-9EBF9D77EEEF}" presName="Name28" presStyleLbl="parChTrans1D4" presStyleIdx="6" presStyleCnt="15"/>
       <dgm:spPr/>
+      <dgm:t>
+        <a:bodyPr/>
+        <a:lstStyle/>
+        <a:p>
+          <a:endParaRPr lang="en-US"/>
+        </a:p>
+      </dgm:t>
     </dgm:pt>
     <dgm:pt modelId="{8C239C94-EB6B-4878-BE3B-B634EA643BEE}" type="pres">
       <dgm:prSet presAssocID="{D26629C5-CAC0-40C0-8699-E3F9E6C2F5BE}" presName="hierRoot2" presStyleCnt="0">
@@ -2133,16 +2360,23 @@
       </dgm:t>
     </dgm:pt>
     <dgm:pt modelId="{F4E7FFED-36B0-487A-883C-7055BE2DABA7}" type="pres">
-      <dgm:prSet presAssocID="{D26629C5-CAC0-40C0-8699-E3F9E6C2F5BE}" presName="topArc2" presStyleLbl="parChTrans1D1" presStyleIdx="18" presStyleCnt="32"/>
+      <dgm:prSet presAssocID="{D26629C5-CAC0-40C0-8699-E3F9E6C2F5BE}" presName="topArc2" presStyleLbl="parChTrans1D1" presStyleIdx="18" presStyleCnt="36"/>
       <dgm:spPr/>
     </dgm:pt>
     <dgm:pt modelId="{B311A944-5DE4-43A2-B2A4-39FC75C91AC0}" type="pres">
-      <dgm:prSet presAssocID="{D26629C5-CAC0-40C0-8699-E3F9E6C2F5BE}" presName="bottomArc2" presStyleLbl="parChTrans1D1" presStyleIdx="19" presStyleCnt="32"/>
+      <dgm:prSet presAssocID="{D26629C5-CAC0-40C0-8699-E3F9E6C2F5BE}" presName="bottomArc2" presStyleLbl="parChTrans1D1" presStyleIdx="19" presStyleCnt="36"/>
       <dgm:spPr/>
     </dgm:pt>
     <dgm:pt modelId="{50357888-1378-470F-BA05-929C6044EC6D}" type="pres">
       <dgm:prSet presAssocID="{D26629C5-CAC0-40C0-8699-E3F9E6C2F5BE}" presName="topConnNode2" presStyleLbl="node4" presStyleIdx="0" presStyleCnt="0"/>
       <dgm:spPr/>
+      <dgm:t>
+        <a:bodyPr/>
+        <a:lstStyle/>
+        <a:p>
+          <a:endParaRPr lang="en-US"/>
+        </a:p>
+      </dgm:t>
     </dgm:pt>
     <dgm:pt modelId="{3C190C30-6092-46B1-B5FD-23FB45CD81BF}" type="pres">
       <dgm:prSet presAssocID="{D26629C5-CAC0-40C0-8699-E3F9E6C2F5BE}" presName="hierChild4" presStyleCnt="0"/>
@@ -2153,8 +2387,15 @@
       <dgm:spPr/>
     </dgm:pt>
     <dgm:pt modelId="{B28CA9DD-8294-4623-899E-179B2A328D7B}" type="pres">
-      <dgm:prSet presAssocID="{00204AB6-E9C2-44DD-9E72-C0766D735CE9}" presName="Name28" presStyleLbl="parChTrans1D4" presStyleIdx="7" presStyleCnt="13"/>
+      <dgm:prSet presAssocID="{00204AB6-E9C2-44DD-9E72-C0766D735CE9}" presName="Name28" presStyleLbl="parChTrans1D4" presStyleIdx="7" presStyleCnt="15"/>
       <dgm:spPr/>
+      <dgm:t>
+        <a:bodyPr/>
+        <a:lstStyle/>
+        <a:p>
+          <a:endParaRPr lang="en-US"/>
+        </a:p>
+      </dgm:t>
     </dgm:pt>
     <dgm:pt modelId="{3B4F9774-F6B4-4B98-AE79-AB7F561BF536}" type="pres">
       <dgm:prSet presAssocID="{AB4FBE87-8274-4C06-B27D-91DEA9C21018}" presName="hierRoot2" presStyleCnt="0">
@@ -2175,18 +2416,32 @@
         </dgm:presLayoutVars>
       </dgm:prSet>
       <dgm:spPr/>
+      <dgm:t>
+        <a:bodyPr/>
+        <a:lstStyle/>
+        <a:p>
+          <a:endParaRPr lang="en-US"/>
+        </a:p>
+      </dgm:t>
     </dgm:pt>
     <dgm:pt modelId="{06A44381-AC88-41A2-B1C3-0D0C4B9A0DBE}" type="pres">
-      <dgm:prSet presAssocID="{AB4FBE87-8274-4C06-B27D-91DEA9C21018}" presName="topArc2" presStyleLbl="parChTrans1D1" presStyleIdx="20" presStyleCnt="32"/>
+      <dgm:prSet presAssocID="{AB4FBE87-8274-4C06-B27D-91DEA9C21018}" presName="topArc2" presStyleLbl="parChTrans1D1" presStyleIdx="20" presStyleCnt="36"/>
       <dgm:spPr/>
     </dgm:pt>
     <dgm:pt modelId="{5BF4901D-BB48-46E9-B4BB-EEFFC736A225}" type="pres">
-      <dgm:prSet presAssocID="{AB4FBE87-8274-4C06-B27D-91DEA9C21018}" presName="bottomArc2" presStyleLbl="parChTrans1D1" presStyleIdx="21" presStyleCnt="32"/>
+      <dgm:prSet presAssocID="{AB4FBE87-8274-4C06-B27D-91DEA9C21018}" presName="bottomArc2" presStyleLbl="parChTrans1D1" presStyleIdx="21" presStyleCnt="36"/>
       <dgm:spPr/>
     </dgm:pt>
     <dgm:pt modelId="{6D2325CE-F490-4991-A56A-892EB5356C74}" type="pres">
       <dgm:prSet presAssocID="{AB4FBE87-8274-4C06-B27D-91DEA9C21018}" presName="topConnNode2" presStyleLbl="node4" presStyleIdx="0" presStyleCnt="0"/>
       <dgm:spPr/>
+      <dgm:t>
+        <a:bodyPr/>
+        <a:lstStyle/>
+        <a:p>
+          <a:endParaRPr lang="en-US"/>
+        </a:p>
+      </dgm:t>
     </dgm:pt>
     <dgm:pt modelId="{AFA4E276-5BCB-4BC0-827F-FC03D8767578}" type="pres">
       <dgm:prSet presAssocID="{AB4FBE87-8274-4C06-B27D-91DEA9C21018}" presName="hierChild4" presStyleCnt="0"/>
@@ -2201,8 +2456,15 @@
       <dgm:spPr/>
     </dgm:pt>
     <dgm:pt modelId="{879EC2B6-EEFE-4B35-BE06-9E3A52093AE1}" type="pres">
-      <dgm:prSet presAssocID="{2B04B022-3D96-4962-AF3D-E9DB13CF6F2C}" presName="Name28" presStyleLbl="parChTrans1D4" presStyleIdx="8" presStyleCnt="13"/>
+      <dgm:prSet presAssocID="{2B04B022-3D96-4962-AF3D-E9DB13CF6F2C}" presName="Name28" presStyleLbl="parChTrans1D4" presStyleIdx="8" presStyleCnt="15"/>
       <dgm:spPr/>
+      <dgm:t>
+        <a:bodyPr/>
+        <a:lstStyle/>
+        <a:p>
+          <a:endParaRPr lang="en-US"/>
+        </a:p>
+      </dgm:t>
     </dgm:pt>
     <dgm:pt modelId="{0FD287A4-4877-450B-8610-06E7033A13C9}" type="pres">
       <dgm:prSet presAssocID="{30E7A03F-7F3A-4CF1-8860-75644279B951}" presName="hierRoot2" presStyleCnt="0">
@@ -2223,26 +2485,47 @@
         </dgm:presLayoutVars>
       </dgm:prSet>
       <dgm:spPr/>
+      <dgm:t>
+        <a:bodyPr/>
+        <a:lstStyle/>
+        <a:p>
+          <a:endParaRPr lang="en-US"/>
+        </a:p>
+      </dgm:t>
     </dgm:pt>
     <dgm:pt modelId="{3FBB455D-F200-4BA3-8A4B-AE5615495DA5}" type="pres">
-      <dgm:prSet presAssocID="{30E7A03F-7F3A-4CF1-8860-75644279B951}" presName="topArc2" presStyleLbl="parChTrans1D1" presStyleIdx="22" presStyleCnt="32"/>
+      <dgm:prSet presAssocID="{30E7A03F-7F3A-4CF1-8860-75644279B951}" presName="topArc2" presStyleLbl="parChTrans1D1" presStyleIdx="22" presStyleCnt="36"/>
       <dgm:spPr/>
     </dgm:pt>
     <dgm:pt modelId="{A1B29CD6-71A4-407E-AE3F-A9DF4AAAC1AA}" type="pres">
-      <dgm:prSet presAssocID="{30E7A03F-7F3A-4CF1-8860-75644279B951}" presName="bottomArc2" presStyleLbl="parChTrans1D1" presStyleIdx="23" presStyleCnt="32"/>
+      <dgm:prSet presAssocID="{30E7A03F-7F3A-4CF1-8860-75644279B951}" presName="bottomArc2" presStyleLbl="parChTrans1D1" presStyleIdx="23" presStyleCnt="36"/>
       <dgm:spPr/>
     </dgm:pt>
     <dgm:pt modelId="{D2B4C66E-4A36-4456-B801-30C1FD84ED6F}" type="pres">
       <dgm:prSet presAssocID="{30E7A03F-7F3A-4CF1-8860-75644279B951}" presName="topConnNode2" presStyleLbl="node4" presStyleIdx="0" presStyleCnt="0"/>
       <dgm:spPr/>
+      <dgm:t>
+        <a:bodyPr/>
+        <a:lstStyle/>
+        <a:p>
+          <a:endParaRPr lang="en-US"/>
+        </a:p>
+      </dgm:t>
     </dgm:pt>
     <dgm:pt modelId="{65F7894B-3F1F-4CB5-A4CB-75CE57687AAA}" type="pres">
       <dgm:prSet presAssocID="{30E7A03F-7F3A-4CF1-8860-75644279B951}" presName="hierChild4" presStyleCnt="0"/>
       <dgm:spPr/>
     </dgm:pt>
     <dgm:pt modelId="{F30CD632-7AB3-4157-8022-9A04E41C61F5}" type="pres">
-      <dgm:prSet presAssocID="{215DF587-48A2-48EC-90C5-28D4E27A3C42}" presName="Name28" presStyleLbl="parChTrans1D4" presStyleIdx="9" presStyleCnt="13"/>
+      <dgm:prSet presAssocID="{215DF587-48A2-48EC-90C5-28D4E27A3C42}" presName="Name28" presStyleLbl="parChTrans1D4" presStyleIdx="9" presStyleCnt="15"/>
       <dgm:spPr/>
+      <dgm:t>
+        <a:bodyPr/>
+        <a:lstStyle/>
+        <a:p>
+          <a:endParaRPr lang="en-US"/>
+        </a:p>
+      </dgm:t>
     </dgm:pt>
     <dgm:pt modelId="{C36E8D46-43AE-4ED0-93DD-0E5D081F659D}" type="pres">
       <dgm:prSet presAssocID="{0BD76478-B91F-44E0-A5A7-31AE58744EA4}" presName="hierRoot2" presStyleCnt="0">
@@ -2272,16 +2555,23 @@
       </dgm:t>
     </dgm:pt>
     <dgm:pt modelId="{0FB2F8A8-B9B9-494F-B897-540EBC9157CF}" type="pres">
-      <dgm:prSet presAssocID="{0BD76478-B91F-44E0-A5A7-31AE58744EA4}" presName="topArc2" presStyleLbl="parChTrans1D1" presStyleIdx="24" presStyleCnt="32"/>
+      <dgm:prSet presAssocID="{0BD76478-B91F-44E0-A5A7-31AE58744EA4}" presName="topArc2" presStyleLbl="parChTrans1D1" presStyleIdx="24" presStyleCnt="36"/>
       <dgm:spPr/>
     </dgm:pt>
     <dgm:pt modelId="{30CD97F0-2EF3-47D0-9F95-1E240EEDE1E6}" type="pres">
-      <dgm:prSet presAssocID="{0BD76478-B91F-44E0-A5A7-31AE58744EA4}" presName="bottomArc2" presStyleLbl="parChTrans1D1" presStyleIdx="25" presStyleCnt="32"/>
+      <dgm:prSet presAssocID="{0BD76478-B91F-44E0-A5A7-31AE58744EA4}" presName="bottomArc2" presStyleLbl="parChTrans1D1" presStyleIdx="25" presStyleCnt="36"/>
       <dgm:spPr/>
     </dgm:pt>
     <dgm:pt modelId="{114271C8-59B4-4C10-BA87-A00F7D17C663}" type="pres">
       <dgm:prSet presAssocID="{0BD76478-B91F-44E0-A5A7-31AE58744EA4}" presName="topConnNode2" presStyleLbl="node4" presStyleIdx="0" presStyleCnt="0"/>
       <dgm:spPr/>
+      <dgm:t>
+        <a:bodyPr/>
+        <a:lstStyle/>
+        <a:p>
+          <a:endParaRPr lang="en-US"/>
+        </a:p>
+      </dgm:t>
     </dgm:pt>
     <dgm:pt modelId="{00BC2B00-B005-4A33-BFAD-0491B27F0BC3}" type="pres">
       <dgm:prSet presAssocID="{0BD76478-B91F-44E0-A5A7-31AE58744EA4}" presName="hierChild4" presStyleCnt="0"/>
@@ -2292,8 +2582,15 @@
       <dgm:spPr/>
     </dgm:pt>
     <dgm:pt modelId="{E47EE065-A5AD-439B-A045-57636814262E}" type="pres">
-      <dgm:prSet presAssocID="{26A0D31B-9E33-4271-A888-87F357946316}" presName="Name28" presStyleLbl="parChTrans1D4" presStyleIdx="10" presStyleCnt="13"/>
+      <dgm:prSet presAssocID="{26A0D31B-9E33-4271-A888-87F357946316}" presName="Name28" presStyleLbl="parChTrans1D4" presStyleIdx="10" presStyleCnt="15"/>
       <dgm:spPr/>
+      <dgm:t>
+        <a:bodyPr/>
+        <a:lstStyle/>
+        <a:p>
+          <a:endParaRPr lang="en-US"/>
+        </a:p>
+      </dgm:t>
     </dgm:pt>
     <dgm:pt modelId="{032EA6F5-EB32-4C96-BC48-4C2B0BB35DF7}" type="pres">
       <dgm:prSet presAssocID="{220292C8-D3C9-43E3-A7D1-734FA07CC12F}" presName="hierRoot2" presStyleCnt="0">
@@ -2323,16 +2620,23 @@
       </dgm:t>
     </dgm:pt>
     <dgm:pt modelId="{C8F92E9B-A002-4473-B9BC-1178E10AFAEA}" type="pres">
-      <dgm:prSet presAssocID="{220292C8-D3C9-43E3-A7D1-734FA07CC12F}" presName="topArc2" presStyleLbl="parChTrans1D1" presStyleIdx="26" presStyleCnt="32"/>
+      <dgm:prSet presAssocID="{220292C8-D3C9-43E3-A7D1-734FA07CC12F}" presName="topArc2" presStyleLbl="parChTrans1D1" presStyleIdx="26" presStyleCnt="36"/>
       <dgm:spPr/>
     </dgm:pt>
     <dgm:pt modelId="{E496D336-07C5-40D6-8C55-28B47F0100A7}" type="pres">
-      <dgm:prSet presAssocID="{220292C8-D3C9-43E3-A7D1-734FA07CC12F}" presName="bottomArc2" presStyleLbl="parChTrans1D1" presStyleIdx="27" presStyleCnt="32"/>
+      <dgm:prSet presAssocID="{220292C8-D3C9-43E3-A7D1-734FA07CC12F}" presName="bottomArc2" presStyleLbl="parChTrans1D1" presStyleIdx="27" presStyleCnt="36"/>
       <dgm:spPr/>
     </dgm:pt>
     <dgm:pt modelId="{7ECCE2DA-38C0-4CC0-9371-403B20D68AB5}" type="pres">
       <dgm:prSet presAssocID="{220292C8-D3C9-43E3-A7D1-734FA07CC12F}" presName="topConnNode2" presStyleLbl="node4" presStyleIdx="0" presStyleCnt="0"/>
       <dgm:spPr/>
+      <dgm:t>
+        <a:bodyPr/>
+        <a:lstStyle/>
+        <a:p>
+          <a:endParaRPr lang="en-US"/>
+        </a:p>
+      </dgm:t>
     </dgm:pt>
     <dgm:pt modelId="{56464D23-9FAF-458D-8DA9-51B077B174F1}" type="pres">
       <dgm:prSet presAssocID="{220292C8-D3C9-43E3-A7D1-734FA07CC12F}" presName="hierChild4" presStyleCnt="0"/>
@@ -2343,8 +2647,15 @@
       <dgm:spPr/>
     </dgm:pt>
     <dgm:pt modelId="{A8270DEA-35D0-4217-AFFF-9FC3852CCDC3}" type="pres">
-      <dgm:prSet presAssocID="{965B1A88-B29D-4A73-8FAD-3060039D4AC2}" presName="Name28" presStyleLbl="parChTrans1D4" presStyleIdx="11" presStyleCnt="13"/>
+      <dgm:prSet presAssocID="{965B1A88-B29D-4A73-8FAD-3060039D4AC2}" presName="Name28" presStyleLbl="parChTrans1D4" presStyleIdx="11" presStyleCnt="15"/>
       <dgm:spPr/>
+      <dgm:t>
+        <a:bodyPr/>
+        <a:lstStyle/>
+        <a:p>
+          <a:endParaRPr lang="en-US"/>
+        </a:p>
+      </dgm:t>
     </dgm:pt>
     <dgm:pt modelId="{1E7AF503-ED3E-4D29-A7CD-8C7BAF52CF66}" type="pres">
       <dgm:prSet presAssocID="{C767EE05-A867-4605-905A-26AEE19E33EF}" presName="hierRoot2" presStyleCnt="0">
@@ -2374,16 +2685,23 @@
       </dgm:t>
     </dgm:pt>
     <dgm:pt modelId="{579C4178-BAB5-479D-9ABD-B92882E57EFC}" type="pres">
-      <dgm:prSet presAssocID="{C767EE05-A867-4605-905A-26AEE19E33EF}" presName="topArc2" presStyleLbl="parChTrans1D1" presStyleIdx="28" presStyleCnt="32"/>
+      <dgm:prSet presAssocID="{C767EE05-A867-4605-905A-26AEE19E33EF}" presName="topArc2" presStyleLbl="parChTrans1D1" presStyleIdx="28" presStyleCnt="36"/>
       <dgm:spPr/>
     </dgm:pt>
     <dgm:pt modelId="{016F1884-A744-4BB3-BAAE-E54C40E49009}" type="pres">
-      <dgm:prSet presAssocID="{C767EE05-A867-4605-905A-26AEE19E33EF}" presName="bottomArc2" presStyleLbl="parChTrans1D1" presStyleIdx="29" presStyleCnt="32"/>
+      <dgm:prSet presAssocID="{C767EE05-A867-4605-905A-26AEE19E33EF}" presName="bottomArc2" presStyleLbl="parChTrans1D1" presStyleIdx="29" presStyleCnt="36"/>
       <dgm:spPr/>
     </dgm:pt>
     <dgm:pt modelId="{EF04980A-0082-4377-90A6-EEA212E92C2D}" type="pres">
       <dgm:prSet presAssocID="{C767EE05-A867-4605-905A-26AEE19E33EF}" presName="topConnNode2" presStyleLbl="node4" presStyleIdx="0" presStyleCnt="0"/>
       <dgm:spPr/>
+      <dgm:t>
+        <a:bodyPr/>
+        <a:lstStyle/>
+        <a:p>
+          <a:endParaRPr lang="en-US"/>
+        </a:p>
+      </dgm:t>
     </dgm:pt>
     <dgm:pt modelId="{B7E27F65-3843-4C14-9702-7B356D1F2682}" type="pres">
       <dgm:prSet presAssocID="{C767EE05-A867-4605-905A-26AEE19E33EF}" presName="hierChild4" presStyleCnt="0"/>
@@ -2398,8 +2716,15 @@
       <dgm:spPr/>
     </dgm:pt>
     <dgm:pt modelId="{B7CCB88F-0261-4FC8-BA15-888BCD3E30A8}" type="pres">
-      <dgm:prSet presAssocID="{4F45B7B3-F24E-4744-A8FD-351D01F180EE}" presName="Name28" presStyleLbl="parChTrans1D4" presStyleIdx="12" presStyleCnt="13"/>
+      <dgm:prSet presAssocID="{4F45B7B3-F24E-4744-A8FD-351D01F180EE}" presName="Name28" presStyleLbl="parChTrans1D4" presStyleIdx="12" presStyleCnt="15"/>
       <dgm:spPr/>
+      <dgm:t>
+        <a:bodyPr/>
+        <a:lstStyle/>
+        <a:p>
+          <a:endParaRPr lang="en-US"/>
+        </a:p>
+      </dgm:t>
     </dgm:pt>
     <dgm:pt modelId="{5BF82CDA-3EFF-44AB-81F5-2C7B7581454A}" type="pres">
       <dgm:prSet presAssocID="{490EE227-96C8-47DB-BFD0-816B3A00B399}" presName="hierRoot2" presStyleCnt="0">
@@ -2429,16 +2754,23 @@
       </dgm:t>
     </dgm:pt>
     <dgm:pt modelId="{4BA432B5-D5DB-465F-A8ED-523A8038D560}" type="pres">
-      <dgm:prSet presAssocID="{490EE227-96C8-47DB-BFD0-816B3A00B399}" presName="topArc2" presStyleLbl="parChTrans1D1" presStyleIdx="30" presStyleCnt="32"/>
+      <dgm:prSet presAssocID="{490EE227-96C8-47DB-BFD0-816B3A00B399}" presName="topArc2" presStyleLbl="parChTrans1D1" presStyleIdx="30" presStyleCnt="36"/>
       <dgm:spPr/>
     </dgm:pt>
     <dgm:pt modelId="{839401B2-0EB8-4D6F-9583-15FD7D7FA762}" type="pres">
-      <dgm:prSet presAssocID="{490EE227-96C8-47DB-BFD0-816B3A00B399}" presName="bottomArc2" presStyleLbl="parChTrans1D1" presStyleIdx="31" presStyleCnt="32"/>
+      <dgm:prSet presAssocID="{490EE227-96C8-47DB-BFD0-816B3A00B399}" presName="bottomArc2" presStyleLbl="parChTrans1D1" presStyleIdx="31" presStyleCnt="36"/>
       <dgm:spPr/>
     </dgm:pt>
     <dgm:pt modelId="{D02FA1C0-FB7B-4E7B-9212-57FDD04FDDC3}" type="pres">
       <dgm:prSet presAssocID="{490EE227-96C8-47DB-BFD0-816B3A00B399}" presName="topConnNode2" presStyleLbl="node4" presStyleIdx="0" presStyleCnt="0"/>
       <dgm:spPr/>
+      <dgm:t>
+        <a:bodyPr/>
+        <a:lstStyle/>
+        <a:p>
+          <a:endParaRPr lang="en-US"/>
+        </a:p>
+      </dgm:t>
     </dgm:pt>
     <dgm:pt modelId="{A8C6ED02-9680-4673-AEA7-960FDF5C019B}" type="pres">
       <dgm:prSet presAssocID="{490EE227-96C8-47DB-BFD0-816B3A00B399}" presName="hierChild4" presStyleCnt="0"/>
@@ -2446,6 +2778,122 @@
     </dgm:pt>
     <dgm:pt modelId="{B943E816-A614-49F0-84A1-31EF2D18A4A5}" type="pres">
       <dgm:prSet presAssocID="{490EE227-96C8-47DB-BFD0-816B3A00B399}" presName="hierChild5" presStyleCnt="0"/>
+      <dgm:spPr/>
+    </dgm:pt>
+    <dgm:pt modelId="{46FC53F3-E2B4-4AB7-8C72-75B8B2949500}" type="pres">
+      <dgm:prSet presAssocID="{43A42314-2EAC-4DAD-A1A1-C6D0A51E0BAC}" presName="Name28" presStyleLbl="parChTrans1D4" presStyleIdx="13" presStyleCnt="15"/>
+      <dgm:spPr/>
+    </dgm:pt>
+    <dgm:pt modelId="{24D73316-1828-41A2-A15D-DA49E2070873}" type="pres">
+      <dgm:prSet presAssocID="{C8F89FDB-1B01-44EA-ACFF-60DB3F58DC8B}" presName="hierRoot2" presStyleCnt="0">
+        <dgm:presLayoutVars>
+          <dgm:hierBranch val="init"/>
+        </dgm:presLayoutVars>
+      </dgm:prSet>
+      <dgm:spPr/>
+    </dgm:pt>
+    <dgm:pt modelId="{DBFB1967-0B62-4FFD-824B-F7FF65F8AF64}" type="pres">
+      <dgm:prSet presAssocID="{C8F89FDB-1B01-44EA-ACFF-60DB3F58DC8B}" presName="rootComposite2" presStyleCnt="0"/>
+      <dgm:spPr/>
+    </dgm:pt>
+    <dgm:pt modelId="{3388F3EC-68C1-4585-8B64-4450B68DE8D7}" type="pres">
+      <dgm:prSet presAssocID="{C8F89FDB-1B01-44EA-ACFF-60DB3F58DC8B}" presName="rootText2" presStyleLbl="alignAcc1" presStyleIdx="0" presStyleCnt="0" custScaleX="182696">
+        <dgm:presLayoutVars>
+          <dgm:chPref val="3"/>
+        </dgm:presLayoutVars>
+      </dgm:prSet>
+      <dgm:spPr/>
+      <dgm:t>
+        <a:bodyPr/>
+        <a:lstStyle/>
+        <a:p>
+          <a:endParaRPr lang="en-US"/>
+        </a:p>
+      </dgm:t>
+    </dgm:pt>
+    <dgm:pt modelId="{85E8DC3D-2BB7-44E0-A9BB-543D93F57A2F}" type="pres">
+      <dgm:prSet presAssocID="{C8F89FDB-1B01-44EA-ACFF-60DB3F58DC8B}" presName="topArc2" presStyleLbl="parChTrans1D1" presStyleIdx="32" presStyleCnt="36"/>
+      <dgm:spPr/>
+    </dgm:pt>
+    <dgm:pt modelId="{485E0016-8DEC-4198-AC98-B9B6C594B7E5}" type="pres">
+      <dgm:prSet presAssocID="{C8F89FDB-1B01-44EA-ACFF-60DB3F58DC8B}" presName="bottomArc2" presStyleLbl="parChTrans1D1" presStyleIdx="33" presStyleCnt="36"/>
+      <dgm:spPr/>
+    </dgm:pt>
+    <dgm:pt modelId="{47960EFF-35A0-4F39-9B31-1DD1604B6344}" type="pres">
+      <dgm:prSet presAssocID="{C8F89FDB-1B01-44EA-ACFF-60DB3F58DC8B}" presName="topConnNode2" presStyleLbl="node4" presStyleIdx="0" presStyleCnt="0"/>
+      <dgm:spPr/>
+      <dgm:t>
+        <a:bodyPr/>
+        <a:lstStyle/>
+        <a:p>
+          <a:endParaRPr lang="en-US"/>
+        </a:p>
+      </dgm:t>
+    </dgm:pt>
+    <dgm:pt modelId="{EF68E7B5-83D5-43EB-83A5-4E99648C9139}" type="pres">
+      <dgm:prSet presAssocID="{C8F89FDB-1B01-44EA-ACFF-60DB3F58DC8B}" presName="hierChild4" presStyleCnt="0"/>
+      <dgm:spPr/>
+    </dgm:pt>
+    <dgm:pt modelId="{82732868-9283-4264-89D3-0FCFD97F39F8}" type="pres">
+      <dgm:prSet presAssocID="{EF2D4896-77CB-445C-877D-F11B38C2579D}" presName="Name28" presStyleLbl="parChTrans1D4" presStyleIdx="14" presStyleCnt="15"/>
+      <dgm:spPr/>
+    </dgm:pt>
+    <dgm:pt modelId="{5937D23A-43FD-4479-85D7-9D5C12EA47D8}" type="pres">
+      <dgm:prSet presAssocID="{52B1F852-D929-4D6D-AA15-BE4D72739A86}" presName="hierRoot2" presStyleCnt="0">
+        <dgm:presLayoutVars>
+          <dgm:hierBranch val="init"/>
+        </dgm:presLayoutVars>
+      </dgm:prSet>
+      <dgm:spPr/>
+    </dgm:pt>
+    <dgm:pt modelId="{10E6DAE0-5A23-471D-9EE5-F1D9AB7D02BB}" type="pres">
+      <dgm:prSet presAssocID="{52B1F852-D929-4D6D-AA15-BE4D72739A86}" presName="rootComposite2" presStyleCnt="0"/>
+      <dgm:spPr/>
+    </dgm:pt>
+    <dgm:pt modelId="{398BC3BB-B7DD-4AAF-9963-2D3D2693CB22}" type="pres">
+      <dgm:prSet presAssocID="{52B1F852-D929-4D6D-AA15-BE4D72739A86}" presName="rootText2" presStyleLbl="alignAcc1" presStyleIdx="0" presStyleCnt="0">
+        <dgm:presLayoutVars>
+          <dgm:chPref val="3"/>
+        </dgm:presLayoutVars>
+      </dgm:prSet>
+      <dgm:spPr/>
+      <dgm:t>
+        <a:bodyPr/>
+        <a:lstStyle/>
+        <a:p>
+          <a:endParaRPr lang="en-US"/>
+        </a:p>
+      </dgm:t>
+    </dgm:pt>
+    <dgm:pt modelId="{D36BDF83-1659-48B3-8941-883368C8BA30}" type="pres">
+      <dgm:prSet presAssocID="{52B1F852-D929-4D6D-AA15-BE4D72739A86}" presName="topArc2" presStyleLbl="parChTrans1D1" presStyleIdx="34" presStyleCnt="36"/>
+      <dgm:spPr/>
+    </dgm:pt>
+    <dgm:pt modelId="{402E685E-3A14-4B91-9909-DADE1CECEA5A}" type="pres">
+      <dgm:prSet presAssocID="{52B1F852-D929-4D6D-AA15-BE4D72739A86}" presName="bottomArc2" presStyleLbl="parChTrans1D1" presStyleIdx="35" presStyleCnt="36"/>
+      <dgm:spPr/>
+    </dgm:pt>
+    <dgm:pt modelId="{23B9C89C-C5CC-4045-B072-F49531FFABEE}" type="pres">
+      <dgm:prSet presAssocID="{52B1F852-D929-4D6D-AA15-BE4D72739A86}" presName="topConnNode2" presStyleLbl="node4" presStyleIdx="0" presStyleCnt="0"/>
+      <dgm:spPr/>
+      <dgm:t>
+        <a:bodyPr/>
+        <a:lstStyle/>
+        <a:p>
+          <a:endParaRPr lang="en-US"/>
+        </a:p>
+      </dgm:t>
+    </dgm:pt>
+    <dgm:pt modelId="{79C089EA-1824-4090-8260-4A468065A322}" type="pres">
+      <dgm:prSet presAssocID="{52B1F852-D929-4D6D-AA15-BE4D72739A86}" presName="hierChild4" presStyleCnt="0"/>
+      <dgm:spPr/>
+    </dgm:pt>
+    <dgm:pt modelId="{39814DF8-2651-403A-B247-66AC9BC19105}" type="pres">
+      <dgm:prSet presAssocID="{52B1F852-D929-4D6D-AA15-BE4D72739A86}" presName="hierChild5" presStyleCnt="0"/>
+      <dgm:spPr/>
+    </dgm:pt>
+    <dgm:pt modelId="{753E9FBD-9D10-4D54-8B87-DA78E0FBD04E}" type="pres">
+      <dgm:prSet presAssocID="{C8F89FDB-1B01-44EA-ACFF-60DB3F58DC8B}" presName="hierChild5" presStyleCnt="0"/>
       <dgm:spPr/>
     </dgm:pt>
     <dgm:pt modelId="{2E901098-36B9-4DC9-8852-B0339875F512}" type="pres">
@@ -2462,70 +2910,78 @@
     </dgm:pt>
   </dgm:ptLst>
   <dgm:cxnLst>
+    <dgm:cxn modelId="{C44E26DA-6481-4FEB-B9DB-8B956A70601B}" type="presOf" srcId="{97068351-7F29-4DB1-A0B4-9EBF9D77EEEF}" destId="{95646D47-2327-4564-85D8-6CCBB654AD0A}" srcOrd="0" destOrd="0" presId="urn:microsoft.com/office/officeart/2008/layout/HalfCircleOrganizationChart"/>
+    <dgm:cxn modelId="{15EFCAA0-DC20-4647-A3A0-FBBA5CD9AE5F}" srcId="{AD0F264C-28C5-43BA-86B4-8733D972B0FF}" destId="{D26629C5-CAC0-40C0-8699-E3F9E6C2F5BE}" srcOrd="2" destOrd="0" parTransId="{97068351-7F29-4DB1-A0B4-9EBF9D77EEEF}" sibTransId="{94F26AA8-03F4-42A6-8676-89B4DCBD8D69}"/>
+    <dgm:cxn modelId="{78C92855-0BDB-425B-832E-0ECF070932B6}" type="presOf" srcId="{C767EE05-A867-4605-905A-26AEE19E33EF}" destId="{EF04980A-0082-4377-90A6-EEA212E92C2D}" srcOrd="1" destOrd="0" presId="urn:microsoft.com/office/officeart/2008/layout/HalfCircleOrganizationChart"/>
+    <dgm:cxn modelId="{83B080D3-B989-4851-A285-46D6EBDAABB2}" type="presOf" srcId="{C8F89FDB-1B01-44EA-ACFF-60DB3F58DC8B}" destId="{3388F3EC-68C1-4585-8B64-4450B68DE8D7}" srcOrd="0" destOrd="0" presId="urn:microsoft.com/office/officeart/2008/layout/HalfCircleOrganizationChart"/>
+    <dgm:cxn modelId="{5344FC1B-FBD0-4D82-B692-828F3B78EEBD}" type="presOf" srcId="{153103D2-A285-4A1F-B43F-97FF1E941393}" destId="{B4F2084F-355C-4A22-A705-3DDCE1749361}" srcOrd="0" destOrd="0" presId="urn:microsoft.com/office/officeart/2008/layout/HalfCircleOrganizationChart"/>
+    <dgm:cxn modelId="{1CB6F8E4-05AE-42DD-9F49-C75DDD4AB635}" type="presOf" srcId="{52B1F852-D929-4D6D-AA15-BE4D72739A86}" destId="{398BC3BB-B7DD-4AAF-9963-2D3D2693CB22}" srcOrd="0" destOrd="0" presId="urn:microsoft.com/office/officeart/2008/layout/HalfCircleOrganizationChart"/>
+    <dgm:cxn modelId="{34BD3534-FE2E-4A4C-8219-46A253D418FD}" type="presOf" srcId="{66DBE711-4A49-4547-8CF2-6E2CF867FF00}" destId="{39840B04-74A9-430D-8615-F9CEC991CBE5}" srcOrd="1" destOrd="0" presId="urn:microsoft.com/office/officeart/2008/layout/HalfCircleOrganizationChart"/>
+    <dgm:cxn modelId="{BA0062DC-233B-48F5-B3ED-F79D4AFB6932}" type="presOf" srcId="{30E7A03F-7F3A-4CF1-8860-75644279B951}" destId="{ADE46A3D-DCE0-4E1B-9B8B-5B2E855C537B}" srcOrd="0" destOrd="0" presId="urn:microsoft.com/office/officeart/2008/layout/HalfCircleOrganizationChart"/>
+    <dgm:cxn modelId="{7F1AE16C-63C6-4A55-94AE-AEBB771448DD}" type="presOf" srcId="{7B7203B6-20DB-4281-8539-1072620383ED}" destId="{1E0C8858-A0CA-4D0A-9317-A9C531C71B03}" srcOrd="0" destOrd="0" presId="urn:microsoft.com/office/officeart/2008/layout/HalfCircleOrganizationChart"/>
+    <dgm:cxn modelId="{A9B5940E-DD21-4C89-8255-66F6BA8C8292}" type="presOf" srcId="{EF2D4896-77CB-445C-877D-F11B38C2579D}" destId="{82732868-9283-4264-89D3-0FCFD97F39F8}" srcOrd="0" destOrd="0" presId="urn:microsoft.com/office/officeart/2008/layout/HalfCircleOrganizationChart"/>
+    <dgm:cxn modelId="{E77D918A-68AA-4B1E-B522-81F8BA5B9895}" type="presOf" srcId="{C767EE05-A867-4605-905A-26AEE19E33EF}" destId="{EB104F69-8B6F-485D-BF5B-7765EC980701}" srcOrd="0" destOrd="0" presId="urn:microsoft.com/office/officeart/2008/layout/HalfCircleOrganizationChart"/>
+    <dgm:cxn modelId="{87B0C0E7-9E8A-4C09-8359-A4439AEA48D1}" srcId="{30E7A03F-7F3A-4CF1-8860-75644279B951}" destId="{220292C8-D3C9-43E3-A7D1-734FA07CC12F}" srcOrd="1" destOrd="0" parTransId="{26A0D31B-9E33-4271-A888-87F357946316}" sibTransId="{45D0FF33-0D4C-4EAF-AA6D-D07026E2F0AB}"/>
+    <dgm:cxn modelId="{BD83622E-6AA3-460A-A61F-7E1B7E7DB51D}" type="presOf" srcId="{AD0F264C-28C5-43BA-86B4-8733D972B0FF}" destId="{D07A9C80-965E-4711-A655-3460DDBA569B}" srcOrd="0" destOrd="0" presId="urn:microsoft.com/office/officeart/2008/layout/HalfCircleOrganizationChart"/>
+    <dgm:cxn modelId="{C66EAD64-C6F8-4362-A3C9-9E07558C4F90}" srcId="{B27876A7-3F8C-431C-956B-7EAC02A1E33F}" destId="{C8F89FDB-1B01-44EA-ACFF-60DB3F58DC8B}" srcOrd="4" destOrd="0" parTransId="{43A42314-2EAC-4DAD-A1A1-C6D0A51E0BAC}" sibTransId="{5EC999CD-9912-4E84-94BE-798BF19BDD17}"/>
+    <dgm:cxn modelId="{83DF9D82-5B27-4CE0-AB45-13AE9792469F}" srcId="{B27876A7-3F8C-431C-956B-7EAC02A1E33F}" destId="{A056FB49-F477-465A-B39F-FE65E20D5F2A}" srcOrd="0" destOrd="0" parTransId="{72324453-13DB-4627-ACB6-B569C90981C3}" sibTransId="{0FD712CF-FC2E-44AF-8962-CE7FD61E9453}"/>
+    <dgm:cxn modelId="{50E274FA-7594-4159-A4C7-F4AB8A8FB4A0}" type="presOf" srcId="{A056FB49-F477-465A-B39F-FE65E20D5F2A}" destId="{E0D2B6F8-DBD2-46D6-9746-95F8869D9A07}" srcOrd="0" destOrd="0" presId="urn:microsoft.com/office/officeart/2008/layout/HalfCircleOrganizationChart"/>
+    <dgm:cxn modelId="{3B6C7FAA-A541-48C6-8B09-F07D5C046818}" srcId="{AD0F264C-28C5-43BA-86B4-8733D972B0FF}" destId="{5F413A98-045E-4A43-AC3C-B2E8D07F4B83}" srcOrd="1" destOrd="0" parTransId="{8D7FDFAF-5840-48AE-905E-FEC26B5CBEBE}" sibTransId="{BC719A2C-70FA-4693-80DF-99FF9512901B}"/>
+    <dgm:cxn modelId="{BDB65EAC-A25A-4C23-AB86-0E8DFC4FE05B}" type="presOf" srcId="{D4DBD54D-CAAC-4F67-8AC9-F0FF09111B76}" destId="{304EE8DC-74F9-4EA2-A898-F562AB921F08}" srcOrd="1" destOrd="0" presId="urn:microsoft.com/office/officeart/2008/layout/HalfCircleOrganizationChart"/>
+    <dgm:cxn modelId="{5E615ADD-4DEE-470F-8968-191513C1E099}" type="presOf" srcId="{965B1A88-B29D-4A73-8FAD-3060039D4AC2}" destId="{A8270DEA-35D0-4217-AFFF-9FC3852CCDC3}" srcOrd="0" destOrd="0" presId="urn:microsoft.com/office/officeart/2008/layout/HalfCircleOrganizationChart"/>
+    <dgm:cxn modelId="{AA8B8E45-4D8A-481C-A747-9537252032D9}" type="presOf" srcId="{884BB362-3BD4-4CA6-ADD3-538298516D23}" destId="{6FF57E50-04A8-4951-847A-2C725B24ABB4}" srcOrd="0" destOrd="0" presId="urn:microsoft.com/office/officeart/2008/layout/HalfCircleOrganizationChart"/>
+    <dgm:cxn modelId="{187ABC13-14C6-4C31-8760-135C91AA51C1}" type="presOf" srcId="{C8F89FDB-1B01-44EA-ACFF-60DB3F58DC8B}" destId="{47960EFF-35A0-4F39-9B31-1DD1604B6344}" srcOrd="1" destOrd="0" presId="urn:microsoft.com/office/officeart/2008/layout/HalfCircleOrganizationChart"/>
+    <dgm:cxn modelId="{0D548FAF-0C69-4FC9-8478-0663DBA8A63F}" srcId="{B27876A7-3F8C-431C-956B-7EAC02A1E33F}" destId="{490EE227-96C8-47DB-BFD0-816B3A00B399}" srcOrd="3" destOrd="0" parTransId="{4F45B7B3-F24E-4744-A8FD-351D01F180EE}" sibTransId="{12C206E2-1248-4FB2-B8D0-372770524406}"/>
+    <dgm:cxn modelId="{34713DD1-1028-4D64-B369-009867BB9C7B}" type="presOf" srcId="{AB4FBE87-8274-4C06-B27D-91DEA9C21018}" destId="{9086CC03-1419-4E02-8816-638CF6E9BCD3}" srcOrd="0" destOrd="0" presId="urn:microsoft.com/office/officeart/2008/layout/HalfCircleOrganizationChart"/>
+    <dgm:cxn modelId="{7E6B0711-F9D0-437B-BEBA-EBFB1646B51D}" srcId="{AD0F264C-28C5-43BA-86B4-8733D972B0FF}" destId="{AB4FBE87-8274-4C06-B27D-91DEA9C21018}" srcOrd="3" destOrd="0" parTransId="{00204AB6-E9C2-44DD-9E72-C0766D735CE9}" sibTransId="{A2097CFC-43CD-4318-B720-ACBF686CA240}"/>
+    <dgm:cxn modelId="{9ED8EEEC-377F-4307-83CF-300652387270}" type="presOf" srcId="{A0CD79B0-DBD6-441D-BCFE-4C84129DFCA7}" destId="{DF023ABA-E34F-4E78-BBD3-7D55876D0B06}" srcOrd="0" destOrd="0" presId="urn:microsoft.com/office/officeart/2008/layout/HalfCircleOrganizationChart"/>
+    <dgm:cxn modelId="{426C1961-6EF1-41F9-9B0E-86224BEF07A0}" type="presOf" srcId="{4F45B7B3-F24E-4744-A8FD-351D01F180EE}" destId="{B7CCB88F-0261-4FC8-BA15-888BCD3E30A8}" srcOrd="0" destOrd="0" presId="urn:microsoft.com/office/officeart/2008/layout/HalfCircleOrganizationChart"/>
+    <dgm:cxn modelId="{D4A74953-C2D1-418A-BC23-AB480C5A35A2}" type="presOf" srcId="{220292C8-D3C9-43E3-A7D1-734FA07CC12F}" destId="{7ECCE2DA-38C0-4CC0-9371-403B20D68AB5}" srcOrd="1" destOrd="0" presId="urn:microsoft.com/office/officeart/2008/layout/HalfCircleOrganizationChart"/>
+    <dgm:cxn modelId="{B79ECE15-BEE1-4AE1-9C48-AD4FE199CD9E}" srcId="{A056FB49-F477-465A-B39F-FE65E20D5F2A}" destId="{0A49A00D-6E82-4D45-9E4A-6FDEE4EEA527}" srcOrd="0" destOrd="0" parTransId="{884BB362-3BD4-4CA6-ADD3-538298516D23}" sibTransId="{981A539E-A548-4035-8FC1-DF7F17FD35CD}"/>
+    <dgm:cxn modelId="{98FAFCA9-562E-4BF7-B324-B5B5FD416F7A}" srcId="{30E7A03F-7F3A-4CF1-8860-75644279B951}" destId="{C767EE05-A867-4605-905A-26AEE19E33EF}" srcOrd="2" destOrd="0" parTransId="{965B1A88-B29D-4A73-8FAD-3060039D4AC2}" sibTransId="{A56B8834-0433-4F1B-B755-46EB5AFEE34C}"/>
+    <dgm:cxn modelId="{FB9F6400-E67A-4FB2-B528-5A1E5DBB1CEE}" type="presOf" srcId="{215DF587-48A2-48EC-90C5-28D4E27A3C42}" destId="{F30CD632-7AB3-4157-8022-9A04E41C61F5}" srcOrd="0" destOrd="0" presId="urn:microsoft.com/office/officeart/2008/layout/HalfCircleOrganizationChart"/>
+    <dgm:cxn modelId="{5D2F5F36-1599-44B0-B46F-3111AB270549}" type="presOf" srcId="{B27876A7-3F8C-431C-956B-7EAC02A1E33F}" destId="{AC8F9C80-B792-406D-9BE6-FE9A429B2B0D}" srcOrd="1" destOrd="0" presId="urn:microsoft.com/office/officeart/2008/layout/HalfCircleOrganizationChart"/>
+    <dgm:cxn modelId="{29A86335-04D5-42D8-8593-8EE1DC9E1201}" srcId="{30E7A03F-7F3A-4CF1-8860-75644279B951}" destId="{0BD76478-B91F-44E0-A5A7-31AE58744EA4}" srcOrd="0" destOrd="0" parTransId="{215DF587-48A2-48EC-90C5-28D4E27A3C42}" sibTransId="{FB00D862-28F0-4D29-86A9-1D356A8BB2FD}"/>
+    <dgm:cxn modelId="{4DD4FF97-F18B-4F98-8428-14D2CC30F320}" srcId="{AD0F264C-28C5-43BA-86B4-8733D972B0FF}" destId="{A1EC8075-019A-443B-A990-CF7F53DE9B6C}" srcOrd="0" destOrd="0" parTransId="{C18AE9E4-58C3-4D76-A5FB-6AB6DCC5F6CE}" sibTransId="{4F8DAD16-68C0-43DC-AB46-1A6CAA9F3B1B}"/>
+    <dgm:cxn modelId="{9C843BCF-C414-4BB2-B762-00C78CA4852F}" type="presOf" srcId="{26A0D31B-9E33-4271-A888-87F357946316}" destId="{E47EE065-A5AD-439B-A045-57636814262E}" srcOrd="0" destOrd="0" presId="urn:microsoft.com/office/officeart/2008/layout/HalfCircleOrganizationChart"/>
+    <dgm:cxn modelId="{B4D92D66-9448-442A-B750-0F518A5E5EBC}" type="presOf" srcId="{A1EC8075-019A-443B-A990-CF7F53DE9B6C}" destId="{8AB6158F-8531-4243-9B9E-F063F6D62F02}" srcOrd="0" destOrd="0" presId="urn:microsoft.com/office/officeart/2008/layout/HalfCircleOrganizationChart"/>
+    <dgm:cxn modelId="{FDD1F85D-FF43-416D-B343-A18B8DD1C25C}" type="presOf" srcId="{2B04B022-3D96-4962-AF3D-E9DB13CF6F2C}" destId="{879EC2B6-EEFE-4B35-BE06-9E3A52093AE1}" srcOrd="0" destOrd="0" presId="urn:microsoft.com/office/officeart/2008/layout/HalfCircleOrganizationChart"/>
+    <dgm:cxn modelId="{038ABAAB-E55F-4B4A-83BD-D9148101D72A}" srcId="{7B7203B6-20DB-4281-8539-1072620383ED}" destId="{66DBE711-4A49-4547-8CF2-6E2CF867FF00}" srcOrd="0" destOrd="0" parTransId="{A0CD79B0-DBD6-441D-BCFE-4C84129DFCA7}" sibTransId="{5442EB1A-717A-4693-9E01-C2457DA5E965}"/>
+    <dgm:cxn modelId="{3EAF0EDB-4EB9-49DB-B993-A9D2CC5E5CA5}" type="presOf" srcId="{66DBE711-4A49-4547-8CF2-6E2CF867FF00}" destId="{6224BBFC-5F3E-491F-AC1A-4BD1E8D437D5}" srcOrd="0" destOrd="0" presId="urn:microsoft.com/office/officeart/2008/layout/HalfCircleOrganizationChart"/>
+    <dgm:cxn modelId="{B2C62E73-A93B-40EE-8039-515FD5730E09}" type="presOf" srcId="{2BA41C0E-3BD3-4FAC-986D-6CC8E2028BC7}" destId="{77AFC571-5D4A-4713-BAD2-B2F043D9E4F0}" srcOrd="0" destOrd="0" presId="urn:microsoft.com/office/officeart/2008/layout/HalfCircleOrganizationChart"/>
+    <dgm:cxn modelId="{32BF96DD-4316-4FC1-A76E-5AA5F7922891}" srcId="{0EA680EF-1CA6-4CDD-98AC-9858A5EA3EF7}" destId="{7B7203B6-20DB-4281-8539-1072620383ED}" srcOrd="0" destOrd="0" parTransId="{C88CC25E-8B37-46C4-982B-C6F31318BEB7}" sibTransId="{9C0FFC98-FAB0-4358-96E1-23B5D778F2E0}"/>
+    <dgm:cxn modelId="{B8E7FF15-20A0-46F7-81FA-3922B0825E9F}" type="presOf" srcId="{A1EC8075-019A-443B-A990-CF7F53DE9B6C}" destId="{16E10861-320A-4751-8F93-EF257D70805C}" srcOrd="1" destOrd="0" presId="urn:microsoft.com/office/officeart/2008/layout/HalfCircleOrganizationChart"/>
+    <dgm:cxn modelId="{F6866BED-10BC-4CA1-BFE1-D1D4EED507EA}" type="presOf" srcId="{B27876A7-3F8C-431C-956B-7EAC02A1E33F}" destId="{87E6D7E6-E975-4EC6-AFCF-93E9E200463A}" srcOrd="0" destOrd="0" presId="urn:microsoft.com/office/officeart/2008/layout/HalfCircleOrganizationChart"/>
+    <dgm:cxn modelId="{BC7A7035-D6B9-45CC-9F9F-CDEC720C8587}" type="presOf" srcId="{46279AFF-16FC-4AC9-A440-F482ED3920CC}" destId="{B3AE80F9-2103-4B71-8F02-CAB3AA4CF62D}" srcOrd="0" destOrd="0" presId="urn:microsoft.com/office/officeart/2008/layout/HalfCircleOrganizationChart"/>
+    <dgm:cxn modelId="{98823DEA-69D8-42EF-9F4D-56EE71A7D00A}" type="presOf" srcId="{5F413A98-045E-4A43-AC3C-B2E8D07F4B83}" destId="{0F368D30-1687-4B9A-8E4C-18D6B90C8073}" srcOrd="0" destOrd="0" presId="urn:microsoft.com/office/officeart/2008/layout/HalfCircleOrganizationChart"/>
+    <dgm:cxn modelId="{F9D1349C-E0ED-4EFE-ADBC-767C200FE8AE}" type="presOf" srcId="{30E7A03F-7F3A-4CF1-8860-75644279B951}" destId="{D2B4C66E-4A36-4456-B801-30C1FD84ED6F}" srcOrd="1" destOrd="0" presId="urn:microsoft.com/office/officeart/2008/layout/HalfCircleOrganizationChart"/>
+    <dgm:cxn modelId="{C8E55EE2-0717-4D84-803C-EDA301E11481}" type="presOf" srcId="{72324453-13DB-4627-ACB6-B569C90981C3}" destId="{D8110EF7-E15B-4001-A3CB-7ADAA5444A7C}" srcOrd="0" destOrd="0" presId="urn:microsoft.com/office/officeart/2008/layout/HalfCircleOrganizationChart"/>
+    <dgm:cxn modelId="{606E5A2B-E7E7-4195-97D1-9BF9E2562685}" type="presOf" srcId="{A056FB49-F477-465A-B39F-FE65E20D5F2A}" destId="{148AE8B7-38E0-48F6-AEF7-9463C452981A}" srcOrd="1" destOrd="0" presId="urn:microsoft.com/office/officeart/2008/layout/HalfCircleOrganizationChart"/>
+    <dgm:cxn modelId="{BCDD83BF-EF2B-4DD9-A17B-E07E730E385B}" type="presOf" srcId="{220292C8-D3C9-43E3-A7D1-734FA07CC12F}" destId="{DB0608AF-6434-4811-8D76-A819FFCCAF16}" srcOrd="0" destOrd="0" presId="urn:microsoft.com/office/officeart/2008/layout/HalfCircleOrganizationChart"/>
+    <dgm:cxn modelId="{54D13D9E-0388-44CC-827B-7DDAE06DBAC0}" type="presOf" srcId="{52B1F852-D929-4D6D-AA15-BE4D72739A86}" destId="{23B9C89C-C5CC-4045-B072-F49531FFABEE}" srcOrd="1" destOrd="0" presId="urn:microsoft.com/office/officeart/2008/layout/HalfCircleOrganizationChart"/>
+    <dgm:cxn modelId="{B0F11007-AE4D-4494-8764-080DFBC72B6F}" type="presOf" srcId="{C18AE9E4-58C3-4D76-A5FB-6AB6DCC5F6CE}" destId="{0E025C5C-57D9-444F-B0C2-7AF9C3D9CB9A}" srcOrd="0" destOrd="0" presId="urn:microsoft.com/office/officeart/2008/layout/HalfCircleOrganizationChart"/>
     <dgm:cxn modelId="{A68A3AEE-6D79-4F8B-8EA4-18D391B0D70E}" type="presOf" srcId="{0BD76478-B91F-44E0-A5A7-31AE58744EA4}" destId="{114271C8-59B4-4C10-BA87-A00F7D17C663}" srcOrd="1" destOrd="0" presId="urn:microsoft.com/office/officeart/2008/layout/HalfCircleOrganizationChart"/>
-    <dgm:cxn modelId="{FB9F6400-E67A-4FB2-B528-5A1E5DBB1CEE}" type="presOf" srcId="{215DF587-48A2-48EC-90C5-28D4E27A3C42}" destId="{F30CD632-7AB3-4157-8022-9A04E41C61F5}" srcOrd="0" destOrd="0" presId="urn:microsoft.com/office/officeart/2008/layout/HalfCircleOrganizationChart"/>
-    <dgm:cxn modelId="{83DF9D82-5B27-4CE0-AB45-13AE9792469F}" srcId="{B27876A7-3F8C-431C-956B-7EAC02A1E33F}" destId="{A056FB49-F477-465A-B39F-FE65E20D5F2A}" srcOrd="1" destOrd="0" parTransId="{72324453-13DB-4627-ACB6-B569C90981C3}" sibTransId="{0FD712CF-FC2E-44AF-8962-CE7FD61E9453}"/>
-    <dgm:cxn modelId="{98FAFCA9-562E-4BF7-B324-B5B5FD416F7A}" srcId="{30E7A03F-7F3A-4CF1-8860-75644279B951}" destId="{C767EE05-A867-4605-905A-26AEE19E33EF}" srcOrd="2" destOrd="0" parTransId="{965B1A88-B29D-4A73-8FAD-3060039D4AC2}" sibTransId="{A56B8834-0433-4F1B-B755-46EB5AFEE34C}"/>
+    <dgm:cxn modelId="{DB15A1F8-206C-4760-B6D5-E8D723A5392E}" type="presOf" srcId="{0A49A00D-6E82-4D45-9E4A-6FDEE4EEA527}" destId="{A9DED617-FFF3-4BE5-ABFC-DA272A85657E}" srcOrd="1" destOrd="0" presId="urn:microsoft.com/office/officeart/2008/layout/HalfCircleOrganizationChart"/>
+    <dgm:cxn modelId="{041E2FDC-A620-4DAE-8C52-0934ADF69144}" type="presOf" srcId="{8D7FDFAF-5840-48AE-905E-FEC26B5CBEBE}" destId="{B168139D-9638-4836-9432-0FB779B3B428}" srcOrd="0" destOrd="0" presId="urn:microsoft.com/office/officeart/2008/layout/HalfCircleOrganizationChart"/>
+    <dgm:cxn modelId="{7902C3FB-3154-4972-AC98-C8086E1DF4E0}" srcId="{B27876A7-3F8C-431C-956B-7EAC02A1E33F}" destId="{30E7A03F-7F3A-4CF1-8860-75644279B951}" srcOrd="2" destOrd="0" parTransId="{2B04B022-3D96-4962-AF3D-E9DB13CF6F2C}" sibTransId="{9C62BFE8-3B8D-45FD-A9C3-FE7969135F47}"/>
+    <dgm:cxn modelId="{6BC89320-5E83-40C6-BAF1-0E2519E3FF59}" srcId="{66DBE711-4A49-4547-8CF2-6E2CF867FF00}" destId="{B27876A7-3F8C-431C-956B-7EAC02A1E33F}" srcOrd="0" destOrd="0" parTransId="{46279AFF-16FC-4AC9-A440-F482ED3920CC}" sibTransId="{F8DB178C-D44B-45DD-9FAE-DE97A7E1785A}"/>
+    <dgm:cxn modelId="{74DDD88A-6938-4031-A6C9-93500D1E5467}" type="presOf" srcId="{D4DBD54D-CAAC-4F67-8AC9-F0FF09111B76}" destId="{871FD543-CD1E-48A3-9DEC-EB41C7146695}" srcOrd="0" destOrd="0" presId="urn:microsoft.com/office/officeart/2008/layout/HalfCircleOrganizationChart"/>
+    <dgm:cxn modelId="{B73DFF7B-7729-470D-B570-BCA9C2C4E393}" type="presOf" srcId="{43A42314-2EAC-4DAD-A1A1-C6D0A51E0BAC}" destId="{46FC53F3-E2B4-4AB7-8C72-75B8B2949500}" srcOrd="0" destOrd="0" presId="urn:microsoft.com/office/officeart/2008/layout/HalfCircleOrganizationChart"/>
+    <dgm:cxn modelId="{711294F0-C42C-4A0B-9CCB-5E3A6FABEAFD}" type="presOf" srcId="{D26629C5-CAC0-40C0-8699-E3F9E6C2F5BE}" destId="{30AECE91-C63E-4D94-9394-381BD0623EE0}" srcOrd="0" destOrd="0" presId="urn:microsoft.com/office/officeart/2008/layout/HalfCircleOrganizationChart"/>
+    <dgm:cxn modelId="{E789AE57-D6BD-489F-9C50-85EB480A8BF0}" type="presOf" srcId="{7B7203B6-20DB-4281-8539-1072620383ED}" destId="{A121B180-66BB-4442-AEE4-D8032C6E0E2B}" srcOrd="1" destOrd="0" presId="urn:microsoft.com/office/officeart/2008/layout/HalfCircleOrganizationChart"/>
+    <dgm:cxn modelId="{7D48A068-728D-47A6-BBF3-CEFB17EF3C98}" type="presOf" srcId="{0BD76478-B91F-44E0-A5A7-31AE58744EA4}" destId="{DB55847B-863F-4052-B638-1F104125F2A0}" srcOrd="0" destOrd="0" presId="urn:microsoft.com/office/officeart/2008/layout/HalfCircleOrganizationChart"/>
+    <dgm:cxn modelId="{AE709886-5172-449B-A1F5-86080E470E7C}" srcId="{B27876A7-3F8C-431C-956B-7EAC02A1E33F}" destId="{AD0F264C-28C5-43BA-86B4-8733D972B0FF}" srcOrd="1" destOrd="0" parTransId="{153103D2-A285-4A1F-B43F-97FF1E941393}" sibTransId="{F80F6A05-BAC0-462D-A058-C644B3F32456}"/>
+    <dgm:cxn modelId="{1DE6B38B-AFF8-4C3C-9452-D7265103F1F1}" type="presOf" srcId="{AD0F264C-28C5-43BA-86B4-8733D972B0FF}" destId="{93E80003-D8D9-406A-99A3-533244C42A0E}" srcOrd="1" destOrd="0" presId="urn:microsoft.com/office/officeart/2008/layout/HalfCircleOrganizationChart"/>
+    <dgm:cxn modelId="{1708B78A-8818-4BF5-B50E-D46BB35C502D}" srcId="{C8F89FDB-1B01-44EA-ACFF-60DB3F58DC8B}" destId="{52B1F852-D929-4D6D-AA15-BE4D72739A86}" srcOrd="0" destOrd="0" parTransId="{EF2D4896-77CB-445C-877D-F11B38C2579D}" sibTransId="{7D2CE263-60D2-443D-97B5-3CEB8A6C09A1}"/>
+    <dgm:cxn modelId="{5591B272-7E7C-4136-AF65-3CE7EF5DCD9D}" type="presOf" srcId="{0A49A00D-6E82-4D45-9E4A-6FDEE4EEA527}" destId="{9B5D9EDB-F93D-429C-B688-FC9E1CFB1F93}" srcOrd="0" destOrd="0" presId="urn:microsoft.com/office/officeart/2008/layout/HalfCircleOrganizationChart"/>
+    <dgm:cxn modelId="{2DB0092D-7156-483F-BCEE-9C46E7D6DCAD}" type="presOf" srcId="{00204AB6-E9C2-44DD-9E72-C0766D735CE9}" destId="{B28CA9DD-8294-4623-899E-179B2A328D7B}" srcOrd="0" destOrd="0" presId="urn:microsoft.com/office/officeart/2008/layout/HalfCircleOrganizationChart"/>
     <dgm:cxn modelId="{E626D0CA-C718-4CE9-AFDB-29B422C62B98}" type="presOf" srcId="{490EE227-96C8-47DB-BFD0-816B3A00B399}" destId="{D02FA1C0-FB7B-4E7B-9212-57FDD04FDDC3}" srcOrd="1" destOrd="0" presId="urn:microsoft.com/office/officeart/2008/layout/HalfCircleOrganizationChart"/>
-    <dgm:cxn modelId="{29A86335-04D5-42D8-8593-8EE1DC9E1201}" srcId="{30E7A03F-7F3A-4CF1-8860-75644279B951}" destId="{0BD76478-B91F-44E0-A5A7-31AE58744EA4}" srcOrd="0" destOrd="0" parTransId="{215DF587-48A2-48EC-90C5-28D4E27A3C42}" sibTransId="{FB00D862-28F0-4D29-86A9-1D356A8BB2FD}"/>
-    <dgm:cxn modelId="{BD83622E-6AA3-460A-A61F-7E1B7E7DB51D}" type="presOf" srcId="{AD0F264C-28C5-43BA-86B4-8733D972B0FF}" destId="{D07A9C80-965E-4711-A655-3460DDBA569B}" srcOrd="0" destOrd="0" presId="urn:microsoft.com/office/officeart/2008/layout/HalfCircleOrganizationChart"/>
-    <dgm:cxn modelId="{34713DD1-1028-4D64-B369-009867BB9C7B}" type="presOf" srcId="{AB4FBE87-8274-4C06-B27D-91DEA9C21018}" destId="{9086CC03-1419-4E02-8816-638CF6E9BCD3}" srcOrd="0" destOrd="0" presId="urn:microsoft.com/office/officeart/2008/layout/HalfCircleOrganizationChart"/>
-    <dgm:cxn modelId="{711294F0-C42C-4A0B-9CCB-5E3A6FABEAFD}" type="presOf" srcId="{D26629C5-CAC0-40C0-8699-E3F9E6C2F5BE}" destId="{30AECE91-C63E-4D94-9394-381BD0623EE0}" srcOrd="0" destOrd="0" presId="urn:microsoft.com/office/officeart/2008/layout/HalfCircleOrganizationChart"/>
+    <dgm:cxn modelId="{CC5AD5CD-B497-4D3E-856E-D584213996E9}" type="presOf" srcId="{D26629C5-CAC0-40C0-8699-E3F9E6C2F5BE}" destId="{50357888-1378-470F-BA05-929C6044EC6D}" srcOrd="1" destOrd="0" presId="urn:microsoft.com/office/officeart/2008/layout/HalfCircleOrganizationChart"/>
+    <dgm:cxn modelId="{99415D1B-5F89-4E75-998A-156DA7760972}" type="presOf" srcId="{490EE227-96C8-47DB-BFD0-816B3A00B399}" destId="{8E5B0BCC-D0D8-4094-A7DE-4CD6FD9FA789}" srcOrd="0" destOrd="0" presId="urn:microsoft.com/office/officeart/2008/layout/HalfCircleOrganizationChart"/>
+    <dgm:cxn modelId="{080A66FA-B362-442C-AB99-A74F27594106}" type="presOf" srcId="{0EA680EF-1CA6-4CDD-98AC-9858A5EA3EF7}" destId="{9A36C04C-EC3D-41FC-A56E-948710EC083E}" srcOrd="0" destOrd="0" presId="urn:microsoft.com/office/officeart/2008/layout/HalfCircleOrganizationChart"/>
+    <dgm:cxn modelId="{36768502-C902-42BC-8DF2-22B84E0CB465}" type="presOf" srcId="{AB4FBE87-8274-4C06-B27D-91DEA9C21018}" destId="{6D2325CE-F490-4991-A56A-892EB5356C74}" srcOrd="1" destOrd="0" presId="urn:microsoft.com/office/officeart/2008/layout/HalfCircleOrganizationChart"/>
+    <dgm:cxn modelId="{EBAA7245-40CB-4172-882A-747C79472219}" type="presOf" srcId="{5F413A98-045E-4A43-AC3C-B2E8D07F4B83}" destId="{E3829788-7D38-4CB5-9F9B-856D393113D2}" srcOrd="1" destOrd="0" presId="urn:microsoft.com/office/officeart/2008/layout/HalfCircleOrganizationChart"/>
     <dgm:cxn modelId="{71C7EE91-27F8-4719-9607-39687E06492A}" srcId="{A056FB49-F477-465A-B39F-FE65E20D5F2A}" destId="{D4DBD54D-CAAC-4F67-8AC9-F0FF09111B76}" srcOrd="1" destOrd="0" parTransId="{2BA41C0E-3BD3-4FAC-986D-6CC8E2028BC7}" sibTransId="{CEDACE10-D223-4B5B-BD27-D8EFCFF13412}"/>
-    <dgm:cxn modelId="{98823DEA-69D8-42EF-9F4D-56EE71A7D00A}" type="presOf" srcId="{5F413A98-045E-4A43-AC3C-B2E8D07F4B83}" destId="{0F368D30-1687-4B9A-8E4C-18D6B90C8073}" srcOrd="0" destOrd="0" presId="urn:microsoft.com/office/officeart/2008/layout/HalfCircleOrganizationChart"/>
-    <dgm:cxn modelId="{C44E26DA-6481-4FEB-B9DB-8B956A70601B}" type="presOf" srcId="{97068351-7F29-4DB1-A0B4-9EBF9D77EEEF}" destId="{95646D47-2327-4564-85D8-6CCBB654AD0A}" srcOrd="0" destOrd="0" presId="urn:microsoft.com/office/officeart/2008/layout/HalfCircleOrganizationChart"/>
-    <dgm:cxn modelId="{32BF96DD-4316-4FC1-A76E-5AA5F7922891}" srcId="{0EA680EF-1CA6-4CDD-98AC-9858A5EA3EF7}" destId="{7B7203B6-20DB-4281-8539-1072620383ED}" srcOrd="0" destOrd="0" parTransId="{C88CC25E-8B37-46C4-982B-C6F31318BEB7}" sibTransId="{9C0FFC98-FAB0-4358-96E1-23B5D778F2E0}"/>
-    <dgm:cxn modelId="{D4A74953-C2D1-418A-BC23-AB480C5A35A2}" type="presOf" srcId="{220292C8-D3C9-43E3-A7D1-734FA07CC12F}" destId="{7ECCE2DA-38C0-4CC0-9371-403B20D68AB5}" srcOrd="1" destOrd="0" presId="urn:microsoft.com/office/officeart/2008/layout/HalfCircleOrganizationChart"/>
-    <dgm:cxn modelId="{EBAA7245-40CB-4172-882A-747C79472219}" type="presOf" srcId="{5F413A98-045E-4A43-AC3C-B2E8D07F4B83}" destId="{E3829788-7D38-4CB5-9F9B-856D393113D2}" srcOrd="1" destOrd="0" presId="urn:microsoft.com/office/officeart/2008/layout/HalfCircleOrganizationChart"/>
-    <dgm:cxn modelId="{AA8B8E45-4D8A-481C-A747-9537252032D9}" type="presOf" srcId="{884BB362-3BD4-4CA6-ADD3-538298516D23}" destId="{6FF57E50-04A8-4951-847A-2C725B24ABB4}" srcOrd="0" destOrd="0" presId="urn:microsoft.com/office/officeart/2008/layout/HalfCircleOrganizationChart"/>
-    <dgm:cxn modelId="{8C1D8C4B-D18A-4B02-9259-CD3CE9735FA7}" type="presOf" srcId="{754F64B4-FC2C-4BB2-B6C0-18D58A08CAAE}" destId="{FC409BB6-A1A9-44E5-A868-A18127A4C53F}" srcOrd="0" destOrd="0" presId="urn:microsoft.com/office/officeart/2008/layout/HalfCircleOrganizationChart"/>
-    <dgm:cxn modelId="{0D548FAF-0C69-4FC9-8478-0663DBA8A63F}" srcId="{B27876A7-3F8C-431C-956B-7EAC02A1E33F}" destId="{490EE227-96C8-47DB-BFD0-816B3A00B399}" srcOrd="4" destOrd="0" parTransId="{4F45B7B3-F24E-4744-A8FD-351D01F180EE}" sibTransId="{12C206E2-1248-4FB2-B8D0-372770524406}"/>
-    <dgm:cxn modelId="{E789AE57-D6BD-489F-9C50-85EB480A8BF0}" type="presOf" srcId="{7B7203B6-20DB-4281-8539-1072620383ED}" destId="{A121B180-66BB-4442-AEE4-D8032C6E0E2B}" srcOrd="1" destOrd="0" presId="urn:microsoft.com/office/officeart/2008/layout/HalfCircleOrganizationChart"/>
-    <dgm:cxn modelId="{FDD1F85D-FF43-416D-B343-A18B8DD1C25C}" type="presOf" srcId="{2B04B022-3D96-4962-AF3D-E9DB13CF6F2C}" destId="{879EC2B6-EEFE-4B35-BE06-9E3A52093AE1}" srcOrd="0" destOrd="0" presId="urn:microsoft.com/office/officeart/2008/layout/HalfCircleOrganizationChart"/>
-    <dgm:cxn modelId="{E77D918A-68AA-4B1E-B522-81F8BA5B9895}" type="presOf" srcId="{C767EE05-A867-4605-905A-26AEE19E33EF}" destId="{EB104F69-8B6F-485D-BF5B-7765EC980701}" srcOrd="0" destOrd="0" presId="urn:microsoft.com/office/officeart/2008/layout/HalfCircleOrganizationChart"/>
-    <dgm:cxn modelId="{AE709886-5172-449B-A1F5-86080E470E7C}" srcId="{B27876A7-3F8C-431C-956B-7EAC02A1E33F}" destId="{AD0F264C-28C5-43BA-86B4-8733D972B0FF}" srcOrd="2" destOrd="0" parTransId="{153103D2-A285-4A1F-B43F-97FF1E941393}" sibTransId="{F80F6A05-BAC0-462D-A058-C644B3F32456}"/>
-    <dgm:cxn modelId="{15EFCAA0-DC20-4647-A3A0-FBBA5CD9AE5F}" srcId="{AD0F264C-28C5-43BA-86B4-8733D972B0FF}" destId="{D26629C5-CAC0-40C0-8699-E3F9E6C2F5BE}" srcOrd="1" destOrd="0" parTransId="{97068351-7F29-4DB1-A0B4-9EBF9D77EEEF}" sibTransId="{94F26AA8-03F4-42A6-8676-89B4DCBD8D69}"/>
-    <dgm:cxn modelId="{3B6C7FAA-A541-48C6-8B09-F07D5C046818}" srcId="{AD0F264C-28C5-43BA-86B4-8733D972B0FF}" destId="{5F413A98-045E-4A43-AC3C-B2E8D07F4B83}" srcOrd="0" destOrd="0" parTransId="{8D7FDFAF-5840-48AE-905E-FEC26B5CBEBE}" sibTransId="{BC719A2C-70FA-4693-80DF-99FF9512901B}"/>
-    <dgm:cxn modelId="{1DE6B38B-AFF8-4C3C-9452-D7265103F1F1}" type="presOf" srcId="{AD0F264C-28C5-43BA-86B4-8733D972B0FF}" destId="{93E80003-D8D9-406A-99A3-533244C42A0E}" srcOrd="1" destOrd="0" presId="urn:microsoft.com/office/officeart/2008/layout/HalfCircleOrganizationChart"/>
-    <dgm:cxn modelId="{74DDD88A-6938-4031-A6C9-93500D1E5467}" type="presOf" srcId="{D4DBD54D-CAAC-4F67-8AC9-F0FF09111B76}" destId="{871FD543-CD1E-48A3-9DEC-EB41C7146695}" srcOrd="0" destOrd="0" presId="urn:microsoft.com/office/officeart/2008/layout/HalfCircleOrganizationChart"/>
-    <dgm:cxn modelId="{7902C3FB-3154-4972-AC98-C8086E1DF4E0}" srcId="{B27876A7-3F8C-431C-956B-7EAC02A1E33F}" destId="{30E7A03F-7F3A-4CF1-8860-75644279B951}" srcOrd="3" destOrd="0" parTransId="{2B04B022-3D96-4962-AF3D-E9DB13CF6F2C}" sibTransId="{9C62BFE8-3B8D-45FD-A9C3-FE7969135F47}"/>
-    <dgm:cxn modelId="{87B0C0E7-9E8A-4C09-8359-A4439AEA48D1}" srcId="{30E7A03F-7F3A-4CF1-8860-75644279B951}" destId="{220292C8-D3C9-43E3-A7D1-734FA07CC12F}" srcOrd="1" destOrd="0" parTransId="{26A0D31B-9E33-4271-A888-87F357946316}" sibTransId="{45D0FF33-0D4C-4EAF-AA6D-D07026E2F0AB}"/>
-    <dgm:cxn modelId="{5D2F5F36-1599-44B0-B46F-3111AB270549}" type="presOf" srcId="{B27876A7-3F8C-431C-956B-7EAC02A1E33F}" destId="{AC8F9C80-B792-406D-9BE6-FE9A429B2B0D}" srcOrd="1" destOrd="0" presId="urn:microsoft.com/office/officeart/2008/layout/HalfCircleOrganizationChart"/>
-    <dgm:cxn modelId="{78C92855-0BDB-425B-832E-0ECF070932B6}" type="presOf" srcId="{C767EE05-A867-4605-905A-26AEE19E33EF}" destId="{EF04980A-0082-4377-90A6-EEA212E92C2D}" srcOrd="1" destOrd="0" presId="urn:microsoft.com/office/officeart/2008/layout/HalfCircleOrganizationChart"/>
-    <dgm:cxn modelId="{7F1AE16C-63C6-4A55-94AE-AEBB771448DD}" type="presOf" srcId="{7B7203B6-20DB-4281-8539-1072620383ED}" destId="{1E0C8858-A0CA-4D0A-9317-A9C531C71B03}" srcOrd="0" destOrd="0" presId="urn:microsoft.com/office/officeart/2008/layout/HalfCircleOrganizationChart"/>
-    <dgm:cxn modelId="{9ED8EEEC-377F-4307-83CF-300652387270}" type="presOf" srcId="{A0CD79B0-DBD6-441D-BCFE-4C84129DFCA7}" destId="{DF023ABA-E34F-4E78-BBD3-7D55876D0B06}" srcOrd="0" destOrd="0" presId="urn:microsoft.com/office/officeart/2008/layout/HalfCircleOrganizationChart"/>
-    <dgm:cxn modelId="{34BD3534-FE2E-4A4C-8219-46A253D418FD}" type="presOf" srcId="{66DBE711-4A49-4547-8CF2-6E2CF867FF00}" destId="{39840B04-74A9-430D-8615-F9CEC991CBE5}" srcOrd="1" destOrd="0" presId="urn:microsoft.com/office/officeart/2008/layout/HalfCircleOrganizationChart"/>
-    <dgm:cxn modelId="{36768502-C902-42BC-8DF2-22B84E0CB465}" type="presOf" srcId="{AB4FBE87-8274-4C06-B27D-91DEA9C21018}" destId="{6D2325CE-F490-4991-A56A-892EB5356C74}" srcOrd="1" destOrd="0" presId="urn:microsoft.com/office/officeart/2008/layout/HalfCircleOrganizationChart"/>
-    <dgm:cxn modelId="{5E615ADD-4DEE-470F-8968-191513C1E099}" type="presOf" srcId="{965B1A88-B29D-4A73-8FAD-3060039D4AC2}" destId="{A8270DEA-35D0-4217-AFFF-9FC3852CCDC3}" srcOrd="0" destOrd="0" presId="urn:microsoft.com/office/officeart/2008/layout/HalfCircleOrganizationChart"/>
-    <dgm:cxn modelId="{DB15A1F8-206C-4760-B6D5-E8D723A5392E}" type="presOf" srcId="{0A49A00D-6E82-4D45-9E4A-6FDEE4EEA527}" destId="{A9DED617-FFF3-4BE5-ABFC-DA272A85657E}" srcOrd="1" destOrd="0" presId="urn:microsoft.com/office/officeart/2008/layout/HalfCircleOrganizationChart"/>
-    <dgm:cxn modelId="{5591B272-7E7C-4136-AF65-3CE7EF5DCD9D}" type="presOf" srcId="{0A49A00D-6E82-4D45-9E4A-6FDEE4EEA527}" destId="{9B5D9EDB-F93D-429C-B688-FC9E1CFB1F93}" srcOrd="0" destOrd="0" presId="urn:microsoft.com/office/officeart/2008/layout/HalfCircleOrganizationChart"/>
-    <dgm:cxn modelId="{C8E55EE2-0717-4D84-803C-EDA301E11481}" type="presOf" srcId="{72324453-13DB-4627-ACB6-B569C90981C3}" destId="{D8110EF7-E15B-4001-A3CB-7ADAA5444A7C}" srcOrd="0" destOrd="0" presId="urn:microsoft.com/office/officeart/2008/layout/HalfCircleOrganizationChart"/>
-    <dgm:cxn modelId="{3EAF0EDB-4EB9-49DB-B993-A9D2CC5E5CA5}" type="presOf" srcId="{66DBE711-4A49-4547-8CF2-6E2CF867FF00}" destId="{6224BBFC-5F3E-491F-AC1A-4BD1E8D437D5}" srcOrd="0" destOrd="0" presId="urn:microsoft.com/office/officeart/2008/layout/HalfCircleOrganizationChart"/>
-    <dgm:cxn modelId="{F9D1349C-E0ED-4EFE-ADBC-767C200FE8AE}" type="presOf" srcId="{30E7A03F-7F3A-4CF1-8860-75644279B951}" destId="{D2B4C66E-4A36-4456-B801-30C1FD84ED6F}" srcOrd="1" destOrd="0" presId="urn:microsoft.com/office/officeart/2008/layout/HalfCircleOrganizationChart"/>
-    <dgm:cxn modelId="{041E2FDC-A620-4DAE-8C52-0934ADF69144}" type="presOf" srcId="{8D7FDFAF-5840-48AE-905E-FEC26B5CBEBE}" destId="{B168139D-9638-4836-9432-0FB779B3B428}" srcOrd="0" destOrd="0" presId="urn:microsoft.com/office/officeart/2008/layout/HalfCircleOrganizationChart"/>
-    <dgm:cxn modelId="{F6866BED-10BC-4CA1-BFE1-D1D4EED507EA}" type="presOf" srcId="{B27876A7-3F8C-431C-956B-7EAC02A1E33F}" destId="{87E6D7E6-E975-4EC6-AFCF-93E9E200463A}" srcOrd="0" destOrd="0" presId="urn:microsoft.com/office/officeart/2008/layout/HalfCircleOrganizationChart"/>
-    <dgm:cxn modelId="{247913B4-CD83-42D1-BD85-E01451A82F20}" type="presOf" srcId="{0A33B44B-8D21-4976-9A1C-FE34A5948E0F}" destId="{D64BDF23-6061-4F23-BA11-C3AC79E0521F}" srcOrd="0" destOrd="0" presId="urn:microsoft.com/office/officeart/2008/layout/HalfCircleOrganizationChart"/>
-    <dgm:cxn modelId="{9C843BCF-C414-4BB2-B762-00C78CA4852F}" type="presOf" srcId="{26A0D31B-9E33-4271-A888-87F357946316}" destId="{E47EE065-A5AD-439B-A045-57636814262E}" srcOrd="0" destOrd="0" presId="urn:microsoft.com/office/officeart/2008/layout/HalfCircleOrganizationChart"/>
-    <dgm:cxn modelId="{5344FC1B-FBD0-4D82-B692-828F3B78EEBD}" type="presOf" srcId="{153103D2-A285-4A1F-B43F-97FF1E941393}" destId="{B4F2084F-355C-4A22-A705-3DDCE1749361}" srcOrd="0" destOrd="0" presId="urn:microsoft.com/office/officeart/2008/layout/HalfCircleOrganizationChart"/>
-    <dgm:cxn modelId="{6BC89320-5E83-40C6-BAF1-0E2519E3FF59}" srcId="{66DBE711-4A49-4547-8CF2-6E2CF867FF00}" destId="{B27876A7-3F8C-431C-956B-7EAC02A1E33F}" srcOrd="0" destOrd="0" parTransId="{46279AFF-16FC-4AC9-A440-F482ED3920CC}" sibTransId="{F8DB178C-D44B-45DD-9FAE-DE97A7E1785A}"/>
-    <dgm:cxn modelId="{C7D4B171-EE83-4239-9889-4539F469A98F}" srcId="{B27876A7-3F8C-431C-956B-7EAC02A1E33F}" destId="{754F64B4-FC2C-4BB2-B6C0-18D58A08CAAE}" srcOrd="0" destOrd="0" parTransId="{0A33B44B-8D21-4976-9A1C-FE34A5948E0F}" sibTransId="{88DC622E-6777-43C2-9B41-99C0A69D4122}"/>
-    <dgm:cxn modelId="{B79ECE15-BEE1-4AE1-9C48-AD4FE199CD9E}" srcId="{A056FB49-F477-465A-B39F-FE65E20D5F2A}" destId="{0A49A00D-6E82-4D45-9E4A-6FDEE4EEA527}" srcOrd="0" destOrd="0" parTransId="{884BB362-3BD4-4CA6-ADD3-538298516D23}" sibTransId="{981A539E-A548-4035-8FC1-DF7F17FD35CD}"/>
-    <dgm:cxn modelId="{BCDD83BF-EF2B-4DD9-A17B-E07E730E385B}" type="presOf" srcId="{220292C8-D3C9-43E3-A7D1-734FA07CC12F}" destId="{DB0608AF-6434-4811-8D76-A819FFCCAF16}" srcOrd="0" destOrd="0" presId="urn:microsoft.com/office/officeart/2008/layout/HalfCircleOrganizationChart"/>
-    <dgm:cxn modelId="{2DB0092D-7156-483F-BCEE-9C46E7D6DCAD}" type="presOf" srcId="{00204AB6-E9C2-44DD-9E72-C0766D735CE9}" destId="{B28CA9DD-8294-4623-899E-179B2A328D7B}" srcOrd="0" destOrd="0" presId="urn:microsoft.com/office/officeart/2008/layout/HalfCircleOrganizationChart"/>
-    <dgm:cxn modelId="{B2C62E73-A93B-40EE-8039-515FD5730E09}" type="presOf" srcId="{2BA41C0E-3BD3-4FAC-986D-6CC8E2028BC7}" destId="{77AFC571-5D4A-4713-BAD2-B2F043D9E4F0}" srcOrd="0" destOrd="0" presId="urn:microsoft.com/office/officeart/2008/layout/HalfCircleOrganizationChart"/>
-    <dgm:cxn modelId="{BDB65EAC-A25A-4C23-AB86-0E8DFC4FE05B}" type="presOf" srcId="{D4DBD54D-CAAC-4F67-8AC9-F0FF09111B76}" destId="{304EE8DC-74F9-4EA2-A898-F562AB921F08}" srcOrd="1" destOrd="0" presId="urn:microsoft.com/office/officeart/2008/layout/HalfCircleOrganizationChart"/>
-    <dgm:cxn modelId="{038ABAAB-E55F-4B4A-83BD-D9148101D72A}" srcId="{7B7203B6-20DB-4281-8539-1072620383ED}" destId="{66DBE711-4A49-4547-8CF2-6E2CF867FF00}" srcOrd="0" destOrd="0" parTransId="{A0CD79B0-DBD6-441D-BCFE-4C84129DFCA7}" sibTransId="{5442EB1A-717A-4693-9E01-C2457DA5E965}"/>
-    <dgm:cxn modelId="{99415D1B-5F89-4E75-998A-156DA7760972}" type="presOf" srcId="{490EE227-96C8-47DB-BFD0-816B3A00B399}" destId="{8E5B0BCC-D0D8-4094-A7DE-4CD6FD9FA789}" srcOrd="0" destOrd="0" presId="urn:microsoft.com/office/officeart/2008/layout/HalfCircleOrganizationChart"/>
-    <dgm:cxn modelId="{606E5A2B-E7E7-4195-97D1-9BF9E2562685}" type="presOf" srcId="{A056FB49-F477-465A-B39F-FE65E20D5F2A}" destId="{148AE8B7-38E0-48F6-AEF7-9463C452981A}" srcOrd="1" destOrd="0" presId="urn:microsoft.com/office/officeart/2008/layout/HalfCircleOrganizationChart"/>
-    <dgm:cxn modelId="{7E6B0711-F9D0-437B-BEBA-EBFB1646B51D}" srcId="{AD0F264C-28C5-43BA-86B4-8733D972B0FF}" destId="{AB4FBE87-8274-4C06-B27D-91DEA9C21018}" srcOrd="2" destOrd="0" parTransId="{00204AB6-E9C2-44DD-9E72-C0766D735CE9}" sibTransId="{A2097CFC-43CD-4318-B720-ACBF686CA240}"/>
-    <dgm:cxn modelId="{CC5AD5CD-B497-4D3E-856E-D584213996E9}" type="presOf" srcId="{D26629C5-CAC0-40C0-8699-E3F9E6C2F5BE}" destId="{50357888-1378-470F-BA05-929C6044EC6D}" srcOrd="1" destOrd="0" presId="urn:microsoft.com/office/officeart/2008/layout/HalfCircleOrganizationChart"/>
-    <dgm:cxn modelId="{A459EDF0-09B7-410A-8B7C-A9EEF218D30C}" type="presOf" srcId="{754F64B4-FC2C-4BB2-B6C0-18D58A08CAAE}" destId="{61EFB216-6749-4CF4-8F68-29189CDA74D0}" srcOrd="1" destOrd="0" presId="urn:microsoft.com/office/officeart/2008/layout/HalfCircleOrganizationChart"/>
-    <dgm:cxn modelId="{50E274FA-7594-4159-A4C7-F4AB8A8FB4A0}" type="presOf" srcId="{A056FB49-F477-465A-B39F-FE65E20D5F2A}" destId="{E0D2B6F8-DBD2-46D6-9746-95F8869D9A07}" srcOrd="0" destOrd="0" presId="urn:microsoft.com/office/officeart/2008/layout/HalfCircleOrganizationChart"/>
-    <dgm:cxn modelId="{080A66FA-B362-442C-AB99-A74F27594106}" type="presOf" srcId="{0EA680EF-1CA6-4CDD-98AC-9858A5EA3EF7}" destId="{9A36C04C-EC3D-41FC-A56E-948710EC083E}" srcOrd="0" destOrd="0" presId="urn:microsoft.com/office/officeart/2008/layout/HalfCircleOrganizationChart"/>
-    <dgm:cxn modelId="{426C1961-6EF1-41F9-9B0E-86224BEF07A0}" type="presOf" srcId="{4F45B7B3-F24E-4744-A8FD-351D01F180EE}" destId="{B7CCB88F-0261-4FC8-BA15-888BCD3E30A8}" srcOrd="0" destOrd="0" presId="urn:microsoft.com/office/officeart/2008/layout/HalfCircleOrganizationChart"/>
-    <dgm:cxn modelId="{BA0062DC-233B-48F5-B3ED-F79D4AFB6932}" type="presOf" srcId="{30E7A03F-7F3A-4CF1-8860-75644279B951}" destId="{ADE46A3D-DCE0-4E1B-9B8B-5B2E855C537B}" srcOrd="0" destOrd="0" presId="urn:microsoft.com/office/officeart/2008/layout/HalfCircleOrganizationChart"/>
-    <dgm:cxn modelId="{7D48A068-728D-47A6-BBF3-CEFB17EF3C98}" type="presOf" srcId="{0BD76478-B91F-44E0-A5A7-31AE58744EA4}" destId="{DB55847B-863F-4052-B638-1F104125F2A0}" srcOrd="0" destOrd="0" presId="urn:microsoft.com/office/officeart/2008/layout/HalfCircleOrganizationChart"/>
-    <dgm:cxn modelId="{BC7A7035-D6B9-45CC-9F9F-CDEC720C8587}" type="presOf" srcId="{46279AFF-16FC-4AC9-A440-F482ED3920CC}" destId="{B3AE80F9-2103-4B71-8F02-CAB3AA4CF62D}" srcOrd="0" destOrd="0" presId="urn:microsoft.com/office/officeart/2008/layout/HalfCircleOrganizationChart"/>
     <dgm:cxn modelId="{577A095D-AC2D-4E43-8389-E0753D9FA1EA}" type="presParOf" srcId="{9A36C04C-EC3D-41FC-A56E-948710EC083E}" destId="{EA1E2B13-0982-43AC-B2BA-C2C6CD68D0CB}" srcOrd="0" destOrd="0" presId="urn:microsoft.com/office/officeart/2008/layout/HalfCircleOrganizationChart"/>
     <dgm:cxn modelId="{28368EAE-36D8-4A6B-A810-470AC9CCFCB4}" type="presParOf" srcId="{EA1E2B13-0982-43AC-B2BA-C2C6CD68D0CB}" destId="{0DAE816F-A22E-464F-A8B0-8A6CE57A22FB}" srcOrd="0" destOrd="0" presId="urn:microsoft.com/office/officeart/2008/layout/HalfCircleOrganizationChart"/>
     <dgm:cxn modelId="{6888D150-CDDB-4C23-B2AB-5BF28B3F2FCB}" type="presParOf" srcId="{0DAE816F-A22E-464F-A8B0-8A6CE57A22FB}" destId="{1E0C8858-A0CA-4D0A-9317-A9C531C71B03}" srcOrd="0" destOrd="0" presId="urn:microsoft.com/office/officeart/2008/layout/HalfCircleOrganizationChart"/>
@@ -2549,17 +3005,8 @@
     <dgm:cxn modelId="{D28D0937-6F7A-49E8-AC55-C15D4FA101F4}" type="presParOf" srcId="{8DE8CED8-1808-4057-AE78-A112E9A6FA03}" destId="{7E1F0D96-FEDE-492B-BA91-2077254DDF1F}" srcOrd="2" destOrd="0" presId="urn:microsoft.com/office/officeart/2008/layout/HalfCircleOrganizationChart"/>
     <dgm:cxn modelId="{6E18EE95-48BF-4ABA-85B4-190FB2FC11AC}" type="presParOf" srcId="{8DE8CED8-1808-4057-AE78-A112E9A6FA03}" destId="{AC8F9C80-B792-406D-9BE6-FE9A429B2B0D}" srcOrd="3" destOrd="0" presId="urn:microsoft.com/office/officeart/2008/layout/HalfCircleOrganizationChart"/>
     <dgm:cxn modelId="{8F800BC3-E08E-4375-AD6F-87CAF5EAB5E0}" type="presParOf" srcId="{0DE31544-1B06-4115-B8E2-0FB503082091}" destId="{527D52BA-68CA-49D7-8C44-075DE07A8C66}" srcOrd="1" destOrd="0" presId="urn:microsoft.com/office/officeart/2008/layout/HalfCircleOrganizationChart"/>
-    <dgm:cxn modelId="{EDE2B2C2-36A2-459D-A875-18A8BD1F0AB3}" type="presParOf" srcId="{527D52BA-68CA-49D7-8C44-075DE07A8C66}" destId="{D64BDF23-6061-4F23-BA11-C3AC79E0521F}" srcOrd="0" destOrd="0" presId="urn:microsoft.com/office/officeart/2008/layout/HalfCircleOrganizationChart"/>
-    <dgm:cxn modelId="{5AB52839-975D-4FB7-8B28-4F335F64E98D}" type="presParOf" srcId="{527D52BA-68CA-49D7-8C44-075DE07A8C66}" destId="{18DD11CC-6CEC-42C9-97B1-9336B960060D}" srcOrd="1" destOrd="0" presId="urn:microsoft.com/office/officeart/2008/layout/HalfCircleOrganizationChart"/>
-    <dgm:cxn modelId="{12A77A4B-300A-447C-99E5-C671521A3914}" type="presParOf" srcId="{18DD11CC-6CEC-42C9-97B1-9336B960060D}" destId="{4D2E8158-AD09-4E2D-8C56-56C47F4C2D4D}" srcOrd="0" destOrd="0" presId="urn:microsoft.com/office/officeart/2008/layout/HalfCircleOrganizationChart"/>
-    <dgm:cxn modelId="{B9D9CAB2-5EAD-4157-A310-B59FA9739717}" type="presParOf" srcId="{4D2E8158-AD09-4E2D-8C56-56C47F4C2D4D}" destId="{FC409BB6-A1A9-44E5-A868-A18127A4C53F}" srcOrd="0" destOrd="0" presId="urn:microsoft.com/office/officeart/2008/layout/HalfCircleOrganizationChart"/>
-    <dgm:cxn modelId="{4022BCBB-9831-47B8-974B-E69DE51A91C0}" type="presParOf" srcId="{4D2E8158-AD09-4E2D-8C56-56C47F4C2D4D}" destId="{C2B0B3D4-4701-4FBD-A5EB-09D22387AE88}" srcOrd="1" destOrd="0" presId="urn:microsoft.com/office/officeart/2008/layout/HalfCircleOrganizationChart"/>
-    <dgm:cxn modelId="{2515279E-0BF6-4DC6-A759-1A6EC75FD69B}" type="presParOf" srcId="{4D2E8158-AD09-4E2D-8C56-56C47F4C2D4D}" destId="{C3141B79-01EF-43C9-9EAF-41159B26E579}" srcOrd="2" destOrd="0" presId="urn:microsoft.com/office/officeart/2008/layout/HalfCircleOrganizationChart"/>
-    <dgm:cxn modelId="{3C4CD503-0711-4138-9BBB-385B639CA671}" type="presParOf" srcId="{4D2E8158-AD09-4E2D-8C56-56C47F4C2D4D}" destId="{61EFB216-6749-4CF4-8F68-29189CDA74D0}" srcOrd="3" destOrd="0" presId="urn:microsoft.com/office/officeart/2008/layout/HalfCircleOrganizationChart"/>
-    <dgm:cxn modelId="{B3B08F9C-431F-4760-B759-C21436A45B6E}" type="presParOf" srcId="{18DD11CC-6CEC-42C9-97B1-9336B960060D}" destId="{1335A727-95FE-4724-B948-D55DA4EBCB2F}" srcOrd="1" destOrd="0" presId="urn:microsoft.com/office/officeart/2008/layout/HalfCircleOrganizationChart"/>
-    <dgm:cxn modelId="{5208AA7E-A783-45C3-B300-360B8D2116CB}" type="presParOf" srcId="{18DD11CC-6CEC-42C9-97B1-9336B960060D}" destId="{4010BBCA-B9B9-489D-8129-E1A83445EF26}" srcOrd="2" destOrd="0" presId="urn:microsoft.com/office/officeart/2008/layout/HalfCircleOrganizationChart"/>
-    <dgm:cxn modelId="{C00AE644-096F-4524-8DF3-1087838A3D9A}" type="presParOf" srcId="{527D52BA-68CA-49D7-8C44-075DE07A8C66}" destId="{D8110EF7-E15B-4001-A3CB-7ADAA5444A7C}" srcOrd="2" destOrd="0" presId="urn:microsoft.com/office/officeart/2008/layout/HalfCircleOrganizationChart"/>
-    <dgm:cxn modelId="{24BC2484-F9F3-4724-A034-DB0F5AE612E5}" type="presParOf" srcId="{527D52BA-68CA-49D7-8C44-075DE07A8C66}" destId="{90E5F86D-99A1-4F33-BA40-B8EEDF81E569}" srcOrd="3" destOrd="0" presId="urn:microsoft.com/office/officeart/2008/layout/HalfCircleOrganizationChart"/>
+    <dgm:cxn modelId="{C00AE644-096F-4524-8DF3-1087838A3D9A}" type="presParOf" srcId="{527D52BA-68CA-49D7-8C44-075DE07A8C66}" destId="{D8110EF7-E15B-4001-A3CB-7ADAA5444A7C}" srcOrd="0" destOrd="0" presId="urn:microsoft.com/office/officeart/2008/layout/HalfCircleOrganizationChart"/>
+    <dgm:cxn modelId="{24BC2484-F9F3-4724-A034-DB0F5AE612E5}" type="presParOf" srcId="{527D52BA-68CA-49D7-8C44-075DE07A8C66}" destId="{90E5F86D-99A1-4F33-BA40-B8EEDF81E569}" srcOrd="1" destOrd="0" presId="urn:microsoft.com/office/officeart/2008/layout/HalfCircleOrganizationChart"/>
     <dgm:cxn modelId="{4FDD9F43-D0BB-44C9-B976-907DC6733B9D}" type="presParOf" srcId="{90E5F86D-99A1-4F33-BA40-B8EEDF81E569}" destId="{53BB81B9-9590-4B36-BE69-D8D66A463EA4}" srcOrd="0" destOrd="0" presId="urn:microsoft.com/office/officeart/2008/layout/HalfCircleOrganizationChart"/>
     <dgm:cxn modelId="{74F9CC35-3E0C-4C4A-80E4-2D4025D5046A}" type="presParOf" srcId="{53BB81B9-9590-4B36-BE69-D8D66A463EA4}" destId="{E0D2B6F8-DBD2-46D6-9746-95F8869D9A07}" srcOrd="0" destOrd="0" presId="urn:microsoft.com/office/officeart/2008/layout/HalfCircleOrganizationChart"/>
     <dgm:cxn modelId="{725305C2-763D-4E2A-8E92-015FB246DA85}" type="presParOf" srcId="{53BB81B9-9590-4B36-BE69-D8D66A463EA4}" destId="{E31517EB-C846-4A00-93D5-87480B62B81A}" srcOrd="1" destOrd="0" presId="urn:microsoft.com/office/officeart/2008/layout/HalfCircleOrganizationChart"/>
@@ -2585,16 +3032,25 @@
     <dgm:cxn modelId="{E799E3C9-8677-4389-B013-04E05E25F586}" type="presParOf" srcId="{2BDF6056-519B-4249-9807-17118A7B9F60}" destId="{D42D4020-116D-4544-B547-2A60F80DA6A5}" srcOrd="1" destOrd="0" presId="urn:microsoft.com/office/officeart/2008/layout/HalfCircleOrganizationChart"/>
     <dgm:cxn modelId="{AD2DBF4B-D0CA-407F-A466-BBDA4958DCD7}" type="presParOf" srcId="{2BDF6056-519B-4249-9807-17118A7B9F60}" destId="{71317E25-63FF-4216-A396-086F6E598BA7}" srcOrd="2" destOrd="0" presId="urn:microsoft.com/office/officeart/2008/layout/HalfCircleOrganizationChart"/>
     <dgm:cxn modelId="{F0614F6B-4898-4844-A4DA-E78096C08CFD}" type="presParOf" srcId="{90E5F86D-99A1-4F33-BA40-B8EEDF81E569}" destId="{6C6AFC28-7930-49BF-B58D-87B69C54AF53}" srcOrd="2" destOrd="0" presId="urn:microsoft.com/office/officeart/2008/layout/HalfCircleOrganizationChart"/>
-    <dgm:cxn modelId="{5CF01D38-C558-40F1-8970-2C682AF189BD}" type="presParOf" srcId="{527D52BA-68CA-49D7-8C44-075DE07A8C66}" destId="{B4F2084F-355C-4A22-A705-3DDCE1749361}" srcOrd="4" destOrd="0" presId="urn:microsoft.com/office/officeart/2008/layout/HalfCircleOrganizationChart"/>
-    <dgm:cxn modelId="{B3E797F3-96AB-41A5-9097-B99630FD88B3}" type="presParOf" srcId="{527D52BA-68CA-49D7-8C44-075DE07A8C66}" destId="{94732B17-1B83-4263-93FC-41C8AB711E14}" srcOrd="5" destOrd="0" presId="urn:microsoft.com/office/officeart/2008/layout/HalfCircleOrganizationChart"/>
+    <dgm:cxn modelId="{5CF01D38-C558-40F1-8970-2C682AF189BD}" type="presParOf" srcId="{527D52BA-68CA-49D7-8C44-075DE07A8C66}" destId="{B4F2084F-355C-4A22-A705-3DDCE1749361}" srcOrd="2" destOrd="0" presId="urn:microsoft.com/office/officeart/2008/layout/HalfCircleOrganizationChart"/>
+    <dgm:cxn modelId="{B3E797F3-96AB-41A5-9097-B99630FD88B3}" type="presParOf" srcId="{527D52BA-68CA-49D7-8C44-075DE07A8C66}" destId="{94732B17-1B83-4263-93FC-41C8AB711E14}" srcOrd="3" destOrd="0" presId="urn:microsoft.com/office/officeart/2008/layout/HalfCircleOrganizationChart"/>
     <dgm:cxn modelId="{8A1E77D4-73EF-4EB6-98B4-DD00C00CA780}" type="presParOf" srcId="{94732B17-1B83-4263-93FC-41C8AB711E14}" destId="{C3F7DCFF-5D85-41AC-8A75-08E9A75680CF}" srcOrd="0" destOrd="0" presId="urn:microsoft.com/office/officeart/2008/layout/HalfCircleOrganizationChart"/>
     <dgm:cxn modelId="{DA4529F9-83AE-46E6-9E4B-5477B991DBF2}" type="presParOf" srcId="{C3F7DCFF-5D85-41AC-8A75-08E9A75680CF}" destId="{D07A9C80-965E-4711-A655-3460DDBA569B}" srcOrd="0" destOrd="0" presId="urn:microsoft.com/office/officeart/2008/layout/HalfCircleOrganizationChart"/>
     <dgm:cxn modelId="{B3CCA047-0D46-448E-9515-ED85AAB39657}" type="presParOf" srcId="{C3F7DCFF-5D85-41AC-8A75-08E9A75680CF}" destId="{097E3815-5124-496B-A12D-0E759A531691}" srcOrd="1" destOrd="0" presId="urn:microsoft.com/office/officeart/2008/layout/HalfCircleOrganizationChart"/>
     <dgm:cxn modelId="{D27F5234-CEEA-4D8C-A8D9-736AE2C31E84}" type="presParOf" srcId="{C3F7DCFF-5D85-41AC-8A75-08E9A75680CF}" destId="{9F87DB24-2326-4139-8CBF-41A595E83F31}" srcOrd="2" destOrd="0" presId="urn:microsoft.com/office/officeart/2008/layout/HalfCircleOrganizationChart"/>
     <dgm:cxn modelId="{C910B322-6ABA-4572-A8E2-95DC5A06647D}" type="presParOf" srcId="{C3F7DCFF-5D85-41AC-8A75-08E9A75680CF}" destId="{93E80003-D8D9-406A-99A3-533244C42A0E}" srcOrd="3" destOrd="0" presId="urn:microsoft.com/office/officeart/2008/layout/HalfCircleOrganizationChart"/>
     <dgm:cxn modelId="{BC3129ED-D640-4AE5-AD36-64E11AE72652}" type="presParOf" srcId="{94732B17-1B83-4263-93FC-41C8AB711E14}" destId="{B827676D-834A-4CC5-8D61-97E98D36F963}" srcOrd="1" destOrd="0" presId="urn:microsoft.com/office/officeart/2008/layout/HalfCircleOrganizationChart"/>
-    <dgm:cxn modelId="{39D04098-D6FF-45B5-96B8-B2F6BC782BB7}" type="presParOf" srcId="{B827676D-834A-4CC5-8D61-97E98D36F963}" destId="{B168139D-9638-4836-9432-0FB779B3B428}" srcOrd="0" destOrd="0" presId="urn:microsoft.com/office/officeart/2008/layout/HalfCircleOrganizationChart"/>
-    <dgm:cxn modelId="{FA62BA17-B00A-42A0-9682-330605908C2A}" type="presParOf" srcId="{B827676D-834A-4CC5-8D61-97E98D36F963}" destId="{0F091016-C307-4E01-9B99-A2D945757FC5}" srcOrd="1" destOrd="0" presId="urn:microsoft.com/office/officeart/2008/layout/HalfCircleOrganizationChart"/>
+    <dgm:cxn modelId="{CD2113A0-CC1F-427D-895E-390DFFFA8336}" type="presParOf" srcId="{B827676D-834A-4CC5-8D61-97E98D36F963}" destId="{0E025C5C-57D9-444F-B0C2-7AF9C3D9CB9A}" srcOrd="0" destOrd="0" presId="urn:microsoft.com/office/officeart/2008/layout/HalfCircleOrganizationChart"/>
+    <dgm:cxn modelId="{CAFAF054-903E-4197-8762-F8C05EFC3CF9}" type="presParOf" srcId="{B827676D-834A-4CC5-8D61-97E98D36F963}" destId="{C5EDF823-32C3-47D5-B733-EFC17EBAE5C1}" srcOrd="1" destOrd="0" presId="urn:microsoft.com/office/officeart/2008/layout/HalfCircleOrganizationChart"/>
+    <dgm:cxn modelId="{228E9CA8-6479-4112-85F8-1D8C6D587BAD}" type="presParOf" srcId="{C5EDF823-32C3-47D5-B733-EFC17EBAE5C1}" destId="{F2AA286A-F220-4255-8C94-E786BCB7A9D2}" srcOrd="0" destOrd="0" presId="urn:microsoft.com/office/officeart/2008/layout/HalfCircleOrganizationChart"/>
+    <dgm:cxn modelId="{E80C75A4-F4B3-4E75-977B-CAE25B23EEFD}" type="presParOf" srcId="{F2AA286A-F220-4255-8C94-E786BCB7A9D2}" destId="{8AB6158F-8531-4243-9B9E-F063F6D62F02}" srcOrd="0" destOrd="0" presId="urn:microsoft.com/office/officeart/2008/layout/HalfCircleOrganizationChart"/>
+    <dgm:cxn modelId="{78157805-2077-4D03-9E5B-C5E17CADC5BF}" type="presParOf" srcId="{F2AA286A-F220-4255-8C94-E786BCB7A9D2}" destId="{5EBF7DAF-B9CC-430C-9A32-FEC851E299DE}" srcOrd="1" destOrd="0" presId="urn:microsoft.com/office/officeart/2008/layout/HalfCircleOrganizationChart"/>
+    <dgm:cxn modelId="{2739403E-F1B2-4198-9CB0-0F3F246FFE8B}" type="presParOf" srcId="{F2AA286A-F220-4255-8C94-E786BCB7A9D2}" destId="{B39AAD30-56C5-4B5C-A5FE-F7EE6B698A6F}" srcOrd="2" destOrd="0" presId="urn:microsoft.com/office/officeart/2008/layout/HalfCircleOrganizationChart"/>
+    <dgm:cxn modelId="{D9758D69-E47B-4B70-AEE6-AD5860123C83}" type="presParOf" srcId="{F2AA286A-F220-4255-8C94-E786BCB7A9D2}" destId="{16E10861-320A-4751-8F93-EF257D70805C}" srcOrd="3" destOrd="0" presId="urn:microsoft.com/office/officeart/2008/layout/HalfCircleOrganizationChart"/>
+    <dgm:cxn modelId="{F3CE5FE3-F543-461E-8DED-114831A815E5}" type="presParOf" srcId="{C5EDF823-32C3-47D5-B733-EFC17EBAE5C1}" destId="{EE3F7EB5-0792-4C16-B6C0-8581C98A848F}" srcOrd="1" destOrd="0" presId="urn:microsoft.com/office/officeart/2008/layout/HalfCircleOrganizationChart"/>
+    <dgm:cxn modelId="{C1EA5C4F-1F0F-4808-8087-49AA9A993D4D}" type="presParOf" srcId="{C5EDF823-32C3-47D5-B733-EFC17EBAE5C1}" destId="{8FED2C8B-F894-48E4-9D0F-B4718B9118D8}" srcOrd="2" destOrd="0" presId="urn:microsoft.com/office/officeart/2008/layout/HalfCircleOrganizationChart"/>
+    <dgm:cxn modelId="{39D04098-D6FF-45B5-96B8-B2F6BC782BB7}" type="presParOf" srcId="{B827676D-834A-4CC5-8D61-97E98D36F963}" destId="{B168139D-9638-4836-9432-0FB779B3B428}" srcOrd="2" destOrd="0" presId="urn:microsoft.com/office/officeart/2008/layout/HalfCircleOrganizationChart"/>
+    <dgm:cxn modelId="{FA62BA17-B00A-42A0-9682-330605908C2A}" type="presParOf" srcId="{B827676D-834A-4CC5-8D61-97E98D36F963}" destId="{0F091016-C307-4E01-9B99-A2D945757FC5}" srcOrd="3" destOrd="0" presId="urn:microsoft.com/office/officeart/2008/layout/HalfCircleOrganizationChart"/>
     <dgm:cxn modelId="{77C24926-9DA2-4160-983E-FFC98A1527F3}" type="presParOf" srcId="{0F091016-C307-4E01-9B99-A2D945757FC5}" destId="{693934C2-5820-41E4-8321-1CAB3A980E0A}" srcOrd="0" destOrd="0" presId="urn:microsoft.com/office/officeart/2008/layout/HalfCircleOrganizationChart"/>
     <dgm:cxn modelId="{E2107F07-D52D-4319-BE83-ED228F2F6A3D}" type="presParOf" srcId="{693934C2-5820-41E4-8321-1CAB3A980E0A}" destId="{0F368D30-1687-4B9A-8E4C-18D6B90C8073}" srcOrd="0" destOrd="0" presId="urn:microsoft.com/office/officeart/2008/layout/HalfCircleOrganizationChart"/>
     <dgm:cxn modelId="{0E095DE1-9539-455A-9A13-CC00F0B17499}" type="presParOf" srcId="{693934C2-5820-41E4-8321-1CAB3A980E0A}" destId="{0342C0EC-4FAA-42C0-A8B6-F4C9EF916262}" srcOrd="1" destOrd="0" presId="urn:microsoft.com/office/officeart/2008/layout/HalfCircleOrganizationChart"/>
@@ -2602,8 +3058,8 @@
     <dgm:cxn modelId="{654CD6EF-D3B8-4F8D-860A-3DE1419A2DAE}" type="presParOf" srcId="{693934C2-5820-41E4-8321-1CAB3A980E0A}" destId="{E3829788-7D38-4CB5-9F9B-856D393113D2}" srcOrd="3" destOrd="0" presId="urn:microsoft.com/office/officeart/2008/layout/HalfCircleOrganizationChart"/>
     <dgm:cxn modelId="{5C48F640-DA89-4B97-9F21-DCA31857BC6F}" type="presParOf" srcId="{0F091016-C307-4E01-9B99-A2D945757FC5}" destId="{9FF9B21B-06C1-4D0D-A9A1-0C10287FF4AD}" srcOrd="1" destOrd="0" presId="urn:microsoft.com/office/officeart/2008/layout/HalfCircleOrganizationChart"/>
     <dgm:cxn modelId="{D3BC190E-4C88-4F6C-A693-39517CCB0A26}" type="presParOf" srcId="{0F091016-C307-4E01-9B99-A2D945757FC5}" destId="{49AFA00A-55ED-4BEE-8BF9-00A1C8ED5D93}" srcOrd="2" destOrd="0" presId="urn:microsoft.com/office/officeart/2008/layout/HalfCircleOrganizationChart"/>
-    <dgm:cxn modelId="{B221847E-3B8A-4057-9BCC-746651B9E496}" type="presParOf" srcId="{B827676D-834A-4CC5-8D61-97E98D36F963}" destId="{95646D47-2327-4564-85D8-6CCBB654AD0A}" srcOrd="2" destOrd="0" presId="urn:microsoft.com/office/officeart/2008/layout/HalfCircleOrganizationChart"/>
-    <dgm:cxn modelId="{232A7A6F-DE4D-492B-A302-F6FBD12CCE39}" type="presParOf" srcId="{B827676D-834A-4CC5-8D61-97E98D36F963}" destId="{8C239C94-EB6B-4878-BE3B-B634EA643BEE}" srcOrd="3" destOrd="0" presId="urn:microsoft.com/office/officeart/2008/layout/HalfCircleOrganizationChart"/>
+    <dgm:cxn modelId="{B221847E-3B8A-4057-9BCC-746651B9E496}" type="presParOf" srcId="{B827676D-834A-4CC5-8D61-97E98D36F963}" destId="{95646D47-2327-4564-85D8-6CCBB654AD0A}" srcOrd="4" destOrd="0" presId="urn:microsoft.com/office/officeart/2008/layout/HalfCircleOrganizationChart"/>
+    <dgm:cxn modelId="{232A7A6F-DE4D-492B-A302-F6FBD12CCE39}" type="presParOf" srcId="{B827676D-834A-4CC5-8D61-97E98D36F963}" destId="{8C239C94-EB6B-4878-BE3B-B634EA643BEE}" srcOrd="5" destOrd="0" presId="urn:microsoft.com/office/officeart/2008/layout/HalfCircleOrganizationChart"/>
     <dgm:cxn modelId="{10D22D6C-6675-45CA-AE9E-B2D8E0DC7D6F}" type="presParOf" srcId="{8C239C94-EB6B-4878-BE3B-B634EA643BEE}" destId="{3760D94A-E173-4A6D-92E5-FFFB6BDF0D0E}" srcOrd="0" destOrd="0" presId="urn:microsoft.com/office/officeart/2008/layout/HalfCircleOrganizationChart"/>
     <dgm:cxn modelId="{2885D37B-59CB-4D16-995E-333642AA0157}" type="presParOf" srcId="{3760D94A-E173-4A6D-92E5-FFFB6BDF0D0E}" destId="{30AECE91-C63E-4D94-9394-381BD0623EE0}" srcOrd="0" destOrd="0" presId="urn:microsoft.com/office/officeart/2008/layout/HalfCircleOrganizationChart"/>
     <dgm:cxn modelId="{FDC79649-FE72-46B8-B860-F95EF5AA75E6}" type="presParOf" srcId="{3760D94A-E173-4A6D-92E5-FFFB6BDF0D0E}" destId="{F4E7FFED-36B0-487A-883C-7055BE2DABA7}" srcOrd="1" destOrd="0" presId="urn:microsoft.com/office/officeart/2008/layout/HalfCircleOrganizationChart"/>
@@ -2611,8 +3067,8 @@
     <dgm:cxn modelId="{24F28EAB-1576-4671-850D-2EC46B33774D}" type="presParOf" srcId="{3760D94A-E173-4A6D-92E5-FFFB6BDF0D0E}" destId="{50357888-1378-470F-BA05-929C6044EC6D}" srcOrd="3" destOrd="0" presId="urn:microsoft.com/office/officeart/2008/layout/HalfCircleOrganizationChart"/>
     <dgm:cxn modelId="{0968CCD3-21E5-4E6C-AF6B-B676E4F83FFB}" type="presParOf" srcId="{8C239C94-EB6B-4878-BE3B-B634EA643BEE}" destId="{3C190C30-6092-46B1-B5FD-23FB45CD81BF}" srcOrd="1" destOrd="0" presId="urn:microsoft.com/office/officeart/2008/layout/HalfCircleOrganizationChart"/>
     <dgm:cxn modelId="{6185FF5E-D9FE-493A-8AFA-BA7C4CEA905A}" type="presParOf" srcId="{8C239C94-EB6B-4878-BE3B-B634EA643BEE}" destId="{95AF125F-CAA4-444E-8CA9-FDF635D3FEDF}" srcOrd="2" destOrd="0" presId="urn:microsoft.com/office/officeart/2008/layout/HalfCircleOrganizationChart"/>
-    <dgm:cxn modelId="{87A5C7F8-F826-4663-8845-56FBECB3AA11}" type="presParOf" srcId="{B827676D-834A-4CC5-8D61-97E98D36F963}" destId="{B28CA9DD-8294-4623-899E-179B2A328D7B}" srcOrd="4" destOrd="0" presId="urn:microsoft.com/office/officeart/2008/layout/HalfCircleOrganizationChart"/>
-    <dgm:cxn modelId="{31C829B0-493F-43E7-ACA4-CA3D781F047E}" type="presParOf" srcId="{B827676D-834A-4CC5-8D61-97E98D36F963}" destId="{3B4F9774-F6B4-4B98-AE79-AB7F561BF536}" srcOrd="5" destOrd="0" presId="urn:microsoft.com/office/officeart/2008/layout/HalfCircleOrganizationChart"/>
+    <dgm:cxn modelId="{87A5C7F8-F826-4663-8845-56FBECB3AA11}" type="presParOf" srcId="{B827676D-834A-4CC5-8D61-97E98D36F963}" destId="{B28CA9DD-8294-4623-899E-179B2A328D7B}" srcOrd="6" destOrd="0" presId="urn:microsoft.com/office/officeart/2008/layout/HalfCircleOrganizationChart"/>
+    <dgm:cxn modelId="{31C829B0-493F-43E7-ACA4-CA3D781F047E}" type="presParOf" srcId="{B827676D-834A-4CC5-8D61-97E98D36F963}" destId="{3B4F9774-F6B4-4B98-AE79-AB7F561BF536}" srcOrd="7" destOrd="0" presId="urn:microsoft.com/office/officeart/2008/layout/HalfCircleOrganizationChart"/>
     <dgm:cxn modelId="{26CCA72D-435E-48B8-A9CC-7E63BF570AE7}" type="presParOf" srcId="{3B4F9774-F6B4-4B98-AE79-AB7F561BF536}" destId="{6BCDBAB0-49B4-497F-84E2-B4204943804C}" srcOrd="0" destOrd="0" presId="urn:microsoft.com/office/officeart/2008/layout/HalfCircleOrganizationChart"/>
     <dgm:cxn modelId="{D414EBF4-164C-42F8-A80C-6543EE8DC1B9}" type="presParOf" srcId="{6BCDBAB0-49B4-497F-84E2-B4204943804C}" destId="{9086CC03-1419-4E02-8816-638CF6E9BCD3}" srcOrd="0" destOrd="0" presId="urn:microsoft.com/office/officeart/2008/layout/HalfCircleOrganizationChart"/>
     <dgm:cxn modelId="{3404C656-B062-4D11-8D28-B8AE71352EAA}" type="presParOf" srcId="{6BCDBAB0-49B4-497F-84E2-B4204943804C}" destId="{06A44381-AC88-41A2-B1C3-0D0C4B9A0DBE}" srcOrd="1" destOrd="0" presId="urn:microsoft.com/office/officeart/2008/layout/HalfCircleOrganizationChart"/>
@@ -2621,8 +3077,8 @@
     <dgm:cxn modelId="{DA4DEEF6-9419-4B2E-BF69-312DDBA0E648}" type="presParOf" srcId="{3B4F9774-F6B4-4B98-AE79-AB7F561BF536}" destId="{AFA4E276-5BCB-4BC0-827F-FC03D8767578}" srcOrd="1" destOrd="0" presId="urn:microsoft.com/office/officeart/2008/layout/HalfCircleOrganizationChart"/>
     <dgm:cxn modelId="{2CE14634-F7CA-4D42-98F0-E8C44D69F8EC}" type="presParOf" srcId="{3B4F9774-F6B4-4B98-AE79-AB7F561BF536}" destId="{7240F185-3B3E-422F-9761-B6A0F95CF361}" srcOrd="2" destOrd="0" presId="urn:microsoft.com/office/officeart/2008/layout/HalfCircleOrganizationChart"/>
     <dgm:cxn modelId="{898F2666-E45E-4B95-8570-30DA397C7E3A}" type="presParOf" srcId="{94732B17-1B83-4263-93FC-41C8AB711E14}" destId="{57D05D10-8AB7-4D5A-B659-74E602E91DF3}" srcOrd="2" destOrd="0" presId="urn:microsoft.com/office/officeart/2008/layout/HalfCircleOrganizationChart"/>
-    <dgm:cxn modelId="{A1A41BD6-7BB7-40CE-9462-EAAED5F1DFC5}" type="presParOf" srcId="{527D52BA-68CA-49D7-8C44-075DE07A8C66}" destId="{879EC2B6-EEFE-4B35-BE06-9E3A52093AE1}" srcOrd="6" destOrd="0" presId="urn:microsoft.com/office/officeart/2008/layout/HalfCircleOrganizationChart"/>
-    <dgm:cxn modelId="{EE1C9FD0-EFD5-4E31-98C3-C7965CF4F978}" type="presParOf" srcId="{527D52BA-68CA-49D7-8C44-075DE07A8C66}" destId="{0FD287A4-4877-450B-8610-06E7033A13C9}" srcOrd="7" destOrd="0" presId="urn:microsoft.com/office/officeart/2008/layout/HalfCircleOrganizationChart"/>
+    <dgm:cxn modelId="{A1A41BD6-7BB7-40CE-9462-EAAED5F1DFC5}" type="presParOf" srcId="{527D52BA-68CA-49D7-8C44-075DE07A8C66}" destId="{879EC2B6-EEFE-4B35-BE06-9E3A52093AE1}" srcOrd="4" destOrd="0" presId="urn:microsoft.com/office/officeart/2008/layout/HalfCircleOrganizationChart"/>
+    <dgm:cxn modelId="{EE1C9FD0-EFD5-4E31-98C3-C7965CF4F978}" type="presParOf" srcId="{527D52BA-68CA-49D7-8C44-075DE07A8C66}" destId="{0FD287A4-4877-450B-8610-06E7033A13C9}" srcOrd="5" destOrd="0" presId="urn:microsoft.com/office/officeart/2008/layout/HalfCircleOrganizationChart"/>
     <dgm:cxn modelId="{F6B7B673-A9A0-42EE-A1D3-AC155E8B59D3}" type="presParOf" srcId="{0FD287A4-4877-450B-8610-06E7033A13C9}" destId="{0B7F3587-C698-42E5-A8ED-4A5AEC3BC8F4}" srcOrd="0" destOrd="0" presId="urn:microsoft.com/office/officeart/2008/layout/HalfCircleOrganizationChart"/>
     <dgm:cxn modelId="{1DAD4459-D349-456D-A4E0-F0268F79F8FF}" type="presParOf" srcId="{0B7F3587-C698-42E5-A8ED-4A5AEC3BC8F4}" destId="{ADE46A3D-DCE0-4E1B-9B8B-5B2E855C537B}" srcOrd="0" destOrd="0" presId="urn:microsoft.com/office/officeart/2008/layout/HalfCircleOrganizationChart"/>
     <dgm:cxn modelId="{C862ED72-FE8D-4955-B61E-CA65863BBC37}" type="presParOf" srcId="{0B7F3587-C698-42E5-A8ED-4A5AEC3BC8F4}" destId="{3FBB455D-F200-4BA3-8A4B-AE5615495DA5}" srcOrd="1" destOrd="0" presId="urn:microsoft.com/office/officeart/2008/layout/HalfCircleOrganizationChart"/>
@@ -2657,8 +3113,8 @@
     <dgm:cxn modelId="{202BD7E7-277C-434D-9940-8E4D1CF3F6F3}" type="presParOf" srcId="{1E7AF503-ED3E-4D29-A7CD-8C7BAF52CF66}" destId="{B7E27F65-3843-4C14-9702-7B356D1F2682}" srcOrd="1" destOrd="0" presId="urn:microsoft.com/office/officeart/2008/layout/HalfCircleOrganizationChart"/>
     <dgm:cxn modelId="{5BB778FD-1A66-49A5-913F-1A08C0CF515C}" type="presParOf" srcId="{1E7AF503-ED3E-4D29-A7CD-8C7BAF52CF66}" destId="{86469CCB-9092-43D0-A691-3BEC191112DC}" srcOrd="2" destOrd="0" presId="urn:microsoft.com/office/officeart/2008/layout/HalfCircleOrganizationChart"/>
     <dgm:cxn modelId="{0C8EF65B-15F0-4885-84AF-FD0E0B1058DD}" type="presParOf" srcId="{0FD287A4-4877-450B-8610-06E7033A13C9}" destId="{9B03D7B9-1A5A-4EBA-AAC6-7AE19C4BE611}" srcOrd="2" destOrd="0" presId="urn:microsoft.com/office/officeart/2008/layout/HalfCircleOrganizationChart"/>
-    <dgm:cxn modelId="{6BB24DCC-CB83-4BC6-87B6-6BBE1DC1F7EB}" type="presParOf" srcId="{527D52BA-68CA-49D7-8C44-075DE07A8C66}" destId="{B7CCB88F-0261-4FC8-BA15-888BCD3E30A8}" srcOrd="8" destOrd="0" presId="urn:microsoft.com/office/officeart/2008/layout/HalfCircleOrganizationChart"/>
-    <dgm:cxn modelId="{C1F8A35C-42BD-47F9-96FA-E91237FCC11F}" type="presParOf" srcId="{527D52BA-68CA-49D7-8C44-075DE07A8C66}" destId="{5BF82CDA-3EFF-44AB-81F5-2C7B7581454A}" srcOrd="9" destOrd="0" presId="urn:microsoft.com/office/officeart/2008/layout/HalfCircleOrganizationChart"/>
+    <dgm:cxn modelId="{6BB24DCC-CB83-4BC6-87B6-6BBE1DC1F7EB}" type="presParOf" srcId="{527D52BA-68CA-49D7-8C44-075DE07A8C66}" destId="{B7CCB88F-0261-4FC8-BA15-888BCD3E30A8}" srcOrd="6" destOrd="0" presId="urn:microsoft.com/office/officeart/2008/layout/HalfCircleOrganizationChart"/>
+    <dgm:cxn modelId="{C1F8A35C-42BD-47F9-96FA-E91237FCC11F}" type="presParOf" srcId="{527D52BA-68CA-49D7-8C44-075DE07A8C66}" destId="{5BF82CDA-3EFF-44AB-81F5-2C7B7581454A}" srcOrd="7" destOrd="0" presId="urn:microsoft.com/office/officeart/2008/layout/HalfCircleOrganizationChart"/>
     <dgm:cxn modelId="{E49CDA71-1DDA-4CBD-9AB8-6144C626CDDD}" type="presParOf" srcId="{5BF82CDA-3EFF-44AB-81F5-2C7B7581454A}" destId="{A221C025-D6E4-4B03-AC99-1AAE656F0855}" srcOrd="0" destOrd="0" presId="urn:microsoft.com/office/officeart/2008/layout/HalfCircleOrganizationChart"/>
     <dgm:cxn modelId="{4026D6DC-7568-4112-99FD-1324B91A3EDD}" type="presParOf" srcId="{A221C025-D6E4-4B03-AC99-1AAE656F0855}" destId="{8E5B0BCC-D0D8-4094-A7DE-4CD6FD9FA789}" srcOrd="0" destOrd="0" presId="urn:microsoft.com/office/officeart/2008/layout/HalfCircleOrganizationChart"/>
     <dgm:cxn modelId="{8B157837-0CB9-4DF6-9D7E-5EBA4A8BBF5E}" type="presParOf" srcId="{A221C025-D6E4-4B03-AC99-1AAE656F0855}" destId="{4BA432B5-D5DB-465F-A8ED-523A8038D560}" srcOrd="1" destOrd="0" presId="urn:microsoft.com/office/officeart/2008/layout/HalfCircleOrganizationChart"/>
@@ -2666,6 +3122,24 @@
     <dgm:cxn modelId="{59ACC751-46FD-4B82-8BA0-DF4DB34CABBE}" type="presParOf" srcId="{A221C025-D6E4-4B03-AC99-1AAE656F0855}" destId="{D02FA1C0-FB7B-4E7B-9212-57FDD04FDDC3}" srcOrd="3" destOrd="0" presId="urn:microsoft.com/office/officeart/2008/layout/HalfCircleOrganizationChart"/>
     <dgm:cxn modelId="{E82F6720-48DA-4140-B4C3-0C652EE9B0BF}" type="presParOf" srcId="{5BF82CDA-3EFF-44AB-81F5-2C7B7581454A}" destId="{A8C6ED02-9680-4673-AEA7-960FDF5C019B}" srcOrd="1" destOrd="0" presId="urn:microsoft.com/office/officeart/2008/layout/HalfCircleOrganizationChart"/>
     <dgm:cxn modelId="{F40F9CFD-575A-4167-8BFD-D97289A8BEE6}" type="presParOf" srcId="{5BF82CDA-3EFF-44AB-81F5-2C7B7581454A}" destId="{B943E816-A614-49F0-84A1-31EF2D18A4A5}" srcOrd="2" destOrd="0" presId="urn:microsoft.com/office/officeart/2008/layout/HalfCircleOrganizationChart"/>
+    <dgm:cxn modelId="{CD5E7E74-0EC8-42DB-807B-DC1DE5871C4B}" type="presParOf" srcId="{527D52BA-68CA-49D7-8C44-075DE07A8C66}" destId="{46FC53F3-E2B4-4AB7-8C72-75B8B2949500}" srcOrd="8" destOrd="0" presId="urn:microsoft.com/office/officeart/2008/layout/HalfCircleOrganizationChart"/>
+    <dgm:cxn modelId="{1CA5CF8D-9445-4CA7-9901-9B00C2725468}" type="presParOf" srcId="{527D52BA-68CA-49D7-8C44-075DE07A8C66}" destId="{24D73316-1828-41A2-A15D-DA49E2070873}" srcOrd="9" destOrd="0" presId="urn:microsoft.com/office/officeart/2008/layout/HalfCircleOrganizationChart"/>
+    <dgm:cxn modelId="{E9DC32C6-4043-4FAF-8E6C-C71B01E08713}" type="presParOf" srcId="{24D73316-1828-41A2-A15D-DA49E2070873}" destId="{DBFB1967-0B62-4FFD-824B-F7FF65F8AF64}" srcOrd="0" destOrd="0" presId="urn:microsoft.com/office/officeart/2008/layout/HalfCircleOrganizationChart"/>
+    <dgm:cxn modelId="{CDA61D76-738F-4FC0-8264-81E057E38D89}" type="presParOf" srcId="{DBFB1967-0B62-4FFD-824B-F7FF65F8AF64}" destId="{3388F3EC-68C1-4585-8B64-4450B68DE8D7}" srcOrd="0" destOrd="0" presId="urn:microsoft.com/office/officeart/2008/layout/HalfCircleOrganizationChart"/>
+    <dgm:cxn modelId="{35A44D97-DA74-461F-AB23-69652BE004E4}" type="presParOf" srcId="{DBFB1967-0B62-4FFD-824B-F7FF65F8AF64}" destId="{85E8DC3D-2BB7-44E0-A9BB-543D93F57A2F}" srcOrd="1" destOrd="0" presId="urn:microsoft.com/office/officeart/2008/layout/HalfCircleOrganizationChart"/>
+    <dgm:cxn modelId="{211DA14E-6189-498D-81FD-3AB816533A13}" type="presParOf" srcId="{DBFB1967-0B62-4FFD-824B-F7FF65F8AF64}" destId="{485E0016-8DEC-4198-AC98-B9B6C594B7E5}" srcOrd="2" destOrd="0" presId="urn:microsoft.com/office/officeart/2008/layout/HalfCircleOrganizationChart"/>
+    <dgm:cxn modelId="{31194B6B-BFF6-42A5-83DA-71D9FBFCADA4}" type="presParOf" srcId="{DBFB1967-0B62-4FFD-824B-F7FF65F8AF64}" destId="{47960EFF-35A0-4F39-9B31-1DD1604B6344}" srcOrd="3" destOrd="0" presId="urn:microsoft.com/office/officeart/2008/layout/HalfCircleOrganizationChart"/>
+    <dgm:cxn modelId="{E2788240-999D-469F-B615-DA2AAE8D91E2}" type="presParOf" srcId="{24D73316-1828-41A2-A15D-DA49E2070873}" destId="{EF68E7B5-83D5-43EB-83A5-4E99648C9139}" srcOrd="1" destOrd="0" presId="urn:microsoft.com/office/officeart/2008/layout/HalfCircleOrganizationChart"/>
+    <dgm:cxn modelId="{D3E5674C-C174-470B-B3ED-E9F0D3394A28}" type="presParOf" srcId="{EF68E7B5-83D5-43EB-83A5-4E99648C9139}" destId="{82732868-9283-4264-89D3-0FCFD97F39F8}" srcOrd="0" destOrd="0" presId="urn:microsoft.com/office/officeart/2008/layout/HalfCircleOrganizationChart"/>
+    <dgm:cxn modelId="{8F98E847-3551-4E24-AEE8-53E8958B01C4}" type="presParOf" srcId="{EF68E7B5-83D5-43EB-83A5-4E99648C9139}" destId="{5937D23A-43FD-4479-85D7-9D5C12EA47D8}" srcOrd="1" destOrd="0" presId="urn:microsoft.com/office/officeart/2008/layout/HalfCircleOrganizationChart"/>
+    <dgm:cxn modelId="{474A7C9A-E338-474C-857D-867D58BD056A}" type="presParOf" srcId="{5937D23A-43FD-4479-85D7-9D5C12EA47D8}" destId="{10E6DAE0-5A23-471D-9EE5-F1D9AB7D02BB}" srcOrd="0" destOrd="0" presId="urn:microsoft.com/office/officeart/2008/layout/HalfCircleOrganizationChart"/>
+    <dgm:cxn modelId="{0BDE8EF0-01A4-4C06-9EEA-14EF92DDD3AC}" type="presParOf" srcId="{10E6DAE0-5A23-471D-9EE5-F1D9AB7D02BB}" destId="{398BC3BB-B7DD-4AAF-9963-2D3D2693CB22}" srcOrd="0" destOrd="0" presId="urn:microsoft.com/office/officeart/2008/layout/HalfCircleOrganizationChart"/>
+    <dgm:cxn modelId="{F72E70A2-15D7-4587-BAB0-1BD17E73D78A}" type="presParOf" srcId="{10E6DAE0-5A23-471D-9EE5-F1D9AB7D02BB}" destId="{D36BDF83-1659-48B3-8941-883368C8BA30}" srcOrd="1" destOrd="0" presId="urn:microsoft.com/office/officeart/2008/layout/HalfCircleOrganizationChart"/>
+    <dgm:cxn modelId="{CD139B0E-7552-4729-A575-F389D713589D}" type="presParOf" srcId="{10E6DAE0-5A23-471D-9EE5-F1D9AB7D02BB}" destId="{402E685E-3A14-4B91-9909-DADE1CECEA5A}" srcOrd="2" destOrd="0" presId="urn:microsoft.com/office/officeart/2008/layout/HalfCircleOrganizationChart"/>
+    <dgm:cxn modelId="{4636E77E-7907-45D6-BC74-D74105E98199}" type="presParOf" srcId="{10E6DAE0-5A23-471D-9EE5-F1D9AB7D02BB}" destId="{23B9C89C-C5CC-4045-B072-F49531FFABEE}" srcOrd="3" destOrd="0" presId="urn:microsoft.com/office/officeart/2008/layout/HalfCircleOrganizationChart"/>
+    <dgm:cxn modelId="{D6C9A9D5-06EA-4607-8D55-AAFB7B4379C9}" type="presParOf" srcId="{5937D23A-43FD-4479-85D7-9D5C12EA47D8}" destId="{79C089EA-1824-4090-8260-4A468065A322}" srcOrd="1" destOrd="0" presId="urn:microsoft.com/office/officeart/2008/layout/HalfCircleOrganizationChart"/>
+    <dgm:cxn modelId="{B2BD243E-72E4-4567-A4FD-BF6731A9B6DD}" type="presParOf" srcId="{5937D23A-43FD-4479-85D7-9D5C12EA47D8}" destId="{39814DF8-2651-403A-B247-66AC9BC19105}" srcOrd="2" destOrd="0" presId="urn:microsoft.com/office/officeart/2008/layout/HalfCircleOrganizationChart"/>
+    <dgm:cxn modelId="{1BA92677-1763-4521-B550-0F7D5D8ECAE4}" type="presParOf" srcId="{24D73316-1828-41A2-A15D-DA49E2070873}" destId="{753E9FBD-9D10-4D54-8B87-DA78E0FBD04E}" srcOrd="2" destOrd="0" presId="urn:microsoft.com/office/officeart/2008/layout/HalfCircleOrganizationChart"/>
     <dgm:cxn modelId="{C2D69789-DB21-4D3C-AABA-F16086713E17}" type="presParOf" srcId="{0DE31544-1B06-4115-B8E2-0FB503082091}" destId="{2E901098-36B9-4DC9-8852-B0339875F512}" srcOrd="2" destOrd="0" presId="urn:microsoft.com/office/officeart/2008/layout/HalfCircleOrganizationChart"/>
     <dgm:cxn modelId="{F6676817-FCBA-44A2-ACC1-78D60F2E0DA0}" type="presParOf" srcId="{497109E3-7574-4BBE-BC22-9BEF227B60A6}" destId="{A19BFE21-5F78-4451-811E-68CF80540364}" srcOrd="2" destOrd="0" presId="urn:microsoft.com/office/officeart/2008/layout/HalfCircleOrganizationChart"/>
     <dgm:cxn modelId="{F931F87A-FD8E-4484-831B-EE58ED1877A3}" type="presParOf" srcId="{EA1E2B13-0982-43AC-B2BA-C2C6CD68D0CB}" destId="{3C8B19BB-B43B-43E0-9323-4FAD23563CC9}" srcOrd="2" destOrd="0" presId="urn:microsoft.com/office/officeart/2008/layout/HalfCircleOrganizationChart"/>
@@ -2699,15 +3173,15 @@
       <dsp:cNvGrpSpPr/>
     </dsp:nvGrpSpPr>
     <dsp:grpSpPr/>
-    <dsp:sp modelId="{B7CCB88F-0261-4FC8-BA15-888BCD3E30A8}">
+    <dsp:sp modelId="{82732868-9283-4264-89D3-0FCFD97F39F8}">
       <dsp:nvSpPr>
         <dsp:cNvPr id="0" name=""/>
         <dsp:cNvSpPr/>
       </dsp:nvSpPr>
       <dsp:spPr>
         <a:xfrm>
-          <a:off x="5867222" y="2202566"/>
-          <a:ext cx="4723242" cy="202226"/>
+          <a:off x="10657748" y="2548504"/>
+          <a:ext cx="539738" cy="277241"/>
         </a:xfrm>
         <a:custGeom>
           <a:avLst/>
@@ -2721,13 +3195,142 @@
                 <a:pt x="0" y="0"/>
               </a:moveTo>
               <a:lnTo>
-                <a:pt x="0" y="101113"/>
+                <a:pt x="0" y="277241"/>
               </a:lnTo>
               <a:lnTo>
-                <a:pt x="4723242" y="101113"/>
+                <a:pt x="539738" y="277241"/>
+              </a:lnTo>
+            </a:path>
+          </a:pathLst>
+        </a:custGeom>
+        <a:noFill/>
+        <a:ln w="19050" cap="rnd" cmpd="sng" algn="ctr">
+          <a:solidFill>
+            <a:schemeClr val="accent1">
+              <a:shade val="80000"/>
+              <a:hueOff val="0"/>
+              <a:satOff val="0"/>
+              <a:lumOff val="0"/>
+              <a:alphaOff val="0"/>
+            </a:schemeClr>
+          </a:solidFill>
+          <a:prstDash val="solid"/>
+        </a:ln>
+        <a:effectLst/>
+        <a:scene3d>
+          <a:camera prst="orthographicFront"/>
+          <a:lightRig rig="flat" dir="t"/>
+        </a:scene3d>
+        <a:sp3d prstMaterial="matte"/>
+      </dsp:spPr>
+      <dsp:style>
+        <a:lnRef idx="2">
+          <a:scrgbClr r="0" g="0" b="0"/>
+        </a:lnRef>
+        <a:fillRef idx="0">
+          <a:scrgbClr r="0" g="0" b="0"/>
+        </a:fillRef>
+        <a:effectRef idx="0">
+          <a:scrgbClr r="0" g="0" b="0"/>
+        </a:effectRef>
+        <a:fontRef idx="minor"/>
+      </dsp:style>
+    </dsp:sp>
+    <dsp:sp modelId="{46FC53F3-E2B4-4AB7-8C72-75B8B2949500}">
+      <dsp:nvSpPr>
+        <dsp:cNvPr id="0" name=""/>
+        <dsp:cNvSpPr/>
+      </dsp:nvSpPr>
+      <dsp:spPr>
+        <a:xfrm>
+          <a:off x="5753667" y="1892365"/>
+          <a:ext cx="4904080" cy="194069"/>
+        </a:xfrm>
+        <a:custGeom>
+          <a:avLst/>
+          <a:gdLst/>
+          <a:ahLst/>
+          <a:cxnLst/>
+          <a:rect l="0" t="0" r="0" b="0"/>
+          <a:pathLst>
+            <a:path>
+              <a:moveTo>
+                <a:pt x="0" y="0"/>
+              </a:moveTo>
+              <a:lnTo>
+                <a:pt x="0" y="97034"/>
               </a:lnTo>
               <a:lnTo>
-                <a:pt x="4723242" y="202226"/>
+                <a:pt x="4904080" y="97034"/>
+              </a:lnTo>
+              <a:lnTo>
+                <a:pt x="4904080" y="194069"/>
+              </a:lnTo>
+            </a:path>
+          </a:pathLst>
+        </a:custGeom>
+        <a:noFill/>
+        <a:ln w="19050" cap="rnd" cmpd="sng" algn="ctr">
+          <a:solidFill>
+            <a:schemeClr val="accent1">
+              <a:shade val="80000"/>
+              <a:hueOff val="0"/>
+              <a:satOff val="0"/>
+              <a:lumOff val="0"/>
+              <a:alphaOff val="0"/>
+            </a:schemeClr>
+          </a:solidFill>
+          <a:prstDash val="solid"/>
+        </a:ln>
+        <a:effectLst/>
+        <a:scene3d>
+          <a:camera prst="orthographicFront"/>
+          <a:lightRig rig="flat" dir="t"/>
+        </a:scene3d>
+        <a:sp3d prstMaterial="matte"/>
+      </dsp:spPr>
+      <dsp:style>
+        <a:lnRef idx="2">
+          <a:scrgbClr r="0" g="0" b="0"/>
+        </a:lnRef>
+        <a:fillRef idx="0">
+          <a:scrgbClr r="0" g="0" b="0"/>
+        </a:fillRef>
+        <a:effectRef idx="0">
+          <a:scrgbClr r="0" g="0" b="0"/>
+        </a:effectRef>
+        <a:fontRef idx="minor"/>
+      </dsp:style>
+    </dsp:sp>
+    <dsp:sp modelId="{B7CCB88F-0261-4FC8-BA15-888BCD3E30A8}">
+      <dsp:nvSpPr>
+        <dsp:cNvPr id="0" name=""/>
+        <dsp:cNvSpPr/>
+      </dsp:nvSpPr>
+      <dsp:spPr>
+        <a:xfrm>
+          <a:off x="5753667" y="1892365"/>
+          <a:ext cx="2774729" cy="194069"/>
+        </a:xfrm>
+        <a:custGeom>
+          <a:avLst/>
+          <a:gdLst/>
+          <a:ahLst/>
+          <a:cxnLst/>
+          <a:rect l="0" t="0" r="0" b="0"/>
+          <a:pathLst>
+            <a:path>
+              <a:moveTo>
+                <a:pt x="0" y="0"/>
+              </a:moveTo>
+              <a:lnTo>
+                <a:pt x="0" y="97034"/>
+              </a:lnTo>
+              <a:lnTo>
+                <a:pt x="2774729" y="97034"/>
+              </a:lnTo>
+              <a:lnTo>
+                <a:pt x="2774729" y="194069"/>
               </a:lnTo>
             </a:path>
           </a:pathLst>
@@ -2772,8 +3375,8 @@
       </dsp:nvSpPr>
       <dsp:spPr>
         <a:xfrm>
-          <a:off x="8769784" y="2886285"/>
-          <a:ext cx="1049429" cy="1656332"/>
+          <a:off x="6781159" y="2548504"/>
+          <a:ext cx="1007097" cy="1589519"/>
         </a:xfrm>
         <a:custGeom>
           <a:avLst/>
@@ -2787,10 +3390,10 @@
                 <a:pt x="0" y="0"/>
               </a:moveTo>
               <a:lnTo>
-                <a:pt x="0" y="1656332"/>
+                <a:pt x="0" y="1589519"/>
               </a:lnTo>
               <a:lnTo>
-                <a:pt x="1049429" y="1656332"/>
+                <a:pt x="1007097" y="1589519"/>
               </a:lnTo>
             </a:path>
           </a:pathLst>
@@ -2835,8 +3438,8 @@
       </dsp:nvSpPr>
       <dsp:spPr>
         <a:xfrm>
-          <a:off x="8769784" y="2886285"/>
-          <a:ext cx="442972" cy="972613"/>
+          <a:off x="6781159" y="2548504"/>
+          <a:ext cx="425104" cy="933380"/>
         </a:xfrm>
         <a:custGeom>
           <a:avLst/>
@@ -2850,10 +3453,10 @@
                 <a:pt x="0" y="0"/>
               </a:moveTo>
               <a:lnTo>
-                <a:pt x="0" y="972613"/>
+                <a:pt x="0" y="933380"/>
               </a:lnTo>
               <a:lnTo>
-                <a:pt x="442972" y="972613"/>
+                <a:pt x="425104" y="933380"/>
               </a:lnTo>
             </a:path>
           </a:pathLst>
@@ -2898,8 +3501,8 @@
       </dsp:nvSpPr>
       <dsp:spPr>
         <a:xfrm>
-          <a:off x="8769784" y="2886285"/>
-          <a:ext cx="442972" cy="288895"/>
+          <a:off x="6781159" y="2548504"/>
+          <a:ext cx="425104" cy="277241"/>
         </a:xfrm>
         <a:custGeom>
           <a:avLst/>
@@ -2913,10 +3516,10 @@
                 <a:pt x="0" y="0"/>
               </a:moveTo>
               <a:lnTo>
-                <a:pt x="0" y="288895"/>
+                <a:pt x="0" y="277241"/>
               </a:lnTo>
               <a:lnTo>
-                <a:pt x="442972" y="288895"/>
+                <a:pt x="425104" y="277241"/>
               </a:lnTo>
             </a:path>
           </a:pathLst>
@@ -2961,8 +3564,8 @@
       </dsp:nvSpPr>
       <dsp:spPr>
         <a:xfrm>
-          <a:off x="5867222" y="2202566"/>
-          <a:ext cx="2902562" cy="202226"/>
+          <a:off x="5753667" y="1892365"/>
+          <a:ext cx="1027491" cy="194069"/>
         </a:xfrm>
         <a:custGeom>
           <a:avLst/>
@@ -2976,13 +3579,13 @@
                 <a:pt x="0" y="0"/>
               </a:moveTo>
               <a:lnTo>
-                <a:pt x="0" y="101113"/>
+                <a:pt x="0" y="97034"/>
               </a:lnTo>
               <a:lnTo>
-                <a:pt x="2902562" y="101113"/>
+                <a:pt x="1027491" y="97034"/>
               </a:lnTo>
               <a:lnTo>
-                <a:pt x="2902562" y="202226"/>
+                <a:pt x="1027491" y="194069"/>
               </a:lnTo>
             </a:path>
           </a:pathLst>
@@ -3027,8 +3630,8 @@
       </dsp:nvSpPr>
       <dsp:spPr>
         <a:xfrm>
-          <a:off x="6413508" y="2886285"/>
-          <a:ext cx="910475" cy="1656332"/>
+          <a:off x="4519929" y="2548504"/>
+          <a:ext cx="873748" cy="2245658"/>
         </a:xfrm>
         <a:custGeom>
           <a:avLst/>
@@ -3042,10 +3645,10 @@
                 <a:pt x="0" y="0"/>
               </a:moveTo>
               <a:lnTo>
-                <a:pt x="0" y="1656332"/>
+                <a:pt x="0" y="2245658"/>
               </a:lnTo>
               <a:lnTo>
-                <a:pt x="910475" y="1656332"/>
+                <a:pt x="873748" y="2245658"/>
               </a:lnTo>
             </a:path>
           </a:pathLst>
@@ -3090,8 +3693,8 @@
       </dsp:nvSpPr>
       <dsp:spPr>
         <a:xfrm>
-          <a:off x="6413508" y="2886285"/>
-          <a:ext cx="915672" cy="972613"/>
+          <a:off x="4519929" y="2548504"/>
+          <a:ext cx="878736" cy="1589519"/>
         </a:xfrm>
         <a:custGeom>
           <a:avLst/>
@@ -3105,10 +3708,10 @@
                 <a:pt x="0" y="0"/>
               </a:moveTo>
               <a:lnTo>
-                <a:pt x="0" y="972613"/>
+                <a:pt x="0" y="1589519"/>
               </a:lnTo>
               <a:lnTo>
-                <a:pt x="915672" y="972613"/>
+                <a:pt x="878736" y="1589519"/>
               </a:lnTo>
             </a:path>
           </a:pathLst>
@@ -3153,8 +3756,8 @@
       </dsp:nvSpPr>
       <dsp:spPr>
         <a:xfrm>
-          <a:off x="6413508" y="2886285"/>
-          <a:ext cx="810540" cy="288895"/>
+          <a:off x="4519929" y="2548504"/>
+          <a:ext cx="777845" cy="933380"/>
         </a:xfrm>
         <a:custGeom>
           <a:avLst/>
@@ -3168,10 +3771,73 @@
                 <a:pt x="0" y="0"/>
               </a:moveTo>
               <a:lnTo>
-                <a:pt x="0" y="288895"/>
+                <a:pt x="0" y="933380"/>
               </a:lnTo>
               <a:lnTo>
-                <a:pt x="810540" y="288895"/>
+                <a:pt x="777845" y="933380"/>
+              </a:lnTo>
+            </a:path>
+          </a:pathLst>
+        </a:custGeom>
+        <a:noFill/>
+        <a:ln w="19050" cap="rnd" cmpd="sng" algn="ctr">
+          <a:solidFill>
+            <a:schemeClr val="accent1">
+              <a:shade val="80000"/>
+              <a:hueOff val="0"/>
+              <a:satOff val="0"/>
+              <a:lumOff val="0"/>
+              <a:alphaOff val="0"/>
+            </a:schemeClr>
+          </a:solidFill>
+          <a:prstDash val="solid"/>
+        </a:ln>
+        <a:effectLst/>
+        <a:scene3d>
+          <a:camera prst="orthographicFront"/>
+          <a:lightRig rig="flat" dir="t"/>
+        </a:scene3d>
+        <a:sp3d prstMaterial="matte"/>
+      </dsp:spPr>
+      <dsp:style>
+        <a:lnRef idx="2">
+          <a:scrgbClr r="0" g="0" b="0"/>
+        </a:lnRef>
+        <a:fillRef idx="0">
+          <a:scrgbClr r="0" g="0" b="0"/>
+        </a:fillRef>
+        <a:effectRef idx="0">
+          <a:scrgbClr r="0" g="0" b="0"/>
+        </a:effectRef>
+        <a:fontRef idx="minor"/>
+      </dsp:style>
+    </dsp:sp>
+    <dsp:sp modelId="{0E025C5C-57D9-444F-B0C2-7AF9C3D9CB9A}">
+      <dsp:nvSpPr>
+        <dsp:cNvPr id="0" name=""/>
+        <dsp:cNvSpPr/>
+      </dsp:nvSpPr>
+      <dsp:spPr>
+        <a:xfrm>
+          <a:off x="4519929" y="2548504"/>
+          <a:ext cx="774994" cy="277241"/>
+        </a:xfrm>
+        <a:custGeom>
+          <a:avLst/>
+          <a:gdLst/>
+          <a:ahLst/>
+          <a:cxnLst/>
+          <a:rect l="0" t="0" r="0" b="0"/>
+          <a:pathLst>
+            <a:path>
+              <a:moveTo>
+                <a:pt x="0" y="0"/>
+              </a:moveTo>
+              <a:lnTo>
+                <a:pt x="0" y="277241"/>
+              </a:lnTo>
+              <a:lnTo>
+                <a:pt x="774994" y="277241"/>
               </a:lnTo>
             </a:path>
           </a:pathLst>
@@ -3216,8 +3882,8 @@
       </dsp:nvSpPr>
       <dsp:spPr>
         <a:xfrm>
-          <a:off x="5867222" y="2202566"/>
-          <a:ext cx="546285" cy="202226"/>
+          <a:off x="4519929" y="1892365"/>
+          <a:ext cx="1233738" cy="194069"/>
         </a:xfrm>
         <a:custGeom>
           <a:avLst/>
@@ -3228,16 +3894,16 @@
           <a:pathLst>
             <a:path>
               <a:moveTo>
-                <a:pt x="0" y="0"/>
+                <a:pt x="1233738" y="0"/>
               </a:moveTo>
               <a:lnTo>
-                <a:pt x="0" y="101113"/>
+                <a:pt x="1233738" y="97034"/>
               </a:lnTo>
               <a:lnTo>
-                <a:pt x="546285" y="101113"/>
+                <a:pt x="0" y="97034"/>
               </a:lnTo>
               <a:lnTo>
-                <a:pt x="546285" y="202226"/>
+                <a:pt x="0" y="194069"/>
               </a:lnTo>
             </a:path>
           </a:pathLst>
@@ -3282,8 +3948,8 @@
       </dsp:nvSpPr>
       <dsp:spPr>
         <a:xfrm>
-          <a:off x="3480174" y="2886285"/>
-          <a:ext cx="1073639" cy="972613"/>
+          <a:off x="1616835" y="2548504"/>
+          <a:ext cx="1118416" cy="933380"/>
         </a:xfrm>
         <a:custGeom>
           <a:avLst/>
@@ -3297,10 +3963,10 @@
                 <a:pt x="0" y="0"/>
               </a:moveTo>
               <a:lnTo>
-                <a:pt x="0" y="972613"/>
+                <a:pt x="0" y="933380"/>
               </a:lnTo>
               <a:lnTo>
-                <a:pt x="1073639" y="972613"/>
+                <a:pt x="1118416" y="933380"/>
               </a:lnTo>
             </a:path>
           </a:pathLst>
@@ -3345,8 +4011,8 @@
       </dsp:nvSpPr>
       <dsp:spPr>
         <a:xfrm>
-          <a:off x="3480174" y="2886285"/>
-          <a:ext cx="1222161" cy="288895"/>
+          <a:off x="1616835" y="2548504"/>
+          <a:ext cx="1260947" cy="277241"/>
         </a:xfrm>
         <a:custGeom>
           <a:avLst/>
@@ -3360,10 +4026,10 @@
                 <a:pt x="0" y="0"/>
               </a:moveTo>
               <a:lnTo>
-                <a:pt x="0" y="288895"/>
+                <a:pt x="0" y="277241"/>
               </a:lnTo>
               <a:lnTo>
-                <a:pt x="1222161" y="288895"/>
+                <a:pt x="1260947" y="277241"/>
               </a:lnTo>
             </a:path>
           </a:pathLst>
@@ -3408,8 +4074,8 @@
       </dsp:nvSpPr>
       <dsp:spPr>
         <a:xfrm>
-          <a:off x="3480174" y="2202566"/>
-          <a:ext cx="2387047" cy="202226"/>
+          <a:off x="1616835" y="1892365"/>
+          <a:ext cx="4136832" cy="194069"/>
         </a:xfrm>
         <a:custGeom>
           <a:avLst/>
@@ -3420,82 +4086,16 @@
           <a:pathLst>
             <a:path>
               <a:moveTo>
-                <a:pt x="2387047" y="0"/>
+                <a:pt x="4136832" y="0"/>
               </a:moveTo>
               <a:lnTo>
-                <a:pt x="2387047" y="101113"/>
+                <a:pt x="4136832" y="97034"/>
               </a:lnTo>
               <a:lnTo>
-                <a:pt x="0" y="101113"/>
+                <a:pt x="0" y="97034"/>
               </a:lnTo>
               <a:lnTo>
-                <a:pt x="0" y="202226"/>
-              </a:lnTo>
-            </a:path>
-          </a:pathLst>
-        </a:custGeom>
-        <a:noFill/>
-        <a:ln w="19050" cap="rnd" cmpd="sng" algn="ctr">
-          <a:solidFill>
-            <a:schemeClr val="accent1">
-              <a:shade val="80000"/>
-              <a:hueOff val="0"/>
-              <a:satOff val="0"/>
-              <a:lumOff val="0"/>
-              <a:alphaOff val="0"/>
-            </a:schemeClr>
-          </a:solidFill>
-          <a:prstDash val="solid"/>
-        </a:ln>
-        <a:effectLst/>
-        <a:scene3d>
-          <a:camera prst="orthographicFront"/>
-          <a:lightRig rig="flat" dir="t"/>
-        </a:scene3d>
-        <a:sp3d prstMaterial="matte"/>
-      </dsp:spPr>
-      <dsp:style>
-        <a:lnRef idx="2">
-          <a:scrgbClr r="0" g="0" b="0"/>
-        </a:lnRef>
-        <a:fillRef idx="0">
-          <a:scrgbClr r="0" g="0" b="0"/>
-        </a:fillRef>
-        <a:effectRef idx="0">
-          <a:scrgbClr r="0" g="0" b="0"/>
-        </a:effectRef>
-        <a:fontRef idx="minor"/>
-      </dsp:style>
-    </dsp:sp>
-    <dsp:sp modelId="{D64BDF23-6061-4F23-BA11-C3AC79E0521F}">
-      <dsp:nvSpPr>
-        <dsp:cNvPr id="0" name=""/>
-        <dsp:cNvSpPr/>
-      </dsp:nvSpPr>
-      <dsp:spPr>
-        <a:xfrm>
-          <a:off x="955880" y="2202566"/>
-          <a:ext cx="4911341" cy="202226"/>
-        </a:xfrm>
-        <a:custGeom>
-          <a:avLst/>
-          <a:gdLst/>
-          <a:ahLst/>
-          <a:cxnLst/>
-          <a:rect l="0" t="0" r="0" b="0"/>
-          <a:pathLst>
-            <a:path>
-              <a:moveTo>
-                <a:pt x="4911341" y="0"/>
-              </a:moveTo>
-              <a:lnTo>
-                <a:pt x="4911341" y="101113"/>
-              </a:lnTo>
-              <a:lnTo>
-                <a:pt x="0" y="101113"/>
-              </a:lnTo>
-              <a:lnTo>
-                <a:pt x="0" y="202226"/>
+                <a:pt x="0" y="194069"/>
               </a:lnTo>
             </a:path>
           </a:pathLst>
@@ -3540,8 +4140,8 @@
       </dsp:nvSpPr>
       <dsp:spPr>
         <a:xfrm>
-          <a:off x="5821502" y="1518848"/>
-          <a:ext cx="91440" cy="202226"/>
+          <a:off x="5707947" y="1236226"/>
+          <a:ext cx="91440" cy="194069"/>
         </a:xfrm>
         <a:custGeom>
           <a:avLst/>
@@ -3555,7 +4155,7 @@
                 <a:pt x="45720" y="0"/>
               </a:moveTo>
               <a:lnTo>
-                <a:pt x="45720" y="202226"/>
+                <a:pt x="45720" y="194069"/>
               </a:lnTo>
             </a:path>
           </a:pathLst>
@@ -3600,8 +4200,8 @@
       </dsp:nvSpPr>
       <dsp:spPr>
         <a:xfrm>
-          <a:off x="5821502" y="835129"/>
-          <a:ext cx="91440" cy="202226"/>
+          <a:off x="5707947" y="580088"/>
+          <a:ext cx="91440" cy="194069"/>
         </a:xfrm>
         <a:custGeom>
           <a:avLst/>
@@ -3615,7 +4215,7 @@
                 <a:pt x="45720" y="0"/>
               </a:moveTo>
               <a:lnTo>
-                <a:pt x="45720" y="202226"/>
+                <a:pt x="45720" y="194069"/>
               </a:lnTo>
             </a:path>
           </a:pathLst>
@@ -3660,8 +4260,8 @@
       </dsp:nvSpPr>
       <dsp:spPr>
         <a:xfrm>
-          <a:off x="5626476" y="353637"/>
-          <a:ext cx="481491" cy="481491"/>
+          <a:off x="5522632" y="118018"/>
+          <a:ext cx="462069" cy="462069"/>
         </a:xfrm>
         <a:prstGeom prst="arc">
           <a:avLst>
@@ -3709,8 +4309,8 @@
       </dsp:nvSpPr>
       <dsp:spPr>
         <a:xfrm>
-          <a:off x="5626476" y="353637"/>
-          <a:ext cx="481491" cy="481491"/>
+          <a:off x="5522632" y="118018"/>
+          <a:ext cx="462069" cy="462069"/>
         </a:xfrm>
         <a:prstGeom prst="arc">
           <a:avLst>
@@ -3758,8 +4358,8 @@
       </dsp:nvSpPr>
       <dsp:spPr>
         <a:xfrm>
-          <a:off x="5385730" y="440306"/>
-          <a:ext cx="962983" cy="308154"/>
+          <a:off x="5291598" y="201190"/>
+          <a:ext cx="924139" cy="295724"/>
         </a:xfrm>
         <a:prstGeom prst="rect">
           <a:avLst/>
@@ -3819,8 +4419,8 @@
         </a:p>
       </dsp:txBody>
       <dsp:txXfrm>
-        <a:off x="5385730" y="440306"/>
-        <a:ext cx="962983" cy="308154"/>
+        <a:off x="5291598" y="201190"/>
+        <a:ext cx="924139" cy="295724"/>
       </dsp:txXfrm>
     </dsp:sp>
     <dsp:sp modelId="{393B7EF1-45A2-428C-81C6-07699A8AAAFC}">
@@ -3830,8 +4430,8 @@
       </dsp:nvSpPr>
       <dsp:spPr>
         <a:xfrm>
-          <a:off x="5626476" y="1037356"/>
-          <a:ext cx="481491" cy="481491"/>
+          <a:off x="5369373" y="774157"/>
+          <a:ext cx="768588" cy="462069"/>
         </a:xfrm>
         <a:prstGeom prst="arc">
           <a:avLst>
@@ -3879,8 +4479,8 @@
       </dsp:nvSpPr>
       <dsp:spPr>
         <a:xfrm>
-          <a:off x="5626476" y="1037356"/>
-          <a:ext cx="481491" cy="481491"/>
+          <a:off x="5369373" y="774157"/>
+          <a:ext cx="768588" cy="462069"/>
         </a:xfrm>
         <a:prstGeom prst="arc">
           <a:avLst>
@@ -3928,8 +4528,8 @@
       </dsp:nvSpPr>
       <dsp:spPr>
         <a:xfrm>
-          <a:off x="5385730" y="1124024"/>
-          <a:ext cx="962983" cy="308154"/>
+          <a:off x="4985079" y="857329"/>
+          <a:ext cx="1537176" cy="295724"/>
         </a:xfrm>
         <a:prstGeom prst="rect">
           <a:avLst/>
@@ -4007,8 +4607,8 @@
         </a:p>
       </dsp:txBody>
       <dsp:txXfrm>
-        <a:off x="5385730" y="1124024"/>
-        <a:ext cx="962983" cy="308154"/>
+        <a:off x="4985079" y="857329"/>
+        <a:ext cx="1537176" cy="295724"/>
       </dsp:txXfrm>
     </dsp:sp>
     <dsp:sp modelId="{9547FDBC-85F8-4482-875B-2A91930BD865}">
@@ -4018,8 +4618,8 @@
       </dsp:nvSpPr>
       <dsp:spPr>
         <a:xfrm>
-          <a:off x="5347064" y="1721074"/>
-          <a:ext cx="1040316" cy="481491"/>
+          <a:off x="5254491" y="1430296"/>
+          <a:ext cx="998352" cy="462069"/>
         </a:xfrm>
         <a:prstGeom prst="arc">
           <a:avLst>
@@ -4067,8 +4667,8 @@
       </dsp:nvSpPr>
       <dsp:spPr>
         <a:xfrm>
-          <a:off x="5347064" y="1721074"/>
-          <a:ext cx="1040316" cy="481491"/>
+          <a:off x="5254491" y="1430296"/>
+          <a:ext cx="998352" cy="462069"/>
         </a:xfrm>
         <a:prstGeom prst="arc">
           <a:avLst>
@@ -4116,8 +4716,8 @@
       </dsp:nvSpPr>
       <dsp:spPr>
         <a:xfrm>
-          <a:off x="4826906" y="1807743"/>
-          <a:ext cx="2080632" cy="308154"/>
+          <a:off x="4755315" y="1513468"/>
+          <a:ext cx="1996704" cy="295724"/>
         </a:xfrm>
         <a:prstGeom prst="rect">
           <a:avLst/>
@@ -4195,19 +4795,19 @@
         </a:p>
       </dsp:txBody>
       <dsp:txXfrm>
-        <a:off x="4826906" y="1807743"/>
-        <a:ext cx="2080632" cy="308154"/>
+        <a:off x="4755315" y="1513468"/>
+        <a:ext cx="1996704" cy="295724"/>
       </dsp:txXfrm>
     </dsp:sp>
-    <dsp:sp modelId="{C2B0B3D4-4701-4FBD-A5EB-09D22387AE88}">
+    <dsp:sp modelId="{E31517EB-C846-4A00-93D5-87480B62B81A}">
       <dsp:nvSpPr>
         <dsp:cNvPr id="0" name=""/>
         <dsp:cNvSpPr/>
       </dsp:nvSpPr>
       <dsp:spPr>
         <a:xfrm>
-          <a:off x="481449" y="2404793"/>
-          <a:ext cx="948861" cy="481491"/>
+          <a:off x="811119" y="2086435"/>
+          <a:ext cx="1611431" cy="462069"/>
         </a:xfrm>
         <a:prstGeom prst="arc">
           <a:avLst>
@@ -4248,15 +4848,15 @@
         <a:fontRef idx="minor"/>
       </dsp:style>
     </dsp:sp>
-    <dsp:sp modelId="{C3141B79-01EF-43C9-9EAF-41159B26E579}">
+    <dsp:sp modelId="{5850E104-533A-4AD8-810B-0172E1ECD260}">
       <dsp:nvSpPr>
         <dsp:cNvPr id="0" name=""/>
         <dsp:cNvSpPr/>
       </dsp:nvSpPr>
       <dsp:spPr>
         <a:xfrm>
-          <a:off x="481449" y="2404793"/>
-          <a:ext cx="948861" cy="481491"/>
+          <a:off x="811119" y="2086435"/>
+          <a:ext cx="1611431" cy="462069"/>
         </a:xfrm>
         <a:prstGeom prst="arc">
           <a:avLst>
@@ -4297,15 +4897,695 @@
         <a:fontRef idx="minor"/>
       </dsp:style>
     </dsp:sp>
-    <dsp:sp modelId="{FC409BB6-A1A9-44E5-A868-A18127A4C53F}">
+    <dsp:sp modelId="{E0D2B6F8-DBD2-46D6-9746-95F8869D9A07}">
       <dsp:nvSpPr>
         <dsp:cNvPr id="0" name=""/>
         <dsp:cNvSpPr/>
       </dsp:nvSpPr>
       <dsp:spPr>
         <a:xfrm>
-          <a:off x="7019" y="2491462"/>
-          <a:ext cx="1897723" cy="308154"/>
+          <a:off x="5404" y="2169607"/>
+          <a:ext cx="3222862" cy="295724"/>
+        </a:xfrm>
+        <a:prstGeom prst="rect">
+          <a:avLst/>
+        </a:prstGeom>
+        <a:noFill/>
+        <a:ln w="9525" cap="rnd" cmpd="sng" algn="ctr">
+          <a:noFill/>
+          <a:prstDash val="solid"/>
+        </a:ln>
+        <a:effectLst>
+          <a:outerShdw blurRad="38100" dist="25400" dir="5400000" rotWithShape="0">
+            <a:srgbClr val="000000">
+              <a:alpha val="45000"/>
+            </a:srgbClr>
+          </a:outerShdw>
+        </a:effectLst>
+        <a:scene3d>
+          <a:camera prst="orthographicFront"/>
+          <a:lightRig rig="flat" dir="t"/>
+        </a:scene3d>
+        <a:sp3d/>
+      </dsp:spPr>
+      <dsp:style>
+        <a:lnRef idx="1">
+          <a:scrgbClr r="0" g="0" b="0"/>
+        </a:lnRef>
+        <a:fillRef idx="1">
+          <a:scrgbClr r="0" g="0" b="0"/>
+        </a:fillRef>
+        <a:effectRef idx="2">
+          <a:scrgbClr r="0" g="0" b="0"/>
+        </a:effectRef>
+        <a:fontRef idx="minor"/>
+      </dsp:style>
+      <dsp:txBody>
+        <a:bodyPr spcFirstLastPara="0" vert="horz" wrap="square" lIns="8890" tIns="8890" rIns="8890" bIns="8890" numCol="1" spcCol="1270" anchor="ctr" anchorCtr="0">
+          <a:noAutofit/>
+        </a:bodyPr>
+        <a:lstStyle/>
+        <a:p>
+          <a:pPr lvl="0" algn="ctr" defTabSz="622300">
+            <a:lnSpc>
+              <a:spcPct val="90000"/>
+            </a:lnSpc>
+            <a:spcBef>
+              <a:spcPct val="0"/>
+            </a:spcBef>
+            <a:spcAft>
+              <a:spcPct val="35000"/>
+            </a:spcAft>
+          </a:pPr>
+          <a:r>
+            <a:rPr lang="en-US" sz="1400" kern="1200" dirty="0" smtClean="0"/>
+            <a:t>Custom syntactic checking</a:t>
+          </a:r>
+          <a:endParaRPr lang="en-US" sz="1400" kern="1200" dirty="0"/>
+        </a:p>
+      </dsp:txBody>
+      <dsp:txXfrm>
+        <a:off x="5404" y="2169607"/>
+        <a:ext cx="3222862" cy="295724"/>
+      </dsp:txXfrm>
+    </dsp:sp>
+    <dsp:sp modelId="{146E1CFA-54DB-425B-9FA0-F19AC302FCB0}">
+      <dsp:nvSpPr>
+        <dsp:cNvPr id="0" name=""/>
+        <dsp:cNvSpPr/>
+      </dsp:nvSpPr>
+      <dsp:spPr>
+        <a:xfrm>
+          <a:off x="2727295" y="2742574"/>
+          <a:ext cx="1254061" cy="462069"/>
+        </a:xfrm>
+        <a:prstGeom prst="arc">
+          <a:avLst>
+            <a:gd name="adj1" fmla="val 13200000"/>
+            <a:gd name="adj2" fmla="val 19200000"/>
+          </a:avLst>
+        </a:prstGeom>
+        <a:noFill/>
+        <a:ln w="19050" cap="rnd" cmpd="sng" algn="ctr">
+          <a:solidFill>
+            <a:schemeClr val="accent1">
+              <a:shade val="60000"/>
+              <a:hueOff val="0"/>
+              <a:satOff val="0"/>
+              <a:lumOff val="0"/>
+              <a:alphaOff val="0"/>
+            </a:schemeClr>
+          </a:solidFill>
+          <a:prstDash val="solid"/>
+        </a:ln>
+        <a:effectLst/>
+        <a:scene3d>
+          <a:camera prst="orthographicFront"/>
+          <a:lightRig rig="flat" dir="t"/>
+        </a:scene3d>
+        <a:sp3d prstMaterial="matte"/>
+      </dsp:spPr>
+      <dsp:style>
+        <a:lnRef idx="2">
+          <a:scrgbClr r="0" g="0" b="0"/>
+        </a:lnRef>
+        <a:fillRef idx="0">
+          <a:scrgbClr r="0" g="0" b="0"/>
+        </a:fillRef>
+        <a:effectRef idx="0">
+          <a:scrgbClr r="0" g="0" b="0"/>
+        </a:effectRef>
+        <a:fontRef idx="minor"/>
+      </dsp:style>
+    </dsp:sp>
+    <dsp:sp modelId="{D141DC33-1FD7-42E5-A6C7-7E60DC2ED7E0}">
+      <dsp:nvSpPr>
+        <dsp:cNvPr id="0" name=""/>
+        <dsp:cNvSpPr/>
+      </dsp:nvSpPr>
+      <dsp:spPr>
+        <a:xfrm>
+          <a:off x="2727295" y="2742574"/>
+          <a:ext cx="1254061" cy="462069"/>
+        </a:xfrm>
+        <a:prstGeom prst="arc">
+          <a:avLst>
+            <a:gd name="adj1" fmla="val 2400000"/>
+            <a:gd name="adj2" fmla="val 8400000"/>
+          </a:avLst>
+        </a:prstGeom>
+        <a:noFill/>
+        <a:ln w="19050" cap="rnd" cmpd="sng" algn="ctr">
+          <a:solidFill>
+            <a:schemeClr val="accent1">
+              <a:shade val="60000"/>
+              <a:hueOff val="0"/>
+              <a:satOff val="0"/>
+              <a:lumOff val="0"/>
+              <a:alphaOff val="0"/>
+            </a:schemeClr>
+          </a:solidFill>
+          <a:prstDash val="solid"/>
+        </a:ln>
+        <a:effectLst/>
+        <a:scene3d>
+          <a:camera prst="orthographicFront"/>
+          <a:lightRig rig="flat" dir="t"/>
+        </a:scene3d>
+        <a:sp3d prstMaterial="matte"/>
+      </dsp:spPr>
+      <dsp:style>
+        <a:lnRef idx="2">
+          <a:scrgbClr r="0" g="0" b="0"/>
+        </a:lnRef>
+        <a:fillRef idx="0">
+          <a:scrgbClr r="0" g="0" b="0"/>
+        </a:fillRef>
+        <a:effectRef idx="0">
+          <a:scrgbClr r="0" g="0" b="0"/>
+        </a:effectRef>
+        <a:fontRef idx="minor"/>
+      </dsp:style>
+    </dsp:sp>
+    <dsp:sp modelId="{9B5D9EDB-F93D-429C-B688-FC9E1CFB1F93}">
+      <dsp:nvSpPr>
+        <dsp:cNvPr id="0" name=""/>
+        <dsp:cNvSpPr/>
+      </dsp:nvSpPr>
+      <dsp:spPr>
+        <a:xfrm>
+          <a:off x="2100264" y="2825746"/>
+          <a:ext cx="2508123" cy="295724"/>
+        </a:xfrm>
+        <a:prstGeom prst="rect">
+          <a:avLst/>
+        </a:prstGeom>
+        <a:noFill/>
+        <a:ln w="9525" cap="rnd" cmpd="sng" algn="ctr">
+          <a:noFill/>
+          <a:prstDash val="solid"/>
+        </a:ln>
+        <a:effectLst>
+          <a:outerShdw blurRad="38100" dist="25400" dir="5400000" rotWithShape="0">
+            <a:srgbClr val="000000">
+              <a:alpha val="45000"/>
+            </a:srgbClr>
+          </a:outerShdw>
+        </a:effectLst>
+        <a:scene3d>
+          <a:camera prst="orthographicFront"/>
+          <a:lightRig rig="flat" dir="t"/>
+        </a:scene3d>
+        <a:sp3d/>
+      </dsp:spPr>
+      <dsp:style>
+        <a:lnRef idx="1">
+          <a:scrgbClr r="0" g="0" b="0"/>
+        </a:lnRef>
+        <a:fillRef idx="1">
+          <a:scrgbClr r="0" g="0" b="0"/>
+        </a:fillRef>
+        <a:effectRef idx="2">
+          <a:scrgbClr r="0" g="0" b="0"/>
+        </a:effectRef>
+        <a:fontRef idx="minor"/>
+      </dsp:style>
+      <dsp:txBody>
+        <a:bodyPr spcFirstLastPara="0" vert="horz" wrap="square" lIns="8890" tIns="8890" rIns="8890" bIns="8890" numCol="1" spcCol="1270" anchor="ctr" anchorCtr="0">
+          <a:noAutofit/>
+        </a:bodyPr>
+        <a:lstStyle/>
+        <a:p>
+          <a:pPr lvl="0" algn="ctr" defTabSz="622300">
+            <a:lnSpc>
+              <a:spcPct val="90000"/>
+            </a:lnSpc>
+            <a:spcBef>
+              <a:spcPct val="0"/>
+            </a:spcBef>
+            <a:spcAft>
+              <a:spcPct val="35000"/>
+            </a:spcAft>
+          </a:pPr>
+          <a:r>
+            <a:rPr lang="en-US" sz="1400" kern="1200" dirty="0" smtClean="0"/>
+            <a:t>Domain specific rules</a:t>
+          </a:r>
+          <a:endParaRPr lang="en-US" sz="1400" kern="1200" dirty="0"/>
+        </a:p>
+      </dsp:txBody>
+      <dsp:txXfrm>
+        <a:off x="2100264" y="2825746"/>
+        <a:ext cx="2508123" cy="295724"/>
+      </dsp:txXfrm>
+    </dsp:sp>
+    <dsp:sp modelId="{288875E8-CD6F-4FD8-8F03-8BBD78219C3A}">
+      <dsp:nvSpPr>
+        <dsp:cNvPr id="0" name=""/>
+        <dsp:cNvSpPr/>
+      </dsp:nvSpPr>
+      <dsp:spPr>
+        <a:xfrm>
+          <a:off x="2612350" y="3398713"/>
+          <a:ext cx="1024172" cy="462069"/>
+        </a:xfrm>
+        <a:prstGeom prst="arc">
+          <a:avLst>
+            <a:gd name="adj1" fmla="val 13200000"/>
+            <a:gd name="adj2" fmla="val 19200000"/>
+          </a:avLst>
+        </a:prstGeom>
+        <a:noFill/>
+        <a:ln w="19050" cap="rnd" cmpd="sng" algn="ctr">
+          <a:solidFill>
+            <a:schemeClr val="accent1">
+              <a:shade val="60000"/>
+              <a:hueOff val="0"/>
+              <a:satOff val="0"/>
+              <a:lumOff val="0"/>
+              <a:alphaOff val="0"/>
+            </a:schemeClr>
+          </a:solidFill>
+          <a:prstDash val="solid"/>
+        </a:ln>
+        <a:effectLst/>
+        <a:scene3d>
+          <a:camera prst="orthographicFront"/>
+          <a:lightRig rig="flat" dir="t"/>
+        </a:scene3d>
+        <a:sp3d prstMaterial="matte"/>
+      </dsp:spPr>
+      <dsp:style>
+        <a:lnRef idx="2">
+          <a:scrgbClr r="0" g="0" b="0"/>
+        </a:lnRef>
+        <a:fillRef idx="0">
+          <a:scrgbClr r="0" g="0" b="0"/>
+        </a:fillRef>
+        <a:effectRef idx="0">
+          <a:scrgbClr r="0" g="0" b="0"/>
+        </a:effectRef>
+        <a:fontRef idx="minor"/>
+      </dsp:style>
+    </dsp:sp>
+    <dsp:sp modelId="{FA2DD701-E4E3-4B86-AAA9-C10491ED0A3E}">
+      <dsp:nvSpPr>
+        <dsp:cNvPr id="0" name=""/>
+        <dsp:cNvSpPr/>
+      </dsp:nvSpPr>
+      <dsp:spPr>
+        <a:xfrm>
+          <a:off x="2612350" y="3398713"/>
+          <a:ext cx="1024172" cy="462069"/>
+        </a:xfrm>
+        <a:prstGeom prst="arc">
+          <a:avLst>
+            <a:gd name="adj1" fmla="val 2400000"/>
+            <a:gd name="adj2" fmla="val 8400000"/>
+          </a:avLst>
+        </a:prstGeom>
+        <a:noFill/>
+        <a:ln w="19050" cap="rnd" cmpd="sng" algn="ctr">
+          <a:solidFill>
+            <a:schemeClr val="accent1">
+              <a:shade val="60000"/>
+              <a:hueOff val="0"/>
+              <a:satOff val="0"/>
+              <a:lumOff val="0"/>
+              <a:alphaOff val="0"/>
+            </a:schemeClr>
+          </a:solidFill>
+          <a:prstDash val="solid"/>
+        </a:ln>
+        <a:effectLst/>
+        <a:scene3d>
+          <a:camera prst="orthographicFront"/>
+          <a:lightRig rig="flat" dir="t"/>
+        </a:scene3d>
+        <a:sp3d prstMaterial="matte"/>
+      </dsp:spPr>
+      <dsp:style>
+        <a:lnRef idx="2">
+          <a:scrgbClr r="0" g="0" b="0"/>
+        </a:lnRef>
+        <a:fillRef idx="0">
+          <a:scrgbClr r="0" g="0" b="0"/>
+        </a:fillRef>
+        <a:effectRef idx="0">
+          <a:scrgbClr r="0" g="0" b="0"/>
+        </a:effectRef>
+        <a:fontRef idx="minor"/>
+      </dsp:style>
+    </dsp:sp>
+    <dsp:sp modelId="{871FD543-CD1E-48A3-9DEC-EB41C7146695}">
+      <dsp:nvSpPr>
+        <dsp:cNvPr id="0" name=""/>
+        <dsp:cNvSpPr/>
+      </dsp:nvSpPr>
+      <dsp:spPr>
+        <a:xfrm>
+          <a:off x="2100264" y="3481885"/>
+          <a:ext cx="2048345" cy="295724"/>
+        </a:xfrm>
+        <a:prstGeom prst="rect">
+          <a:avLst/>
+        </a:prstGeom>
+        <a:noFill/>
+        <a:ln w="9525" cap="rnd" cmpd="sng" algn="ctr">
+          <a:noFill/>
+          <a:prstDash val="solid"/>
+        </a:ln>
+        <a:effectLst>
+          <a:outerShdw blurRad="38100" dist="25400" dir="5400000" rotWithShape="0">
+            <a:srgbClr val="000000">
+              <a:alpha val="45000"/>
+            </a:srgbClr>
+          </a:outerShdw>
+        </a:effectLst>
+        <a:scene3d>
+          <a:camera prst="orthographicFront"/>
+          <a:lightRig rig="flat" dir="t"/>
+        </a:scene3d>
+        <a:sp3d/>
+      </dsp:spPr>
+      <dsp:style>
+        <a:lnRef idx="1">
+          <a:scrgbClr r="0" g="0" b="0"/>
+        </a:lnRef>
+        <a:fillRef idx="1">
+          <a:scrgbClr r="0" g="0" b="0"/>
+        </a:fillRef>
+        <a:effectRef idx="2">
+          <a:scrgbClr r="0" g="0" b="0"/>
+        </a:effectRef>
+        <a:fontRef idx="minor"/>
+      </dsp:style>
+      <dsp:txBody>
+        <a:bodyPr spcFirstLastPara="0" vert="horz" wrap="square" lIns="8890" tIns="8890" rIns="8890" bIns="8890" numCol="1" spcCol="1270" anchor="ctr" anchorCtr="0">
+          <a:noAutofit/>
+        </a:bodyPr>
+        <a:lstStyle/>
+        <a:p>
+          <a:pPr lvl="0" algn="ctr" defTabSz="622300">
+            <a:lnSpc>
+              <a:spcPct val="90000"/>
+            </a:lnSpc>
+            <a:spcBef>
+              <a:spcPct val="0"/>
+            </a:spcBef>
+            <a:spcAft>
+              <a:spcPct val="35000"/>
+            </a:spcAft>
+          </a:pPr>
+          <a:r>
+            <a:rPr lang="en-US" sz="1400" kern="1200" dirty="0" smtClean="0"/>
+            <a:t>User defined rules</a:t>
+          </a:r>
+          <a:endParaRPr lang="en-US" sz="1400" kern="1200" dirty="0"/>
+        </a:p>
+      </dsp:txBody>
+      <dsp:txXfrm>
+        <a:off x="2100264" y="3481885"/>
+        <a:ext cx="2048345" cy="295724"/>
+      </dsp:txXfrm>
+    </dsp:sp>
+    <dsp:sp modelId="{097E3815-5124-496B-A12D-0E759A531691}">
+      <dsp:nvSpPr>
+        <dsp:cNvPr id="0" name=""/>
+        <dsp:cNvSpPr/>
+      </dsp:nvSpPr>
+      <dsp:spPr>
+        <a:xfrm>
+          <a:off x="4049050" y="2086435"/>
+          <a:ext cx="941758" cy="462069"/>
+        </a:xfrm>
+        <a:prstGeom prst="arc">
+          <a:avLst>
+            <a:gd name="adj1" fmla="val 13200000"/>
+            <a:gd name="adj2" fmla="val 19200000"/>
+          </a:avLst>
+        </a:prstGeom>
+        <a:noFill/>
+        <a:ln w="19050" cap="rnd" cmpd="sng" algn="ctr">
+          <a:solidFill>
+            <a:schemeClr val="accent1">
+              <a:shade val="60000"/>
+              <a:hueOff val="0"/>
+              <a:satOff val="0"/>
+              <a:lumOff val="0"/>
+              <a:alphaOff val="0"/>
+            </a:schemeClr>
+          </a:solidFill>
+          <a:prstDash val="solid"/>
+        </a:ln>
+        <a:effectLst/>
+        <a:scene3d>
+          <a:camera prst="orthographicFront"/>
+          <a:lightRig rig="flat" dir="t"/>
+        </a:scene3d>
+        <a:sp3d prstMaterial="matte"/>
+      </dsp:spPr>
+      <dsp:style>
+        <a:lnRef idx="2">
+          <a:scrgbClr r="0" g="0" b="0"/>
+        </a:lnRef>
+        <a:fillRef idx="0">
+          <a:scrgbClr r="0" g="0" b="0"/>
+        </a:fillRef>
+        <a:effectRef idx="0">
+          <a:scrgbClr r="0" g="0" b="0"/>
+        </a:effectRef>
+        <a:fontRef idx="minor"/>
+      </dsp:style>
+    </dsp:sp>
+    <dsp:sp modelId="{9F87DB24-2326-4139-8CBF-41A595E83F31}">
+      <dsp:nvSpPr>
+        <dsp:cNvPr id="0" name=""/>
+        <dsp:cNvSpPr/>
+      </dsp:nvSpPr>
+      <dsp:spPr>
+        <a:xfrm>
+          <a:off x="4049050" y="2086435"/>
+          <a:ext cx="941758" cy="462069"/>
+        </a:xfrm>
+        <a:prstGeom prst="arc">
+          <a:avLst>
+            <a:gd name="adj1" fmla="val 2400000"/>
+            <a:gd name="adj2" fmla="val 8400000"/>
+          </a:avLst>
+        </a:prstGeom>
+        <a:noFill/>
+        <a:ln w="19050" cap="rnd" cmpd="sng" algn="ctr">
+          <a:solidFill>
+            <a:schemeClr val="accent1">
+              <a:shade val="60000"/>
+              <a:hueOff val="0"/>
+              <a:satOff val="0"/>
+              <a:lumOff val="0"/>
+              <a:alphaOff val="0"/>
+            </a:schemeClr>
+          </a:solidFill>
+          <a:prstDash val="solid"/>
+        </a:ln>
+        <a:effectLst/>
+        <a:scene3d>
+          <a:camera prst="orthographicFront"/>
+          <a:lightRig rig="flat" dir="t"/>
+        </a:scene3d>
+        <a:sp3d prstMaterial="matte"/>
+      </dsp:spPr>
+      <dsp:style>
+        <a:lnRef idx="2">
+          <a:scrgbClr r="0" g="0" b="0"/>
+        </a:lnRef>
+        <a:fillRef idx="0">
+          <a:scrgbClr r="0" g="0" b="0"/>
+        </a:fillRef>
+        <a:effectRef idx="0">
+          <a:scrgbClr r="0" g="0" b="0"/>
+        </a:effectRef>
+        <a:fontRef idx="minor"/>
+      </dsp:style>
+    </dsp:sp>
+    <dsp:sp modelId="{D07A9C80-965E-4711-A655-3460DDBA569B}">
+      <dsp:nvSpPr>
+        <dsp:cNvPr id="0" name=""/>
+        <dsp:cNvSpPr/>
+      </dsp:nvSpPr>
+      <dsp:spPr>
+        <a:xfrm>
+          <a:off x="3578171" y="2169607"/>
+          <a:ext cx="1883516" cy="295724"/>
+        </a:xfrm>
+        <a:prstGeom prst="rect">
+          <a:avLst/>
+        </a:prstGeom>
+        <a:noFill/>
+        <a:ln w="9525" cap="rnd" cmpd="sng" algn="ctr">
+          <a:noFill/>
+          <a:prstDash val="solid"/>
+        </a:ln>
+        <a:effectLst>
+          <a:outerShdw blurRad="38100" dist="25400" dir="5400000" rotWithShape="0">
+            <a:srgbClr val="000000">
+              <a:alpha val="45000"/>
+            </a:srgbClr>
+          </a:outerShdw>
+        </a:effectLst>
+        <a:scene3d>
+          <a:camera prst="orthographicFront"/>
+          <a:lightRig rig="flat" dir="t"/>
+        </a:scene3d>
+        <a:sp3d/>
+      </dsp:spPr>
+      <dsp:style>
+        <a:lnRef idx="1">
+          <a:scrgbClr r="0" g="0" b="0"/>
+        </a:lnRef>
+        <a:fillRef idx="1">
+          <a:scrgbClr r="0" g="0" b="0"/>
+        </a:fillRef>
+        <a:effectRef idx="2">
+          <a:scrgbClr r="0" g="0" b="0"/>
+        </a:effectRef>
+        <a:fontRef idx="minor"/>
+      </dsp:style>
+      <dsp:txBody>
+        <a:bodyPr spcFirstLastPara="0" vert="horz" wrap="square" lIns="8890" tIns="8890" rIns="8890" bIns="8890" numCol="1" spcCol="1270" anchor="ctr" anchorCtr="0">
+          <a:noAutofit/>
+        </a:bodyPr>
+        <a:lstStyle/>
+        <a:p>
+          <a:pPr lvl="0" algn="ctr" defTabSz="622300">
+            <a:lnSpc>
+              <a:spcPct val="90000"/>
+            </a:lnSpc>
+            <a:spcBef>
+              <a:spcPct val="0"/>
+            </a:spcBef>
+            <a:spcAft>
+              <a:spcPct val="35000"/>
+            </a:spcAft>
+          </a:pPr>
+          <a:r>
+            <a:rPr lang="en-US" sz="1400" kern="1200" dirty="0" smtClean="0"/>
+            <a:t>Formal analysis</a:t>
+          </a:r>
+          <a:endParaRPr lang="en-US" sz="1400" kern="1200" dirty="0"/>
+        </a:p>
+      </dsp:txBody>
+      <dsp:txXfrm>
+        <a:off x="3578171" y="2169607"/>
+        <a:ext cx="1883516" cy="295724"/>
+      </dsp:txXfrm>
+    </dsp:sp>
+    <dsp:sp modelId="{5EBF7DAF-B9CC-430C-9A32-FEC851E299DE}">
+      <dsp:nvSpPr>
+        <dsp:cNvPr id="0" name=""/>
+        <dsp:cNvSpPr/>
+      </dsp:nvSpPr>
+      <dsp:spPr>
+        <a:xfrm>
+          <a:off x="5199608" y="2742574"/>
+          <a:ext cx="794302" cy="462069"/>
+        </a:xfrm>
+        <a:prstGeom prst="arc">
+          <a:avLst>
+            <a:gd name="adj1" fmla="val 13200000"/>
+            <a:gd name="adj2" fmla="val 19200000"/>
+          </a:avLst>
+        </a:prstGeom>
+        <a:noFill/>
+        <a:ln w="19050" cap="rnd" cmpd="sng" algn="ctr">
+          <a:solidFill>
+            <a:schemeClr val="accent1">
+              <a:shade val="60000"/>
+              <a:hueOff val="0"/>
+              <a:satOff val="0"/>
+              <a:lumOff val="0"/>
+              <a:alphaOff val="0"/>
+            </a:schemeClr>
+          </a:solidFill>
+          <a:prstDash val="solid"/>
+        </a:ln>
+        <a:effectLst/>
+        <a:scene3d>
+          <a:camera prst="orthographicFront"/>
+          <a:lightRig rig="flat" dir="t"/>
+        </a:scene3d>
+        <a:sp3d prstMaterial="matte"/>
+      </dsp:spPr>
+      <dsp:style>
+        <a:lnRef idx="2">
+          <a:scrgbClr r="0" g="0" b="0"/>
+        </a:lnRef>
+        <a:fillRef idx="0">
+          <a:scrgbClr r="0" g="0" b="0"/>
+        </a:fillRef>
+        <a:effectRef idx="0">
+          <a:scrgbClr r="0" g="0" b="0"/>
+        </a:effectRef>
+        <a:fontRef idx="minor"/>
+      </dsp:style>
+    </dsp:sp>
+    <dsp:sp modelId="{B39AAD30-56C5-4B5C-A5FE-F7EE6B698A6F}">
+      <dsp:nvSpPr>
+        <dsp:cNvPr id="0" name=""/>
+        <dsp:cNvSpPr/>
+      </dsp:nvSpPr>
+      <dsp:spPr>
+        <a:xfrm>
+          <a:off x="5199608" y="2742574"/>
+          <a:ext cx="794302" cy="462069"/>
+        </a:xfrm>
+        <a:prstGeom prst="arc">
+          <a:avLst>
+            <a:gd name="adj1" fmla="val 2400000"/>
+            <a:gd name="adj2" fmla="val 8400000"/>
+          </a:avLst>
+        </a:prstGeom>
+        <a:noFill/>
+        <a:ln w="19050" cap="rnd" cmpd="sng" algn="ctr">
+          <a:solidFill>
+            <a:schemeClr val="accent1">
+              <a:shade val="60000"/>
+              <a:hueOff val="0"/>
+              <a:satOff val="0"/>
+              <a:lumOff val="0"/>
+              <a:alphaOff val="0"/>
+            </a:schemeClr>
+          </a:solidFill>
+          <a:prstDash val="solid"/>
+        </a:ln>
+        <a:effectLst/>
+        <a:scene3d>
+          <a:camera prst="orthographicFront"/>
+          <a:lightRig rig="flat" dir="t"/>
+        </a:scene3d>
+        <a:sp3d prstMaterial="matte"/>
+      </dsp:spPr>
+      <dsp:style>
+        <a:lnRef idx="2">
+          <a:scrgbClr r="0" g="0" b="0"/>
+        </a:lnRef>
+        <a:fillRef idx="0">
+          <a:scrgbClr r="0" g="0" b="0"/>
+        </a:fillRef>
+        <a:effectRef idx="0">
+          <a:scrgbClr r="0" g="0" b="0"/>
+        </a:effectRef>
+        <a:fontRef idx="minor"/>
+      </dsp:style>
+    </dsp:sp>
+    <dsp:sp modelId="{8AB6158F-8531-4243-9B9E-F063F6D62F02}">
+      <dsp:nvSpPr>
+        <dsp:cNvPr id="0" name=""/>
+        <dsp:cNvSpPr/>
+      </dsp:nvSpPr>
+      <dsp:spPr>
+        <a:xfrm>
+          <a:off x="4802457" y="2825746"/>
+          <a:ext cx="1588604" cy="295724"/>
         </a:xfrm>
         <a:prstGeom prst="rect">
           <a:avLst/>
@@ -4373,698 +5653,12 @@
             </a:rPr>
             <a:t>√</a:t>
           </a:r>
-          <a:endParaRPr lang="en-US" sz="1400" i="1" kern="1200" dirty="0">
-            <a:solidFill>
-              <a:schemeClr val="accent4">
-                <a:lumMod val="75000"/>
-              </a:schemeClr>
-            </a:solidFill>
-          </a:endParaRPr>
-        </a:p>
-      </dsp:txBody>
-      <dsp:txXfrm>
-        <a:off x="7019" y="2491462"/>
-        <a:ext cx="1897723" cy="308154"/>
-      </dsp:txXfrm>
-    </dsp:sp>
-    <dsp:sp modelId="{E31517EB-C846-4A00-93D5-87480B62B81A}">
-      <dsp:nvSpPr>
-        <dsp:cNvPr id="0" name=""/>
-        <dsp:cNvSpPr/>
-      </dsp:nvSpPr>
-      <dsp:spPr>
-        <a:xfrm>
-          <a:off x="2793572" y="2404793"/>
-          <a:ext cx="1373205" cy="481491"/>
-        </a:xfrm>
-        <a:prstGeom prst="arc">
-          <a:avLst>
-            <a:gd name="adj1" fmla="val 13200000"/>
-            <a:gd name="adj2" fmla="val 19200000"/>
-          </a:avLst>
-        </a:prstGeom>
-        <a:noFill/>
-        <a:ln w="19050" cap="rnd" cmpd="sng" algn="ctr">
-          <a:solidFill>
-            <a:schemeClr val="accent1">
-              <a:shade val="60000"/>
-              <a:hueOff val="0"/>
-              <a:satOff val="0"/>
-              <a:lumOff val="0"/>
-              <a:alphaOff val="0"/>
-            </a:schemeClr>
-          </a:solidFill>
-          <a:prstDash val="solid"/>
-        </a:ln>
-        <a:effectLst/>
-        <a:scene3d>
-          <a:camera prst="orthographicFront"/>
-          <a:lightRig rig="flat" dir="t"/>
-        </a:scene3d>
-        <a:sp3d prstMaterial="matte"/>
-      </dsp:spPr>
-      <dsp:style>
-        <a:lnRef idx="2">
-          <a:scrgbClr r="0" g="0" b="0"/>
-        </a:lnRef>
-        <a:fillRef idx="0">
-          <a:scrgbClr r="0" g="0" b="0"/>
-        </a:fillRef>
-        <a:effectRef idx="0">
-          <a:scrgbClr r="0" g="0" b="0"/>
-        </a:effectRef>
-        <a:fontRef idx="minor"/>
-      </dsp:style>
-    </dsp:sp>
-    <dsp:sp modelId="{5850E104-533A-4AD8-810B-0172E1ECD260}">
-      <dsp:nvSpPr>
-        <dsp:cNvPr id="0" name=""/>
-        <dsp:cNvSpPr/>
-      </dsp:nvSpPr>
-      <dsp:spPr>
-        <a:xfrm>
-          <a:off x="2793572" y="2404793"/>
-          <a:ext cx="1373205" cy="481491"/>
-        </a:xfrm>
-        <a:prstGeom prst="arc">
-          <a:avLst>
-            <a:gd name="adj1" fmla="val 2400000"/>
-            <a:gd name="adj2" fmla="val 8400000"/>
-          </a:avLst>
-        </a:prstGeom>
-        <a:noFill/>
-        <a:ln w="19050" cap="rnd" cmpd="sng" algn="ctr">
-          <a:solidFill>
-            <a:schemeClr val="accent1">
-              <a:shade val="60000"/>
-              <a:hueOff val="0"/>
-              <a:satOff val="0"/>
-              <a:lumOff val="0"/>
-              <a:alphaOff val="0"/>
-            </a:schemeClr>
-          </a:solidFill>
-          <a:prstDash val="solid"/>
-        </a:ln>
-        <a:effectLst/>
-        <a:scene3d>
-          <a:camera prst="orthographicFront"/>
-          <a:lightRig rig="flat" dir="t"/>
-        </a:scene3d>
-        <a:sp3d prstMaterial="matte"/>
-      </dsp:spPr>
-      <dsp:style>
-        <a:lnRef idx="2">
-          <a:scrgbClr r="0" g="0" b="0"/>
-        </a:lnRef>
-        <a:fillRef idx="0">
-          <a:scrgbClr r="0" g="0" b="0"/>
-        </a:fillRef>
-        <a:effectRef idx="0">
-          <a:scrgbClr r="0" g="0" b="0"/>
-        </a:effectRef>
-        <a:fontRef idx="minor"/>
-      </dsp:style>
-    </dsp:sp>
-    <dsp:sp modelId="{E0D2B6F8-DBD2-46D6-9746-95F8869D9A07}">
-      <dsp:nvSpPr>
-        <dsp:cNvPr id="0" name=""/>
-        <dsp:cNvSpPr/>
-      </dsp:nvSpPr>
-      <dsp:spPr>
-        <a:xfrm>
-          <a:off x="2106969" y="2491462"/>
-          <a:ext cx="2746410" cy="308154"/>
-        </a:xfrm>
-        <a:prstGeom prst="rect">
-          <a:avLst/>
-        </a:prstGeom>
-        <a:noFill/>
-        <a:ln w="9525" cap="rnd" cmpd="sng" algn="ctr">
-          <a:noFill/>
-          <a:prstDash val="solid"/>
-        </a:ln>
-        <a:effectLst>
-          <a:outerShdw blurRad="38100" dist="25400" dir="5400000" rotWithShape="0">
-            <a:srgbClr val="000000">
-              <a:alpha val="45000"/>
-            </a:srgbClr>
-          </a:outerShdw>
-        </a:effectLst>
-        <a:scene3d>
-          <a:camera prst="orthographicFront"/>
-          <a:lightRig rig="flat" dir="t"/>
-        </a:scene3d>
-        <a:sp3d/>
-      </dsp:spPr>
-      <dsp:style>
-        <a:lnRef idx="1">
-          <a:scrgbClr r="0" g="0" b="0"/>
-        </a:lnRef>
-        <a:fillRef idx="1">
-          <a:scrgbClr r="0" g="0" b="0"/>
-        </a:fillRef>
-        <a:effectRef idx="2">
-          <a:scrgbClr r="0" g="0" b="0"/>
-        </a:effectRef>
-        <a:fontRef idx="minor"/>
-      </dsp:style>
-      <dsp:txBody>
-        <a:bodyPr spcFirstLastPara="0" vert="horz" wrap="square" lIns="8890" tIns="8890" rIns="8890" bIns="8890" numCol="1" spcCol="1270" anchor="ctr" anchorCtr="0">
-          <a:noAutofit/>
-        </a:bodyPr>
-        <a:lstStyle/>
-        <a:p>
-          <a:pPr lvl="0" algn="ctr" defTabSz="622300">
-            <a:lnSpc>
-              <a:spcPct val="90000"/>
-            </a:lnSpc>
-            <a:spcBef>
-              <a:spcPct val="0"/>
-            </a:spcBef>
-            <a:spcAft>
-              <a:spcPct val="35000"/>
-            </a:spcAft>
-          </a:pPr>
-          <a:r>
-            <a:rPr lang="en-US" sz="1400" kern="1200" dirty="0" smtClean="0"/>
-            <a:t>Custom syntactic checking</a:t>
-          </a:r>
           <a:endParaRPr lang="en-US" sz="1400" kern="1200" dirty="0"/>
         </a:p>
       </dsp:txBody>
       <dsp:txXfrm>
-        <a:off x="2106969" y="2491462"/>
-        <a:ext cx="2746410" cy="308154"/>
-      </dsp:txXfrm>
-    </dsp:sp>
-    <dsp:sp modelId="{146E1CFA-54DB-425B-9FA0-F19AC302FCB0}">
-      <dsp:nvSpPr>
-        <dsp:cNvPr id="0" name=""/>
-        <dsp:cNvSpPr/>
-      </dsp:nvSpPr>
-      <dsp:spPr>
-        <a:xfrm>
-          <a:off x="4545523" y="3088512"/>
-          <a:ext cx="1306774" cy="481491"/>
-        </a:xfrm>
-        <a:prstGeom prst="arc">
-          <a:avLst>
-            <a:gd name="adj1" fmla="val 13200000"/>
-            <a:gd name="adj2" fmla="val 19200000"/>
-          </a:avLst>
-        </a:prstGeom>
-        <a:noFill/>
-        <a:ln w="19050" cap="rnd" cmpd="sng" algn="ctr">
-          <a:solidFill>
-            <a:schemeClr val="accent1">
-              <a:shade val="60000"/>
-              <a:hueOff val="0"/>
-              <a:satOff val="0"/>
-              <a:lumOff val="0"/>
-              <a:alphaOff val="0"/>
-            </a:schemeClr>
-          </a:solidFill>
-          <a:prstDash val="solid"/>
-        </a:ln>
-        <a:effectLst/>
-        <a:scene3d>
-          <a:camera prst="orthographicFront"/>
-          <a:lightRig rig="flat" dir="t"/>
-        </a:scene3d>
-        <a:sp3d prstMaterial="matte"/>
-      </dsp:spPr>
-      <dsp:style>
-        <a:lnRef idx="2">
-          <a:scrgbClr r="0" g="0" b="0"/>
-        </a:lnRef>
-        <a:fillRef idx="0">
-          <a:scrgbClr r="0" g="0" b="0"/>
-        </a:fillRef>
-        <a:effectRef idx="0">
-          <a:scrgbClr r="0" g="0" b="0"/>
-        </a:effectRef>
-        <a:fontRef idx="minor"/>
-      </dsp:style>
-    </dsp:sp>
-    <dsp:sp modelId="{D141DC33-1FD7-42E5-A6C7-7E60DC2ED7E0}">
-      <dsp:nvSpPr>
-        <dsp:cNvPr id="0" name=""/>
-        <dsp:cNvSpPr/>
-      </dsp:nvSpPr>
-      <dsp:spPr>
-        <a:xfrm>
-          <a:off x="4545523" y="3088512"/>
-          <a:ext cx="1306774" cy="481491"/>
-        </a:xfrm>
-        <a:prstGeom prst="arc">
-          <a:avLst>
-            <a:gd name="adj1" fmla="val 2400000"/>
-            <a:gd name="adj2" fmla="val 8400000"/>
-          </a:avLst>
-        </a:prstGeom>
-        <a:noFill/>
-        <a:ln w="19050" cap="rnd" cmpd="sng" algn="ctr">
-          <a:solidFill>
-            <a:schemeClr val="accent1">
-              <a:shade val="60000"/>
-              <a:hueOff val="0"/>
-              <a:satOff val="0"/>
-              <a:lumOff val="0"/>
-              <a:alphaOff val="0"/>
-            </a:schemeClr>
-          </a:solidFill>
-          <a:prstDash val="solid"/>
-        </a:ln>
-        <a:effectLst/>
-        <a:scene3d>
-          <a:camera prst="orthographicFront"/>
-          <a:lightRig rig="flat" dir="t"/>
-        </a:scene3d>
-        <a:sp3d prstMaterial="matte"/>
-      </dsp:spPr>
-      <dsp:style>
-        <a:lnRef idx="2">
-          <a:scrgbClr r="0" g="0" b="0"/>
-        </a:lnRef>
-        <a:fillRef idx="0">
-          <a:scrgbClr r="0" g="0" b="0"/>
-        </a:fillRef>
-        <a:effectRef idx="0">
-          <a:scrgbClr r="0" g="0" b="0"/>
-        </a:effectRef>
-        <a:fontRef idx="minor"/>
-      </dsp:style>
-    </dsp:sp>
-    <dsp:sp modelId="{9B5D9EDB-F93D-429C-B688-FC9E1CFB1F93}">
-      <dsp:nvSpPr>
-        <dsp:cNvPr id="0" name=""/>
-        <dsp:cNvSpPr/>
-      </dsp:nvSpPr>
-      <dsp:spPr>
-        <a:xfrm>
-          <a:off x="3892136" y="3175180"/>
-          <a:ext cx="2613548" cy="308154"/>
-        </a:xfrm>
-        <a:prstGeom prst="rect">
-          <a:avLst/>
-        </a:prstGeom>
-        <a:noFill/>
-        <a:ln w="9525" cap="rnd" cmpd="sng" algn="ctr">
-          <a:noFill/>
-          <a:prstDash val="solid"/>
-        </a:ln>
-        <a:effectLst>
-          <a:outerShdw blurRad="38100" dist="25400" dir="5400000" rotWithShape="0">
-            <a:srgbClr val="000000">
-              <a:alpha val="45000"/>
-            </a:srgbClr>
-          </a:outerShdw>
-        </a:effectLst>
-        <a:scene3d>
-          <a:camera prst="orthographicFront"/>
-          <a:lightRig rig="flat" dir="t"/>
-        </a:scene3d>
-        <a:sp3d/>
-      </dsp:spPr>
-      <dsp:style>
-        <a:lnRef idx="1">
-          <a:scrgbClr r="0" g="0" b="0"/>
-        </a:lnRef>
-        <a:fillRef idx="1">
-          <a:scrgbClr r="0" g="0" b="0"/>
-        </a:fillRef>
-        <a:effectRef idx="2">
-          <a:scrgbClr r="0" g="0" b="0"/>
-        </a:effectRef>
-        <a:fontRef idx="minor"/>
-      </dsp:style>
-      <dsp:txBody>
-        <a:bodyPr spcFirstLastPara="0" vert="horz" wrap="square" lIns="8890" tIns="8890" rIns="8890" bIns="8890" numCol="1" spcCol="1270" anchor="ctr" anchorCtr="0">
-          <a:noAutofit/>
-        </a:bodyPr>
-        <a:lstStyle/>
-        <a:p>
-          <a:pPr lvl="0" algn="ctr" defTabSz="622300">
-            <a:lnSpc>
-              <a:spcPct val="90000"/>
-            </a:lnSpc>
-            <a:spcBef>
-              <a:spcPct val="0"/>
-            </a:spcBef>
-            <a:spcAft>
-              <a:spcPct val="35000"/>
-            </a:spcAft>
-          </a:pPr>
-          <a:r>
-            <a:rPr lang="en-US" sz="1400" kern="1200" dirty="0" smtClean="0"/>
-            <a:t>Domain specific rules</a:t>
-          </a:r>
-          <a:endParaRPr lang="en-US" sz="1400" kern="1200" dirty="0"/>
-        </a:p>
-      </dsp:txBody>
-      <dsp:txXfrm>
-        <a:off x="3892136" y="3175180"/>
-        <a:ext cx="2613548" cy="308154"/>
-      </dsp:txXfrm>
-    </dsp:sp>
-    <dsp:sp modelId="{288875E8-CD6F-4FD8-8F03-8BBD78219C3A}">
-      <dsp:nvSpPr>
-        <dsp:cNvPr id="0" name=""/>
-        <dsp:cNvSpPr/>
-      </dsp:nvSpPr>
-      <dsp:spPr>
-        <a:xfrm>
-          <a:off x="4425747" y="3772230"/>
-          <a:ext cx="1067222" cy="481491"/>
-        </a:xfrm>
-        <a:prstGeom prst="arc">
-          <a:avLst>
-            <a:gd name="adj1" fmla="val 13200000"/>
-            <a:gd name="adj2" fmla="val 19200000"/>
-          </a:avLst>
-        </a:prstGeom>
-        <a:noFill/>
-        <a:ln w="19050" cap="rnd" cmpd="sng" algn="ctr">
-          <a:solidFill>
-            <a:schemeClr val="accent1">
-              <a:shade val="60000"/>
-              <a:hueOff val="0"/>
-              <a:satOff val="0"/>
-              <a:lumOff val="0"/>
-              <a:alphaOff val="0"/>
-            </a:schemeClr>
-          </a:solidFill>
-          <a:prstDash val="solid"/>
-        </a:ln>
-        <a:effectLst/>
-        <a:scene3d>
-          <a:camera prst="orthographicFront"/>
-          <a:lightRig rig="flat" dir="t"/>
-        </a:scene3d>
-        <a:sp3d prstMaterial="matte"/>
-      </dsp:spPr>
-      <dsp:style>
-        <a:lnRef idx="2">
-          <a:scrgbClr r="0" g="0" b="0"/>
-        </a:lnRef>
-        <a:fillRef idx="0">
-          <a:scrgbClr r="0" g="0" b="0"/>
-        </a:fillRef>
-        <a:effectRef idx="0">
-          <a:scrgbClr r="0" g="0" b="0"/>
-        </a:effectRef>
-        <a:fontRef idx="minor"/>
-      </dsp:style>
-    </dsp:sp>
-    <dsp:sp modelId="{FA2DD701-E4E3-4B86-AAA9-C10491ED0A3E}">
-      <dsp:nvSpPr>
-        <dsp:cNvPr id="0" name=""/>
-        <dsp:cNvSpPr/>
-      </dsp:nvSpPr>
-      <dsp:spPr>
-        <a:xfrm>
-          <a:off x="4425747" y="3772230"/>
-          <a:ext cx="1067222" cy="481491"/>
-        </a:xfrm>
-        <a:prstGeom prst="arc">
-          <a:avLst>
-            <a:gd name="adj1" fmla="val 2400000"/>
-            <a:gd name="adj2" fmla="val 8400000"/>
-          </a:avLst>
-        </a:prstGeom>
-        <a:noFill/>
-        <a:ln w="19050" cap="rnd" cmpd="sng" algn="ctr">
-          <a:solidFill>
-            <a:schemeClr val="accent1">
-              <a:shade val="60000"/>
-              <a:hueOff val="0"/>
-              <a:satOff val="0"/>
-              <a:lumOff val="0"/>
-              <a:alphaOff val="0"/>
-            </a:schemeClr>
-          </a:solidFill>
-          <a:prstDash val="solid"/>
-        </a:ln>
-        <a:effectLst/>
-        <a:scene3d>
-          <a:camera prst="orthographicFront"/>
-          <a:lightRig rig="flat" dir="t"/>
-        </a:scene3d>
-        <a:sp3d prstMaterial="matte"/>
-      </dsp:spPr>
-      <dsp:style>
-        <a:lnRef idx="2">
-          <a:scrgbClr r="0" g="0" b="0"/>
-        </a:lnRef>
-        <a:fillRef idx="0">
-          <a:scrgbClr r="0" g="0" b="0"/>
-        </a:fillRef>
-        <a:effectRef idx="0">
-          <a:scrgbClr r="0" g="0" b="0"/>
-        </a:effectRef>
-        <a:fontRef idx="minor"/>
-      </dsp:style>
-    </dsp:sp>
-    <dsp:sp modelId="{871FD543-CD1E-48A3-9DEC-EB41C7146695}">
-      <dsp:nvSpPr>
-        <dsp:cNvPr id="0" name=""/>
-        <dsp:cNvSpPr/>
-      </dsp:nvSpPr>
-      <dsp:spPr>
-        <a:xfrm>
-          <a:off x="3892136" y="3858899"/>
-          <a:ext cx="2134444" cy="308154"/>
-        </a:xfrm>
-        <a:prstGeom prst="rect">
-          <a:avLst/>
-        </a:prstGeom>
-        <a:noFill/>
-        <a:ln w="9525" cap="rnd" cmpd="sng" algn="ctr">
-          <a:noFill/>
-          <a:prstDash val="solid"/>
-        </a:ln>
-        <a:effectLst>
-          <a:outerShdw blurRad="38100" dist="25400" dir="5400000" rotWithShape="0">
-            <a:srgbClr val="000000">
-              <a:alpha val="45000"/>
-            </a:srgbClr>
-          </a:outerShdw>
-        </a:effectLst>
-        <a:scene3d>
-          <a:camera prst="orthographicFront"/>
-          <a:lightRig rig="flat" dir="t"/>
-        </a:scene3d>
-        <a:sp3d/>
-      </dsp:spPr>
-      <dsp:style>
-        <a:lnRef idx="1">
-          <a:scrgbClr r="0" g="0" b="0"/>
-        </a:lnRef>
-        <a:fillRef idx="1">
-          <a:scrgbClr r="0" g="0" b="0"/>
-        </a:fillRef>
-        <a:effectRef idx="2">
-          <a:scrgbClr r="0" g="0" b="0"/>
-        </a:effectRef>
-        <a:fontRef idx="minor"/>
-      </dsp:style>
-      <dsp:txBody>
-        <a:bodyPr spcFirstLastPara="0" vert="horz" wrap="square" lIns="8890" tIns="8890" rIns="8890" bIns="8890" numCol="1" spcCol="1270" anchor="ctr" anchorCtr="0">
-          <a:noAutofit/>
-        </a:bodyPr>
-        <a:lstStyle/>
-        <a:p>
-          <a:pPr lvl="0" algn="ctr" defTabSz="622300">
-            <a:lnSpc>
-              <a:spcPct val="90000"/>
-            </a:lnSpc>
-            <a:spcBef>
-              <a:spcPct val="0"/>
-            </a:spcBef>
-            <a:spcAft>
-              <a:spcPct val="35000"/>
-            </a:spcAft>
-          </a:pPr>
-          <a:r>
-            <a:rPr lang="en-US" sz="1400" kern="1200" dirty="0" smtClean="0"/>
-            <a:t>User defined rules</a:t>
-          </a:r>
-          <a:endParaRPr lang="en-US" sz="1400" kern="1200" dirty="0"/>
-        </a:p>
-      </dsp:txBody>
-      <dsp:txXfrm>
-        <a:off x="3892136" y="3858899"/>
-        <a:ext cx="2134444" cy="308154"/>
-      </dsp:txXfrm>
-    </dsp:sp>
-    <dsp:sp modelId="{097E3815-5124-496B-A12D-0E759A531691}">
-      <dsp:nvSpPr>
-        <dsp:cNvPr id="0" name=""/>
-        <dsp:cNvSpPr/>
-      </dsp:nvSpPr>
-      <dsp:spPr>
-        <a:xfrm>
-          <a:off x="5922836" y="2404793"/>
-          <a:ext cx="981343" cy="481491"/>
-        </a:xfrm>
-        <a:prstGeom prst="arc">
-          <a:avLst>
-            <a:gd name="adj1" fmla="val 13200000"/>
-            <a:gd name="adj2" fmla="val 19200000"/>
-          </a:avLst>
-        </a:prstGeom>
-        <a:noFill/>
-        <a:ln w="19050" cap="rnd" cmpd="sng" algn="ctr">
-          <a:solidFill>
-            <a:schemeClr val="accent1">
-              <a:shade val="60000"/>
-              <a:hueOff val="0"/>
-              <a:satOff val="0"/>
-              <a:lumOff val="0"/>
-              <a:alphaOff val="0"/>
-            </a:schemeClr>
-          </a:solidFill>
-          <a:prstDash val="solid"/>
-        </a:ln>
-        <a:effectLst/>
-        <a:scene3d>
-          <a:camera prst="orthographicFront"/>
-          <a:lightRig rig="flat" dir="t"/>
-        </a:scene3d>
-        <a:sp3d prstMaterial="matte"/>
-      </dsp:spPr>
-      <dsp:style>
-        <a:lnRef idx="2">
-          <a:scrgbClr r="0" g="0" b="0"/>
-        </a:lnRef>
-        <a:fillRef idx="0">
-          <a:scrgbClr r="0" g="0" b="0"/>
-        </a:fillRef>
-        <a:effectRef idx="0">
-          <a:scrgbClr r="0" g="0" b="0"/>
-        </a:effectRef>
-        <a:fontRef idx="minor"/>
-      </dsp:style>
-    </dsp:sp>
-    <dsp:sp modelId="{9F87DB24-2326-4139-8CBF-41A595E83F31}">
-      <dsp:nvSpPr>
-        <dsp:cNvPr id="0" name=""/>
-        <dsp:cNvSpPr/>
-      </dsp:nvSpPr>
-      <dsp:spPr>
-        <a:xfrm>
-          <a:off x="5922836" y="2404793"/>
-          <a:ext cx="981343" cy="481491"/>
-        </a:xfrm>
-        <a:prstGeom prst="arc">
-          <a:avLst>
-            <a:gd name="adj1" fmla="val 2400000"/>
-            <a:gd name="adj2" fmla="val 8400000"/>
-          </a:avLst>
-        </a:prstGeom>
-        <a:noFill/>
-        <a:ln w="19050" cap="rnd" cmpd="sng" algn="ctr">
-          <a:solidFill>
-            <a:schemeClr val="accent1">
-              <a:shade val="60000"/>
-              <a:hueOff val="0"/>
-              <a:satOff val="0"/>
-              <a:lumOff val="0"/>
-              <a:alphaOff val="0"/>
-            </a:schemeClr>
-          </a:solidFill>
-          <a:prstDash val="solid"/>
-        </a:ln>
-        <a:effectLst/>
-        <a:scene3d>
-          <a:camera prst="orthographicFront"/>
-          <a:lightRig rig="flat" dir="t"/>
-        </a:scene3d>
-        <a:sp3d prstMaterial="matte"/>
-      </dsp:spPr>
-      <dsp:style>
-        <a:lnRef idx="2">
-          <a:scrgbClr r="0" g="0" b="0"/>
-        </a:lnRef>
-        <a:fillRef idx="0">
-          <a:scrgbClr r="0" g="0" b="0"/>
-        </a:fillRef>
-        <a:effectRef idx="0">
-          <a:scrgbClr r="0" g="0" b="0"/>
-        </a:effectRef>
-        <a:fontRef idx="minor"/>
-      </dsp:style>
-    </dsp:sp>
-    <dsp:sp modelId="{D07A9C80-965E-4711-A655-3460DDBA569B}">
-      <dsp:nvSpPr>
-        <dsp:cNvPr id="0" name=""/>
-        <dsp:cNvSpPr/>
-      </dsp:nvSpPr>
-      <dsp:spPr>
-        <a:xfrm>
-          <a:off x="5432164" y="2491462"/>
-          <a:ext cx="1962686" cy="308154"/>
-        </a:xfrm>
-        <a:prstGeom prst="rect">
-          <a:avLst/>
-        </a:prstGeom>
-        <a:noFill/>
-        <a:ln w="9525" cap="rnd" cmpd="sng" algn="ctr">
-          <a:noFill/>
-          <a:prstDash val="solid"/>
-        </a:ln>
-        <a:effectLst>
-          <a:outerShdw blurRad="38100" dist="25400" dir="5400000" rotWithShape="0">
-            <a:srgbClr val="000000">
-              <a:alpha val="45000"/>
-            </a:srgbClr>
-          </a:outerShdw>
-        </a:effectLst>
-        <a:scene3d>
-          <a:camera prst="orthographicFront"/>
-          <a:lightRig rig="flat" dir="t"/>
-        </a:scene3d>
-        <a:sp3d/>
-      </dsp:spPr>
-      <dsp:style>
-        <a:lnRef idx="1">
-          <a:scrgbClr r="0" g="0" b="0"/>
-        </a:lnRef>
-        <a:fillRef idx="1">
-          <a:scrgbClr r="0" g="0" b="0"/>
-        </a:fillRef>
-        <a:effectRef idx="2">
-          <a:scrgbClr r="0" g="0" b="0"/>
-        </a:effectRef>
-        <a:fontRef idx="minor"/>
-      </dsp:style>
-      <dsp:txBody>
-        <a:bodyPr spcFirstLastPara="0" vert="horz" wrap="square" lIns="8890" tIns="8890" rIns="8890" bIns="8890" numCol="1" spcCol="1270" anchor="ctr" anchorCtr="0">
-          <a:noAutofit/>
-        </a:bodyPr>
-        <a:lstStyle/>
-        <a:p>
-          <a:pPr lvl="0" algn="ctr" defTabSz="622300">
-            <a:lnSpc>
-              <a:spcPct val="90000"/>
-            </a:lnSpc>
-            <a:spcBef>
-              <a:spcPct val="0"/>
-            </a:spcBef>
-            <a:spcAft>
-              <a:spcPct val="35000"/>
-            </a:spcAft>
-          </a:pPr>
-          <a:r>
-            <a:rPr lang="en-US" sz="1400" kern="1200" dirty="0" smtClean="0"/>
-            <a:t>Formal analysis</a:t>
-          </a:r>
-          <a:endParaRPr lang="en-US" sz="1400" kern="1200" dirty="0"/>
-        </a:p>
-      </dsp:txBody>
-      <dsp:txXfrm>
-        <a:off x="5432164" y="2491462"/>
-        <a:ext cx="1962686" cy="308154"/>
+        <a:off x="4802457" y="2825746"/>
+        <a:ext cx="1588604" cy="295724"/>
       </dsp:txXfrm>
     </dsp:sp>
     <dsp:sp modelId="{0342C0EC-4FAA-42C0-A8B6-F4C9EF916262}">
@@ -5074,8 +5668,8 @@
       </dsp:nvSpPr>
       <dsp:spPr>
         <a:xfrm>
-          <a:off x="7124151" y="3088512"/>
-          <a:ext cx="832480" cy="481491"/>
+          <a:off x="5201907" y="3398713"/>
+          <a:ext cx="798900" cy="462069"/>
         </a:xfrm>
         <a:prstGeom prst="arc">
           <a:avLst>
@@ -5123,8 +5717,8 @@
       </dsp:nvSpPr>
       <dsp:spPr>
         <a:xfrm>
-          <a:off x="7124151" y="3088512"/>
-          <a:ext cx="832480" cy="481491"/>
+          <a:off x="5201907" y="3398713"/>
+          <a:ext cx="798900" cy="462069"/>
         </a:xfrm>
         <a:prstGeom prst="arc">
           <a:avLst>
@@ -5172,8 +5766,8 @@
       </dsp:nvSpPr>
       <dsp:spPr>
         <a:xfrm>
-          <a:off x="6707911" y="3175180"/>
-          <a:ext cx="1664960" cy="308154"/>
+          <a:off x="4802457" y="3481885"/>
+          <a:ext cx="1597800" cy="295724"/>
         </a:xfrm>
         <a:prstGeom prst="rect">
           <a:avLst/>
@@ -5233,8 +5827,8 @@
         </a:p>
       </dsp:txBody>
       <dsp:txXfrm>
-        <a:off x="6707911" y="3175180"/>
-        <a:ext cx="1664960" cy="308154"/>
+        <a:off x="4802457" y="3481885"/>
+        <a:ext cx="1597800" cy="295724"/>
       </dsp:txXfrm>
     </dsp:sp>
     <dsp:sp modelId="{F4E7FFED-36B0-487A-883C-7055BE2DABA7}">
@@ -5244,8 +5838,8 @@
       </dsp:nvSpPr>
       <dsp:spPr>
         <a:xfrm>
-          <a:off x="7208934" y="3772230"/>
-          <a:ext cx="1002047" cy="481491"/>
+          <a:off x="5283270" y="4054852"/>
+          <a:ext cx="961627" cy="462069"/>
         </a:xfrm>
         <a:prstGeom prst="arc">
           <a:avLst>
@@ -5293,8 +5887,8 @@
       </dsp:nvSpPr>
       <dsp:spPr>
         <a:xfrm>
-          <a:off x="7208934" y="3772230"/>
-          <a:ext cx="1002047" cy="481491"/>
+          <a:off x="5283270" y="4054852"/>
+          <a:ext cx="961627" cy="462069"/>
         </a:xfrm>
         <a:prstGeom prst="arc">
           <a:avLst>
@@ -5342,8 +5936,8 @@
       </dsp:nvSpPr>
       <dsp:spPr>
         <a:xfrm>
-          <a:off x="6707911" y="3858899"/>
-          <a:ext cx="2004094" cy="308154"/>
+          <a:off x="4802457" y="4138024"/>
+          <a:ext cx="1923254" cy="295724"/>
         </a:xfrm>
         <a:prstGeom prst="rect">
           <a:avLst/>
@@ -5421,8 +6015,8 @@
         </a:p>
       </dsp:txBody>
       <dsp:txXfrm>
-        <a:off x="6707911" y="3858899"/>
-        <a:ext cx="2004094" cy="308154"/>
+        <a:off x="4802457" y="4138024"/>
+        <a:ext cx="1923254" cy="295724"/>
       </dsp:txXfrm>
     </dsp:sp>
     <dsp:sp modelId="{06A44381-AC88-41A2-B1C3-0D0C4B9A0DBE}">
@@ -5432,8 +6026,8 @@
       </dsp:nvSpPr>
       <dsp:spPr>
         <a:xfrm>
-          <a:off x="7204743" y="4455949"/>
-          <a:ext cx="993664" cy="481491"/>
+          <a:off x="5279248" y="4710990"/>
+          <a:ext cx="953582" cy="462069"/>
         </a:xfrm>
         <a:prstGeom prst="arc">
           <a:avLst>
@@ -5481,8 +6075,8 @@
       </dsp:nvSpPr>
       <dsp:spPr>
         <a:xfrm>
-          <a:off x="7204743" y="4455949"/>
-          <a:ext cx="993664" cy="481491"/>
+          <a:off x="5279248" y="4710990"/>
+          <a:ext cx="953582" cy="462069"/>
         </a:xfrm>
         <a:prstGeom prst="arc">
           <a:avLst>
@@ -5530,8 +6124,8 @@
       </dsp:nvSpPr>
       <dsp:spPr>
         <a:xfrm>
-          <a:off x="6707911" y="4542617"/>
-          <a:ext cx="1987329" cy="308154"/>
+          <a:off x="4802457" y="4794163"/>
+          <a:ext cx="1907164" cy="295724"/>
         </a:xfrm>
         <a:prstGeom prst="rect">
           <a:avLst/>
@@ -5591,8 +6185,8 @@
         </a:p>
       </dsp:txBody>
       <dsp:txXfrm>
-        <a:off x="6707911" y="4542617"/>
-        <a:ext cx="1987329" cy="308154"/>
+        <a:off x="4802457" y="4794163"/>
+        <a:ext cx="1907164" cy="295724"/>
       </dsp:txXfrm>
     </dsp:sp>
     <dsp:sp modelId="{3FBB455D-F200-4BA3-8A4B-AE5615495DA5}">
@@ -5602,8 +6196,8 @@
       </dsp:nvSpPr>
       <dsp:spPr>
         <a:xfrm>
-          <a:off x="8529038" y="2404793"/>
-          <a:ext cx="481491" cy="481491"/>
+          <a:off x="6550124" y="2086435"/>
+          <a:ext cx="462069" cy="462069"/>
         </a:xfrm>
         <a:prstGeom prst="arc">
           <a:avLst>
@@ -5651,8 +6245,8 @@
       </dsp:nvSpPr>
       <dsp:spPr>
         <a:xfrm>
-          <a:off x="8529038" y="2404793"/>
-          <a:ext cx="481491" cy="481491"/>
+          <a:off x="6550124" y="2086435"/>
+          <a:ext cx="462069" cy="462069"/>
         </a:xfrm>
         <a:prstGeom prst="arc">
           <a:avLst>
@@ -5700,8 +6294,8 @@
       </dsp:nvSpPr>
       <dsp:spPr>
         <a:xfrm>
-          <a:off x="8288292" y="2491462"/>
-          <a:ext cx="962983" cy="308154"/>
+          <a:off x="6319090" y="2169607"/>
+          <a:ext cx="924139" cy="295724"/>
         </a:xfrm>
         <a:prstGeom prst="rect">
           <a:avLst/>
@@ -5761,8 +6355,8 @@
         </a:p>
       </dsp:txBody>
       <dsp:txXfrm>
-        <a:off x="8288292" y="2491462"/>
-        <a:ext cx="962983" cy="308154"/>
+        <a:off x="6319090" y="2169607"/>
+        <a:ext cx="924139" cy="295724"/>
       </dsp:txXfrm>
     </dsp:sp>
     <dsp:sp modelId="{0FB2F8A8-B9B9-494F-B897-540EBC9157CF}">
@@ -5772,8 +6366,8 @@
       </dsp:nvSpPr>
       <dsp:spPr>
         <a:xfrm>
-          <a:off x="9154978" y="3088512"/>
-          <a:ext cx="481491" cy="481491"/>
+          <a:off x="7150815" y="2742574"/>
+          <a:ext cx="462069" cy="462069"/>
         </a:xfrm>
         <a:prstGeom prst="arc">
           <a:avLst>
@@ -5821,8 +6415,8 @@
       </dsp:nvSpPr>
       <dsp:spPr>
         <a:xfrm>
-          <a:off x="9154978" y="3088512"/>
-          <a:ext cx="481491" cy="481491"/>
+          <a:off x="7150815" y="2742574"/>
+          <a:ext cx="462069" cy="462069"/>
         </a:xfrm>
         <a:prstGeom prst="arc">
           <a:avLst>
@@ -5870,8 +6464,8 @@
       </dsp:nvSpPr>
       <dsp:spPr>
         <a:xfrm>
-          <a:off x="8914232" y="3175180"/>
-          <a:ext cx="962983" cy="308154"/>
+          <a:off x="6919780" y="2825746"/>
+          <a:ext cx="924139" cy="295724"/>
         </a:xfrm>
         <a:prstGeom prst="rect">
           <a:avLst/>
@@ -5959,8 +6553,8 @@
         </a:p>
       </dsp:txBody>
       <dsp:txXfrm>
-        <a:off x="8914232" y="3175180"/>
-        <a:ext cx="962983" cy="308154"/>
+        <a:off x="6919780" y="2825746"/>
+        <a:ext cx="924139" cy="295724"/>
       </dsp:txXfrm>
     </dsp:sp>
     <dsp:sp modelId="{C8F92E9B-A002-4473-B9BC-1178E10AFAEA}">
@@ -5970,8 +6564,8 @@
       </dsp:nvSpPr>
       <dsp:spPr>
         <a:xfrm>
-          <a:off x="9154978" y="3772230"/>
-          <a:ext cx="481491" cy="481491"/>
+          <a:off x="7150815" y="3398713"/>
+          <a:ext cx="462069" cy="462069"/>
         </a:xfrm>
         <a:prstGeom prst="arc">
           <a:avLst>
@@ -6019,8 +6613,8 @@
       </dsp:nvSpPr>
       <dsp:spPr>
         <a:xfrm>
-          <a:off x="9154978" y="3772230"/>
-          <a:ext cx="481491" cy="481491"/>
+          <a:off x="7150815" y="3398713"/>
+          <a:ext cx="462069" cy="462069"/>
         </a:xfrm>
         <a:prstGeom prst="arc">
           <a:avLst>
@@ -6068,8 +6662,8 @@
       </dsp:nvSpPr>
       <dsp:spPr>
         <a:xfrm>
-          <a:off x="8914232" y="3858899"/>
-          <a:ext cx="962983" cy="308154"/>
+          <a:off x="6919780" y="3481885"/>
+          <a:ext cx="924139" cy="295724"/>
         </a:xfrm>
         <a:prstGeom prst="rect">
           <a:avLst/>
@@ -6129,8 +6723,8 @@
         </a:p>
       </dsp:txBody>
       <dsp:txXfrm>
-        <a:off x="8914232" y="3858899"/>
-        <a:ext cx="962983" cy="308154"/>
+        <a:off x="6919780" y="3481885"/>
+        <a:ext cx="924139" cy="295724"/>
       </dsp:txXfrm>
     </dsp:sp>
     <dsp:sp modelId="{579C4178-BAB5-479D-9ABD-B92882E57EFC}">
@@ -6140,8 +6734,8 @@
       </dsp:nvSpPr>
       <dsp:spPr>
         <a:xfrm>
-          <a:off x="9644056" y="4455949"/>
-          <a:ext cx="1459647" cy="481491"/>
+          <a:off x="7620165" y="4054852"/>
+          <a:ext cx="1400768" cy="462069"/>
         </a:xfrm>
         <a:prstGeom prst="arc">
           <a:avLst>
@@ -6189,8 +6783,8 @@
       </dsp:nvSpPr>
       <dsp:spPr>
         <a:xfrm>
-          <a:off x="9644056" y="4455949"/>
-          <a:ext cx="1459647" cy="481491"/>
+          <a:off x="7620165" y="4054852"/>
+          <a:ext cx="1400768" cy="462069"/>
         </a:xfrm>
         <a:prstGeom prst="arc">
           <a:avLst>
@@ -6238,8 +6832,8 @@
       </dsp:nvSpPr>
       <dsp:spPr>
         <a:xfrm>
-          <a:off x="8914232" y="4542617"/>
-          <a:ext cx="2919295" cy="308154"/>
+          <a:off x="6919780" y="4138024"/>
+          <a:ext cx="2801537" cy="295724"/>
         </a:xfrm>
         <a:prstGeom prst="rect">
           <a:avLst/>
@@ -6305,8 +6899,8 @@
         </a:p>
       </dsp:txBody>
       <dsp:txXfrm>
-        <a:off x="8914232" y="4542617"/>
-        <a:ext cx="2919295" cy="308154"/>
+        <a:off x="6919780" y="4138024"/>
+        <a:ext cx="2801537" cy="295724"/>
       </dsp:txXfrm>
     </dsp:sp>
     <dsp:sp modelId="{4BA432B5-D5DB-465F-A8ED-523A8038D560}">
@@ -6316,8 +6910,8 @@
       </dsp:nvSpPr>
       <dsp:spPr>
         <a:xfrm>
-          <a:off x="10021984" y="2404793"/>
-          <a:ext cx="1136961" cy="481491"/>
+          <a:off x="7982848" y="2086435"/>
+          <a:ext cx="1091099" cy="462069"/>
         </a:xfrm>
         <a:prstGeom prst="arc">
           <a:avLst>
@@ -6365,8 +6959,8 @@
       </dsp:nvSpPr>
       <dsp:spPr>
         <a:xfrm>
-          <a:off x="10021984" y="2404793"/>
-          <a:ext cx="1136961" cy="481491"/>
+          <a:off x="7982848" y="2086435"/>
+          <a:ext cx="1091099" cy="462069"/>
         </a:xfrm>
         <a:prstGeom prst="arc">
           <a:avLst>
@@ -6414,8 +7008,8 @@
       </dsp:nvSpPr>
       <dsp:spPr>
         <a:xfrm>
-          <a:off x="9453503" y="2491462"/>
-          <a:ext cx="2273922" cy="308154"/>
+          <a:off x="7437298" y="2169607"/>
+          <a:ext cx="2182198" cy="295724"/>
         </a:xfrm>
         <a:prstGeom prst="rect">
           <a:avLst/>
@@ -6475,8 +7069,360 @@
         </a:p>
       </dsp:txBody>
       <dsp:txXfrm>
-        <a:off x="9453503" y="2491462"/>
-        <a:ext cx="2273922" cy="308154"/>
+        <a:off x="7437298" y="2169607"/>
+        <a:ext cx="2182198" cy="295724"/>
+      </dsp:txXfrm>
+    </dsp:sp>
+    <dsp:sp modelId="{85E8DC3D-2BB7-44E0-A9BB-543D93F57A2F}">
+      <dsp:nvSpPr>
+        <dsp:cNvPr id="0" name=""/>
+        <dsp:cNvSpPr/>
+      </dsp:nvSpPr>
+      <dsp:spPr>
+        <a:xfrm>
+          <a:off x="10235657" y="2086435"/>
+          <a:ext cx="844182" cy="462069"/>
+        </a:xfrm>
+        <a:prstGeom prst="arc">
+          <a:avLst>
+            <a:gd name="adj1" fmla="val 13200000"/>
+            <a:gd name="adj2" fmla="val 19200000"/>
+          </a:avLst>
+        </a:prstGeom>
+        <a:noFill/>
+        <a:ln w="19050" cap="rnd" cmpd="sng" algn="ctr">
+          <a:solidFill>
+            <a:schemeClr val="accent1">
+              <a:shade val="60000"/>
+              <a:hueOff val="0"/>
+              <a:satOff val="0"/>
+              <a:lumOff val="0"/>
+              <a:alphaOff val="0"/>
+            </a:schemeClr>
+          </a:solidFill>
+          <a:prstDash val="solid"/>
+        </a:ln>
+        <a:effectLst/>
+        <a:scene3d>
+          <a:camera prst="orthographicFront"/>
+          <a:lightRig rig="flat" dir="t"/>
+        </a:scene3d>
+        <a:sp3d prstMaterial="matte"/>
+      </dsp:spPr>
+      <dsp:style>
+        <a:lnRef idx="2">
+          <a:scrgbClr r="0" g="0" b="0"/>
+        </a:lnRef>
+        <a:fillRef idx="0">
+          <a:scrgbClr r="0" g="0" b="0"/>
+        </a:fillRef>
+        <a:effectRef idx="0">
+          <a:scrgbClr r="0" g="0" b="0"/>
+        </a:effectRef>
+        <a:fontRef idx="minor"/>
+      </dsp:style>
+    </dsp:sp>
+    <dsp:sp modelId="{485E0016-8DEC-4198-AC98-B9B6C594B7E5}">
+      <dsp:nvSpPr>
+        <dsp:cNvPr id="0" name=""/>
+        <dsp:cNvSpPr/>
+      </dsp:nvSpPr>
+      <dsp:spPr>
+        <a:xfrm>
+          <a:off x="10235657" y="2086435"/>
+          <a:ext cx="844182" cy="462069"/>
+        </a:xfrm>
+        <a:prstGeom prst="arc">
+          <a:avLst>
+            <a:gd name="adj1" fmla="val 2400000"/>
+            <a:gd name="adj2" fmla="val 8400000"/>
+          </a:avLst>
+        </a:prstGeom>
+        <a:noFill/>
+        <a:ln w="19050" cap="rnd" cmpd="sng" algn="ctr">
+          <a:solidFill>
+            <a:schemeClr val="accent1">
+              <a:shade val="60000"/>
+              <a:hueOff val="0"/>
+              <a:satOff val="0"/>
+              <a:lumOff val="0"/>
+              <a:alphaOff val="0"/>
+            </a:schemeClr>
+          </a:solidFill>
+          <a:prstDash val="solid"/>
+        </a:ln>
+        <a:effectLst/>
+        <a:scene3d>
+          <a:camera prst="orthographicFront"/>
+          <a:lightRig rig="flat" dir="t"/>
+        </a:scene3d>
+        <a:sp3d prstMaterial="matte"/>
+      </dsp:spPr>
+      <dsp:style>
+        <a:lnRef idx="2">
+          <a:scrgbClr r="0" g="0" b="0"/>
+        </a:lnRef>
+        <a:fillRef idx="0">
+          <a:scrgbClr r="0" g="0" b="0"/>
+        </a:fillRef>
+        <a:effectRef idx="0">
+          <a:scrgbClr r="0" g="0" b="0"/>
+        </a:effectRef>
+        <a:fontRef idx="minor"/>
+      </dsp:style>
+    </dsp:sp>
+    <dsp:sp modelId="{3388F3EC-68C1-4585-8B64-4450B68DE8D7}">
+      <dsp:nvSpPr>
+        <dsp:cNvPr id="0" name=""/>
+        <dsp:cNvSpPr/>
+      </dsp:nvSpPr>
+      <dsp:spPr>
+        <a:xfrm>
+          <a:off x="9813565" y="2169607"/>
+          <a:ext cx="1688365" cy="295724"/>
+        </a:xfrm>
+        <a:prstGeom prst="rect">
+          <a:avLst/>
+        </a:prstGeom>
+        <a:noFill/>
+        <a:ln w="9525" cap="rnd" cmpd="sng" algn="ctr">
+          <a:noFill/>
+          <a:prstDash val="solid"/>
+        </a:ln>
+        <a:effectLst>
+          <a:outerShdw blurRad="38100" dist="25400" dir="5400000" rotWithShape="0">
+            <a:srgbClr val="000000">
+              <a:alpha val="45000"/>
+            </a:srgbClr>
+          </a:outerShdw>
+        </a:effectLst>
+        <a:scene3d>
+          <a:camera prst="orthographicFront"/>
+          <a:lightRig rig="flat" dir="t"/>
+        </a:scene3d>
+        <a:sp3d/>
+      </dsp:spPr>
+      <dsp:style>
+        <a:lnRef idx="1">
+          <a:scrgbClr r="0" g="0" b="0"/>
+        </a:lnRef>
+        <a:fillRef idx="1">
+          <a:scrgbClr r="0" g="0" b="0"/>
+        </a:fillRef>
+        <a:effectRef idx="2">
+          <a:scrgbClr r="0" g="0" b="0"/>
+        </a:effectRef>
+        <a:fontRef idx="minor"/>
+      </dsp:style>
+      <dsp:txBody>
+        <a:bodyPr spcFirstLastPara="0" vert="horz" wrap="square" lIns="8890" tIns="8890" rIns="8890" bIns="8890" numCol="1" spcCol="1270" anchor="ctr" anchorCtr="0">
+          <a:noAutofit/>
+        </a:bodyPr>
+        <a:lstStyle/>
+        <a:p>
+          <a:pPr lvl="0" algn="ctr" defTabSz="622300">
+            <a:lnSpc>
+              <a:spcPct val="90000"/>
+            </a:lnSpc>
+            <a:spcBef>
+              <a:spcPct val="0"/>
+            </a:spcBef>
+            <a:spcAft>
+              <a:spcPct val="35000"/>
+            </a:spcAft>
+          </a:pPr>
+          <a:r>
+            <a:rPr lang="en-US" sz="1400" kern="1200" dirty="0" smtClean="0"/>
+            <a:t>Documentation</a:t>
+          </a:r>
+          <a:endParaRPr lang="en-US" sz="1400" kern="1200" dirty="0"/>
+        </a:p>
+      </dsp:txBody>
+      <dsp:txXfrm>
+        <a:off x="9813565" y="2169607"/>
+        <a:ext cx="1688365" cy="295724"/>
+      </dsp:txXfrm>
+    </dsp:sp>
+    <dsp:sp modelId="{D36BDF83-1659-48B3-8941-883368C8BA30}">
+      <dsp:nvSpPr>
+        <dsp:cNvPr id="0" name=""/>
+        <dsp:cNvSpPr/>
+      </dsp:nvSpPr>
+      <dsp:spPr>
+        <a:xfrm>
+          <a:off x="11142038" y="2742574"/>
+          <a:ext cx="462069" cy="462069"/>
+        </a:xfrm>
+        <a:prstGeom prst="arc">
+          <a:avLst>
+            <a:gd name="adj1" fmla="val 13200000"/>
+            <a:gd name="adj2" fmla="val 19200000"/>
+          </a:avLst>
+        </a:prstGeom>
+        <a:noFill/>
+        <a:ln w="19050" cap="rnd" cmpd="sng" algn="ctr">
+          <a:solidFill>
+            <a:schemeClr val="accent1">
+              <a:shade val="60000"/>
+              <a:hueOff val="0"/>
+              <a:satOff val="0"/>
+              <a:lumOff val="0"/>
+              <a:alphaOff val="0"/>
+            </a:schemeClr>
+          </a:solidFill>
+          <a:prstDash val="solid"/>
+        </a:ln>
+        <a:effectLst/>
+        <a:scene3d>
+          <a:camera prst="orthographicFront"/>
+          <a:lightRig rig="flat" dir="t"/>
+        </a:scene3d>
+        <a:sp3d prstMaterial="matte"/>
+      </dsp:spPr>
+      <dsp:style>
+        <a:lnRef idx="2">
+          <a:scrgbClr r="0" g="0" b="0"/>
+        </a:lnRef>
+        <a:fillRef idx="0">
+          <a:scrgbClr r="0" g="0" b="0"/>
+        </a:fillRef>
+        <a:effectRef idx="0">
+          <a:scrgbClr r="0" g="0" b="0"/>
+        </a:effectRef>
+        <a:fontRef idx="minor"/>
+      </dsp:style>
+    </dsp:sp>
+    <dsp:sp modelId="{402E685E-3A14-4B91-9909-DADE1CECEA5A}">
+      <dsp:nvSpPr>
+        <dsp:cNvPr id="0" name=""/>
+        <dsp:cNvSpPr/>
+      </dsp:nvSpPr>
+      <dsp:spPr>
+        <a:xfrm>
+          <a:off x="11142038" y="2742574"/>
+          <a:ext cx="462069" cy="462069"/>
+        </a:xfrm>
+        <a:prstGeom prst="arc">
+          <a:avLst>
+            <a:gd name="adj1" fmla="val 2400000"/>
+            <a:gd name="adj2" fmla="val 8400000"/>
+          </a:avLst>
+        </a:prstGeom>
+        <a:noFill/>
+        <a:ln w="19050" cap="rnd" cmpd="sng" algn="ctr">
+          <a:solidFill>
+            <a:schemeClr val="accent1">
+              <a:shade val="60000"/>
+              <a:hueOff val="0"/>
+              <a:satOff val="0"/>
+              <a:lumOff val="0"/>
+              <a:alphaOff val="0"/>
+            </a:schemeClr>
+          </a:solidFill>
+          <a:prstDash val="solid"/>
+        </a:ln>
+        <a:effectLst/>
+        <a:scene3d>
+          <a:camera prst="orthographicFront"/>
+          <a:lightRig rig="flat" dir="t"/>
+        </a:scene3d>
+        <a:sp3d prstMaterial="matte"/>
+      </dsp:spPr>
+      <dsp:style>
+        <a:lnRef idx="2">
+          <a:scrgbClr r="0" g="0" b="0"/>
+        </a:lnRef>
+        <a:fillRef idx="0">
+          <a:scrgbClr r="0" g="0" b="0"/>
+        </a:fillRef>
+        <a:effectRef idx="0">
+          <a:scrgbClr r="0" g="0" b="0"/>
+        </a:effectRef>
+        <a:fontRef idx="minor"/>
+      </dsp:style>
+    </dsp:sp>
+    <dsp:sp modelId="{398BC3BB-B7DD-4AAF-9963-2D3D2693CB22}">
+      <dsp:nvSpPr>
+        <dsp:cNvPr id="0" name=""/>
+        <dsp:cNvSpPr/>
+      </dsp:nvSpPr>
+      <dsp:spPr>
+        <a:xfrm>
+          <a:off x="10911003" y="2825746"/>
+          <a:ext cx="924139" cy="295724"/>
+        </a:xfrm>
+        <a:prstGeom prst="rect">
+          <a:avLst/>
+        </a:prstGeom>
+        <a:noFill/>
+        <a:ln w="9525" cap="rnd" cmpd="sng" algn="ctr">
+          <a:noFill/>
+          <a:prstDash val="solid"/>
+        </a:ln>
+        <a:effectLst>
+          <a:outerShdw blurRad="38100" dist="25400" dir="5400000" rotWithShape="0">
+            <a:srgbClr val="000000">
+              <a:alpha val="45000"/>
+            </a:srgbClr>
+          </a:outerShdw>
+        </a:effectLst>
+        <a:scene3d>
+          <a:camera prst="orthographicFront"/>
+          <a:lightRig rig="flat" dir="t"/>
+        </a:scene3d>
+        <a:sp3d/>
+      </dsp:spPr>
+      <dsp:style>
+        <a:lnRef idx="1">
+          <a:scrgbClr r="0" g="0" b="0"/>
+        </a:lnRef>
+        <a:fillRef idx="1">
+          <a:scrgbClr r="0" g="0" b="0"/>
+        </a:fillRef>
+        <a:effectRef idx="2">
+          <a:scrgbClr r="0" g="0" b="0"/>
+        </a:effectRef>
+        <a:fontRef idx="minor"/>
+      </dsp:style>
+      <dsp:txBody>
+        <a:bodyPr spcFirstLastPara="0" vert="horz" wrap="square" lIns="8890" tIns="8890" rIns="8890" bIns="8890" numCol="1" spcCol="1270" anchor="ctr" anchorCtr="0">
+          <a:noAutofit/>
+        </a:bodyPr>
+        <a:lstStyle/>
+        <a:p>
+          <a:pPr lvl="0" algn="ctr" defTabSz="622300">
+            <a:lnSpc>
+              <a:spcPct val="90000"/>
+            </a:lnSpc>
+            <a:spcBef>
+              <a:spcPct val="0"/>
+            </a:spcBef>
+            <a:spcAft>
+              <a:spcPct val="35000"/>
+            </a:spcAft>
+          </a:pPr>
+          <a:r>
+            <a:rPr lang="en-US" sz="1400" kern="1200" dirty="0" smtClean="0"/>
+            <a:t>Latex </a:t>
+          </a:r>
+          <a:r>
+            <a:rPr lang="en-US" sz="1400" i="1" kern="1200" dirty="0" smtClean="0">
+              <a:solidFill>
+                <a:schemeClr val="accent4">
+                  <a:lumMod val="75000"/>
+                </a:schemeClr>
+              </a:solidFill>
+              <a:latin typeface="Consolas" panose="020B0609020204030204" pitchFamily="49" charset="0"/>
+              <a:cs typeface="Consolas" panose="020B0609020204030204" pitchFamily="49" charset="0"/>
+            </a:rPr>
+            <a:t>√</a:t>
+          </a:r>
+          <a:endParaRPr lang="en-US" sz="1400" kern="1200" dirty="0"/>
+        </a:p>
+      </dsp:txBody>
+      <dsp:txXfrm>
+        <a:off x="10911003" y="2825746"/>
+        <a:ext cx="924139" cy="295724"/>
       </dsp:txXfrm>
     </dsp:sp>
   </dsp:spTree>
@@ -8977,7 +9923,7 @@
           <a:p>
             <a:fld id="{3A560DDB-BEB9-48D2-8F04-7EAC6052052E}" type="datetimeFigureOut">
               <a:rPr lang="en-US" smtClean="0"/>
-              <a:t>6/9/2015</a:t>
+              <a:t>7/8/2015</a:t>
             </a:fld>
             <a:endParaRPr lang="en-US"/>
           </a:p>
@@ -9431,7 +10377,7 @@
           <a:p>
             <a:fld id="{ED57E8F0-C568-41E0-BE5A-51B4982C6A0E}" type="datetimeFigureOut">
               <a:rPr lang="en-US" smtClean="0"/>
-              <a:t>6/9/2015</a:t>
+              <a:t>7/8/2015</a:t>
             </a:fld>
             <a:endParaRPr lang="en-US"/>
           </a:p>
@@ -9706,7 +10652,7 @@
           <a:p>
             <a:fld id="{ED57E8F0-C568-41E0-BE5A-51B4982C6A0E}" type="datetimeFigureOut">
               <a:rPr lang="en-US" smtClean="0"/>
-              <a:t>6/9/2015</a:t>
+              <a:t>7/8/2015</a:t>
             </a:fld>
             <a:endParaRPr lang="en-US"/>
           </a:p>
@@ -9900,7 +10846,7 @@
           <a:p>
             <a:fld id="{ED57E8F0-C568-41E0-BE5A-51B4982C6A0E}" type="datetimeFigureOut">
               <a:rPr lang="en-US" smtClean="0"/>
-              <a:t>6/9/2015</a:t>
+              <a:t>7/8/2015</a:t>
             </a:fld>
             <a:endParaRPr lang="en-US"/>
           </a:p>
@@ -10173,7 +11119,7 @@
           <a:p>
             <a:fld id="{ED57E8F0-C568-41E0-BE5A-51B4982C6A0E}" type="datetimeFigureOut">
               <a:rPr lang="en-US" smtClean="0"/>
-              <a:t>6/9/2015</a:t>
+              <a:t>7/8/2015</a:t>
             </a:fld>
             <a:endParaRPr lang="en-US"/>
           </a:p>
@@ -10514,7 +11460,7 @@
           <a:p>
             <a:fld id="{ED57E8F0-C568-41E0-BE5A-51B4982C6A0E}" type="datetimeFigureOut">
               <a:rPr lang="en-US" smtClean="0"/>
-              <a:t>6/9/2015</a:t>
+              <a:t>7/8/2015</a:t>
             </a:fld>
             <a:endParaRPr lang="en-US"/>
           </a:p>
@@ -11137,7 +12083,7 @@
           <a:p>
             <a:fld id="{ED57E8F0-C568-41E0-BE5A-51B4982C6A0E}" type="datetimeFigureOut">
               <a:rPr lang="en-US" smtClean="0"/>
-              <a:t>6/9/2015</a:t>
+              <a:t>7/8/2015</a:t>
             </a:fld>
             <a:endParaRPr lang="en-US"/>
           </a:p>
@@ -11997,7 +12943,7 @@
           <a:p>
             <a:fld id="{ED57E8F0-C568-41E0-BE5A-51B4982C6A0E}" type="datetimeFigureOut">
               <a:rPr lang="en-US" smtClean="0"/>
-              <a:t>6/9/2015</a:t>
+              <a:t>7/8/2015</a:t>
             </a:fld>
             <a:endParaRPr lang="en-US"/>
           </a:p>
@@ -12167,7 +13113,7 @@
           <a:p>
             <a:fld id="{ED57E8F0-C568-41E0-BE5A-51B4982C6A0E}" type="datetimeFigureOut">
               <a:rPr lang="en-US" smtClean="0"/>
-              <a:t>6/9/2015</a:t>
+              <a:t>7/8/2015</a:t>
             </a:fld>
             <a:endParaRPr lang="en-US"/>
           </a:p>
@@ -12347,7 +13293,7 @@
           <a:p>
             <a:fld id="{ED57E8F0-C568-41E0-BE5A-51B4982C6A0E}" type="datetimeFigureOut">
               <a:rPr lang="en-US" smtClean="0"/>
-              <a:t>6/9/2015</a:t>
+              <a:t>7/8/2015</a:t>
             </a:fld>
             <a:endParaRPr lang="en-US"/>
           </a:p>
@@ -12517,7 +13463,7 @@
           <a:p>
             <a:fld id="{ED57E8F0-C568-41E0-BE5A-51B4982C6A0E}" type="datetimeFigureOut">
               <a:rPr lang="en-US" smtClean="0"/>
-              <a:t>6/9/2015</a:t>
+              <a:t>7/8/2015</a:t>
             </a:fld>
             <a:endParaRPr lang="en-US"/>
           </a:p>
@@ -12764,7 +13710,7 @@
           <a:p>
             <a:fld id="{ED57E8F0-C568-41E0-BE5A-51B4982C6A0E}" type="datetimeFigureOut">
               <a:rPr lang="en-US" smtClean="0"/>
-              <a:t>6/9/2015</a:t>
+              <a:t>7/8/2015</a:t>
             </a:fld>
             <a:endParaRPr lang="en-US"/>
           </a:p>
@@ -13056,7 +14002,7 @@
           <a:p>
             <a:fld id="{ED57E8F0-C568-41E0-BE5A-51B4982C6A0E}" type="datetimeFigureOut">
               <a:rPr lang="en-US" smtClean="0"/>
-              <a:t>6/9/2015</a:t>
+              <a:t>7/8/2015</a:t>
             </a:fld>
             <a:endParaRPr lang="en-US"/>
           </a:p>
@@ -13500,7 +14446,7 @@
           <a:p>
             <a:fld id="{ED57E8F0-C568-41E0-BE5A-51B4982C6A0E}" type="datetimeFigureOut">
               <a:rPr lang="en-US" smtClean="0"/>
-              <a:t>6/9/2015</a:t>
+              <a:t>7/8/2015</a:t>
             </a:fld>
             <a:endParaRPr lang="en-US"/>
           </a:p>
@@ -13618,7 +14564,7 @@
           <a:p>
             <a:fld id="{ED57E8F0-C568-41E0-BE5A-51B4982C6A0E}" type="datetimeFigureOut">
               <a:rPr lang="en-US" smtClean="0"/>
-              <a:t>6/9/2015</a:t>
+              <a:t>7/8/2015</a:t>
             </a:fld>
             <a:endParaRPr lang="en-US"/>
           </a:p>
@@ -13713,7 +14659,7 @@
           <a:p>
             <a:fld id="{ED57E8F0-C568-41E0-BE5A-51B4982C6A0E}" type="datetimeFigureOut">
               <a:rPr lang="en-US" smtClean="0"/>
-              <a:t>6/9/2015</a:t>
+              <a:t>7/8/2015</a:t>
             </a:fld>
             <a:endParaRPr lang="en-US"/>
           </a:p>
@@ -13992,7 +14938,7 @@
           <a:p>
             <a:fld id="{ED57E8F0-C568-41E0-BE5A-51B4982C6A0E}" type="datetimeFigureOut">
               <a:rPr lang="en-US" smtClean="0"/>
-              <a:t>6/9/2015</a:t>
+              <a:t>7/8/2015</a:t>
             </a:fld>
             <a:endParaRPr lang="en-US"/>
           </a:p>
@@ -14267,7 +15213,7 @@
           <a:p>
             <a:fld id="{ED57E8F0-C568-41E0-BE5A-51B4982C6A0E}" type="datetimeFigureOut">
               <a:rPr lang="en-US" smtClean="0"/>
-              <a:t>6/9/2015</a:t>
+              <a:t>7/8/2015</a:t>
             </a:fld>
             <a:endParaRPr lang="en-US"/>
           </a:p>
@@ -14696,7 +15642,7 @@
           <a:p>
             <a:fld id="{ED57E8F0-C568-41E0-BE5A-51B4982C6A0E}" type="datetimeFigureOut">
               <a:rPr lang="en-US" smtClean="0"/>
-              <a:t>6/9/2015</a:t>
+              <a:t>7/8/2015</a:t>
             </a:fld>
             <a:endParaRPr lang="en-US"/>
           </a:p>
@@ -15272,7 +16218,11 @@
           <a:p>
             <a:r>
               <a:rPr lang="en-US" dirty="0" smtClean="0"/>
-              <a:t>Joint work with Klaus Havelund, </a:t>
+              <a:t>Joint work with Klaus </a:t>
+            </a:r>
+            <a:r>
+              <a:rPr lang="en-US" dirty="0" smtClean="0"/>
+              <a:t>Havelund, </a:t>
             </a:r>
             <a:r>
               <a:rPr lang="en-US" dirty="0" err="1" smtClean="0"/>
@@ -15622,114 +16572,6 @@
 </file>
 
 <file path=ppt/slides/slide11.xml><?xml version="1.0" encoding="utf-8"?>
-<p:sld xmlns:a="http://schemas.openxmlformats.org/drawingml/2006/main" xmlns:r="http://schemas.openxmlformats.org/officeDocument/2006/relationships" xmlns:p="http://schemas.openxmlformats.org/presentationml/2006/main">
-  <p:cSld>
-    <p:spTree>
-      <p:nvGrpSpPr>
-        <p:cNvPr id="1" name=""/>
-        <p:cNvGrpSpPr/>
-        <p:nvPr/>
-      </p:nvGrpSpPr>
-      <p:grpSpPr>
-        <a:xfrm>
-          <a:off x="0" y="0"/>
-          <a:ext cx="0" cy="0"/>
-          <a:chOff x="0" y="0"/>
-          <a:chExt cx="0" cy="0"/>
-        </a:xfrm>
-      </p:grpSpPr>
-      <p:sp>
-        <p:nvSpPr>
-          <p:cNvPr id="2" name="Title 1"/>
-          <p:cNvSpPr>
-            <a:spLocks noGrp="1"/>
-          </p:cNvSpPr>
-          <p:nvPr>
-            <p:ph type="title"/>
-          </p:nvPr>
-        </p:nvSpPr>
-        <p:spPr/>
-        <p:txBody>
-          <a:bodyPr/>
-          <a:lstStyle/>
-          <a:p>
-            <a:r>
-              <a:rPr lang="en-US" dirty="0" smtClean="0"/>
-              <a:t>Annotations</a:t>
-            </a:r>
-            <a:endParaRPr lang="en-US" dirty="0"/>
-          </a:p>
-        </p:txBody>
-      </p:sp>
-      <p:pic>
-        <p:nvPicPr>
-          <p:cNvPr id="4" name="Picture 3"/>
-          <p:cNvPicPr>
-            <a:picLocks noChangeAspect="1"/>
-          </p:cNvPicPr>
-          <p:nvPr/>
-        </p:nvPicPr>
-        <p:blipFill>
-          <a:blip r:embed="rId2"/>
-          <a:stretch>
-            <a:fillRect/>
-          </a:stretch>
-        </p:blipFill>
-        <p:spPr>
-          <a:xfrm>
-            <a:off x="646111" y="2015652"/>
-            <a:ext cx="4724400" cy="3629025"/>
-          </a:xfrm>
-          <a:prstGeom prst="rect">
-            <a:avLst/>
-          </a:prstGeom>
-        </p:spPr>
-      </p:pic>
-      <p:pic>
-        <p:nvPicPr>
-          <p:cNvPr id="7" name="Picture 6"/>
-          <p:cNvPicPr>
-            <a:picLocks noChangeAspect="1"/>
-          </p:cNvPicPr>
-          <p:nvPr/>
-        </p:nvPicPr>
-        <p:blipFill>
-          <a:blip r:embed="rId3"/>
-          <a:stretch>
-            <a:fillRect/>
-          </a:stretch>
-        </p:blipFill>
-        <p:spPr>
-          <a:xfrm>
-            <a:off x="5658320" y="2015652"/>
-            <a:ext cx="5934075" cy="3629025"/>
-          </a:xfrm>
-          <a:prstGeom prst="rect">
-            <a:avLst/>
-          </a:prstGeom>
-        </p:spPr>
-      </p:pic>
-    </p:spTree>
-    <p:extLst>
-      <p:ext uri="{BB962C8B-B14F-4D97-AF65-F5344CB8AC3E}">
-        <p14:creationId xmlns:p14="http://schemas.microsoft.com/office/powerpoint/2010/main" val="1666589425"/>
-      </p:ext>
-    </p:extLst>
-  </p:cSld>
-  <p:clrMapOvr>
-    <a:masterClrMapping/>
-  </p:clrMapOvr>
-  <p:timing>
-    <p:tnLst>
-      <p:par>
-        <p:cTn id="1" dur="indefinite" restart="never" nodeType="tmRoot"/>
-      </p:par>
-    </p:tnLst>
-  </p:timing>
-</p:sld>
-</file>
-
-<file path=ppt/slides/slide12.xml><?xml version="1.0" encoding="utf-8"?>
 <p:sld xmlns:a="http://schemas.openxmlformats.org/drawingml/2006/main" xmlns:r="http://schemas.openxmlformats.org/officeDocument/2006/relationships" xmlns:p="http://schemas.openxmlformats.org/presentationml/2006/main">
   <p:cSld>
     <p:spTree>
@@ -16227,6 +17069,114 @@
 </p:sld>
 </file>
 
+<file path=ppt/slides/slide12.xml><?xml version="1.0" encoding="utf-8"?>
+<p:sld xmlns:a="http://schemas.openxmlformats.org/drawingml/2006/main" xmlns:r="http://schemas.openxmlformats.org/officeDocument/2006/relationships" xmlns:p="http://schemas.openxmlformats.org/presentationml/2006/main">
+  <p:cSld>
+    <p:spTree>
+      <p:nvGrpSpPr>
+        <p:cNvPr id="1" name=""/>
+        <p:cNvGrpSpPr/>
+        <p:nvPr/>
+      </p:nvGrpSpPr>
+      <p:grpSpPr>
+        <a:xfrm>
+          <a:off x="0" y="0"/>
+          <a:ext cx="0" cy="0"/>
+          <a:chOff x="0" y="0"/>
+          <a:chExt cx="0" cy="0"/>
+        </a:xfrm>
+      </p:grpSpPr>
+      <p:sp>
+        <p:nvSpPr>
+          <p:cNvPr id="2" name="Title 1"/>
+          <p:cNvSpPr>
+            <a:spLocks noGrp="1"/>
+          </p:cNvSpPr>
+          <p:nvPr>
+            <p:ph type="title"/>
+          </p:nvPr>
+        </p:nvSpPr>
+        <p:spPr/>
+        <p:txBody>
+          <a:bodyPr/>
+          <a:lstStyle/>
+          <a:p>
+            <a:r>
+              <a:rPr lang="en-US" dirty="0" smtClean="0"/>
+              <a:t>Annotations</a:t>
+            </a:r>
+            <a:endParaRPr lang="en-US" dirty="0"/>
+          </a:p>
+        </p:txBody>
+      </p:sp>
+      <p:pic>
+        <p:nvPicPr>
+          <p:cNvPr id="4" name="Picture 3"/>
+          <p:cNvPicPr>
+            <a:picLocks noChangeAspect="1"/>
+          </p:cNvPicPr>
+          <p:nvPr/>
+        </p:nvPicPr>
+        <p:blipFill>
+          <a:blip r:embed="rId2"/>
+          <a:stretch>
+            <a:fillRect/>
+          </a:stretch>
+        </p:blipFill>
+        <p:spPr>
+          <a:xfrm>
+            <a:off x="646111" y="2015652"/>
+            <a:ext cx="4724400" cy="3629025"/>
+          </a:xfrm>
+          <a:prstGeom prst="rect">
+            <a:avLst/>
+          </a:prstGeom>
+        </p:spPr>
+      </p:pic>
+      <p:pic>
+        <p:nvPicPr>
+          <p:cNvPr id="7" name="Picture 6"/>
+          <p:cNvPicPr>
+            <a:picLocks noChangeAspect="1"/>
+          </p:cNvPicPr>
+          <p:nvPr/>
+        </p:nvPicPr>
+        <p:blipFill>
+          <a:blip r:embed="rId3"/>
+          <a:stretch>
+            <a:fillRect/>
+          </a:stretch>
+        </p:blipFill>
+        <p:spPr>
+          <a:xfrm>
+            <a:off x="5658320" y="2015652"/>
+            <a:ext cx="5934075" cy="3629025"/>
+          </a:xfrm>
+          <a:prstGeom prst="rect">
+            <a:avLst/>
+          </a:prstGeom>
+        </p:spPr>
+      </p:pic>
+    </p:spTree>
+    <p:extLst>
+      <p:ext uri="{BB962C8B-B14F-4D97-AF65-F5344CB8AC3E}">
+        <p14:creationId xmlns:p14="http://schemas.microsoft.com/office/powerpoint/2010/main" val="1666589425"/>
+      </p:ext>
+    </p:extLst>
+  </p:cSld>
+  <p:clrMapOvr>
+    <a:masterClrMapping/>
+  </p:clrMapOvr>
+  <p:timing>
+    <p:tnLst>
+      <p:par>
+        <p:cTn id="1" dur="indefinite" restart="never" nodeType="tmRoot"/>
+      </p:par>
+    </p:tnLst>
+  </p:timing>
+</p:sld>
+</file>
+
 <file path=ppt/slides/slide13.xml><?xml version="1.0" encoding="utf-8"?>
 <p:sld xmlns:a="http://schemas.openxmlformats.org/drawingml/2006/main" xmlns:r="http://schemas.openxmlformats.org/officeDocument/2006/relationships" xmlns:p="http://schemas.openxmlformats.org/presentationml/2006/main">
   <p:cSld>
@@ -16274,7 +17224,7 @@
           <p:nvPr>
             <p:extLst>
               <p:ext uri="{D42A27DB-BD31-4B8C-83A1-F6EECF244321}">
-                <p14:modId xmlns:p14="http://schemas.microsoft.com/office/powerpoint/2010/main" val="2094900846"/>
+                <p14:modId xmlns:p14="http://schemas.microsoft.com/office/powerpoint/2010/main" val="261924037"/>
               </p:ext>
             </p:extLst>
           </p:nvPr>
@@ -22672,7 +23622,7 @@
           <a:p>
             <a:r>
               <a:rPr lang="en-US" dirty="0" smtClean="0"/>
-              <a:t>Continuity…</a:t>
+              <a:t>Further…</a:t>
             </a:r>
             <a:endParaRPr lang="en-US" dirty="0"/>
           </a:p>
@@ -22698,12 +23648,9 @@
           <a:bodyPr/>
           <a:lstStyle/>
           <a:p>
-            <a:r>
-              <a:rPr lang="en-US" dirty="0" smtClean="0"/>
-              <a:t>Been challenging so far, but… we are</a:t>
-            </a:r>
-          </a:p>
-          <a:p>
+            <a:pPr marL="0" indent="0">
+              <a:buNone/>
+            </a:pPr>
             <a:endParaRPr lang="en-US" dirty="0"/>
           </a:p>
         </p:txBody>
@@ -22961,37 +23908,64 @@
           </a:p>
           <a:p>
             <a:r>
+              <a:rPr lang="en-US" dirty="0" smtClean="0"/>
+              <a:t>Strengthen i</a:t>
+            </a:r>
+            <a:r>
+              <a:rPr lang="en-US" dirty="0" smtClean="0"/>
+              <a:t>ntegrating </a:t>
+            </a:r>
+            <a:r>
+              <a:rPr lang="en-US" dirty="0" smtClean="0"/>
+              <a:t>with the </a:t>
+            </a:r>
+            <a:r>
+              <a:rPr lang="en-US" dirty="0" smtClean="0"/>
+              <a:t>MD and </a:t>
+            </a:r>
+            <a:r>
+              <a:rPr lang="en-US" dirty="0" smtClean="0"/>
+              <a:t>MMS for Europa</a:t>
+            </a:r>
+          </a:p>
+          <a:p>
+            <a:r>
               <a:rPr lang="en-US" dirty="0"/>
-              <a:t>i</a:t>
+              <a:t>P</a:t>
             </a:r>
             <a:r>
               <a:rPr lang="en-US" dirty="0" smtClean="0"/>
-              <a:t>ntegrating with the </a:t>
-            </a:r>
-            <a:r>
-              <a:rPr lang="en-US" dirty="0" err="1" smtClean="0"/>
-              <a:t>ViewEditor</a:t>
+              <a:t>erform </a:t>
             </a:r>
             <a:r>
               <a:rPr lang="en-US" dirty="0" smtClean="0"/>
-              <a:t> and MMS for Europa</a:t>
-            </a:r>
-          </a:p>
-          <a:p>
+              <a:t>analysis on Europa models using our K infrastructure</a:t>
+            </a:r>
+          </a:p>
+          <a:p>
+            <a:r>
+              <a:rPr lang="en-US" dirty="0"/>
+              <a:t>D</a:t>
+            </a:r>
             <a:r>
               <a:rPr lang="en-US" dirty="0" smtClean="0"/>
-              <a:t>starting to perform analysis on Europa models using our K infrastructure</a:t>
-            </a:r>
-          </a:p>
-          <a:p>
-            <a:r>
-              <a:rPr lang="en-US" dirty="0"/>
-              <a:t>d</a:t>
+              <a:t>evelop </a:t>
             </a:r>
             <a:r>
               <a:rPr lang="en-US" dirty="0" smtClean="0"/>
-              <a:t>evelop domain specific libraries</a:t>
-            </a:r>
+              <a:t>domain specific </a:t>
+            </a:r>
+            <a:r>
+              <a:rPr lang="en-US" dirty="0" smtClean="0"/>
+              <a:t>libraries</a:t>
+            </a:r>
+          </a:p>
+          <a:p>
+            <a:r>
+              <a:rPr lang="en-US" dirty="0" smtClean="0"/>
+              <a:t>Integration with external tools such as Mathematica etc.</a:t>
+            </a:r>
+            <a:endParaRPr lang="en-US" dirty="0" smtClean="0"/>
           </a:p>
           <a:p>
             <a:r>
@@ -23149,24 +24123,54 @@
       </p:sp>
       <p:sp>
         <p:nvSpPr>
-          <p:cNvPr id="3" name="Content Placeholder 2"/>
-          <p:cNvSpPr>
-            <a:spLocks noGrp="1"/>
-          </p:cNvSpPr>
-          <p:nvPr>
-            <p:ph idx="1"/>
-          </p:nvPr>
+          <p:cNvPr id="4" name="Rectangle 3"/>
+          <p:cNvSpPr/>
+          <p:nvPr/>
         </p:nvSpPr>
-        <p:spPr/>
+        <p:spPr>
+          <a:xfrm>
+            <a:off x="3477334" y="3244334"/>
+            <a:ext cx="5237331" cy="369332"/>
+          </a:xfrm>
+          <a:prstGeom prst="rect">
+            <a:avLst/>
+          </a:prstGeom>
+        </p:spPr>
         <p:txBody>
-          <a:bodyPr/>
+          <a:bodyPr wrap="none">
+            <a:spAutoFit/>
+          </a:bodyPr>
           <a:lstStyle/>
           <a:p>
             <a:r>
-              <a:rPr lang="en-US" dirty="0" smtClean="0"/>
+              <a:rPr lang="en-US" b="1" dirty="0">
+                <a:ln w="0"/>
+                <a:solidFill>
+                  <a:schemeClr val="accent1"/>
+                </a:solidFill>
+                <a:effectLst>
+                  <a:outerShdw blurRad="38100" dist="25400" dir="5400000" algn="ctr" rotWithShape="0">
+                    <a:srgbClr val="6E747A">
+                      <a:alpha val="43000"/>
+                    </a:srgbClr>
+                  </a:outerShdw>
+                </a:effectLst>
+              </a:rPr>
               <a:t>Thank you for your time and attention!</a:t>
             </a:r>
-            <a:endParaRPr lang="en-US" dirty="0"/>
+            <a:endParaRPr lang="en-US" b="1" dirty="0">
+              <a:ln w="0"/>
+              <a:solidFill>
+                <a:schemeClr val="accent1"/>
+              </a:solidFill>
+              <a:effectLst>
+                <a:outerShdw blurRad="38100" dist="25400" dir="5400000" algn="ctr" rotWithShape="0">
+                  <a:srgbClr val="6E747A">
+                    <a:alpha val="43000"/>
+                  </a:srgbClr>
+                </a:outerShdw>
+              </a:effectLst>
+            </a:endParaRPr>
           </a:p>
         </p:txBody>
       </p:sp>
@@ -23224,270 +24228,6 @@
           <a:p>
             <a:r>
               <a:rPr lang="en-US" dirty="0" smtClean="0"/>
-              <a:t>But the goal is really the same</a:t>
-            </a:r>
-            <a:endParaRPr lang="en-US" dirty="0"/>
-          </a:p>
-        </p:txBody>
-      </p:sp>
-      <p:sp>
-        <p:nvSpPr>
-          <p:cNvPr id="4" name="Rectangle 3"/>
-          <p:cNvSpPr/>
-          <p:nvPr/>
-        </p:nvSpPr>
-        <p:spPr>
-          <a:xfrm>
-            <a:off x="7211914" y="2039107"/>
-            <a:ext cx="3000788" cy="914400"/>
-          </a:xfrm>
-          <a:prstGeom prst="rect">
-            <a:avLst/>
-          </a:prstGeom>
-          <a:effectLst>
-            <a:softEdge rad="63500"/>
-          </a:effectLst>
-        </p:spPr>
-        <p:style>
-          <a:lnRef idx="1">
-            <a:schemeClr val="accent1"/>
-          </a:lnRef>
-          <a:fillRef idx="2">
-            <a:schemeClr val="accent1"/>
-          </a:fillRef>
-          <a:effectRef idx="1">
-            <a:schemeClr val="accent1"/>
-          </a:effectRef>
-          <a:fontRef idx="minor">
-            <a:schemeClr val="dk1"/>
-          </a:fontRef>
-        </p:style>
-        <p:txBody>
-          <a:bodyPr rtlCol="0" anchor="ctr"/>
-          <a:lstStyle/>
-          <a:p>
-            <a:pPr algn="ctr"/>
-            <a:r>
-              <a:rPr lang="en-US" b="1" dirty="0">
-                <a:solidFill>
-                  <a:schemeClr val="bg1"/>
-                </a:solidFill>
-              </a:rPr>
-              <a:t>model</a:t>
-            </a:r>
-            <a:endParaRPr lang="en-US" b="1" dirty="0">
-              <a:solidFill>
-                <a:schemeClr val="bg1"/>
-              </a:solidFill>
-            </a:endParaRPr>
-          </a:p>
-        </p:txBody>
-      </p:sp>
-      <p:sp>
-        <p:nvSpPr>
-          <p:cNvPr id="5" name="Rectangle 4"/>
-          <p:cNvSpPr/>
-          <p:nvPr/>
-        </p:nvSpPr>
-        <p:spPr>
-          <a:xfrm>
-            <a:off x="7211914" y="4607216"/>
-            <a:ext cx="3000788" cy="914400"/>
-          </a:xfrm>
-          <a:prstGeom prst="rect">
-            <a:avLst/>
-          </a:prstGeom>
-          <a:scene3d>
-            <a:camera prst="orthographicFront"/>
-            <a:lightRig rig="threePt" dir="t"/>
-          </a:scene3d>
-          <a:sp3d>
-            <a:bevelT w="139700" prst="cross"/>
-          </a:sp3d>
-        </p:spPr>
-        <p:style>
-          <a:lnRef idx="1">
-            <a:schemeClr val="accent4"/>
-          </a:lnRef>
-          <a:fillRef idx="2">
-            <a:schemeClr val="accent4"/>
-          </a:fillRef>
-          <a:effectRef idx="1">
-            <a:schemeClr val="accent4"/>
-          </a:effectRef>
-          <a:fontRef idx="minor">
-            <a:schemeClr val="dk1"/>
-          </a:fontRef>
-        </p:style>
-        <p:txBody>
-          <a:bodyPr rtlCol="0" anchor="ctr"/>
-          <a:lstStyle/>
-          <a:p>
-            <a:pPr algn="ctr"/>
-            <a:r>
-              <a:rPr lang="en-US" b="1" dirty="0">
-                <a:solidFill>
-                  <a:schemeClr val="bg1"/>
-                </a:solidFill>
-              </a:rPr>
-              <a:t>implementation</a:t>
-            </a:r>
-            <a:endParaRPr lang="en-US" b="1" dirty="0">
-              <a:solidFill>
-                <a:schemeClr val="bg1"/>
-              </a:solidFill>
-            </a:endParaRPr>
-          </a:p>
-        </p:txBody>
-      </p:sp>
-      <p:cxnSp>
-        <p:nvCxnSpPr>
-          <p:cNvPr id="7" name="Straight Connector 6"/>
-          <p:cNvCxnSpPr>
-            <a:stCxn id="4" idx="2"/>
-            <a:endCxn id="5" idx="0"/>
-          </p:cNvCxnSpPr>
-          <p:nvPr/>
-        </p:nvCxnSpPr>
-        <p:spPr>
-          <a:xfrm>
-            <a:off x="8712308" y="2953508"/>
-            <a:ext cx="0" cy="1653709"/>
-          </a:xfrm>
-          <a:prstGeom prst="line">
-            <a:avLst/>
-          </a:prstGeom>
-          <a:ln>
-            <a:solidFill>
-              <a:schemeClr val="accent1"/>
-            </a:solidFill>
-            <a:headEnd type="none" w="med" len="med"/>
-            <a:tailEnd type="triangle" w="med" len="med"/>
-          </a:ln>
-        </p:spPr>
-        <p:style>
-          <a:lnRef idx="3">
-            <a:schemeClr val="accent3"/>
-          </a:lnRef>
-          <a:fillRef idx="0">
-            <a:schemeClr val="accent3"/>
-          </a:fillRef>
-          <a:effectRef idx="2">
-            <a:schemeClr val="accent3"/>
-          </a:effectRef>
-          <a:fontRef idx="minor">
-            <a:schemeClr val="tx1"/>
-          </a:fontRef>
-        </p:style>
-      </p:cxnSp>
-      <p:sp>
-        <p:nvSpPr>
-          <p:cNvPr id="6" name="Content Placeholder 2"/>
-          <p:cNvSpPr>
-            <a:spLocks noGrp="1"/>
-          </p:cNvSpPr>
-          <p:nvPr>
-            <p:ph idx="1"/>
-          </p:nvPr>
-        </p:nvSpPr>
-        <p:spPr>
-          <a:xfrm>
-            <a:off x="727392" y="1850195"/>
-            <a:ext cx="8946541" cy="4195481"/>
-          </a:xfrm>
-        </p:spPr>
-        <p:txBody>
-          <a:bodyPr>
-            <a:normAutofit/>
-          </a:bodyPr>
-          <a:lstStyle/>
-          <a:p>
-            <a:r>
-              <a:rPr lang="en-US" dirty="0" smtClean="0"/>
-              <a:t>Create models</a:t>
-            </a:r>
-          </a:p>
-          <a:p>
-            <a:r>
-              <a:rPr lang="en-US" dirty="0" smtClean="0"/>
-              <a:t>Analyze for correctness</a:t>
-            </a:r>
-          </a:p>
-          <a:p>
-            <a:r>
-              <a:rPr lang="en-US" dirty="0" smtClean="0"/>
-              <a:t>Discover problems at each level</a:t>
-            </a:r>
-          </a:p>
-          <a:p>
-            <a:r>
-              <a:rPr lang="en-US" dirty="0" smtClean="0"/>
-              <a:t>Eventually produce implementations</a:t>
-            </a:r>
-          </a:p>
-          <a:p>
-            <a:r>
-              <a:rPr lang="en-US" dirty="0" smtClean="0"/>
-              <a:t>Rinse and repeat…</a:t>
-            </a:r>
-            <a:endParaRPr lang="en-US" dirty="0"/>
-          </a:p>
-        </p:txBody>
-      </p:sp>
-    </p:spTree>
-    <p:extLst>
-      <p:ext uri="{BB962C8B-B14F-4D97-AF65-F5344CB8AC3E}">
-        <p14:creationId xmlns:p14="http://schemas.microsoft.com/office/powerpoint/2010/main" val="4098636270"/>
-      </p:ext>
-    </p:extLst>
-  </p:cSld>
-  <p:clrMapOvr>
-    <a:masterClrMapping/>
-  </p:clrMapOvr>
-  <p:timing>
-    <p:tnLst>
-      <p:par>
-        <p:cTn id="1" dur="indefinite" restart="never" nodeType="tmRoot"/>
-      </p:par>
-    </p:tnLst>
-  </p:timing>
-</p:sld>
-</file>
-
-<file path=ppt/slides/slide4.xml><?xml version="1.0" encoding="utf-8"?>
-<p:sld xmlns:a="http://schemas.openxmlformats.org/drawingml/2006/main" xmlns:r="http://schemas.openxmlformats.org/officeDocument/2006/relationships" xmlns:p="http://schemas.openxmlformats.org/presentationml/2006/main">
-  <p:cSld>
-    <p:spTree>
-      <p:nvGrpSpPr>
-        <p:cNvPr id="1" name=""/>
-        <p:cNvGrpSpPr/>
-        <p:nvPr/>
-      </p:nvGrpSpPr>
-      <p:grpSpPr>
-        <a:xfrm>
-          <a:off x="0" y="0"/>
-          <a:ext cx="0" cy="0"/>
-          <a:chOff x="0" y="0"/>
-          <a:chExt cx="0" cy="0"/>
-        </a:xfrm>
-      </p:grpSpPr>
-      <p:sp>
-        <p:nvSpPr>
-          <p:cNvPr id="2" name="Title 1"/>
-          <p:cNvSpPr>
-            <a:spLocks noGrp="1"/>
-          </p:cNvSpPr>
-          <p:nvPr>
-            <p:ph type="title"/>
-          </p:nvPr>
-        </p:nvSpPr>
-        <p:spPr/>
-        <p:txBody>
-          <a:bodyPr/>
-          <a:lstStyle/>
-          <a:p>
-            <a:r>
-              <a:rPr lang="en-US" dirty="0" smtClean="0"/>
               <a:t>Some Observations</a:t>
             </a:r>
             <a:endParaRPr lang="en-US" dirty="0"/>
@@ -23513,37 +24253,19 @@
           <a:p>
             <a:r>
               <a:rPr lang="en-US" dirty="0" smtClean="0"/>
-              <a:t>MBE users </a:t>
-            </a:r>
+              <a:t>MBE users are starting to perform analysis</a:t>
+            </a:r>
+          </a:p>
+          <a:p>
             <a:r>
               <a:rPr lang="en-US" dirty="0" smtClean="0"/>
-              <a:t>are starting to perform analysis</a:t>
-            </a:r>
-            <a:endParaRPr lang="en-US" dirty="0" smtClean="0"/>
+              <a:t>Most diagrams are class diagrams, which show structure</a:t>
+            </a:r>
           </a:p>
           <a:p>
             <a:r>
               <a:rPr lang="en-US" dirty="0" smtClean="0"/>
-              <a:t>Most </a:t>
-            </a:r>
-            <a:r>
-              <a:rPr lang="en-US" dirty="0" smtClean="0"/>
-              <a:t>diagrams are class diagrams, which show </a:t>
-            </a:r>
-            <a:r>
-              <a:rPr lang="en-US" dirty="0" smtClean="0"/>
-              <a:t>structure</a:t>
-            </a:r>
-            <a:endParaRPr lang="en-US" dirty="0" smtClean="0"/>
-          </a:p>
-          <a:p>
-            <a:r>
-              <a:rPr lang="en-US" dirty="0" smtClean="0"/>
-              <a:t>Some diagrams are state </a:t>
-            </a:r>
-            <a:r>
-              <a:rPr lang="en-US" dirty="0" smtClean="0"/>
-              <a:t>machines or other forms of behavior</a:t>
+              <a:t>Some diagrams are state machines or other forms of behavior</a:t>
             </a:r>
           </a:p>
           <a:p>
@@ -23593,7 +24315,6 @@
               <a:rPr lang="en-US" dirty="0" smtClean="0"/>
               <a:t>Automated theorem proving</a:t>
             </a:r>
-            <a:endParaRPr lang="en-US" dirty="0" smtClean="0"/>
           </a:p>
           <a:p>
             <a:pPr lvl="1"/>
@@ -23799,6 +24520,260 @@
 </p:sld>
 </file>
 
+<file path=ppt/slides/slide4.xml><?xml version="1.0" encoding="utf-8"?>
+<p:sld xmlns:a="http://schemas.openxmlformats.org/drawingml/2006/main" xmlns:r="http://schemas.openxmlformats.org/officeDocument/2006/relationships" xmlns:p="http://schemas.openxmlformats.org/presentationml/2006/main">
+  <p:cSld>
+    <p:spTree>
+      <p:nvGrpSpPr>
+        <p:cNvPr id="1" name=""/>
+        <p:cNvGrpSpPr/>
+        <p:nvPr/>
+      </p:nvGrpSpPr>
+      <p:grpSpPr>
+        <a:xfrm>
+          <a:off x="0" y="0"/>
+          <a:ext cx="0" cy="0"/>
+          <a:chOff x="0" y="0"/>
+          <a:chExt cx="0" cy="0"/>
+        </a:xfrm>
+      </p:grpSpPr>
+      <p:sp>
+        <p:nvSpPr>
+          <p:cNvPr id="2" name="Title 1"/>
+          <p:cNvSpPr>
+            <a:spLocks noGrp="1"/>
+          </p:cNvSpPr>
+          <p:nvPr>
+            <p:ph type="title"/>
+          </p:nvPr>
+        </p:nvSpPr>
+        <p:spPr/>
+        <p:txBody>
+          <a:bodyPr/>
+          <a:lstStyle/>
+          <a:p>
+            <a:r>
+              <a:rPr lang="en-US" dirty="0" smtClean="0"/>
+              <a:t>But the goal is really the same</a:t>
+            </a:r>
+            <a:endParaRPr lang="en-US" dirty="0"/>
+          </a:p>
+        </p:txBody>
+      </p:sp>
+      <p:sp>
+        <p:nvSpPr>
+          <p:cNvPr id="4" name="Rectangle 3"/>
+          <p:cNvSpPr/>
+          <p:nvPr/>
+        </p:nvSpPr>
+        <p:spPr>
+          <a:xfrm>
+            <a:off x="7211914" y="2039107"/>
+            <a:ext cx="3000788" cy="914400"/>
+          </a:xfrm>
+          <a:prstGeom prst="rect">
+            <a:avLst/>
+          </a:prstGeom>
+          <a:effectLst>
+            <a:softEdge rad="63500"/>
+          </a:effectLst>
+        </p:spPr>
+        <p:style>
+          <a:lnRef idx="1">
+            <a:schemeClr val="accent1"/>
+          </a:lnRef>
+          <a:fillRef idx="2">
+            <a:schemeClr val="accent1"/>
+          </a:fillRef>
+          <a:effectRef idx="1">
+            <a:schemeClr val="accent1"/>
+          </a:effectRef>
+          <a:fontRef idx="minor">
+            <a:schemeClr val="dk1"/>
+          </a:fontRef>
+        </p:style>
+        <p:txBody>
+          <a:bodyPr rtlCol="0" anchor="ctr"/>
+          <a:lstStyle/>
+          <a:p>
+            <a:pPr algn="ctr"/>
+            <a:r>
+              <a:rPr lang="en-US" b="1" dirty="0">
+                <a:solidFill>
+                  <a:schemeClr val="bg1"/>
+                </a:solidFill>
+              </a:rPr>
+              <a:t>model</a:t>
+            </a:r>
+          </a:p>
+        </p:txBody>
+      </p:sp>
+      <p:sp>
+        <p:nvSpPr>
+          <p:cNvPr id="5" name="Rectangle 4"/>
+          <p:cNvSpPr/>
+          <p:nvPr/>
+        </p:nvSpPr>
+        <p:spPr>
+          <a:xfrm>
+            <a:off x="7211914" y="4607216"/>
+            <a:ext cx="3000788" cy="914400"/>
+          </a:xfrm>
+          <a:prstGeom prst="rect">
+            <a:avLst/>
+          </a:prstGeom>
+          <a:scene3d>
+            <a:camera prst="orthographicFront"/>
+            <a:lightRig rig="threePt" dir="t"/>
+          </a:scene3d>
+          <a:sp3d>
+            <a:bevelT w="139700" prst="cross"/>
+          </a:sp3d>
+        </p:spPr>
+        <p:style>
+          <a:lnRef idx="1">
+            <a:schemeClr val="accent4"/>
+          </a:lnRef>
+          <a:fillRef idx="2">
+            <a:schemeClr val="accent4"/>
+          </a:fillRef>
+          <a:effectRef idx="1">
+            <a:schemeClr val="accent4"/>
+          </a:effectRef>
+          <a:fontRef idx="minor">
+            <a:schemeClr val="dk1"/>
+          </a:fontRef>
+        </p:style>
+        <p:txBody>
+          <a:bodyPr rtlCol="0" anchor="ctr"/>
+          <a:lstStyle/>
+          <a:p>
+            <a:pPr algn="ctr"/>
+            <a:r>
+              <a:rPr lang="en-US" b="1" dirty="0">
+                <a:solidFill>
+                  <a:schemeClr val="bg1"/>
+                </a:solidFill>
+              </a:rPr>
+              <a:t>implementation</a:t>
+            </a:r>
+          </a:p>
+        </p:txBody>
+      </p:sp>
+      <p:cxnSp>
+        <p:nvCxnSpPr>
+          <p:cNvPr id="7" name="Straight Connector 6"/>
+          <p:cNvCxnSpPr>
+            <a:stCxn id="4" idx="2"/>
+            <a:endCxn id="5" idx="0"/>
+          </p:cNvCxnSpPr>
+          <p:nvPr/>
+        </p:nvCxnSpPr>
+        <p:spPr>
+          <a:xfrm>
+            <a:off x="8712308" y="2953508"/>
+            <a:ext cx="0" cy="1653709"/>
+          </a:xfrm>
+          <a:prstGeom prst="line">
+            <a:avLst/>
+          </a:prstGeom>
+          <a:ln>
+            <a:solidFill>
+              <a:schemeClr val="accent1"/>
+            </a:solidFill>
+            <a:headEnd type="none" w="med" len="med"/>
+            <a:tailEnd type="triangle" w="med" len="med"/>
+          </a:ln>
+        </p:spPr>
+        <p:style>
+          <a:lnRef idx="3">
+            <a:schemeClr val="accent3"/>
+          </a:lnRef>
+          <a:fillRef idx="0">
+            <a:schemeClr val="accent3"/>
+          </a:fillRef>
+          <a:effectRef idx="2">
+            <a:schemeClr val="accent3"/>
+          </a:effectRef>
+          <a:fontRef idx="minor">
+            <a:schemeClr val="tx1"/>
+          </a:fontRef>
+        </p:style>
+      </p:cxnSp>
+      <p:sp>
+        <p:nvSpPr>
+          <p:cNvPr id="6" name="Content Placeholder 2"/>
+          <p:cNvSpPr>
+            <a:spLocks noGrp="1"/>
+          </p:cNvSpPr>
+          <p:nvPr>
+            <p:ph idx="1"/>
+          </p:nvPr>
+        </p:nvSpPr>
+        <p:spPr>
+          <a:xfrm>
+            <a:off x="727392" y="1850195"/>
+            <a:ext cx="8946541" cy="4195481"/>
+          </a:xfrm>
+        </p:spPr>
+        <p:txBody>
+          <a:bodyPr>
+            <a:normAutofit/>
+          </a:bodyPr>
+          <a:lstStyle/>
+          <a:p>
+            <a:r>
+              <a:rPr lang="en-US" dirty="0" smtClean="0"/>
+              <a:t>Create models</a:t>
+            </a:r>
+          </a:p>
+          <a:p>
+            <a:r>
+              <a:rPr lang="en-US" dirty="0" smtClean="0"/>
+              <a:t>Analyze for correctness</a:t>
+            </a:r>
+          </a:p>
+          <a:p>
+            <a:r>
+              <a:rPr lang="en-US" dirty="0" smtClean="0"/>
+              <a:t>Discover problems at each level</a:t>
+            </a:r>
+          </a:p>
+          <a:p>
+            <a:r>
+              <a:rPr lang="en-US" dirty="0" smtClean="0"/>
+              <a:t>Eventually produce implementations</a:t>
+            </a:r>
+          </a:p>
+          <a:p>
+            <a:r>
+              <a:rPr lang="en-US" dirty="0" smtClean="0"/>
+              <a:t>Rinse and repeat…</a:t>
+            </a:r>
+            <a:endParaRPr lang="en-US" dirty="0"/>
+          </a:p>
+        </p:txBody>
+      </p:sp>
+    </p:spTree>
+    <p:extLst>
+      <p:ext uri="{BB962C8B-B14F-4D97-AF65-F5344CB8AC3E}">
+        <p14:creationId xmlns:p14="http://schemas.microsoft.com/office/powerpoint/2010/main" val="4098636270"/>
+      </p:ext>
+    </p:extLst>
+  </p:cSld>
+  <p:clrMapOvr>
+    <a:masterClrMapping/>
+  </p:clrMapOvr>
+  <p:timing>
+    <p:tnLst>
+      <p:par>
+        <p:cTn id="1" dur="indefinite" restart="never" nodeType="tmRoot"/>
+      </p:par>
+    </p:tnLst>
+  </p:timing>
+</p:sld>
+</file>
+
 <file path=ppt/slides/slide5.xml><?xml version="1.0" encoding="utf-8"?>
 <p:sld xmlns:a="http://schemas.openxmlformats.org/drawingml/2006/main" xmlns:r="http://schemas.openxmlformats.org/officeDocument/2006/relationships" xmlns:p="http://schemas.openxmlformats.org/presentationml/2006/main">
   <p:cSld>
@@ -23833,11 +24808,7 @@
           <a:p>
             <a:r>
               <a:rPr lang="en-US" dirty="0" smtClean="0"/>
-              <a:t>K Language </a:t>
-            </a:r>
-            <a:r>
-              <a:rPr lang="en-US" dirty="0" smtClean="0"/>
-              <a:t>Constructs</a:t>
+              <a:t>K Language Constructs</a:t>
             </a:r>
             <a:endParaRPr lang="en-US" dirty="0"/>
           </a:p>
@@ -23877,7 +24848,6 @@
               <a:rPr lang="en-US" dirty="0" smtClean="0"/>
               <a:t>Properties </a:t>
             </a:r>
-            <a:endParaRPr lang="en-US" dirty="0" smtClean="0"/>
           </a:p>
           <a:p>
             <a:pPr lvl="1"/>
@@ -23885,7 +24855,6 @@
               <a:rPr lang="en-US" dirty="0" smtClean="0"/>
               <a:t>Functions</a:t>
             </a:r>
-            <a:endParaRPr lang="en-US" dirty="0" smtClean="0"/>
           </a:p>
           <a:p>
             <a:pPr lvl="1"/>
@@ -23911,20 +24880,14 @@
             <a:pPr lvl="1"/>
             <a:r>
               <a:rPr lang="en-US" dirty="0" smtClean="0"/>
-              <a:t>Modifiers: part, ordered, </a:t>
-            </a:r>
-            <a:r>
-              <a:rPr lang="en-US" dirty="0" smtClean="0"/>
-              <a:t>unique, source, target</a:t>
-            </a:r>
-            <a:endParaRPr lang="en-US" dirty="0" smtClean="0"/>
+              <a:t>Modifiers: part, ordered, unique, source, target</a:t>
+            </a:r>
           </a:p>
           <a:p>
             <a:r>
               <a:rPr lang="en-US" dirty="0" smtClean="0"/>
               <a:t>Annotations</a:t>
             </a:r>
-            <a:endParaRPr lang="en-US" dirty="0" smtClean="0"/>
           </a:p>
           <a:p>
             <a:r>
@@ -23935,11 +24898,7 @@
           <a:p>
             <a:r>
               <a:rPr lang="en-US" dirty="0" smtClean="0"/>
-              <a:t>Collections </a:t>
-            </a:r>
-            <a:r>
-              <a:rPr lang="en-US" dirty="0" smtClean="0"/>
-              <a:t>(</a:t>
+              <a:t>Collections (</a:t>
             </a:r>
             <a:r>
               <a:rPr lang="en-US" dirty="0" err="1" smtClean="0"/>
@@ -23947,13 +24906,8 @@
             </a:r>
             <a:r>
               <a:rPr lang="en-US" dirty="0" smtClean="0"/>
-              <a:t>, Bag, Set</a:t>
-            </a:r>
-            <a:r>
-              <a:rPr lang="en-US" dirty="0" smtClean="0"/>
-              <a:t>)</a:t>
-            </a:r>
-            <a:endParaRPr lang="en-US" dirty="0" smtClean="0"/>
+              <a:t>, Bag, Set)</a:t>
+            </a:r>
           </a:p>
           <a:p>
             <a:endParaRPr lang="en-US" dirty="0"/>
@@ -24059,7 +25013,6 @@
               <a:rPr lang="en-US" dirty="0" smtClean="0"/>
               <a:t>Easily specify constraints, functions, behaviors</a:t>
             </a:r>
-            <a:endParaRPr lang="en-US" dirty="0" smtClean="0"/>
           </a:p>
           <a:p>
             <a:r>
@@ -24164,36 +25117,6 @@
           </a:p>
         </p:txBody>
       </p:sp>
-      <p:pic>
-        <p:nvPicPr>
-          <p:cNvPr id="4" name="Picture 3" descr="Screen Shot 2014-12-13 at 6.28.13 PM.png"/>
-          <p:cNvPicPr>
-            <a:picLocks noChangeAspect="1"/>
-          </p:cNvPicPr>
-          <p:nvPr/>
-        </p:nvPicPr>
-        <p:blipFill>
-          <a:blip r:embed="rId2">
-            <a:extLst>
-              <a:ext uri="{28A0092B-C50C-407E-A947-70E740481C1C}">
-                <a14:useLocalDpi xmlns:a14="http://schemas.microsoft.com/office/drawing/2010/main" val="0"/>
-              </a:ext>
-            </a:extLst>
-          </a:blip>
-          <a:stretch>
-            <a:fillRect/>
-          </a:stretch>
-        </p:blipFill>
-        <p:spPr>
-          <a:xfrm>
-            <a:off x="2607510" y="5148825"/>
-            <a:ext cx="7137400" cy="1244600"/>
-          </a:xfrm>
-          <a:prstGeom prst="rect">
-            <a:avLst/>
-          </a:prstGeom>
-        </p:spPr>
-      </p:pic>
       <p:sp>
         <p:nvSpPr>
           <p:cNvPr id="5" name="Content Placeholder 2"/>
@@ -24264,13 +25187,11 @@
           <a:p>
             <a:r>
               <a:rPr lang="en-US" dirty="0" smtClean="0"/>
-              <a:t>However, it is not exactly a “field” in the class in the Java sense.</a:t>
-            </a:r>
-          </a:p>
-          <a:p>
+              <a:t>MBE </a:t>
+            </a:r>
             <a:r>
               <a:rPr lang="en-US" dirty="0" smtClean="0"/>
-              <a:t>MBE refers to this as a “relation”</a:t>
+              <a:t>refers to this as a “relation”</a:t>
             </a:r>
           </a:p>
           <a:p>
@@ -24278,7 +25199,6 @@
               <a:rPr lang="en-US" dirty="0" smtClean="0"/>
               <a:t>FM refers to this as a “field”</a:t>
             </a:r>
-            <a:endParaRPr lang="en-US" dirty="0" smtClean="0"/>
           </a:p>
           <a:p>
             <a:endParaRPr lang="en-US" dirty="0" smtClean="0"/>
@@ -24294,36 +25214,6 @@
           </a:p>
         </p:txBody>
       </p:sp>
-      <p:pic>
-        <p:nvPicPr>
-          <p:cNvPr id="6" name="Picture 5" descr="Screen Shot 2014-12-13 at 2.38.05 PM.png"/>
-          <p:cNvPicPr>
-            <a:picLocks noChangeAspect="1"/>
-          </p:cNvPicPr>
-          <p:nvPr/>
-        </p:nvPicPr>
-        <p:blipFill>
-          <a:blip r:embed="rId3">
-            <a:extLst>
-              <a:ext uri="{28A0092B-C50C-407E-A947-70E740481C1C}">
-                <a14:useLocalDpi xmlns:a14="http://schemas.microsoft.com/office/drawing/2010/main" val="0"/>
-              </a:ext>
-            </a:extLst>
-          </a:blip>
-          <a:stretch>
-            <a:fillRect/>
-          </a:stretch>
-        </p:blipFill>
-        <p:spPr>
-          <a:xfrm>
-            <a:off x="1841294" y="1668356"/>
-            <a:ext cx="1930400" cy="3213100"/>
-          </a:xfrm>
-          <a:prstGeom prst="rect">
-            <a:avLst/>
-          </a:prstGeom>
-        </p:spPr>
-      </p:pic>
       <p:sp>
         <p:nvSpPr>
           <p:cNvPr id="7" name="TextBox 6"/>
@@ -24332,8 +25222,8 @@
         </p:nvSpPr>
         <p:spPr>
           <a:xfrm>
-            <a:off x="2179053" y="3050494"/>
-            <a:ext cx="344966" cy="369332"/>
+            <a:off x="2179053" y="2682749"/>
+            <a:ext cx="296876" cy="338554"/>
           </a:xfrm>
           <a:prstGeom prst="rect">
             <a:avLst/>
@@ -24347,10 +25237,524 @@
           <a:lstStyle/>
           <a:p>
             <a:r>
-              <a:rPr lang="en-US" dirty="0"/>
+              <a:rPr lang="en-US" sz="1600" dirty="0">
+                <a:latin typeface="+mj-lt"/>
+              </a:rPr>
               <a:t>R</a:t>
             </a:r>
-            <a:endParaRPr lang="en-US" dirty="0"/>
+          </a:p>
+        </p:txBody>
+      </p:sp>
+      <mc:AlternateContent xmlns:mc="http://schemas.openxmlformats.org/markup-compatibility/2006">
+        <mc:Choice xmlns:a14="http://schemas.microsoft.com/office/drawing/2010/main" Requires="a14">
+          <p:sp>
+            <p:nvSpPr>
+              <p:cNvPr id="3" name="TextBox 2"/>
+              <p:cNvSpPr txBox="1"/>
+              <p:nvPr/>
+            </p:nvSpPr>
+            <p:spPr>
+              <a:xfrm>
+                <a:off x="3896030" y="4365384"/>
+                <a:ext cx="7916270" cy="492443"/>
+              </a:xfrm>
+              <a:prstGeom prst="rect">
+                <a:avLst/>
+              </a:prstGeom>
+              <a:noFill/>
+            </p:spPr>
+            <p:txBody>
+              <a:bodyPr wrap="none" lIns="0" tIns="0" rIns="0" bIns="0" rtlCol="0">
+                <a:spAutoFit/>
+              </a:bodyPr>
+              <a:lstStyle/>
+              <a:p>
+                <a14:m>
+                  <m:oMathPara xmlns:m="http://schemas.openxmlformats.org/officeDocument/2006/math">
+                    <m:oMathParaPr>
+                      <m:jc m:val="centerGroup"/>
+                    </m:oMathParaPr>
+                    <m:oMath xmlns:m="http://schemas.openxmlformats.org/officeDocument/2006/math">
+                      <m:r>
+                        <a:rPr lang="en-US" sz="3200" b="0" i="1" smtClean="0">
+                          <a:latin typeface="Cambria Math" panose="02040503050406030204" pitchFamily="18" charset="0"/>
+                        </a:rPr>
+                        <m:t>𝑠</m:t>
+                      </m:r>
+                      <m:r>
+                        <a:rPr lang="en-US" sz="3200" b="0" i="1" smtClean="0">
+                          <a:latin typeface="Cambria Math" panose="02040503050406030204" pitchFamily="18" charset="0"/>
+                        </a:rPr>
+                        <m:t>.</m:t>
+                      </m:r>
+                      <m:r>
+                        <a:rPr lang="en-US" sz="3200" b="0" i="1" smtClean="0">
+                          <a:latin typeface="Cambria Math" panose="02040503050406030204" pitchFamily="18" charset="0"/>
+                        </a:rPr>
+                        <m:t>𝑖𝑛𝑠𝑡𝑟𝑢𝑚𝑒𝑛𝑡𝑠</m:t>
+                      </m:r>
+                      <m:r>
+                        <a:rPr lang="en-US" sz="3200" b="0" i="1" smtClean="0">
+                          <a:latin typeface="Cambria Math" panose="02040503050406030204" pitchFamily="18" charset="0"/>
+                        </a:rPr>
+                        <m:t>=</m:t>
+                      </m:r>
+                      <m:d>
+                        <m:dPr>
+                          <m:begChr m:val="{"/>
+                          <m:endChr m:val="|"/>
+                          <m:ctrlPr>
+                            <a:rPr lang="en-US" sz="3200" b="0" i="1" smtClean="0">
+                              <a:latin typeface="Cambria Math" panose="02040503050406030204" pitchFamily="18" charset="0"/>
+                            </a:rPr>
+                          </m:ctrlPr>
+                        </m:dPr>
+                        <m:e>
+                          <m:r>
+                            <a:rPr lang="en-US" sz="3200" b="0" i="1" smtClean="0">
+                              <a:latin typeface="Cambria Math" panose="02040503050406030204" pitchFamily="18" charset="0"/>
+                            </a:rPr>
+                            <m:t>𝑖</m:t>
+                          </m:r>
+                          <m:r>
+                            <a:rPr lang="en-US" sz="3200" b="0" i="1" smtClean="0">
+                              <a:latin typeface="Cambria Math" panose="02040503050406030204" pitchFamily="18" charset="0"/>
+                            </a:rPr>
+                            <m:t> :</m:t>
+                          </m:r>
+                          <m:r>
+                            <a:rPr lang="en-US" sz="3200" b="0" i="1" smtClean="0">
+                              <a:latin typeface="Cambria Math" panose="02040503050406030204" pitchFamily="18" charset="0"/>
+                            </a:rPr>
+                            <m:t>𝐼𝑛𝑠𝑡𝑟𝑢𝑚𝑒𝑛𝑡</m:t>
+                          </m:r>
+                          <m:r>
+                            <a:rPr lang="en-US" sz="3200" b="0" i="1" smtClean="0">
+                              <a:latin typeface="Cambria Math" panose="02040503050406030204" pitchFamily="18" charset="0"/>
+                            </a:rPr>
+                            <m:t> </m:t>
+                          </m:r>
+                        </m:e>
+                      </m:d>
+                      <m:d>
+                        <m:dPr>
+                          <m:ctrlPr>
+                            <a:rPr lang="en-US" sz="3200" b="0" i="1" smtClean="0">
+                              <a:latin typeface="Cambria Math" panose="02040503050406030204" pitchFamily="18" charset="0"/>
+                            </a:rPr>
+                          </m:ctrlPr>
+                        </m:dPr>
+                        <m:e>
+                          <m:r>
+                            <a:rPr lang="en-US" sz="3200" b="0" i="1" smtClean="0">
+                              <a:latin typeface="Cambria Math" panose="02040503050406030204" pitchFamily="18" charset="0"/>
+                            </a:rPr>
+                            <m:t>𝑠</m:t>
+                          </m:r>
+                          <m:r>
+                            <a:rPr lang="en-US" sz="3200" b="0" i="1" smtClean="0">
+                              <a:latin typeface="Cambria Math" panose="02040503050406030204" pitchFamily="18" charset="0"/>
+                            </a:rPr>
+                            <m:t>,</m:t>
+                          </m:r>
+                          <m:r>
+                            <a:rPr lang="en-US" sz="3200" b="0" i="1" smtClean="0">
+                              <a:latin typeface="Cambria Math" panose="02040503050406030204" pitchFamily="18" charset="0"/>
+                            </a:rPr>
+                            <m:t>𝑖</m:t>
+                          </m:r>
+                        </m:e>
+                      </m:d>
+                      <m:r>
+                        <a:rPr lang="en-US" sz="3200" b="0" i="1" smtClean="0">
+                          <a:latin typeface="Cambria Math" panose="02040503050406030204" pitchFamily="18" charset="0"/>
+                        </a:rPr>
+                        <m:t>∈</m:t>
+                      </m:r>
+                      <m:r>
+                        <a:rPr lang="en-US" sz="3200" b="0" i="1" smtClean="0">
+                          <a:latin typeface="Cambria Math" panose="02040503050406030204" pitchFamily="18" charset="0"/>
+                        </a:rPr>
+                        <m:t>𝑅</m:t>
+                      </m:r>
+                    </m:oMath>
+                  </m:oMathPara>
+                </a14:m>
+                <a:endParaRPr lang="en-US" dirty="0"/>
+              </a:p>
+            </p:txBody>
+          </p:sp>
+        </mc:Choice>
+        <mc:Fallback>
+          <p:sp>
+            <p:nvSpPr>
+              <p:cNvPr id="3" name="TextBox 2"/>
+              <p:cNvSpPr txBox="1">
+                <a:spLocks noRot="1" noChangeAspect="1" noMove="1" noResize="1" noEditPoints="1" noAdjustHandles="1" noChangeArrowheads="1" noChangeShapeType="1" noTextEdit="1"/>
+              </p:cNvSpPr>
+              <p:nvPr/>
+            </p:nvSpPr>
+            <p:spPr>
+              <a:xfrm>
+                <a:off x="3896030" y="4365384"/>
+                <a:ext cx="7916270" cy="492443"/>
+              </a:xfrm>
+              <a:prstGeom prst="rect">
+                <a:avLst/>
+              </a:prstGeom>
+              <a:blipFill rotWithShape="0">
+                <a:blip r:embed="rId2"/>
+                <a:stretch>
+                  <a:fillRect/>
+                </a:stretch>
+              </a:blipFill>
+            </p:spPr>
+            <p:txBody>
+              <a:bodyPr/>
+              <a:lstStyle/>
+              <a:p>
+                <a:r>
+                  <a:rPr lang="en-US">
+                    <a:noFill/>
+                  </a:rPr>
+                  <a:t> </a:t>
+                </a:r>
+              </a:p>
+            </p:txBody>
+          </p:sp>
+        </mc:Fallback>
+      </mc:AlternateContent>
+      <p:sp>
+        <p:nvSpPr>
+          <p:cNvPr id="8" name="Rectangle 7"/>
+          <p:cNvSpPr/>
+          <p:nvPr/>
+        </p:nvSpPr>
+        <p:spPr>
+          <a:xfrm>
+            <a:off x="877824" y="1777825"/>
+            <a:ext cx="2221992" cy="1274256"/>
+          </a:xfrm>
+          <a:prstGeom prst="rect">
+            <a:avLst/>
+          </a:prstGeom>
+        </p:spPr>
+        <p:style>
+          <a:lnRef idx="1">
+            <a:schemeClr val="accent1"/>
+          </a:lnRef>
+          <a:fillRef idx="2">
+            <a:schemeClr val="accent1"/>
+          </a:fillRef>
+          <a:effectRef idx="1">
+            <a:schemeClr val="accent1"/>
+          </a:effectRef>
+          <a:fontRef idx="minor">
+            <a:schemeClr val="dk1"/>
+          </a:fontRef>
+        </p:style>
+        <p:txBody>
+          <a:bodyPr rtlCol="0" anchor="t" anchorCtr="0"/>
+          <a:lstStyle/>
+          <a:p>
+            <a:pPr algn="ctr"/>
+            <a:r>
+              <a:rPr lang="en-US" sz="1600" dirty="0" smtClean="0">
+                <a:latin typeface="+mj-lt"/>
+              </a:rPr>
+              <a:t>Spacecraft</a:t>
+            </a:r>
+            <a:endParaRPr lang="en-US" sz="1600" dirty="0">
+              <a:latin typeface="+mj-lt"/>
+            </a:endParaRPr>
+          </a:p>
+        </p:txBody>
+      </p:sp>
+      <p:sp>
+        <p:nvSpPr>
+          <p:cNvPr id="9" name="Rectangle 8"/>
+          <p:cNvSpPr/>
+          <p:nvPr/>
+        </p:nvSpPr>
+        <p:spPr>
+          <a:xfrm>
+            <a:off x="877824" y="2186509"/>
+            <a:ext cx="2221992" cy="874746"/>
+          </a:xfrm>
+          <a:prstGeom prst="rect">
+            <a:avLst/>
+          </a:prstGeom>
+        </p:spPr>
+        <p:style>
+          <a:lnRef idx="2">
+            <a:schemeClr val="accent6"/>
+          </a:lnRef>
+          <a:fillRef idx="1">
+            <a:schemeClr val="lt1"/>
+          </a:fillRef>
+          <a:effectRef idx="0">
+            <a:schemeClr val="accent6"/>
+          </a:effectRef>
+          <a:fontRef idx="minor">
+            <a:schemeClr val="dk1"/>
+          </a:fontRef>
+        </p:style>
+        <p:txBody>
+          <a:bodyPr lIns="0" rIns="822960" rtlCol="0" anchor="t" anchorCtr="0"/>
+          <a:lstStyle/>
+          <a:p>
+            <a:pPr algn="ctr"/>
+            <a:r>
+              <a:rPr lang="en-US" sz="1600" dirty="0" err="1">
+                <a:latin typeface="+mj-lt"/>
+              </a:rPr>
+              <a:t>n</a:t>
+            </a:r>
+            <a:r>
+              <a:rPr lang="en-US" sz="1600" dirty="0" err="1" smtClean="0">
+                <a:latin typeface="+mj-lt"/>
+              </a:rPr>
+              <a:t>ame:String</a:t>
+            </a:r>
+            <a:endParaRPr lang="en-US" sz="1600" dirty="0">
+              <a:latin typeface="+mj-lt"/>
+            </a:endParaRPr>
+          </a:p>
+        </p:txBody>
+      </p:sp>
+      <p:sp>
+        <p:nvSpPr>
+          <p:cNvPr id="10" name="TextBox 9"/>
+          <p:cNvSpPr txBox="1"/>
+          <p:nvPr/>
+        </p:nvSpPr>
+        <p:spPr>
+          <a:xfrm>
+            <a:off x="2179053" y="5258473"/>
+            <a:ext cx="296876" cy="338554"/>
+          </a:xfrm>
+          <a:prstGeom prst="rect">
+            <a:avLst/>
+          </a:prstGeom>
+          <a:noFill/>
+        </p:spPr>
+        <p:txBody>
+          <a:bodyPr wrap="none" rtlCol="0">
+            <a:spAutoFit/>
+          </a:bodyPr>
+          <a:lstStyle/>
+          <a:p>
+            <a:r>
+              <a:rPr lang="en-US" sz="1600" dirty="0">
+                <a:latin typeface="+mj-lt"/>
+              </a:rPr>
+              <a:t>R</a:t>
+            </a:r>
+          </a:p>
+        </p:txBody>
+      </p:sp>
+      <p:sp>
+        <p:nvSpPr>
+          <p:cNvPr id="11" name="Rectangle 10"/>
+          <p:cNvSpPr/>
+          <p:nvPr/>
+        </p:nvSpPr>
+        <p:spPr>
+          <a:xfrm>
+            <a:off x="877824" y="4353549"/>
+            <a:ext cx="2221992" cy="1274256"/>
+          </a:xfrm>
+          <a:prstGeom prst="rect">
+            <a:avLst/>
+          </a:prstGeom>
+        </p:spPr>
+        <p:style>
+          <a:lnRef idx="1">
+            <a:schemeClr val="accent1"/>
+          </a:lnRef>
+          <a:fillRef idx="2">
+            <a:schemeClr val="accent1"/>
+          </a:fillRef>
+          <a:effectRef idx="1">
+            <a:schemeClr val="accent1"/>
+          </a:effectRef>
+          <a:fontRef idx="minor">
+            <a:schemeClr val="dk1"/>
+          </a:fontRef>
+        </p:style>
+        <p:txBody>
+          <a:bodyPr rtlCol="0" anchor="t" anchorCtr="0"/>
+          <a:lstStyle/>
+          <a:p>
+            <a:pPr algn="ctr"/>
+            <a:r>
+              <a:rPr lang="en-US" sz="1600" dirty="0" smtClean="0">
+                <a:latin typeface="+mj-lt"/>
+              </a:rPr>
+              <a:t>Spacecraft</a:t>
+            </a:r>
+            <a:endParaRPr lang="en-US" sz="1600" dirty="0">
+              <a:latin typeface="+mj-lt"/>
+            </a:endParaRPr>
+          </a:p>
+        </p:txBody>
+      </p:sp>
+      <p:sp>
+        <p:nvSpPr>
+          <p:cNvPr id="12" name="Rectangle 11"/>
+          <p:cNvSpPr/>
+          <p:nvPr/>
+        </p:nvSpPr>
+        <p:spPr>
+          <a:xfrm>
+            <a:off x="877824" y="4762233"/>
+            <a:ext cx="2221992" cy="874746"/>
+          </a:xfrm>
+          <a:prstGeom prst="rect">
+            <a:avLst/>
+          </a:prstGeom>
+        </p:spPr>
+        <p:style>
+          <a:lnRef idx="2">
+            <a:schemeClr val="accent6"/>
+          </a:lnRef>
+          <a:fillRef idx="1">
+            <a:schemeClr val="lt1"/>
+          </a:fillRef>
+          <a:effectRef idx="0">
+            <a:schemeClr val="accent6"/>
+          </a:effectRef>
+          <a:fontRef idx="minor">
+            <a:schemeClr val="dk1"/>
+          </a:fontRef>
+        </p:style>
+        <p:txBody>
+          <a:bodyPr lIns="0" rIns="731520" rtlCol="0" anchor="t" anchorCtr="0"/>
+          <a:lstStyle/>
+          <a:p>
+            <a:pPr algn="ctr"/>
+            <a:r>
+              <a:rPr lang="en-US" sz="1600" dirty="0">
+                <a:latin typeface="+mj-lt"/>
+              </a:rPr>
+              <a:t>w</a:t>
+            </a:r>
+            <a:r>
+              <a:rPr lang="en-US" sz="1600" dirty="0" smtClean="0">
+                <a:latin typeface="+mj-lt"/>
+              </a:rPr>
+              <a:t>eight : </a:t>
+            </a:r>
+            <a:r>
+              <a:rPr lang="en-US" sz="1600" dirty="0" err="1" smtClean="0">
+                <a:latin typeface="+mj-lt"/>
+              </a:rPr>
+              <a:t>Int</a:t>
+            </a:r>
+            <a:endParaRPr lang="en-US" sz="1600" dirty="0">
+              <a:latin typeface="+mj-lt"/>
+            </a:endParaRPr>
+          </a:p>
+        </p:txBody>
+      </p:sp>
+      <p:cxnSp>
+        <p:nvCxnSpPr>
+          <p:cNvPr id="14" name="Straight Connector 13"/>
+          <p:cNvCxnSpPr>
+            <a:stCxn id="9" idx="2"/>
+            <a:endCxn id="11" idx="0"/>
+          </p:cNvCxnSpPr>
+          <p:nvPr/>
+        </p:nvCxnSpPr>
+        <p:spPr>
+          <a:xfrm>
+            <a:off x="1988820" y="3061255"/>
+            <a:ext cx="0" cy="1292294"/>
+          </a:xfrm>
+          <a:prstGeom prst="line">
+            <a:avLst/>
+          </a:prstGeom>
+        </p:spPr>
+        <p:style>
+          <a:lnRef idx="3">
+            <a:schemeClr val="accent1"/>
+          </a:lnRef>
+          <a:fillRef idx="0">
+            <a:schemeClr val="accent1"/>
+          </a:fillRef>
+          <a:effectRef idx="2">
+            <a:schemeClr val="accent1"/>
+          </a:effectRef>
+          <a:fontRef idx="minor">
+            <a:schemeClr val="tx1"/>
+          </a:fontRef>
+        </p:style>
+      </p:cxnSp>
+      <p:sp>
+        <p:nvSpPr>
+          <p:cNvPr id="15" name="TextBox 14"/>
+          <p:cNvSpPr txBox="1"/>
+          <p:nvPr/>
+        </p:nvSpPr>
+        <p:spPr>
+          <a:xfrm>
+            <a:off x="1485708" y="3088899"/>
+            <a:ext cx="524503" cy="276999"/>
+          </a:xfrm>
+          <a:prstGeom prst="rect">
+            <a:avLst/>
+          </a:prstGeom>
+          <a:noFill/>
+        </p:spPr>
+        <p:txBody>
+          <a:bodyPr wrap="none" rtlCol="0">
+            <a:spAutoFit/>
+          </a:bodyPr>
+          <a:lstStyle/>
+          <a:p>
+            <a:r>
+              <a:rPr lang="en-US" sz="1200" dirty="0" smtClean="0">
+                <a:latin typeface="+mj-lt"/>
+              </a:rPr>
+              <a:t>0..1</a:t>
+            </a:r>
+            <a:endParaRPr lang="en-US" sz="1200" dirty="0">
+              <a:latin typeface="+mj-lt"/>
+            </a:endParaRPr>
+          </a:p>
+        </p:txBody>
+      </p:sp>
+      <p:sp>
+        <p:nvSpPr>
+          <p:cNvPr id="16" name="TextBox 15"/>
+          <p:cNvSpPr txBox="1"/>
+          <p:nvPr/>
+        </p:nvSpPr>
+        <p:spPr>
+          <a:xfrm>
+            <a:off x="1988820" y="4088385"/>
+            <a:ext cx="1544012" cy="276999"/>
+          </a:xfrm>
+          <a:prstGeom prst="rect">
+            <a:avLst/>
+          </a:prstGeom>
+          <a:noFill/>
+        </p:spPr>
+        <p:txBody>
+          <a:bodyPr wrap="none" rtlCol="0">
+            <a:spAutoFit/>
+          </a:bodyPr>
+          <a:lstStyle/>
+          <a:p>
+            <a:r>
+              <a:rPr lang="en-US" sz="1200" dirty="0" smtClean="0">
+                <a:latin typeface="+mj-lt"/>
+              </a:rPr>
+              <a:t>1..* instruments</a:t>
+            </a:r>
+            <a:endParaRPr lang="en-US" sz="1200" dirty="0">
+              <a:latin typeface="+mj-lt"/>
+            </a:endParaRPr>
           </a:p>
         </p:txBody>
       </p:sp>
@@ -24414,90 +25818,16 @@
           </a:p>
         </p:txBody>
       </p:sp>
-      <p:pic>
-        <p:nvPicPr>
-          <p:cNvPr id="3" name="Picture 2" descr="Screen Shot 2014-12-13 at 2.38.05 PM.png"/>
-          <p:cNvPicPr>
-            <a:picLocks noChangeAspect="1"/>
-          </p:cNvPicPr>
-          <p:nvPr/>
-        </p:nvPicPr>
-        <p:blipFill>
-          <a:blip r:embed="rId2">
-            <a:extLst>
-              <a:ext uri="{28A0092B-C50C-407E-A947-70E740481C1C}">
-                <a14:useLocalDpi xmlns:a14="http://schemas.microsoft.com/office/drawing/2010/main" val="0"/>
-              </a:ext>
-            </a:extLst>
-          </a:blip>
-          <a:stretch>
-            <a:fillRect/>
-          </a:stretch>
-        </p:blipFill>
-        <p:spPr>
-          <a:xfrm>
-            <a:off x="1558819" y="1853248"/>
-            <a:ext cx="1930400" cy="3213100"/>
-          </a:xfrm>
-          <a:prstGeom prst="rect">
-            <a:avLst/>
-          </a:prstGeom>
-        </p:spPr>
-      </p:pic>
-      <p:pic>
-        <p:nvPicPr>
-          <p:cNvPr id="6" name="Picture 5" descr="Screen Shot 2014-12-13 at 2.58.49 PM.png"/>
-          <p:cNvPicPr>
-            <a:picLocks noChangeAspect="1"/>
-          </p:cNvPicPr>
-          <p:nvPr/>
-        </p:nvPicPr>
-        <p:blipFill>
-          <a:blip r:embed="rId3">
-            <a:extLst>
-              <a:ext uri="{28A0092B-C50C-407E-A947-70E740481C1C}">
-                <a14:useLocalDpi xmlns:a14="http://schemas.microsoft.com/office/drawing/2010/main" val="0"/>
-              </a:ext>
-            </a:extLst>
-          </a:blip>
-          <a:stretch>
-            <a:fillRect/>
-          </a:stretch>
-        </p:blipFill>
-        <p:spPr>
-          <a:xfrm>
-            <a:off x="4232481" y="1507797"/>
-            <a:ext cx="6667511" cy="3904003"/>
-          </a:xfrm>
-          <a:prstGeom prst="rect">
-            <a:avLst/>
-          </a:prstGeom>
-        </p:spPr>
-        <p:style>
-          <a:lnRef idx="2">
-            <a:schemeClr val="accent2"/>
-          </a:lnRef>
-          <a:fillRef idx="1">
-            <a:schemeClr val="lt1"/>
-          </a:fillRef>
-          <a:effectRef idx="0">
-            <a:schemeClr val="accent2"/>
-          </a:effectRef>
-          <a:fontRef idx="minor">
-            <a:schemeClr val="dk1"/>
-          </a:fontRef>
-        </p:style>
-      </p:pic>
       <p:sp>
         <p:nvSpPr>
-          <p:cNvPr id="4" name="TextBox 3"/>
+          <p:cNvPr id="7" name="TextBox 6"/>
           <p:cNvSpPr txBox="1"/>
           <p:nvPr/>
         </p:nvSpPr>
         <p:spPr>
           <a:xfrm>
-            <a:off x="2179053" y="3050494"/>
-            <a:ext cx="344966" cy="369332"/>
+            <a:off x="2179053" y="2682749"/>
+            <a:ext cx="296876" cy="338554"/>
           </a:xfrm>
           <a:prstGeom prst="rect">
             <a:avLst/>
@@ -24511,13 +25841,1597 @@
           <a:lstStyle/>
           <a:p>
             <a:r>
-              <a:rPr lang="en-US" dirty="0"/>
+              <a:rPr lang="en-US" sz="1600" dirty="0">
+                <a:latin typeface="+mj-lt"/>
+              </a:rPr>
               <a:t>R</a:t>
             </a:r>
-            <a:endParaRPr lang="en-US" dirty="0"/>
           </a:p>
         </p:txBody>
       </p:sp>
+      <p:sp>
+        <p:nvSpPr>
+          <p:cNvPr id="8" name="Rectangle 7"/>
+          <p:cNvSpPr/>
+          <p:nvPr/>
+        </p:nvSpPr>
+        <p:spPr>
+          <a:xfrm>
+            <a:off x="877824" y="1777825"/>
+            <a:ext cx="2221992" cy="1274256"/>
+          </a:xfrm>
+          <a:prstGeom prst="rect">
+            <a:avLst/>
+          </a:prstGeom>
+        </p:spPr>
+        <p:style>
+          <a:lnRef idx="1">
+            <a:schemeClr val="accent1"/>
+          </a:lnRef>
+          <a:fillRef idx="2">
+            <a:schemeClr val="accent1"/>
+          </a:fillRef>
+          <a:effectRef idx="1">
+            <a:schemeClr val="accent1"/>
+          </a:effectRef>
+          <a:fontRef idx="minor">
+            <a:schemeClr val="dk1"/>
+          </a:fontRef>
+        </p:style>
+        <p:txBody>
+          <a:bodyPr rtlCol="0" anchor="t" anchorCtr="0"/>
+          <a:lstStyle/>
+          <a:p>
+            <a:pPr algn="ctr"/>
+            <a:r>
+              <a:rPr lang="en-US" sz="1600" dirty="0" smtClean="0">
+                <a:latin typeface="+mj-lt"/>
+              </a:rPr>
+              <a:t>Spacecraft</a:t>
+            </a:r>
+            <a:endParaRPr lang="en-US" sz="1600" dirty="0">
+              <a:latin typeface="+mj-lt"/>
+            </a:endParaRPr>
+          </a:p>
+        </p:txBody>
+      </p:sp>
+      <p:sp>
+        <p:nvSpPr>
+          <p:cNvPr id="9" name="Rectangle 8"/>
+          <p:cNvSpPr/>
+          <p:nvPr/>
+        </p:nvSpPr>
+        <p:spPr>
+          <a:xfrm>
+            <a:off x="877824" y="2186509"/>
+            <a:ext cx="2221992" cy="874746"/>
+          </a:xfrm>
+          <a:prstGeom prst="rect">
+            <a:avLst/>
+          </a:prstGeom>
+        </p:spPr>
+        <p:style>
+          <a:lnRef idx="2">
+            <a:schemeClr val="accent6"/>
+          </a:lnRef>
+          <a:fillRef idx="1">
+            <a:schemeClr val="lt1"/>
+          </a:fillRef>
+          <a:effectRef idx="0">
+            <a:schemeClr val="accent6"/>
+          </a:effectRef>
+          <a:fontRef idx="minor">
+            <a:schemeClr val="dk1"/>
+          </a:fontRef>
+        </p:style>
+        <p:txBody>
+          <a:bodyPr lIns="0" rIns="822960" rtlCol="0" anchor="t" anchorCtr="0"/>
+          <a:lstStyle/>
+          <a:p>
+            <a:pPr algn="ctr"/>
+            <a:r>
+              <a:rPr lang="en-US" sz="1600" dirty="0" err="1">
+                <a:latin typeface="+mj-lt"/>
+              </a:rPr>
+              <a:t>n</a:t>
+            </a:r>
+            <a:r>
+              <a:rPr lang="en-US" sz="1600" dirty="0" err="1" smtClean="0">
+                <a:latin typeface="+mj-lt"/>
+              </a:rPr>
+              <a:t>ame:String</a:t>
+            </a:r>
+            <a:endParaRPr lang="en-US" sz="1600" dirty="0">
+              <a:latin typeface="+mj-lt"/>
+            </a:endParaRPr>
+          </a:p>
+        </p:txBody>
+      </p:sp>
+      <p:sp>
+        <p:nvSpPr>
+          <p:cNvPr id="10" name="TextBox 9"/>
+          <p:cNvSpPr txBox="1"/>
+          <p:nvPr/>
+        </p:nvSpPr>
+        <p:spPr>
+          <a:xfrm>
+            <a:off x="2179053" y="5258473"/>
+            <a:ext cx="296876" cy="338554"/>
+          </a:xfrm>
+          <a:prstGeom prst="rect">
+            <a:avLst/>
+          </a:prstGeom>
+          <a:noFill/>
+        </p:spPr>
+        <p:txBody>
+          <a:bodyPr wrap="none" rtlCol="0">
+            <a:spAutoFit/>
+          </a:bodyPr>
+          <a:lstStyle/>
+          <a:p>
+            <a:r>
+              <a:rPr lang="en-US" sz="1600" dirty="0">
+                <a:latin typeface="+mj-lt"/>
+              </a:rPr>
+              <a:t>R</a:t>
+            </a:r>
+          </a:p>
+        </p:txBody>
+      </p:sp>
+      <p:sp>
+        <p:nvSpPr>
+          <p:cNvPr id="11" name="Rectangle 10"/>
+          <p:cNvSpPr/>
+          <p:nvPr/>
+        </p:nvSpPr>
+        <p:spPr>
+          <a:xfrm>
+            <a:off x="877824" y="4353549"/>
+            <a:ext cx="2221992" cy="1274256"/>
+          </a:xfrm>
+          <a:prstGeom prst="rect">
+            <a:avLst/>
+          </a:prstGeom>
+        </p:spPr>
+        <p:style>
+          <a:lnRef idx="1">
+            <a:schemeClr val="accent1"/>
+          </a:lnRef>
+          <a:fillRef idx="2">
+            <a:schemeClr val="accent1"/>
+          </a:fillRef>
+          <a:effectRef idx="1">
+            <a:schemeClr val="accent1"/>
+          </a:effectRef>
+          <a:fontRef idx="minor">
+            <a:schemeClr val="dk1"/>
+          </a:fontRef>
+        </p:style>
+        <p:txBody>
+          <a:bodyPr rtlCol="0" anchor="t" anchorCtr="0"/>
+          <a:lstStyle/>
+          <a:p>
+            <a:pPr algn="ctr"/>
+            <a:r>
+              <a:rPr lang="en-US" sz="1600" dirty="0" smtClean="0">
+                <a:latin typeface="+mj-lt"/>
+              </a:rPr>
+              <a:t>Spacecraft</a:t>
+            </a:r>
+            <a:endParaRPr lang="en-US" sz="1600" dirty="0">
+              <a:latin typeface="+mj-lt"/>
+            </a:endParaRPr>
+          </a:p>
+        </p:txBody>
+      </p:sp>
+      <p:sp>
+        <p:nvSpPr>
+          <p:cNvPr id="12" name="Rectangle 11"/>
+          <p:cNvSpPr/>
+          <p:nvPr/>
+        </p:nvSpPr>
+        <p:spPr>
+          <a:xfrm>
+            <a:off x="877824" y="4762233"/>
+            <a:ext cx="2221992" cy="874746"/>
+          </a:xfrm>
+          <a:prstGeom prst="rect">
+            <a:avLst/>
+          </a:prstGeom>
+        </p:spPr>
+        <p:style>
+          <a:lnRef idx="2">
+            <a:schemeClr val="accent6"/>
+          </a:lnRef>
+          <a:fillRef idx="1">
+            <a:schemeClr val="lt1"/>
+          </a:fillRef>
+          <a:effectRef idx="0">
+            <a:schemeClr val="accent6"/>
+          </a:effectRef>
+          <a:fontRef idx="minor">
+            <a:schemeClr val="dk1"/>
+          </a:fontRef>
+        </p:style>
+        <p:txBody>
+          <a:bodyPr lIns="0" rIns="731520" rtlCol="0" anchor="t" anchorCtr="0"/>
+          <a:lstStyle/>
+          <a:p>
+            <a:pPr algn="ctr"/>
+            <a:r>
+              <a:rPr lang="en-US" sz="1600" dirty="0">
+                <a:latin typeface="+mj-lt"/>
+              </a:rPr>
+              <a:t>w</a:t>
+            </a:r>
+            <a:r>
+              <a:rPr lang="en-US" sz="1600" dirty="0" smtClean="0">
+                <a:latin typeface="+mj-lt"/>
+              </a:rPr>
+              <a:t>eight : </a:t>
+            </a:r>
+            <a:r>
+              <a:rPr lang="en-US" sz="1600" dirty="0" err="1" smtClean="0">
+                <a:latin typeface="+mj-lt"/>
+              </a:rPr>
+              <a:t>Int</a:t>
+            </a:r>
+            <a:endParaRPr lang="en-US" sz="1600" dirty="0">
+              <a:latin typeface="+mj-lt"/>
+            </a:endParaRPr>
+          </a:p>
+        </p:txBody>
+      </p:sp>
+      <p:cxnSp>
+        <p:nvCxnSpPr>
+          <p:cNvPr id="13" name="Straight Connector 12"/>
+          <p:cNvCxnSpPr>
+            <a:stCxn id="9" idx="2"/>
+            <a:endCxn id="11" idx="0"/>
+          </p:cNvCxnSpPr>
+          <p:nvPr/>
+        </p:nvCxnSpPr>
+        <p:spPr>
+          <a:xfrm>
+            <a:off x="1988820" y="3061255"/>
+            <a:ext cx="0" cy="1292294"/>
+          </a:xfrm>
+          <a:prstGeom prst="line">
+            <a:avLst/>
+          </a:prstGeom>
+        </p:spPr>
+        <p:style>
+          <a:lnRef idx="3">
+            <a:schemeClr val="accent1"/>
+          </a:lnRef>
+          <a:fillRef idx="0">
+            <a:schemeClr val="accent1"/>
+          </a:fillRef>
+          <a:effectRef idx="2">
+            <a:schemeClr val="accent1"/>
+          </a:effectRef>
+          <a:fontRef idx="minor">
+            <a:schemeClr val="tx1"/>
+          </a:fontRef>
+        </p:style>
+      </p:cxnSp>
+      <p:sp>
+        <p:nvSpPr>
+          <p:cNvPr id="14" name="TextBox 13"/>
+          <p:cNvSpPr txBox="1"/>
+          <p:nvPr/>
+        </p:nvSpPr>
+        <p:spPr>
+          <a:xfrm>
+            <a:off x="1485708" y="3088899"/>
+            <a:ext cx="524503" cy="276999"/>
+          </a:xfrm>
+          <a:prstGeom prst="rect">
+            <a:avLst/>
+          </a:prstGeom>
+          <a:noFill/>
+        </p:spPr>
+        <p:txBody>
+          <a:bodyPr wrap="none" rtlCol="0">
+            <a:spAutoFit/>
+          </a:bodyPr>
+          <a:lstStyle/>
+          <a:p>
+            <a:r>
+              <a:rPr lang="en-US" sz="1200" dirty="0" smtClean="0">
+                <a:latin typeface="+mj-lt"/>
+              </a:rPr>
+              <a:t>0..1</a:t>
+            </a:r>
+            <a:endParaRPr lang="en-US" sz="1200" dirty="0">
+              <a:latin typeface="+mj-lt"/>
+            </a:endParaRPr>
+          </a:p>
+        </p:txBody>
+      </p:sp>
+      <p:sp>
+        <p:nvSpPr>
+          <p:cNvPr id="15" name="TextBox 14"/>
+          <p:cNvSpPr txBox="1"/>
+          <p:nvPr/>
+        </p:nvSpPr>
+        <p:spPr>
+          <a:xfrm>
+            <a:off x="1988820" y="4088385"/>
+            <a:ext cx="1544012" cy="276999"/>
+          </a:xfrm>
+          <a:prstGeom prst="rect">
+            <a:avLst/>
+          </a:prstGeom>
+          <a:noFill/>
+        </p:spPr>
+        <p:txBody>
+          <a:bodyPr wrap="none" rtlCol="0">
+            <a:spAutoFit/>
+          </a:bodyPr>
+          <a:lstStyle/>
+          <a:p>
+            <a:r>
+              <a:rPr lang="en-US" sz="1200" dirty="0" smtClean="0">
+                <a:latin typeface="+mj-lt"/>
+              </a:rPr>
+              <a:t>1..* instruments</a:t>
+            </a:r>
+            <a:endParaRPr lang="en-US" sz="1200" dirty="0">
+              <a:latin typeface="+mj-lt"/>
+            </a:endParaRPr>
+          </a:p>
+        </p:txBody>
+      </p:sp>
+      <mc:AlternateContent xmlns:mc="http://schemas.openxmlformats.org/markup-compatibility/2006">
+        <mc:Choice xmlns:a14="http://schemas.microsoft.com/office/drawing/2010/main" Requires="a14">
+          <p:sp>
+            <p:nvSpPr>
+              <p:cNvPr id="16" name="TextBox 15"/>
+              <p:cNvSpPr txBox="1"/>
+              <p:nvPr/>
+            </p:nvSpPr>
+            <p:spPr>
+              <a:xfrm>
+                <a:off x="4255706" y="3648842"/>
+                <a:ext cx="3850478" cy="369332"/>
+              </a:xfrm>
+              <a:prstGeom prst="rect">
+                <a:avLst/>
+              </a:prstGeom>
+              <a:noFill/>
+            </p:spPr>
+            <p:txBody>
+              <a:bodyPr wrap="none" lIns="0" tIns="0" rIns="0" bIns="0" rtlCol="0">
+                <a:spAutoFit/>
+              </a:bodyPr>
+              <a:lstStyle/>
+              <a:p>
+                <a14:m>
+                  <m:oMathPara xmlns:m="http://schemas.openxmlformats.org/officeDocument/2006/math">
+                    <m:oMathParaPr>
+                      <m:jc m:val="centerGroup"/>
+                    </m:oMathParaPr>
+                    <m:oMath xmlns:m="http://schemas.openxmlformats.org/officeDocument/2006/math">
+                      <m:r>
+                        <a:rPr lang="en-US" sz="2400" b="0" i="1" smtClean="0">
+                          <a:latin typeface="Cambria Math" panose="02040503050406030204" pitchFamily="18" charset="0"/>
+                        </a:rPr>
+                        <m:t>𝑤𝑒𝑖𝑔h𝑡</m:t>
+                      </m:r>
+                      <m:r>
+                        <a:rPr lang="en-US" sz="2400" b="0" i="1" smtClean="0">
+                          <a:latin typeface="Cambria Math" panose="02040503050406030204" pitchFamily="18" charset="0"/>
+                        </a:rPr>
+                        <m:t>⊆</m:t>
+                      </m:r>
+                      <m:r>
+                        <a:rPr lang="en-US" sz="2400" b="0" i="1" smtClean="0">
+                          <a:latin typeface="Cambria Math" panose="02040503050406030204" pitchFamily="18" charset="0"/>
+                        </a:rPr>
+                        <m:t>𝐼𝑛𝑠𝑡𝑟𝑢𝑚𝑒𝑛𝑡</m:t>
+                      </m:r>
+                      <m:r>
+                        <a:rPr lang="en-US" sz="2400" b="0" i="1" smtClean="0">
+                          <a:latin typeface="Cambria Math" panose="02040503050406030204" pitchFamily="18" charset="0"/>
+                        </a:rPr>
+                        <m:t>×</m:t>
+                      </m:r>
+                      <m:r>
+                        <a:rPr lang="en-US" sz="2400" b="0" i="1" smtClean="0">
+                          <a:latin typeface="Cambria Math" panose="02040503050406030204" pitchFamily="18" charset="0"/>
+                        </a:rPr>
+                        <m:t>𝐼𝑛𝑡</m:t>
+                      </m:r>
+                    </m:oMath>
+                  </m:oMathPara>
+                </a14:m>
+                <a:endParaRPr lang="en-US" sz="2400" b="0" dirty="0" smtClean="0"/>
+              </a:p>
+            </p:txBody>
+          </p:sp>
+        </mc:Choice>
+        <mc:Fallback>
+          <p:sp>
+            <p:nvSpPr>
+              <p:cNvPr id="16" name="TextBox 15"/>
+              <p:cNvSpPr txBox="1">
+                <a:spLocks noRot="1" noChangeAspect="1" noMove="1" noResize="1" noEditPoints="1" noAdjustHandles="1" noChangeArrowheads="1" noChangeShapeType="1" noTextEdit="1"/>
+              </p:cNvSpPr>
+              <p:nvPr/>
+            </p:nvSpPr>
+            <p:spPr>
+              <a:xfrm>
+                <a:off x="4255706" y="3648842"/>
+                <a:ext cx="3850478" cy="369332"/>
+              </a:xfrm>
+              <a:prstGeom prst="rect">
+                <a:avLst/>
+              </a:prstGeom>
+              <a:blipFill rotWithShape="0">
+                <a:blip r:embed="rId2"/>
+                <a:stretch>
+                  <a:fillRect l="-1741" r="-791" b="-38333"/>
+                </a:stretch>
+              </a:blipFill>
+            </p:spPr>
+            <p:txBody>
+              <a:bodyPr/>
+              <a:lstStyle/>
+              <a:p>
+                <a:r>
+                  <a:rPr lang="en-US">
+                    <a:noFill/>
+                  </a:rPr>
+                  <a:t> </a:t>
+                </a:r>
+              </a:p>
+            </p:txBody>
+          </p:sp>
+        </mc:Fallback>
+      </mc:AlternateContent>
+      <mc:AlternateContent xmlns:mc="http://schemas.openxmlformats.org/markup-compatibility/2006">
+        <mc:Choice xmlns:a14="http://schemas.microsoft.com/office/drawing/2010/main" Requires="a14">
+          <p:sp>
+            <p:nvSpPr>
+              <p:cNvPr id="17" name="TextBox 16"/>
+              <p:cNvSpPr txBox="1"/>
+              <p:nvPr/>
+            </p:nvSpPr>
+            <p:spPr>
+              <a:xfrm>
+                <a:off x="4255706" y="1858961"/>
+                <a:ext cx="6476580" cy="492443"/>
+              </a:xfrm>
+              <a:prstGeom prst="rect">
+                <a:avLst/>
+              </a:prstGeom>
+              <a:noFill/>
+            </p:spPr>
+            <p:txBody>
+              <a:bodyPr wrap="none" lIns="0" tIns="0" rIns="0" bIns="0" rtlCol="0">
+                <a:spAutoFit/>
+              </a:bodyPr>
+              <a:lstStyle/>
+              <a:p>
+                <a14:m>
+                  <m:oMathPara xmlns:m="http://schemas.openxmlformats.org/officeDocument/2006/math">
+                    <m:oMathParaPr>
+                      <m:jc m:val="centerGroup"/>
+                    </m:oMathParaPr>
+                    <m:oMath xmlns:m="http://schemas.openxmlformats.org/officeDocument/2006/math">
+                      <m:r>
+                        <a:rPr lang="en-US" sz="3200" b="0" i="1" smtClean="0">
+                          <a:solidFill>
+                            <a:schemeClr val="accent1"/>
+                          </a:solidFill>
+                          <a:latin typeface="Cambria Math" panose="02040503050406030204" pitchFamily="18" charset="0"/>
+                        </a:rPr>
+                        <m:t>𝑇𝑤𝑜</m:t>
+                      </m:r>
+                      <m:r>
+                        <a:rPr lang="en-US" sz="3200" b="0" i="1" smtClean="0">
+                          <a:solidFill>
+                            <a:schemeClr val="accent1"/>
+                          </a:solidFill>
+                          <a:latin typeface="Cambria Math" panose="02040503050406030204" pitchFamily="18" charset="0"/>
+                        </a:rPr>
+                        <m:t> </m:t>
+                      </m:r>
+                      <m:r>
+                        <a:rPr lang="en-US" sz="3200" b="0" i="1" smtClean="0">
+                          <a:solidFill>
+                            <a:schemeClr val="accent1"/>
+                          </a:solidFill>
+                          <a:latin typeface="Cambria Math" panose="02040503050406030204" pitchFamily="18" charset="0"/>
+                        </a:rPr>
+                        <m:t>𝑠𝑒𝑡𝑠</m:t>
+                      </m:r>
+                      <m:r>
+                        <a:rPr lang="en-US" sz="3200" b="0" i="1" smtClean="0">
+                          <a:solidFill>
+                            <a:schemeClr val="accent1"/>
+                          </a:solidFill>
+                          <a:latin typeface="Cambria Math" panose="02040503050406030204" pitchFamily="18" charset="0"/>
+                        </a:rPr>
+                        <m:t> :</m:t>
+                      </m:r>
+                      <m:r>
+                        <a:rPr lang="en-US" sz="3200" b="0" i="1" smtClean="0">
+                          <a:solidFill>
+                            <a:schemeClr val="accent1"/>
+                          </a:solidFill>
+                          <a:latin typeface="Cambria Math" panose="02040503050406030204" pitchFamily="18" charset="0"/>
+                        </a:rPr>
+                        <m:t>𝑆𝑝𝑎𝑐𝑒𝑐𝑟𝑎𝑓𝑡</m:t>
+                      </m:r>
+                      <m:r>
+                        <a:rPr lang="en-US" sz="3200" b="0" i="1" smtClean="0">
+                          <a:solidFill>
+                            <a:schemeClr val="accent1"/>
+                          </a:solidFill>
+                          <a:latin typeface="Cambria Math" panose="02040503050406030204" pitchFamily="18" charset="0"/>
+                        </a:rPr>
+                        <m:t>, </m:t>
+                      </m:r>
+                      <m:r>
+                        <a:rPr lang="en-US" sz="3200" b="0" i="1" smtClean="0">
+                          <a:solidFill>
+                            <a:schemeClr val="accent1"/>
+                          </a:solidFill>
+                          <a:latin typeface="Cambria Math" panose="02040503050406030204" pitchFamily="18" charset="0"/>
+                        </a:rPr>
+                        <m:t>𝐼𝑛𝑠𝑡𝑟𝑢𝑚𝑒𝑛𝑡</m:t>
+                      </m:r>
+                    </m:oMath>
+                  </m:oMathPara>
+                </a14:m>
+                <a:endParaRPr lang="en-US" sz="3200" b="0" dirty="0" smtClean="0">
+                  <a:solidFill>
+                    <a:schemeClr val="accent1"/>
+                  </a:solidFill>
+                </a:endParaRPr>
+              </a:p>
+            </p:txBody>
+          </p:sp>
+        </mc:Choice>
+        <mc:Fallback>
+          <p:sp>
+            <p:nvSpPr>
+              <p:cNvPr id="17" name="TextBox 16"/>
+              <p:cNvSpPr txBox="1">
+                <a:spLocks noRot="1" noChangeAspect="1" noMove="1" noResize="1" noEditPoints="1" noAdjustHandles="1" noChangeArrowheads="1" noChangeShapeType="1" noTextEdit="1"/>
+              </p:cNvSpPr>
+              <p:nvPr/>
+            </p:nvSpPr>
+            <p:spPr>
+              <a:xfrm>
+                <a:off x="4255706" y="1858961"/>
+                <a:ext cx="6476580" cy="492443"/>
+              </a:xfrm>
+              <a:prstGeom prst="rect">
+                <a:avLst/>
+              </a:prstGeom>
+              <a:blipFill rotWithShape="0">
+                <a:blip r:embed="rId3"/>
+                <a:stretch>
+                  <a:fillRect/>
+                </a:stretch>
+              </a:blipFill>
+            </p:spPr>
+            <p:txBody>
+              <a:bodyPr/>
+              <a:lstStyle/>
+              <a:p>
+                <a:r>
+                  <a:rPr lang="en-US">
+                    <a:noFill/>
+                  </a:rPr>
+                  <a:t> </a:t>
+                </a:r>
+              </a:p>
+            </p:txBody>
+          </p:sp>
+        </mc:Fallback>
+      </mc:AlternateContent>
+      <mc:AlternateContent xmlns:mc="http://schemas.openxmlformats.org/markup-compatibility/2006">
+        <mc:Choice xmlns:a14="http://schemas.microsoft.com/office/drawing/2010/main" Requires="a14">
+          <p:sp>
+            <p:nvSpPr>
+              <p:cNvPr id="18" name="TextBox 17"/>
+              <p:cNvSpPr txBox="1"/>
+              <p:nvPr/>
+            </p:nvSpPr>
+            <p:spPr>
+              <a:xfrm>
+                <a:off x="4255706" y="3093252"/>
+                <a:ext cx="4086311" cy="369332"/>
+              </a:xfrm>
+              <a:prstGeom prst="rect">
+                <a:avLst/>
+              </a:prstGeom>
+              <a:noFill/>
+            </p:spPr>
+            <p:txBody>
+              <a:bodyPr wrap="none" lIns="0" tIns="0" rIns="0" bIns="0" rtlCol="0">
+                <a:spAutoFit/>
+              </a:bodyPr>
+              <a:lstStyle/>
+              <a:p>
+                <a14:m>
+                  <m:oMathPara xmlns:m="http://schemas.openxmlformats.org/officeDocument/2006/math">
+                    <m:oMathParaPr>
+                      <m:jc m:val="centerGroup"/>
+                    </m:oMathParaPr>
+                    <m:oMath xmlns:m="http://schemas.openxmlformats.org/officeDocument/2006/math">
+                      <m:r>
+                        <a:rPr lang="en-US" sz="2400" b="0" i="1" smtClean="0">
+                          <a:solidFill>
+                            <a:schemeClr val="accent1"/>
+                          </a:solidFill>
+                          <a:latin typeface="Cambria Math" panose="02040503050406030204" pitchFamily="18" charset="0"/>
+                        </a:rPr>
+                        <m:t>𝑛𝑎𝑚𝑒</m:t>
+                      </m:r>
+                      <m:r>
+                        <a:rPr lang="en-US" sz="2400" b="0" i="1" smtClean="0">
+                          <a:solidFill>
+                            <a:schemeClr val="accent1"/>
+                          </a:solidFill>
+                          <a:latin typeface="Cambria Math" panose="02040503050406030204" pitchFamily="18" charset="0"/>
+                        </a:rPr>
+                        <m:t>⊆</m:t>
+                      </m:r>
+                      <m:r>
+                        <a:rPr lang="en-US" sz="2400" b="0" i="1" smtClean="0">
+                          <a:solidFill>
+                            <a:schemeClr val="accent1"/>
+                          </a:solidFill>
+                          <a:latin typeface="Cambria Math" panose="02040503050406030204" pitchFamily="18" charset="0"/>
+                        </a:rPr>
+                        <m:t>𝑆𝑝𝑎𝑐𝑒𝑐𝑟𝑎𝑓𝑡</m:t>
+                      </m:r>
+                      <m:r>
+                        <a:rPr lang="en-US" sz="2400" b="0" i="1" smtClean="0">
+                          <a:solidFill>
+                            <a:schemeClr val="accent1"/>
+                          </a:solidFill>
+                          <a:latin typeface="Cambria Math" panose="02040503050406030204" pitchFamily="18" charset="0"/>
+                        </a:rPr>
+                        <m:t>×</m:t>
+                      </m:r>
+                      <m:r>
+                        <a:rPr lang="en-US" sz="2400" b="0" i="1" smtClean="0">
+                          <a:solidFill>
+                            <a:schemeClr val="accent1"/>
+                          </a:solidFill>
+                          <a:latin typeface="Cambria Math" panose="02040503050406030204" pitchFamily="18" charset="0"/>
+                        </a:rPr>
+                        <m:t>𝑆𝑡𝑟𝑖𝑛𝑔</m:t>
+                      </m:r>
+                    </m:oMath>
+                  </m:oMathPara>
+                </a14:m>
+                <a:endParaRPr lang="en-US" sz="2400" b="0" dirty="0" smtClean="0">
+                  <a:solidFill>
+                    <a:schemeClr val="accent1"/>
+                  </a:solidFill>
+                </a:endParaRPr>
+              </a:p>
+            </p:txBody>
+          </p:sp>
+        </mc:Choice>
+        <mc:Fallback>
+          <p:sp>
+            <p:nvSpPr>
+              <p:cNvPr id="18" name="TextBox 17"/>
+              <p:cNvSpPr txBox="1">
+                <a:spLocks noRot="1" noChangeAspect="1" noMove="1" noResize="1" noEditPoints="1" noAdjustHandles="1" noChangeArrowheads="1" noChangeShapeType="1" noTextEdit="1"/>
+              </p:cNvSpPr>
+              <p:nvPr/>
+            </p:nvSpPr>
+            <p:spPr>
+              <a:xfrm>
+                <a:off x="4255706" y="3093252"/>
+                <a:ext cx="4086311" cy="369332"/>
+              </a:xfrm>
+              <a:prstGeom prst="rect">
+                <a:avLst/>
+              </a:prstGeom>
+              <a:blipFill rotWithShape="0">
+                <a:blip r:embed="rId4"/>
+                <a:stretch>
+                  <a:fillRect r="-1642" b="-37705"/>
+                </a:stretch>
+              </a:blipFill>
+            </p:spPr>
+            <p:txBody>
+              <a:bodyPr/>
+              <a:lstStyle/>
+              <a:p>
+                <a:r>
+                  <a:rPr lang="en-US">
+                    <a:noFill/>
+                  </a:rPr>
+                  <a:t> </a:t>
+                </a:r>
+              </a:p>
+            </p:txBody>
+          </p:sp>
+        </mc:Fallback>
+      </mc:AlternateContent>
+      <mc:AlternateContent xmlns:mc="http://schemas.openxmlformats.org/markup-compatibility/2006">
+        <mc:Choice xmlns:a14="http://schemas.microsoft.com/office/drawing/2010/main" Requires="a14">
+          <p:sp>
+            <p:nvSpPr>
+              <p:cNvPr id="19" name="TextBox 18"/>
+              <p:cNvSpPr txBox="1"/>
+              <p:nvPr/>
+            </p:nvSpPr>
+            <p:spPr>
+              <a:xfrm>
+                <a:off x="4255706" y="4204432"/>
+                <a:ext cx="6956648" cy="369332"/>
+              </a:xfrm>
+              <a:prstGeom prst="rect">
+                <a:avLst/>
+              </a:prstGeom>
+              <a:noFill/>
+            </p:spPr>
+            <p:txBody>
+              <a:bodyPr wrap="none" lIns="0" tIns="0" rIns="0" bIns="0" rtlCol="0">
+                <a:spAutoFit/>
+              </a:bodyPr>
+              <a:lstStyle/>
+              <a:p>
+                <a14:m>
+                  <m:oMathPara xmlns:m="http://schemas.openxmlformats.org/officeDocument/2006/math">
+                    <m:oMathParaPr>
+                      <m:jc m:val="centerGroup"/>
+                    </m:oMathParaPr>
+                    <m:oMath xmlns:m="http://schemas.openxmlformats.org/officeDocument/2006/math">
+                      <m:r>
+                        <a:rPr lang="en-US" sz="2400" i="1" smtClean="0">
+                          <a:solidFill>
+                            <a:schemeClr val="accent1"/>
+                          </a:solidFill>
+                          <a:latin typeface="Cambria Math" panose="02040503050406030204" pitchFamily="18" charset="0"/>
+                        </a:rPr>
+                        <m:t>∀</m:t>
+                      </m:r>
+                      <m:r>
+                        <a:rPr lang="en-US" sz="2400" i="1" smtClean="0">
+                          <a:solidFill>
+                            <a:schemeClr val="accent1"/>
+                          </a:solidFill>
+                          <a:latin typeface="Cambria Math" panose="02040503050406030204" pitchFamily="18" charset="0"/>
+                        </a:rPr>
+                        <m:t>𝑖</m:t>
+                      </m:r>
+                      <m:r>
+                        <a:rPr lang="en-US" sz="2400" i="1" smtClean="0">
+                          <a:solidFill>
+                            <a:schemeClr val="accent1"/>
+                          </a:solidFill>
+                          <a:latin typeface="Cambria Math" panose="02040503050406030204" pitchFamily="18" charset="0"/>
+                        </a:rPr>
+                        <m:t>:</m:t>
+                      </m:r>
+                      <m:r>
+                        <a:rPr lang="en-US" sz="2400" i="1" smtClean="0">
+                          <a:solidFill>
+                            <a:schemeClr val="accent1"/>
+                          </a:solidFill>
+                          <a:latin typeface="Cambria Math" panose="02040503050406030204" pitchFamily="18" charset="0"/>
+                        </a:rPr>
+                        <m:t>𝐼𝑛𝑠𝑡𝑟𝑢𝑚𝑒𝑛𝑡</m:t>
+                      </m:r>
+                      <m:r>
+                        <a:rPr lang="en-US" sz="2400">
+                          <a:solidFill>
+                            <a:schemeClr val="accent1"/>
+                          </a:solidFill>
+                          <a:latin typeface="Cambria Math" panose="02040503050406030204" pitchFamily="18" charset="0"/>
+                        </a:rPr>
+                        <m:t> </m:t>
+                      </m:r>
+                      <m:r>
+                        <a:rPr lang="en-US" sz="2400" i="1">
+                          <a:solidFill>
+                            <a:schemeClr val="accent1"/>
+                          </a:solidFill>
+                          <a:latin typeface="Cambria Math" panose="02040503050406030204" pitchFamily="18" charset="0"/>
+                          <a:ea typeface="Cambria Math" panose="02040503050406030204" pitchFamily="18" charset="0"/>
+                        </a:rPr>
+                        <m:t>⋅</m:t>
+                      </m:r>
+                      <m:r>
+                        <m:rPr>
+                          <m:sty m:val="p"/>
+                        </m:rPr>
+                        <a:rPr lang="en-US" sz="2400">
+                          <a:solidFill>
+                            <a:schemeClr val="accent1"/>
+                          </a:solidFill>
+                          <a:latin typeface="Cambria Math" panose="02040503050406030204" pitchFamily="18" charset="0"/>
+                          <a:ea typeface="Cambria Math" panose="02040503050406030204" pitchFamily="18" charset="0"/>
+                        </a:rPr>
+                        <m:t>card</m:t>
+                      </m:r>
+                      <m:d>
+                        <m:dPr>
+                          <m:begChr m:val="{"/>
+                          <m:endChr m:val="|"/>
+                          <m:ctrlPr>
+                            <a:rPr lang="en-US" sz="2400" i="1">
+                              <a:solidFill>
+                                <a:schemeClr val="accent1"/>
+                              </a:solidFill>
+                              <a:latin typeface="Cambria Math" panose="02040503050406030204" pitchFamily="18" charset="0"/>
+                              <a:ea typeface="Cambria Math" panose="02040503050406030204" pitchFamily="18" charset="0"/>
+                            </a:rPr>
+                          </m:ctrlPr>
+                        </m:dPr>
+                        <m:e>
+                          <m:r>
+                            <a:rPr lang="en-US" sz="2400" b="0" i="1" smtClean="0">
+                              <a:solidFill>
+                                <a:schemeClr val="accent1"/>
+                              </a:solidFill>
+                              <a:latin typeface="Cambria Math" panose="02040503050406030204" pitchFamily="18" charset="0"/>
+                              <a:ea typeface="Cambria Math" panose="02040503050406030204" pitchFamily="18" charset="0"/>
+                            </a:rPr>
+                            <m:t>𝑠</m:t>
+                          </m:r>
+                          <m:r>
+                            <a:rPr lang="en-US" sz="2400" b="0" i="1" smtClean="0">
+                              <a:solidFill>
+                                <a:schemeClr val="accent1"/>
+                              </a:solidFill>
+                              <a:latin typeface="Cambria Math" panose="02040503050406030204" pitchFamily="18" charset="0"/>
+                              <a:ea typeface="Cambria Math" panose="02040503050406030204" pitchFamily="18" charset="0"/>
+                            </a:rPr>
+                            <m:t>:</m:t>
+                          </m:r>
+                          <m:r>
+                            <a:rPr lang="en-US" sz="2400" b="0" i="1" smtClean="0">
+                              <a:solidFill>
+                                <a:schemeClr val="accent1"/>
+                              </a:solidFill>
+                              <a:latin typeface="Cambria Math" panose="02040503050406030204" pitchFamily="18" charset="0"/>
+                              <a:ea typeface="Cambria Math" panose="02040503050406030204" pitchFamily="18" charset="0"/>
+                            </a:rPr>
+                            <m:t>𝑆𝑝𝑎𝑐𝑒𝑐𝑟𝑎𝑓𝑡</m:t>
+                          </m:r>
+                        </m:e>
+                      </m:d>
+                      <m:r>
+                        <a:rPr lang="en-US" sz="2400" b="0" i="1" smtClean="0">
+                          <a:solidFill>
+                            <a:schemeClr val="accent1"/>
+                          </a:solidFill>
+                          <a:latin typeface="Cambria Math" panose="02040503050406030204" pitchFamily="18" charset="0"/>
+                          <a:ea typeface="Cambria Math" panose="02040503050406030204" pitchFamily="18" charset="0"/>
+                        </a:rPr>
+                        <m:t>(</m:t>
+                      </m:r>
+                      <m:r>
+                        <a:rPr lang="en-US" sz="2400" b="0" i="1" smtClean="0">
+                          <a:solidFill>
+                            <a:schemeClr val="accent1"/>
+                          </a:solidFill>
+                          <a:latin typeface="Cambria Math" panose="02040503050406030204" pitchFamily="18" charset="0"/>
+                          <a:ea typeface="Cambria Math" panose="02040503050406030204" pitchFamily="18" charset="0"/>
+                        </a:rPr>
+                        <m:t>𝑠</m:t>
+                      </m:r>
+                      <m:r>
+                        <a:rPr lang="en-US" sz="2400" b="0" i="1" smtClean="0">
+                          <a:solidFill>
+                            <a:schemeClr val="accent1"/>
+                          </a:solidFill>
+                          <a:latin typeface="Cambria Math" panose="02040503050406030204" pitchFamily="18" charset="0"/>
+                          <a:ea typeface="Cambria Math" panose="02040503050406030204" pitchFamily="18" charset="0"/>
+                        </a:rPr>
+                        <m:t>,</m:t>
+                      </m:r>
+                      <m:r>
+                        <a:rPr lang="en-US" sz="2400" b="0" i="1" smtClean="0">
+                          <a:solidFill>
+                            <a:schemeClr val="accent1"/>
+                          </a:solidFill>
+                          <a:latin typeface="Cambria Math" panose="02040503050406030204" pitchFamily="18" charset="0"/>
+                          <a:ea typeface="Cambria Math" panose="02040503050406030204" pitchFamily="18" charset="0"/>
+                        </a:rPr>
+                        <m:t>𝑖</m:t>
+                      </m:r>
+                      <m:r>
+                        <a:rPr lang="en-US" sz="2400" b="0" i="1" smtClean="0">
+                          <a:solidFill>
+                            <a:schemeClr val="accent1"/>
+                          </a:solidFill>
+                          <a:latin typeface="Cambria Math" panose="02040503050406030204" pitchFamily="18" charset="0"/>
+                          <a:ea typeface="Cambria Math" panose="02040503050406030204" pitchFamily="18" charset="0"/>
+                        </a:rPr>
+                        <m:t>)∈</m:t>
+                      </m:r>
+                      <m:r>
+                        <a:rPr lang="en-US" sz="2400" i="1">
+                          <a:solidFill>
+                            <a:schemeClr val="accent1"/>
+                          </a:solidFill>
+                          <a:latin typeface="Cambria Math" panose="02040503050406030204" pitchFamily="18" charset="0"/>
+                          <a:ea typeface="Cambria Math" panose="02040503050406030204" pitchFamily="18" charset="0"/>
+                        </a:rPr>
+                        <m:t>𝑅</m:t>
+                      </m:r>
+                      <m:r>
+                        <a:rPr lang="en-US" sz="2400" i="1">
+                          <a:solidFill>
+                            <a:schemeClr val="accent1"/>
+                          </a:solidFill>
+                          <a:latin typeface="Cambria Math" panose="02040503050406030204" pitchFamily="18" charset="0"/>
+                          <a:ea typeface="Cambria Math" panose="02040503050406030204" pitchFamily="18" charset="0"/>
+                        </a:rPr>
+                        <m:t>}≤1</m:t>
+                      </m:r>
+                    </m:oMath>
+                  </m:oMathPara>
+                </a14:m>
+                <a:endParaRPr lang="en-US" sz="2400" dirty="0">
+                  <a:solidFill>
+                    <a:schemeClr val="accent1"/>
+                  </a:solidFill>
+                </a:endParaRPr>
+              </a:p>
+            </p:txBody>
+          </p:sp>
+        </mc:Choice>
+        <mc:Fallback>
+          <p:sp>
+            <p:nvSpPr>
+              <p:cNvPr id="19" name="TextBox 18"/>
+              <p:cNvSpPr txBox="1">
+                <a:spLocks noRot="1" noChangeAspect="1" noMove="1" noResize="1" noEditPoints="1" noAdjustHandles="1" noChangeArrowheads="1" noChangeShapeType="1" noTextEdit="1"/>
+              </p:cNvSpPr>
+              <p:nvPr/>
+            </p:nvSpPr>
+            <p:spPr>
+              <a:xfrm>
+                <a:off x="4255706" y="4204432"/>
+                <a:ext cx="6956648" cy="369332"/>
+              </a:xfrm>
+              <a:prstGeom prst="rect">
+                <a:avLst/>
+              </a:prstGeom>
+              <a:blipFill rotWithShape="0">
+                <a:blip r:embed="rId5"/>
+                <a:stretch>
+                  <a:fillRect l="-88" r="-351" b="-38333"/>
+                </a:stretch>
+              </a:blipFill>
+            </p:spPr>
+            <p:txBody>
+              <a:bodyPr/>
+              <a:lstStyle/>
+              <a:p>
+                <a:r>
+                  <a:rPr lang="en-US">
+                    <a:noFill/>
+                  </a:rPr>
+                  <a:t> </a:t>
+                </a:r>
+              </a:p>
+            </p:txBody>
+          </p:sp>
+        </mc:Fallback>
+      </mc:AlternateContent>
+      <mc:AlternateContent xmlns:mc="http://schemas.openxmlformats.org/markup-compatibility/2006">
+        <mc:Choice xmlns:a14="http://schemas.microsoft.com/office/drawing/2010/main" Requires="a14">
+          <p:sp>
+            <p:nvSpPr>
+              <p:cNvPr id="20" name="TextBox 19"/>
+              <p:cNvSpPr txBox="1"/>
+              <p:nvPr/>
+            </p:nvSpPr>
+            <p:spPr>
+              <a:xfrm>
+                <a:off x="4255706" y="2537662"/>
+                <a:ext cx="4223912" cy="369332"/>
+              </a:xfrm>
+              <a:prstGeom prst="rect">
+                <a:avLst/>
+              </a:prstGeom>
+              <a:noFill/>
+            </p:spPr>
+            <p:txBody>
+              <a:bodyPr wrap="none" lIns="0" tIns="0" rIns="0" bIns="0" rtlCol="0">
+                <a:spAutoFit/>
+              </a:bodyPr>
+              <a:lstStyle/>
+              <a:p>
+                <a14:m>
+                  <m:oMathPara xmlns:m="http://schemas.openxmlformats.org/officeDocument/2006/math">
+                    <m:oMathParaPr>
+                      <m:jc m:val="centerGroup"/>
+                    </m:oMathParaPr>
+                    <m:oMath xmlns:m="http://schemas.openxmlformats.org/officeDocument/2006/math">
+                      <m:r>
+                        <a:rPr lang="en-US" sz="2400" b="0" i="1" smtClean="0">
+                          <a:latin typeface="Cambria Math" panose="02040503050406030204" pitchFamily="18" charset="0"/>
+                        </a:rPr>
+                        <m:t>𝑅</m:t>
+                      </m:r>
+                      <m:r>
+                        <a:rPr lang="en-US" sz="2400" b="0" i="1" smtClean="0">
+                          <a:latin typeface="Cambria Math" panose="02040503050406030204" pitchFamily="18" charset="0"/>
+                        </a:rPr>
+                        <m:t>⊆</m:t>
+                      </m:r>
+                      <m:r>
+                        <a:rPr lang="en-US" sz="2400" b="0" i="1" smtClean="0">
+                          <a:latin typeface="Cambria Math" panose="02040503050406030204" pitchFamily="18" charset="0"/>
+                        </a:rPr>
+                        <m:t>𝑆𝑝𝑎𝑐𝑒𝑐𝑟𝑎𝑓𝑡</m:t>
+                      </m:r>
+                      <m:r>
+                        <a:rPr lang="en-US" sz="2400" b="0" i="1" smtClean="0">
+                          <a:latin typeface="Cambria Math" panose="02040503050406030204" pitchFamily="18" charset="0"/>
+                        </a:rPr>
+                        <m:t>×</m:t>
+                      </m:r>
+                      <m:r>
+                        <a:rPr lang="en-US" sz="2400" b="0" i="1" smtClean="0">
+                          <a:latin typeface="Cambria Math" panose="02040503050406030204" pitchFamily="18" charset="0"/>
+                        </a:rPr>
+                        <m:t>𝐼𝑛𝑠𝑡𝑟𝑢𝑚𝑒𝑛𝑡</m:t>
+                      </m:r>
+                    </m:oMath>
+                  </m:oMathPara>
+                </a14:m>
+                <a:endParaRPr lang="en-US" sz="2400" b="0" dirty="0" smtClean="0"/>
+              </a:p>
+            </p:txBody>
+          </p:sp>
+        </mc:Choice>
+        <mc:Fallback>
+          <p:sp>
+            <p:nvSpPr>
+              <p:cNvPr id="20" name="TextBox 19"/>
+              <p:cNvSpPr txBox="1">
+                <a:spLocks noRot="1" noChangeAspect="1" noMove="1" noResize="1" noEditPoints="1" noAdjustHandles="1" noChangeArrowheads="1" noChangeShapeType="1" noTextEdit="1"/>
+              </p:cNvSpPr>
+              <p:nvPr/>
+            </p:nvSpPr>
+            <p:spPr>
+              <a:xfrm>
+                <a:off x="4255706" y="2537662"/>
+                <a:ext cx="4223912" cy="369332"/>
+              </a:xfrm>
+              <a:prstGeom prst="rect">
+                <a:avLst/>
+              </a:prstGeom>
+              <a:blipFill rotWithShape="0">
+                <a:blip r:embed="rId6"/>
+                <a:stretch>
+                  <a:fillRect l="-722" r="-722" b="-37705"/>
+                </a:stretch>
+              </a:blipFill>
+            </p:spPr>
+            <p:txBody>
+              <a:bodyPr/>
+              <a:lstStyle/>
+              <a:p>
+                <a:r>
+                  <a:rPr lang="en-US">
+                    <a:noFill/>
+                  </a:rPr>
+                  <a:t> </a:t>
+                </a:r>
+              </a:p>
+            </p:txBody>
+          </p:sp>
+        </mc:Fallback>
+      </mc:AlternateContent>
+      <mc:AlternateContent xmlns:mc="http://schemas.openxmlformats.org/markup-compatibility/2006">
+        <mc:Choice xmlns:a14="http://schemas.microsoft.com/office/drawing/2010/main" Requires="a14">
+          <p:sp>
+            <p:nvSpPr>
+              <p:cNvPr id="21" name="TextBox 20"/>
+              <p:cNvSpPr txBox="1"/>
+              <p:nvPr/>
+            </p:nvSpPr>
+            <p:spPr>
+              <a:xfrm>
+                <a:off x="4255706" y="4760022"/>
+                <a:ext cx="6670737" cy="369332"/>
+              </a:xfrm>
+              <a:prstGeom prst="rect">
+                <a:avLst/>
+              </a:prstGeom>
+              <a:noFill/>
+            </p:spPr>
+            <p:txBody>
+              <a:bodyPr wrap="none" lIns="0" tIns="0" rIns="0" bIns="0" rtlCol="0">
+                <a:spAutoFit/>
+              </a:bodyPr>
+              <a:lstStyle/>
+              <a:p>
+                <a14:m>
+                  <m:oMathPara xmlns:m="http://schemas.openxmlformats.org/officeDocument/2006/math">
+                    <m:oMathParaPr>
+                      <m:jc m:val="centerGroup"/>
+                    </m:oMathParaPr>
+                    <m:oMath xmlns:m="http://schemas.openxmlformats.org/officeDocument/2006/math">
+                      <m:r>
+                        <a:rPr lang="en-US" sz="2400" i="1" smtClean="0">
+                          <a:latin typeface="Cambria Math" panose="02040503050406030204" pitchFamily="18" charset="0"/>
+                        </a:rPr>
+                        <m:t>∀</m:t>
+                      </m:r>
+                      <m:r>
+                        <a:rPr lang="en-US" sz="2400" i="1" smtClean="0">
+                          <a:latin typeface="Cambria Math" panose="02040503050406030204" pitchFamily="18" charset="0"/>
+                        </a:rPr>
+                        <m:t>𝑖</m:t>
+                      </m:r>
+                      <m:r>
+                        <a:rPr lang="en-US" sz="2400" i="1" smtClean="0">
+                          <a:latin typeface="Cambria Math" panose="02040503050406030204" pitchFamily="18" charset="0"/>
+                        </a:rPr>
+                        <m:t>:</m:t>
+                      </m:r>
+                      <m:r>
+                        <a:rPr lang="en-US" sz="2400" i="1" smtClean="0">
+                          <a:latin typeface="Cambria Math" panose="02040503050406030204" pitchFamily="18" charset="0"/>
+                        </a:rPr>
+                        <m:t>𝐼𝑛𝑠𝑡𝑟𝑢𝑚𝑒𝑛𝑡</m:t>
+                      </m:r>
+                      <m:r>
+                        <a:rPr lang="en-US" sz="2400">
+                          <a:latin typeface="Cambria Math" panose="02040503050406030204" pitchFamily="18" charset="0"/>
+                        </a:rPr>
+                        <m:t> </m:t>
+                      </m:r>
+                      <m:r>
+                        <a:rPr lang="en-US" sz="2400" i="1">
+                          <a:latin typeface="Cambria Math" panose="02040503050406030204" pitchFamily="18" charset="0"/>
+                          <a:ea typeface="Cambria Math" panose="02040503050406030204" pitchFamily="18" charset="0"/>
+                        </a:rPr>
+                        <m:t>⋅</m:t>
+                      </m:r>
+                      <m:r>
+                        <m:rPr>
+                          <m:sty m:val="p"/>
+                        </m:rPr>
+                        <a:rPr lang="en-US" sz="2400">
+                          <a:latin typeface="Cambria Math" panose="02040503050406030204" pitchFamily="18" charset="0"/>
+                          <a:ea typeface="Cambria Math" panose="02040503050406030204" pitchFamily="18" charset="0"/>
+                        </a:rPr>
+                        <m:t>card</m:t>
+                      </m:r>
+                      <m:d>
+                        <m:dPr>
+                          <m:begChr m:val="{"/>
+                          <m:endChr m:val="|"/>
+                          <m:ctrlPr>
+                            <a:rPr lang="en-US" sz="2400" i="1">
+                              <a:latin typeface="Cambria Math" panose="02040503050406030204" pitchFamily="18" charset="0"/>
+                              <a:ea typeface="Cambria Math" panose="02040503050406030204" pitchFamily="18" charset="0"/>
+                            </a:rPr>
+                          </m:ctrlPr>
+                        </m:dPr>
+                        <m:e>
+                          <m:r>
+                            <a:rPr lang="en-US" sz="2400" b="0" i="1" smtClean="0">
+                              <a:latin typeface="Cambria Math" panose="02040503050406030204" pitchFamily="18" charset="0"/>
+                              <a:ea typeface="Cambria Math" panose="02040503050406030204" pitchFamily="18" charset="0"/>
+                            </a:rPr>
+                            <m:t>𝑥</m:t>
+                          </m:r>
+                          <m:r>
+                            <a:rPr lang="en-US" sz="2400" b="0" i="1" smtClean="0">
+                              <a:latin typeface="Cambria Math" panose="02040503050406030204" pitchFamily="18" charset="0"/>
+                              <a:ea typeface="Cambria Math" panose="02040503050406030204" pitchFamily="18" charset="0"/>
+                            </a:rPr>
+                            <m:t>:</m:t>
+                          </m:r>
+                          <m:r>
+                            <a:rPr lang="en-US" sz="2400" b="0" i="1" smtClean="0">
+                              <a:latin typeface="Cambria Math" panose="02040503050406030204" pitchFamily="18" charset="0"/>
+                              <a:ea typeface="Cambria Math" panose="02040503050406030204" pitchFamily="18" charset="0"/>
+                            </a:rPr>
+                            <m:t>𝐼𝑛𝑡</m:t>
+                          </m:r>
+                        </m:e>
+                      </m:d>
+                      <m:r>
+                        <a:rPr lang="en-US" sz="2400" b="0" i="1" smtClean="0">
+                          <a:latin typeface="Cambria Math" panose="02040503050406030204" pitchFamily="18" charset="0"/>
+                          <a:ea typeface="Cambria Math" panose="02040503050406030204" pitchFamily="18" charset="0"/>
+                        </a:rPr>
+                        <m:t>(</m:t>
+                      </m:r>
+                      <m:r>
+                        <a:rPr lang="en-US" sz="2400" b="0" i="1" smtClean="0">
+                          <a:latin typeface="Cambria Math" panose="02040503050406030204" pitchFamily="18" charset="0"/>
+                          <a:ea typeface="Cambria Math" panose="02040503050406030204" pitchFamily="18" charset="0"/>
+                        </a:rPr>
+                        <m:t>𝑠</m:t>
+                      </m:r>
+                      <m:r>
+                        <a:rPr lang="en-US" sz="2400" b="0" i="1" smtClean="0">
+                          <a:latin typeface="Cambria Math" panose="02040503050406030204" pitchFamily="18" charset="0"/>
+                          <a:ea typeface="Cambria Math" panose="02040503050406030204" pitchFamily="18" charset="0"/>
+                        </a:rPr>
+                        <m:t>,</m:t>
+                      </m:r>
+                      <m:r>
+                        <a:rPr lang="en-US" sz="2400" b="0" i="1" smtClean="0">
+                          <a:latin typeface="Cambria Math" panose="02040503050406030204" pitchFamily="18" charset="0"/>
+                          <a:ea typeface="Cambria Math" panose="02040503050406030204" pitchFamily="18" charset="0"/>
+                        </a:rPr>
+                        <m:t>𝑥</m:t>
+                      </m:r>
+                      <m:r>
+                        <a:rPr lang="en-US" sz="2400" b="0" i="1" smtClean="0">
+                          <a:latin typeface="Cambria Math" panose="02040503050406030204" pitchFamily="18" charset="0"/>
+                          <a:ea typeface="Cambria Math" panose="02040503050406030204" pitchFamily="18" charset="0"/>
+                        </a:rPr>
+                        <m:t>)∈</m:t>
+                      </m:r>
+                      <m:r>
+                        <a:rPr lang="en-US" sz="2400" b="0" i="1" smtClean="0">
+                          <a:latin typeface="Cambria Math" panose="02040503050406030204" pitchFamily="18" charset="0"/>
+                          <a:ea typeface="Cambria Math" panose="02040503050406030204" pitchFamily="18" charset="0"/>
+                        </a:rPr>
+                        <m:t>𝑤𝑒𝑖𝑔h𝑡</m:t>
+                      </m:r>
+                      <m:r>
+                        <a:rPr lang="en-US" sz="2400" i="1">
+                          <a:latin typeface="Cambria Math" panose="02040503050406030204" pitchFamily="18" charset="0"/>
+                          <a:ea typeface="Cambria Math" panose="02040503050406030204" pitchFamily="18" charset="0"/>
+                        </a:rPr>
+                        <m:t>}</m:t>
+                      </m:r>
+                      <m:r>
+                        <a:rPr lang="en-US" sz="2400" b="0" i="1" smtClean="0">
+                          <a:latin typeface="Cambria Math" panose="02040503050406030204" pitchFamily="18" charset="0"/>
+                          <a:ea typeface="Cambria Math" panose="02040503050406030204" pitchFamily="18" charset="0"/>
+                        </a:rPr>
+                        <m:t>=</m:t>
+                      </m:r>
+                      <m:r>
+                        <a:rPr lang="en-US" sz="2400" i="1">
+                          <a:latin typeface="Cambria Math" panose="02040503050406030204" pitchFamily="18" charset="0"/>
+                          <a:ea typeface="Cambria Math" panose="02040503050406030204" pitchFamily="18" charset="0"/>
+                        </a:rPr>
+                        <m:t>1</m:t>
+                      </m:r>
+                    </m:oMath>
+                  </m:oMathPara>
+                </a14:m>
+                <a:endParaRPr lang="en-US" sz="2400" dirty="0"/>
+              </a:p>
+            </p:txBody>
+          </p:sp>
+        </mc:Choice>
+        <mc:Fallback>
+          <p:sp>
+            <p:nvSpPr>
+              <p:cNvPr id="21" name="TextBox 20"/>
+              <p:cNvSpPr txBox="1">
+                <a:spLocks noRot="1" noChangeAspect="1" noMove="1" noResize="1" noEditPoints="1" noAdjustHandles="1" noChangeArrowheads="1" noChangeShapeType="1" noTextEdit="1"/>
+              </p:cNvSpPr>
+              <p:nvPr/>
+            </p:nvSpPr>
+            <p:spPr>
+              <a:xfrm>
+                <a:off x="4255706" y="4760022"/>
+                <a:ext cx="6670737" cy="369332"/>
+              </a:xfrm>
+              <a:prstGeom prst="rect">
+                <a:avLst/>
+              </a:prstGeom>
+              <a:blipFill rotWithShape="0">
+                <a:blip r:embed="rId7"/>
+                <a:stretch>
+                  <a:fillRect l="-183" r="-457" b="-38333"/>
+                </a:stretch>
+              </a:blipFill>
+            </p:spPr>
+            <p:txBody>
+              <a:bodyPr/>
+              <a:lstStyle/>
+              <a:p>
+                <a:r>
+                  <a:rPr lang="en-US">
+                    <a:noFill/>
+                  </a:rPr>
+                  <a:t> </a:t>
+                </a:r>
+              </a:p>
+            </p:txBody>
+          </p:sp>
+        </mc:Fallback>
+      </mc:AlternateContent>
+      <mc:AlternateContent xmlns:mc="http://schemas.openxmlformats.org/markup-compatibility/2006">
+        <mc:Choice xmlns:a14="http://schemas.microsoft.com/office/drawing/2010/main" Requires="a14">
+          <p:sp>
+            <p:nvSpPr>
+              <p:cNvPr id="22" name="TextBox 21"/>
+              <p:cNvSpPr txBox="1"/>
+              <p:nvPr/>
+            </p:nvSpPr>
+            <p:spPr>
+              <a:xfrm>
+                <a:off x="4255706" y="5315615"/>
+                <a:ext cx="6839245" cy="369332"/>
+              </a:xfrm>
+              <a:prstGeom prst="rect">
+                <a:avLst/>
+              </a:prstGeom>
+              <a:noFill/>
+            </p:spPr>
+            <p:txBody>
+              <a:bodyPr wrap="none" lIns="0" tIns="0" rIns="0" bIns="0" rtlCol="0">
+                <a:spAutoFit/>
+              </a:bodyPr>
+              <a:lstStyle/>
+              <a:p>
+                <a14:m>
+                  <m:oMathPara xmlns:m="http://schemas.openxmlformats.org/officeDocument/2006/math">
+                    <m:oMathParaPr>
+                      <m:jc m:val="centerGroup"/>
+                    </m:oMathParaPr>
+                    <m:oMath xmlns:m="http://schemas.openxmlformats.org/officeDocument/2006/math">
+                      <m:r>
+                        <a:rPr lang="en-US" sz="2400" i="1" smtClean="0">
+                          <a:solidFill>
+                            <a:schemeClr val="accent1"/>
+                          </a:solidFill>
+                          <a:latin typeface="Cambria Math" panose="02040503050406030204" pitchFamily="18" charset="0"/>
+                        </a:rPr>
+                        <m:t>∀</m:t>
+                      </m:r>
+                      <m:r>
+                        <a:rPr lang="en-US" sz="2400" i="1" smtClean="0">
+                          <a:solidFill>
+                            <a:schemeClr val="accent1"/>
+                          </a:solidFill>
+                          <a:latin typeface="Cambria Math" panose="02040503050406030204" pitchFamily="18" charset="0"/>
+                        </a:rPr>
+                        <m:t>𝑖</m:t>
+                      </m:r>
+                      <m:r>
+                        <a:rPr lang="en-US" sz="2400" i="1" smtClean="0">
+                          <a:solidFill>
+                            <a:schemeClr val="accent1"/>
+                          </a:solidFill>
+                          <a:latin typeface="Cambria Math" panose="02040503050406030204" pitchFamily="18" charset="0"/>
+                        </a:rPr>
+                        <m:t>:</m:t>
+                      </m:r>
+                      <m:r>
+                        <a:rPr lang="en-US" sz="2400" b="0" i="1" smtClean="0">
+                          <a:solidFill>
+                            <a:schemeClr val="accent1"/>
+                          </a:solidFill>
+                          <a:latin typeface="Cambria Math" panose="02040503050406030204" pitchFamily="18" charset="0"/>
+                        </a:rPr>
+                        <m:t>𝑆𝑝𝑎𝑐𝑒𝑐𝑟𝑎𝑓𝑡</m:t>
+                      </m:r>
+                      <m:r>
+                        <a:rPr lang="en-US" sz="2400" i="1">
+                          <a:solidFill>
+                            <a:schemeClr val="accent1"/>
+                          </a:solidFill>
+                          <a:latin typeface="Cambria Math" panose="02040503050406030204" pitchFamily="18" charset="0"/>
+                          <a:ea typeface="Cambria Math" panose="02040503050406030204" pitchFamily="18" charset="0"/>
+                        </a:rPr>
+                        <m:t>⋅</m:t>
+                      </m:r>
+                      <m:r>
+                        <m:rPr>
+                          <m:sty m:val="p"/>
+                        </m:rPr>
+                        <a:rPr lang="en-US" sz="2400">
+                          <a:solidFill>
+                            <a:schemeClr val="accent1"/>
+                          </a:solidFill>
+                          <a:latin typeface="Cambria Math" panose="02040503050406030204" pitchFamily="18" charset="0"/>
+                          <a:ea typeface="Cambria Math" panose="02040503050406030204" pitchFamily="18" charset="0"/>
+                        </a:rPr>
+                        <m:t>card</m:t>
+                      </m:r>
+                      <m:d>
+                        <m:dPr>
+                          <m:begChr m:val="{"/>
+                          <m:endChr m:val="|"/>
+                          <m:ctrlPr>
+                            <a:rPr lang="en-US" sz="2400" i="1">
+                              <a:solidFill>
+                                <a:schemeClr val="accent1"/>
+                              </a:solidFill>
+                              <a:latin typeface="Cambria Math" panose="02040503050406030204" pitchFamily="18" charset="0"/>
+                              <a:ea typeface="Cambria Math" panose="02040503050406030204" pitchFamily="18" charset="0"/>
+                            </a:rPr>
+                          </m:ctrlPr>
+                        </m:dPr>
+                        <m:e>
+                          <m:r>
+                            <a:rPr lang="en-US" sz="2400" b="0" i="1" smtClean="0">
+                              <a:solidFill>
+                                <a:schemeClr val="accent1"/>
+                              </a:solidFill>
+                              <a:latin typeface="Cambria Math" panose="02040503050406030204" pitchFamily="18" charset="0"/>
+                              <a:ea typeface="Cambria Math" panose="02040503050406030204" pitchFamily="18" charset="0"/>
+                            </a:rPr>
+                            <m:t>𝑥</m:t>
+                          </m:r>
+                          <m:r>
+                            <a:rPr lang="en-US" sz="2400" b="0" i="1" smtClean="0">
+                              <a:solidFill>
+                                <a:schemeClr val="accent1"/>
+                              </a:solidFill>
+                              <a:latin typeface="Cambria Math" panose="02040503050406030204" pitchFamily="18" charset="0"/>
+                              <a:ea typeface="Cambria Math" panose="02040503050406030204" pitchFamily="18" charset="0"/>
+                            </a:rPr>
+                            <m:t>:</m:t>
+                          </m:r>
+                          <m:r>
+                            <a:rPr lang="en-US" sz="2400" b="0" i="1" smtClean="0">
+                              <a:solidFill>
+                                <a:schemeClr val="accent1"/>
+                              </a:solidFill>
+                              <a:latin typeface="Cambria Math" panose="02040503050406030204" pitchFamily="18" charset="0"/>
+                              <a:ea typeface="Cambria Math" panose="02040503050406030204" pitchFamily="18" charset="0"/>
+                            </a:rPr>
+                            <m:t>𝑆𝑡𝑟𝑖𝑛𝑔</m:t>
+                          </m:r>
+                        </m:e>
+                      </m:d>
+                      <m:r>
+                        <a:rPr lang="en-US" sz="2400" b="0" i="1" smtClean="0">
+                          <a:solidFill>
+                            <a:schemeClr val="accent1"/>
+                          </a:solidFill>
+                          <a:latin typeface="Cambria Math" panose="02040503050406030204" pitchFamily="18" charset="0"/>
+                          <a:ea typeface="Cambria Math" panose="02040503050406030204" pitchFamily="18" charset="0"/>
+                        </a:rPr>
+                        <m:t>(</m:t>
+                      </m:r>
+                      <m:r>
+                        <a:rPr lang="en-US" sz="2400" b="0" i="1" smtClean="0">
+                          <a:solidFill>
+                            <a:schemeClr val="accent1"/>
+                          </a:solidFill>
+                          <a:latin typeface="Cambria Math" panose="02040503050406030204" pitchFamily="18" charset="0"/>
+                          <a:ea typeface="Cambria Math" panose="02040503050406030204" pitchFamily="18" charset="0"/>
+                        </a:rPr>
+                        <m:t>𝑠</m:t>
+                      </m:r>
+                      <m:r>
+                        <a:rPr lang="en-US" sz="2400" b="0" i="1" smtClean="0">
+                          <a:solidFill>
+                            <a:schemeClr val="accent1"/>
+                          </a:solidFill>
+                          <a:latin typeface="Cambria Math" panose="02040503050406030204" pitchFamily="18" charset="0"/>
+                          <a:ea typeface="Cambria Math" panose="02040503050406030204" pitchFamily="18" charset="0"/>
+                        </a:rPr>
+                        <m:t>,</m:t>
+                      </m:r>
+                      <m:r>
+                        <a:rPr lang="en-US" sz="2400" b="0" i="1" smtClean="0">
+                          <a:solidFill>
+                            <a:schemeClr val="accent1"/>
+                          </a:solidFill>
+                          <a:latin typeface="Cambria Math" panose="02040503050406030204" pitchFamily="18" charset="0"/>
+                          <a:ea typeface="Cambria Math" panose="02040503050406030204" pitchFamily="18" charset="0"/>
+                        </a:rPr>
+                        <m:t>𝑥</m:t>
+                      </m:r>
+                      <m:r>
+                        <a:rPr lang="en-US" sz="2400" b="0" i="1" smtClean="0">
+                          <a:solidFill>
+                            <a:schemeClr val="accent1"/>
+                          </a:solidFill>
+                          <a:latin typeface="Cambria Math" panose="02040503050406030204" pitchFamily="18" charset="0"/>
+                          <a:ea typeface="Cambria Math" panose="02040503050406030204" pitchFamily="18" charset="0"/>
+                        </a:rPr>
+                        <m:t>)∈</m:t>
+                      </m:r>
+                      <m:r>
+                        <a:rPr lang="en-US" sz="2400" b="0" i="1" smtClean="0">
+                          <a:solidFill>
+                            <a:schemeClr val="accent1"/>
+                          </a:solidFill>
+                          <a:latin typeface="Cambria Math" panose="02040503050406030204" pitchFamily="18" charset="0"/>
+                          <a:ea typeface="Cambria Math" panose="02040503050406030204" pitchFamily="18" charset="0"/>
+                        </a:rPr>
+                        <m:t>𝑛𝑎𝑚𝑒</m:t>
+                      </m:r>
+                      <m:r>
+                        <a:rPr lang="en-US" sz="2400" i="1">
+                          <a:solidFill>
+                            <a:schemeClr val="accent1"/>
+                          </a:solidFill>
+                          <a:latin typeface="Cambria Math" panose="02040503050406030204" pitchFamily="18" charset="0"/>
+                          <a:ea typeface="Cambria Math" panose="02040503050406030204" pitchFamily="18" charset="0"/>
+                        </a:rPr>
+                        <m:t>}</m:t>
+                      </m:r>
+                      <m:r>
+                        <a:rPr lang="en-US" sz="2400" b="0" i="1" smtClean="0">
+                          <a:solidFill>
+                            <a:schemeClr val="accent1"/>
+                          </a:solidFill>
+                          <a:latin typeface="Cambria Math" panose="02040503050406030204" pitchFamily="18" charset="0"/>
+                          <a:ea typeface="Cambria Math" panose="02040503050406030204" pitchFamily="18" charset="0"/>
+                        </a:rPr>
+                        <m:t>=</m:t>
+                      </m:r>
+                      <m:r>
+                        <a:rPr lang="en-US" sz="2400" i="1">
+                          <a:solidFill>
+                            <a:schemeClr val="accent1"/>
+                          </a:solidFill>
+                          <a:latin typeface="Cambria Math" panose="02040503050406030204" pitchFamily="18" charset="0"/>
+                          <a:ea typeface="Cambria Math" panose="02040503050406030204" pitchFamily="18" charset="0"/>
+                        </a:rPr>
+                        <m:t>1</m:t>
+                      </m:r>
+                    </m:oMath>
+                  </m:oMathPara>
+                </a14:m>
+                <a:endParaRPr lang="en-US" sz="2400" dirty="0">
+                  <a:solidFill>
+                    <a:schemeClr val="accent1"/>
+                  </a:solidFill>
+                </a:endParaRPr>
+              </a:p>
+            </p:txBody>
+          </p:sp>
+        </mc:Choice>
+        <mc:Fallback>
+          <p:sp>
+            <p:nvSpPr>
+              <p:cNvPr id="22" name="TextBox 21"/>
+              <p:cNvSpPr txBox="1">
+                <a:spLocks noRot="1" noChangeAspect="1" noMove="1" noResize="1" noEditPoints="1" noAdjustHandles="1" noChangeArrowheads="1" noChangeShapeType="1" noTextEdit="1"/>
+              </p:cNvSpPr>
+              <p:nvPr/>
+            </p:nvSpPr>
+            <p:spPr>
+              <a:xfrm>
+                <a:off x="4255706" y="5315615"/>
+                <a:ext cx="6839245" cy="369332"/>
+              </a:xfrm>
+              <a:prstGeom prst="rect">
+                <a:avLst/>
+              </a:prstGeom>
+              <a:blipFill rotWithShape="0">
+                <a:blip r:embed="rId8"/>
+                <a:stretch>
+                  <a:fillRect l="-89" r="-357" b="-36066"/>
+                </a:stretch>
+              </a:blipFill>
+            </p:spPr>
+            <p:txBody>
+              <a:bodyPr/>
+              <a:lstStyle/>
+              <a:p>
+                <a:r>
+                  <a:rPr lang="en-US">
+                    <a:noFill/>
+                  </a:rPr>
+                  <a:t> </a:t>
+                </a:r>
+              </a:p>
+            </p:txBody>
+          </p:sp>
+        </mc:Fallback>
+      </mc:AlternateContent>
     </p:spTree>
     <p:extLst>
       <p:ext uri="{BB962C8B-B14F-4D97-AF65-F5344CB8AC3E}">
@@ -24531,83 +27445,7 @@
   <p:timing>
     <p:tnLst>
       <p:par>
-        <p:cTn id="1" dur="indefinite" restart="never" nodeType="tmRoot">
-          <p:childTnLst>
-            <p:seq concurrent="1" nextAc="seek">
-              <p:cTn id="2" dur="indefinite" nodeType="mainSeq">
-                <p:childTnLst>
-                  <p:par>
-                    <p:cTn id="3" fill="hold">
-                      <p:stCondLst>
-                        <p:cond delay="indefinite"/>
-                      </p:stCondLst>
-                      <p:childTnLst>
-                        <p:par>
-                          <p:cTn id="4" fill="hold">
-                            <p:stCondLst>
-                              <p:cond delay="0"/>
-                            </p:stCondLst>
-                            <p:childTnLst>
-                              <p:par>
-                                <p:cTn id="5" presetID="5" presetClass="entr" presetSubtype="10" fill="hold" nodeType="clickEffect">
-                                  <p:stCondLst>
-                                    <p:cond delay="0"/>
-                                  </p:stCondLst>
-                                  <p:childTnLst>
-                                    <p:set>
-                                      <p:cBhvr>
-                                        <p:cTn id="6" dur="1" fill="hold">
-                                          <p:stCondLst>
-                                            <p:cond delay="0"/>
-                                          </p:stCondLst>
-                                        </p:cTn>
-                                        <p:tgtEl>
-                                          <p:spTgt spid="6"/>
-                                        </p:tgtEl>
-                                        <p:attrNameLst>
-                                          <p:attrName>style.visibility</p:attrName>
-                                        </p:attrNameLst>
-                                      </p:cBhvr>
-                                      <p:to>
-                                        <p:strVal val="visible"/>
-                                      </p:to>
-                                    </p:set>
-                                    <p:animEffect transition="in" filter="checkerboard(across)">
-                                      <p:cBhvr>
-                                        <p:cTn id="7" dur="500"/>
-                                        <p:tgtEl>
-                                          <p:spTgt spid="6"/>
-                                        </p:tgtEl>
-                                      </p:cBhvr>
-                                    </p:animEffect>
-                                  </p:childTnLst>
-                                </p:cTn>
-                              </p:par>
-                            </p:childTnLst>
-                          </p:cTn>
-                        </p:par>
-                      </p:childTnLst>
-                    </p:cTn>
-                  </p:par>
-                </p:childTnLst>
-              </p:cTn>
-              <p:prevCondLst>
-                <p:cond evt="onPrev" delay="0">
-                  <p:tgtEl>
-                    <p:sldTgt/>
-                  </p:tgtEl>
-                </p:cond>
-              </p:prevCondLst>
-              <p:nextCondLst>
-                <p:cond evt="onNext" delay="0">
-                  <p:tgtEl>
-                    <p:sldTgt/>
-                  </p:tgtEl>
-                </p:cond>
-              </p:nextCondLst>
-            </p:seq>
-          </p:childTnLst>
-        </p:cTn>
+        <p:cTn id="1" dur="indefinite" restart="never" nodeType="tmRoot"/>
       </p:par>
     </p:tnLst>
   </p:timing>
@@ -24662,16 +27500,15 @@
           </p:cNvPicPr>
           <p:nvPr/>
         </p:nvPicPr>
-        <p:blipFill>
+        <p:blipFill rotWithShape="1">
           <a:blip r:embed="rId2"/>
-          <a:stretch>
-            <a:fillRect/>
-          </a:stretch>
+          <a:srcRect r="3860" b="36422"/>
+          <a:stretch/>
         </p:blipFill>
         <p:spPr>
           <a:xfrm>
             <a:off x="990701" y="2052918"/>
-            <a:ext cx="4276725" cy="2552700"/>
+            <a:ext cx="4111651" cy="1622970"/>
           </a:xfrm>
           <a:prstGeom prst="rect">
             <a:avLst/>

--- a/presentations/K.pptx
+++ b/presentations/K.pptx
@@ -152,86 +152,75 @@
 </file>
 
 <file path=ppt/diagrams/colors1.xml><?xml version="1.0" encoding="utf-8"?>
-<dgm:colorsDef xmlns:dgm="http://schemas.openxmlformats.org/drawingml/2006/diagram" xmlns:a="http://schemas.openxmlformats.org/drawingml/2006/main" uniqueId="urn:microsoft.com/office/officeart/2005/8/colors/accent1_1">
+<dgm:colorsDef xmlns:dgm="http://schemas.openxmlformats.org/drawingml/2006/diagram" xmlns:a="http://schemas.openxmlformats.org/drawingml/2006/main" uniqueId="urn:microsoft.com/office/officeart/2005/8/colors/colorful2">
   <dgm:title val=""/>
   <dgm:desc val=""/>
   <dgm:catLst>
-    <dgm:cat type="accent1" pri="11100"/>
+    <dgm:cat type="colorful" pri="10200"/>
   </dgm:catLst>
   <dgm:styleLbl name="node0">
     <dgm:fillClrLst meth="repeat">
-      <a:schemeClr val="lt1"/>
+      <a:schemeClr val="accent1"/>
     </dgm:fillClrLst>
     <dgm:linClrLst meth="repeat">
-      <a:schemeClr val="accent1">
-        <a:shade val="80000"/>
-      </a:schemeClr>
+      <a:schemeClr val="lt1"/>
     </dgm:linClrLst>
     <dgm:effectClrLst/>
     <dgm:txLinClrLst/>
-    <dgm:txFillClrLst meth="repeat">
-      <a:schemeClr val="dk1"/>
-    </dgm:txFillClrLst>
+    <dgm:txFillClrLst/>
+    <dgm:txEffectClrLst/>
+  </dgm:styleLbl>
+  <dgm:styleLbl name="node1">
+    <dgm:fillClrLst>
+      <a:schemeClr val="accent2"/>
+      <a:schemeClr val="accent3"/>
+    </dgm:fillClrLst>
+    <dgm:linClrLst meth="repeat">
+      <a:schemeClr val="lt1"/>
+    </dgm:linClrLst>
+    <dgm:effectClrLst/>
+    <dgm:txLinClrLst/>
+    <dgm:txFillClrLst/>
     <dgm:txEffectClrLst/>
   </dgm:styleLbl>
   <dgm:styleLbl name="alignNode1">
-    <dgm:fillClrLst meth="repeat">
-      <a:schemeClr val="lt1"/>
+    <dgm:fillClrLst>
+      <a:schemeClr val="accent2"/>
+      <a:schemeClr val="accent3"/>
     </dgm:fillClrLst>
-    <dgm:linClrLst meth="repeat">
-      <a:schemeClr val="accent1">
-        <a:shade val="80000"/>
-      </a:schemeClr>
+    <dgm:linClrLst>
+      <a:schemeClr val="accent2"/>
+      <a:schemeClr val="accent3"/>
     </dgm:linClrLst>
     <dgm:effectClrLst/>
     <dgm:txLinClrLst/>
-    <dgm:txFillClrLst meth="repeat">
-      <a:schemeClr val="dk1"/>
-    </dgm:txFillClrLst>
+    <dgm:txFillClrLst/>
     <dgm:txEffectClrLst/>
   </dgm:styleLbl>
-  <dgm:styleLbl name="node1">
-    <dgm:fillClrLst meth="repeat">
-      <a:schemeClr val="lt1"/>
+  <dgm:styleLbl name="lnNode1">
+    <dgm:fillClrLst>
+      <a:schemeClr val="accent2"/>
+      <a:schemeClr val="accent3"/>
     </dgm:fillClrLst>
     <dgm:linClrLst meth="repeat">
-      <a:schemeClr val="accent1">
-        <a:shade val="80000"/>
-      </a:schemeClr>
+      <a:schemeClr val="lt1"/>
     </dgm:linClrLst>
     <dgm:effectClrLst/>
     <dgm:txLinClrLst/>
-    <dgm:txFillClrLst meth="repeat">
-      <a:schemeClr val="dk1"/>
-    </dgm:txFillClrLst>
-    <dgm:txEffectClrLst/>
-  </dgm:styleLbl>
-  <dgm:styleLbl name="lnNode1">
-    <dgm:fillClrLst meth="repeat">
-      <a:schemeClr val="lt1"/>
-    </dgm:fillClrLst>
-    <dgm:linClrLst meth="repeat">
-      <a:schemeClr val="accent1">
-        <a:shade val="80000"/>
-      </a:schemeClr>
-    </dgm:linClrLst>
-    <dgm:effectClrLst/>
-    <dgm:txLinClrLst/>
-    <dgm:txFillClrLst meth="repeat">
-      <a:schemeClr val="dk1"/>
-    </dgm:txFillClrLst>
+    <dgm:txFillClrLst/>
     <dgm:txEffectClrLst/>
   </dgm:styleLbl>
   <dgm:styleLbl name="vennNode1">
-    <dgm:fillClrLst meth="repeat">
-      <a:schemeClr val="lt1">
+    <dgm:fillClrLst>
+      <a:schemeClr val="accent2">
+        <a:alpha val="50000"/>
+      </a:schemeClr>
+      <a:schemeClr val="accent3">
         <a:alpha val="50000"/>
       </a:schemeClr>
     </dgm:fillClrLst>
     <dgm:linClrLst meth="repeat">
-      <a:schemeClr val="accent1">
-        <a:shade val="80000"/>
-      </a:schemeClr>
+      <a:schemeClr val="lt1"/>
     </dgm:linClrLst>
     <dgm:effectClrLst/>
     <dgm:txLinClrLst/>
@@ -239,63 +228,52 @@
     <dgm:txEffectClrLst/>
   </dgm:styleLbl>
   <dgm:styleLbl name="node2">
-    <dgm:fillClrLst meth="repeat">
-      <a:schemeClr val="lt1"/>
+    <dgm:fillClrLst>
+      <a:schemeClr val="accent3"/>
     </dgm:fillClrLst>
     <dgm:linClrLst meth="repeat">
-      <a:schemeClr val="accent1">
-        <a:shade val="80000"/>
-      </a:schemeClr>
+      <a:schemeClr val="lt1"/>
     </dgm:linClrLst>
     <dgm:effectClrLst/>
     <dgm:txLinClrLst/>
-    <dgm:txFillClrLst meth="repeat">
-      <a:schemeClr val="dk1"/>
-    </dgm:txFillClrLst>
+    <dgm:txFillClrLst/>
     <dgm:txEffectClrLst/>
   </dgm:styleLbl>
   <dgm:styleLbl name="node3">
-    <dgm:fillClrLst meth="repeat">
-      <a:schemeClr val="lt1"/>
+    <dgm:fillClrLst>
+      <a:schemeClr val="accent4"/>
     </dgm:fillClrLst>
     <dgm:linClrLst meth="repeat">
-      <a:schemeClr val="accent1">
-        <a:shade val="80000"/>
-      </a:schemeClr>
+      <a:schemeClr val="lt1"/>
     </dgm:linClrLst>
     <dgm:effectClrLst/>
     <dgm:txLinClrLst/>
-    <dgm:txFillClrLst meth="repeat">
-      <a:schemeClr val="dk1"/>
-    </dgm:txFillClrLst>
+    <dgm:txFillClrLst/>
     <dgm:txEffectClrLst/>
   </dgm:styleLbl>
   <dgm:styleLbl name="node4">
-    <dgm:fillClrLst meth="repeat">
-      <a:schemeClr val="lt1"/>
+    <dgm:fillClrLst>
+      <a:schemeClr val="accent5"/>
     </dgm:fillClrLst>
     <dgm:linClrLst meth="repeat">
-      <a:schemeClr val="accent1">
-        <a:shade val="80000"/>
-      </a:schemeClr>
+      <a:schemeClr val="lt1"/>
     </dgm:linClrLst>
     <dgm:effectClrLst/>
     <dgm:txLinClrLst/>
-    <dgm:txFillClrLst meth="repeat">
-      <a:schemeClr val="dk1"/>
-    </dgm:txFillClrLst>
+    <dgm:txFillClrLst/>
     <dgm:txEffectClrLst/>
   </dgm:styleLbl>
   <dgm:styleLbl name="fgImgPlace1">
-    <dgm:fillClrLst meth="repeat">
-      <a:schemeClr val="accent1">
-        <a:tint val="40000"/>
+    <dgm:fillClrLst>
+      <a:schemeClr val="accent2">
+        <a:tint val="50000"/>
+      </a:schemeClr>
+      <a:schemeClr val="accent3">
+        <a:tint val="50000"/>
       </a:schemeClr>
     </dgm:fillClrLst>
     <dgm:linClrLst meth="repeat">
-      <a:schemeClr val="accent1">
-        <a:shade val="80000"/>
-      </a:schemeClr>
+      <a:schemeClr val="lt1"/>
     </dgm:linClrLst>
     <dgm:effectClrLst/>
     <dgm:txLinClrLst/>
@@ -305,15 +283,16 @@
     <dgm:txEffectClrLst/>
   </dgm:styleLbl>
   <dgm:styleLbl name="alignImgPlace1">
-    <dgm:fillClrLst meth="repeat">
-      <a:schemeClr val="accent1">
-        <a:tint val="40000"/>
+    <dgm:fillClrLst>
+      <a:schemeClr val="accent2">
+        <a:tint val="50000"/>
+      </a:schemeClr>
+      <a:schemeClr val="accent3">
+        <a:tint val="20000"/>
       </a:schemeClr>
     </dgm:fillClrLst>
     <dgm:linClrLst meth="repeat">
-      <a:schemeClr val="accent1">
-        <a:shade val="80000"/>
-      </a:schemeClr>
+      <a:schemeClr val="lt1"/>
     </dgm:linClrLst>
     <dgm:effectClrLst/>
     <dgm:txLinClrLst/>
@@ -323,15 +302,16 @@
     <dgm:txEffectClrLst/>
   </dgm:styleLbl>
   <dgm:styleLbl name="bgImgPlace1">
-    <dgm:fillClrLst meth="repeat">
-      <a:schemeClr val="accent1">
-        <a:tint val="40000"/>
+    <dgm:fillClrLst>
+      <a:schemeClr val="accent2">
+        <a:tint val="50000"/>
+      </a:schemeClr>
+      <a:schemeClr val="accent3">
+        <a:tint val="20000"/>
       </a:schemeClr>
     </dgm:fillClrLst>
     <dgm:linClrLst meth="repeat">
-      <a:schemeClr val="accent1">
-        <a:shade val="80000"/>
-      </a:schemeClr>
+      <a:schemeClr val="lt1"/>
     </dgm:linClrLst>
     <dgm:effectClrLst/>
     <dgm:txLinClrLst/>
@@ -341,65 +321,53 @@
     <dgm:txEffectClrLst/>
   </dgm:styleLbl>
   <dgm:styleLbl name="sibTrans2D1">
-    <dgm:fillClrLst meth="repeat">
-      <a:schemeClr val="accent1">
-        <a:tint val="60000"/>
-      </a:schemeClr>
+    <dgm:fillClrLst>
+      <a:schemeClr val="accent2"/>
+      <a:schemeClr val="accent3"/>
     </dgm:fillClrLst>
     <dgm:linClrLst meth="repeat">
-      <a:schemeClr val="accent1">
-        <a:tint val="60000"/>
-      </a:schemeClr>
+      <a:schemeClr val="lt1"/>
+    </dgm:linClrLst>
+    <dgm:effectClrLst/>
+    <dgm:txLinClrLst/>
+    <dgm:txFillClrLst/>
+    <dgm:txEffectClrLst/>
+  </dgm:styleLbl>
+  <dgm:styleLbl name="fgSibTrans2D1">
+    <dgm:fillClrLst>
+      <a:schemeClr val="accent2"/>
+      <a:schemeClr val="accent3"/>
+    </dgm:fillClrLst>
+    <dgm:linClrLst meth="repeat">
+      <a:schemeClr val="lt1"/>
     </dgm:linClrLst>
     <dgm:effectClrLst/>
     <dgm:txLinClrLst/>
     <dgm:txFillClrLst meth="repeat">
-      <a:schemeClr val="dk1"/>
+      <a:schemeClr val="lt1"/>
     </dgm:txFillClrLst>
     <dgm:txEffectClrLst/>
   </dgm:styleLbl>
-  <dgm:styleLbl name="fgSibTrans2D1">
-    <dgm:fillClrLst meth="repeat">
-      <a:schemeClr val="accent1">
-        <a:tint val="60000"/>
-      </a:schemeClr>
+  <dgm:styleLbl name="bgSibTrans2D1">
+    <dgm:fillClrLst>
+      <a:schemeClr val="accent2"/>
+      <a:schemeClr val="accent3"/>
     </dgm:fillClrLst>
     <dgm:linClrLst meth="repeat">
-      <a:schemeClr val="accent1">
-        <a:tint val="60000"/>
-      </a:schemeClr>
+      <a:schemeClr val="lt1"/>
     </dgm:linClrLst>
     <dgm:effectClrLst/>
     <dgm:txLinClrLst/>
     <dgm:txFillClrLst meth="repeat">
-      <a:schemeClr val="dk1"/>
-    </dgm:txFillClrLst>
-    <dgm:txEffectClrLst/>
-  </dgm:styleLbl>
-  <dgm:styleLbl name="bgSibTrans2D1">
-    <dgm:fillClrLst meth="repeat">
-      <a:schemeClr val="accent1">
-        <a:tint val="60000"/>
-      </a:schemeClr>
-    </dgm:fillClrLst>
-    <dgm:linClrLst meth="repeat">
-      <a:schemeClr val="accent1">
-        <a:tint val="60000"/>
-      </a:schemeClr>
-    </dgm:linClrLst>
-    <dgm:effectClrLst/>
-    <dgm:txLinClrLst/>
-    <dgm:txFillClrLst meth="repeat">
-      <a:schemeClr val="dk1"/>
+      <a:schemeClr val="lt1"/>
     </dgm:txFillClrLst>
     <dgm:txEffectClrLst/>
   </dgm:styleLbl>
   <dgm:styleLbl name="sibTrans1D1">
-    <dgm:fillClrLst meth="repeat">
-      <a:schemeClr val="accent1"/>
-    </dgm:fillClrLst>
-    <dgm:linClrLst meth="repeat">
-      <a:schemeClr val="accent1"/>
+    <dgm:fillClrLst/>
+    <dgm:linClrLst>
+      <a:schemeClr val="accent2"/>
+      <a:schemeClr val="accent3"/>
     </dgm:linClrLst>
     <dgm:effectClrLst/>
     <dgm:txLinClrLst/>
@@ -410,10 +378,12 @@
   </dgm:styleLbl>
   <dgm:styleLbl name="callout">
     <dgm:fillClrLst meth="repeat">
-      <a:schemeClr val="accent1"/>
+      <a:schemeClr val="accent2"/>
     </dgm:fillClrLst>
     <dgm:linClrLst meth="repeat">
-      <a:schemeClr val="accent1"/>
+      <a:schemeClr val="accent2">
+        <a:tint val="50000"/>
+      </a:schemeClr>
     </dgm:linClrLst>
     <dgm:effectClrLst/>
     <dgm:txLinClrLst/>
@@ -424,93 +394,11 @@
   </dgm:styleLbl>
   <dgm:styleLbl name="asst0">
     <dgm:fillClrLst meth="repeat">
-      <a:schemeClr val="lt1"/>
+      <a:schemeClr val="accent2"/>
     </dgm:fillClrLst>
     <dgm:linClrLst meth="repeat">
-      <a:schemeClr val="accent1">
+      <a:schemeClr val="lt1">
         <a:shade val="80000"/>
-      </a:schemeClr>
-    </dgm:linClrLst>
-    <dgm:effectClrLst/>
-    <dgm:txLinClrLst/>
-    <dgm:txFillClrLst meth="repeat">
-      <a:schemeClr val="dk1"/>
-    </dgm:txFillClrLst>
-    <dgm:txEffectClrLst/>
-  </dgm:styleLbl>
-  <dgm:styleLbl name="asst1">
-    <dgm:fillClrLst meth="repeat">
-      <a:schemeClr val="lt1"/>
-    </dgm:fillClrLst>
-    <dgm:linClrLst meth="repeat">
-      <a:schemeClr val="accent1">
-        <a:shade val="80000"/>
-      </a:schemeClr>
-    </dgm:linClrLst>
-    <dgm:effectClrLst/>
-    <dgm:txLinClrLst/>
-    <dgm:txFillClrLst meth="repeat">
-      <a:schemeClr val="dk1"/>
-    </dgm:txFillClrLst>
-    <dgm:txEffectClrLst/>
-  </dgm:styleLbl>
-  <dgm:styleLbl name="asst2">
-    <dgm:fillClrLst meth="repeat">
-      <a:schemeClr val="lt1"/>
-    </dgm:fillClrLst>
-    <dgm:linClrLst meth="repeat">
-      <a:schemeClr val="accent1">
-        <a:shade val="80000"/>
-      </a:schemeClr>
-    </dgm:linClrLst>
-    <dgm:effectClrLst/>
-    <dgm:txLinClrLst/>
-    <dgm:txFillClrLst meth="repeat">
-      <a:schemeClr val="dk1"/>
-    </dgm:txFillClrLst>
-    <dgm:txEffectClrLst/>
-  </dgm:styleLbl>
-  <dgm:styleLbl name="asst3">
-    <dgm:fillClrLst meth="repeat">
-      <a:schemeClr val="lt1"/>
-    </dgm:fillClrLst>
-    <dgm:linClrLst meth="repeat">
-      <a:schemeClr val="accent1">
-        <a:shade val="80000"/>
-      </a:schemeClr>
-    </dgm:linClrLst>
-    <dgm:effectClrLst/>
-    <dgm:txLinClrLst/>
-    <dgm:txFillClrLst meth="repeat">
-      <a:schemeClr val="dk1"/>
-    </dgm:txFillClrLst>
-    <dgm:txEffectClrLst/>
-  </dgm:styleLbl>
-  <dgm:styleLbl name="asst4">
-    <dgm:fillClrLst meth="repeat">
-      <a:schemeClr val="lt1"/>
-    </dgm:fillClrLst>
-    <dgm:linClrLst meth="repeat">
-      <a:schemeClr val="accent1">
-        <a:shade val="80000"/>
-      </a:schemeClr>
-    </dgm:linClrLst>
-    <dgm:effectClrLst/>
-    <dgm:txLinClrLst/>
-    <dgm:txFillClrLst meth="repeat">
-      <a:schemeClr val="dk1"/>
-    </dgm:txFillClrLst>
-    <dgm:txEffectClrLst/>
-  </dgm:styleLbl>
-  <dgm:styleLbl name="parChTrans2D1">
-    <dgm:fillClrLst meth="repeat">
-      <a:schemeClr val="accent1">
-        <a:tint val="60000"/>
-      </a:schemeClr>
-    </dgm:fillClrLst>
-    <dgm:linClrLst meth="repeat">
-      <a:schemeClr val="accent1">
-        <a:tint val="60000"/>
       </a:schemeClr>
     </dgm:linClrLst>
     <dgm:effectClrLst/>
@@ -518,12 +406,76 @@
     <dgm:txFillClrLst/>
     <dgm:txEffectClrLst/>
   </dgm:styleLbl>
+  <dgm:styleLbl name="asst1">
+    <dgm:fillClrLst meth="repeat">
+      <a:schemeClr val="accent3"/>
+    </dgm:fillClrLst>
+    <dgm:linClrLst meth="repeat">
+      <a:schemeClr val="lt1">
+        <a:shade val="80000"/>
+      </a:schemeClr>
+    </dgm:linClrLst>
+    <dgm:effectClrLst/>
+    <dgm:txLinClrLst/>
+    <dgm:txFillClrLst/>
+    <dgm:txEffectClrLst/>
+  </dgm:styleLbl>
+  <dgm:styleLbl name="asst2">
+    <dgm:fillClrLst>
+      <a:schemeClr val="accent4"/>
+    </dgm:fillClrLst>
+    <dgm:linClrLst meth="repeat">
+      <a:schemeClr val="lt1"/>
+    </dgm:linClrLst>
+    <dgm:effectClrLst/>
+    <dgm:txLinClrLst/>
+    <dgm:txFillClrLst/>
+    <dgm:txEffectClrLst/>
+  </dgm:styleLbl>
+  <dgm:styleLbl name="asst3">
+    <dgm:fillClrLst>
+      <a:schemeClr val="accent5"/>
+    </dgm:fillClrLst>
+    <dgm:linClrLst meth="repeat">
+      <a:schemeClr val="lt1"/>
+    </dgm:linClrLst>
+    <dgm:effectClrLst/>
+    <dgm:txLinClrLst/>
+    <dgm:txFillClrLst/>
+    <dgm:txEffectClrLst/>
+  </dgm:styleLbl>
+  <dgm:styleLbl name="asst4">
+    <dgm:fillClrLst>
+      <a:schemeClr val="accent6"/>
+    </dgm:fillClrLst>
+    <dgm:linClrLst meth="repeat">
+      <a:schemeClr val="lt1"/>
+    </dgm:linClrLst>
+    <dgm:effectClrLst/>
+    <dgm:txLinClrLst/>
+    <dgm:txFillClrLst/>
+    <dgm:txEffectClrLst/>
+  </dgm:styleLbl>
+  <dgm:styleLbl name="parChTrans2D1">
+    <dgm:fillClrLst meth="repeat">
+      <a:schemeClr val="accent2"/>
+    </dgm:fillClrLst>
+    <dgm:linClrLst meth="repeat">
+      <a:schemeClr val="lt1"/>
+    </dgm:linClrLst>
+    <dgm:effectClrLst/>
+    <dgm:txLinClrLst/>
+    <dgm:txFillClrLst meth="repeat">
+      <a:schemeClr val="lt1"/>
+    </dgm:txFillClrLst>
+    <dgm:txEffectClrLst/>
+  </dgm:styleLbl>
   <dgm:styleLbl name="parChTrans2D2">
     <dgm:fillClrLst meth="repeat">
-      <a:schemeClr val="accent1"/>
+      <a:schemeClr val="accent3"/>
     </dgm:fillClrLst>
     <dgm:linClrLst meth="repeat">
-      <a:schemeClr val="accent1"/>
+      <a:schemeClr val="lt1"/>
     </dgm:linClrLst>
     <dgm:effectClrLst/>
     <dgm:txLinClrLst/>
@@ -532,10 +484,10 @@
   </dgm:styleLbl>
   <dgm:styleLbl name="parChTrans2D3">
     <dgm:fillClrLst meth="repeat">
-      <a:schemeClr val="accent1"/>
+      <a:schemeClr val="accent4"/>
     </dgm:fillClrLst>
     <dgm:linClrLst meth="repeat">
-      <a:schemeClr val="accent1"/>
+      <a:schemeClr val="lt1"/>
     </dgm:linClrLst>
     <dgm:effectClrLst/>
     <dgm:txLinClrLst/>
@@ -544,10 +496,10 @@
   </dgm:styleLbl>
   <dgm:styleLbl name="parChTrans2D4">
     <dgm:fillClrLst meth="repeat">
-      <a:schemeClr val="accent1"/>
+      <a:schemeClr val="accent5"/>
     </dgm:fillClrLst>
     <dgm:linClrLst meth="repeat">
-      <a:schemeClr val="accent1"/>
+      <a:schemeClr val="lt1"/>
     </dgm:linClrLst>
     <dgm:effectClrLst/>
     <dgm:txLinClrLst/>
@@ -558,12 +510,10 @@
   </dgm:styleLbl>
   <dgm:styleLbl name="parChTrans1D1">
     <dgm:fillClrLst meth="repeat">
-      <a:schemeClr val="accent1"/>
+      <a:schemeClr val="accent2"/>
     </dgm:fillClrLst>
     <dgm:linClrLst meth="repeat">
-      <a:schemeClr val="accent1">
-        <a:shade val="60000"/>
-      </a:schemeClr>
+      <a:schemeClr val="accent2"/>
     </dgm:linClrLst>
     <dgm:effectClrLst/>
     <dgm:txLinClrLst/>
@@ -574,12 +524,12 @@
   </dgm:styleLbl>
   <dgm:styleLbl name="parChTrans1D2">
     <dgm:fillClrLst meth="repeat">
-      <a:schemeClr val="accent1"/>
+      <a:schemeClr val="accent2">
+        <a:tint val="90000"/>
+      </a:schemeClr>
     </dgm:fillClrLst>
     <dgm:linClrLst meth="repeat">
-      <a:schemeClr val="accent1">
-        <a:shade val="60000"/>
-      </a:schemeClr>
+      <a:schemeClr val="accent3"/>
     </dgm:linClrLst>
     <dgm:effectClrLst/>
     <dgm:txLinClrLst/>
@@ -590,12 +540,12 @@
   </dgm:styleLbl>
   <dgm:styleLbl name="parChTrans1D3">
     <dgm:fillClrLst meth="repeat">
-      <a:schemeClr val="accent1"/>
+      <a:schemeClr val="accent2">
+        <a:tint val="70000"/>
+      </a:schemeClr>
     </dgm:fillClrLst>
     <dgm:linClrLst meth="repeat">
-      <a:schemeClr val="accent1">
-        <a:shade val="80000"/>
-      </a:schemeClr>
+      <a:schemeClr val="accent4"/>
     </dgm:linClrLst>
     <dgm:effectClrLst/>
     <dgm:txLinClrLst/>
@@ -606,12 +556,12 @@
   </dgm:styleLbl>
   <dgm:styleLbl name="parChTrans1D4">
     <dgm:fillClrLst meth="repeat">
-      <a:schemeClr val="accent1"/>
+      <a:schemeClr val="accent2">
+        <a:tint val="50000"/>
+      </a:schemeClr>
     </dgm:fillClrLst>
     <dgm:linClrLst meth="repeat">
-      <a:schemeClr val="accent1">
-        <a:shade val="80000"/>
-      </a:schemeClr>
+      <a:schemeClr val="accent5"/>
     </dgm:linClrLst>
     <dgm:effectClrLst/>
     <dgm:txLinClrLst/>
@@ -622,13 +572,13 @@
   </dgm:styleLbl>
   <dgm:styleLbl name="fgAcc1">
     <dgm:fillClrLst meth="repeat">
-      <a:schemeClr val="accent1">
+      <a:schemeClr val="lt1">
         <a:alpha val="90000"/>
-        <a:tint val="40000"/>
       </a:schemeClr>
     </dgm:fillClrLst>
-    <dgm:linClrLst meth="repeat">
-      <a:schemeClr val="accent1"/>
+    <dgm:linClrLst>
+      <a:schemeClr val="accent2"/>
+      <a:schemeClr val="accent3"/>
     </dgm:linClrLst>
     <dgm:effectClrLst/>
     <dgm:txLinClrLst/>
@@ -639,13 +589,13 @@
   </dgm:styleLbl>
   <dgm:styleLbl name="conFgAcc1">
     <dgm:fillClrLst meth="repeat">
-      <a:schemeClr val="accent1">
+      <a:schemeClr val="lt1">
         <a:alpha val="90000"/>
-        <a:tint val="40000"/>
       </a:schemeClr>
     </dgm:fillClrLst>
-    <dgm:linClrLst meth="repeat">
-      <a:schemeClr val="accent1"/>
+    <dgm:linClrLst>
+      <a:schemeClr val="accent2"/>
+      <a:schemeClr val="accent3"/>
     </dgm:linClrLst>
     <dgm:effectClrLst/>
     <dgm:txLinClrLst/>
@@ -656,13 +606,13 @@
   </dgm:styleLbl>
   <dgm:styleLbl name="alignAcc1">
     <dgm:fillClrLst meth="repeat">
-      <a:schemeClr val="accent1">
+      <a:schemeClr val="lt1">
         <a:alpha val="90000"/>
-        <a:tint val="40000"/>
       </a:schemeClr>
     </dgm:fillClrLst>
-    <dgm:linClrLst meth="repeat">
-      <a:schemeClr val="accent1"/>
+    <dgm:linClrLst>
+      <a:schemeClr val="accent2"/>
+      <a:schemeClr val="accent3"/>
     </dgm:linClrLst>
     <dgm:effectClrLst/>
     <dgm:txLinClrLst/>
@@ -673,13 +623,12 @@
   </dgm:styleLbl>
   <dgm:styleLbl name="trAlignAcc1">
     <dgm:fillClrLst meth="repeat">
-      <a:schemeClr val="accent1">
+      <a:schemeClr val="lt1">
         <a:alpha val="40000"/>
-        <a:tint val="40000"/>
       </a:schemeClr>
     </dgm:fillClrLst>
     <dgm:linClrLst meth="repeat">
-      <a:schemeClr val="accent1"/>
+      <a:schemeClr val="accent2"/>
     </dgm:linClrLst>
     <dgm:effectClrLst/>
     <dgm:txLinClrLst/>
@@ -690,13 +639,13 @@
   </dgm:styleLbl>
   <dgm:styleLbl name="bgAcc1">
     <dgm:fillClrLst meth="repeat">
-      <a:schemeClr val="accent1">
+      <a:schemeClr val="lt1">
         <a:alpha val="90000"/>
-        <a:tint val="40000"/>
       </a:schemeClr>
     </dgm:fillClrLst>
-    <dgm:linClrLst meth="repeat">
-      <a:schemeClr val="accent1"/>
+    <dgm:linClrLst>
+      <a:schemeClr val="accent2"/>
+      <a:schemeClr val="accent3"/>
     </dgm:linClrLst>
     <dgm:effectClrLst/>
     <dgm:txLinClrLst/>
@@ -709,8 +658,9 @@
     <dgm:fillClrLst meth="repeat">
       <a:schemeClr val="lt1"/>
     </dgm:fillClrLst>
-    <dgm:linClrLst meth="repeat">
-      <a:schemeClr val="accent1"/>
+    <dgm:linClrLst>
+      <a:schemeClr val="accent2"/>
+      <a:schemeClr val="accent3"/>
     </dgm:linClrLst>
     <dgm:effectClrLst/>
     <dgm:txLinClrLst/>
@@ -723,8 +673,9 @@
     <dgm:fillClrLst meth="repeat">
       <a:schemeClr val="lt1"/>
     </dgm:fillClrLst>
-    <dgm:linClrLst meth="repeat">
-      <a:schemeClr val="accent1"/>
+    <dgm:linClrLst>
+      <a:schemeClr val="accent2"/>
+      <a:schemeClr val="accent3"/>
     </dgm:linClrLst>
     <dgm:effectClrLst/>
     <dgm:txLinClrLst/>
@@ -737,8 +688,9 @@
     <dgm:fillClrLst meth="repeat">
       <a:schemeClr val="lt1"/>
     </dgm:fillClrLst>
-    <dgm:linClrLst meth="repeat">
-      <a:schemeClr val="accent1"/>
+    <dgm:linClrLst>
+      <a:schemeClr val="accent2"/>
+      <a:schemeClr val="accent3"/>
     </dgm:linClrLst>
     <dgm:effectClrLst/>
     <dgm:txLinClrLst/>
@@ -748,14 +700,23 @@
     <dgm:txEffectClrLst/>
   </dgm:styleLbl>
   <dgm:styleLbl name="fgAccFollowNode1">
-    <dgm:fillClrLst meth="repeat">
-      <a:schemeClr val="lt1">
+    <dgm:fillClrLst>
+      <a:schemeClr val="accent2">
+        <a:tint val="40000"/>
         <a:alpha val="90000"/>
+      </a:schemeClr>
+      <a:schemeClr val="accent3">
         <a:tint val="40000"/>
+        <a:alpha val="90000"/>
       </a:schemeClr>
     </dgm:fillClrLst>
-    <dgm:linClrLst meth="repeat">
-      <a:schemeClr val="accent1">
+    <dgm:linClrLst>
+      <a:schemeClr val="accent2">
+        <a:tint val="40000"/>
+        <a:alpha val="90000"/>
+      </a:schemeClr>
+      <a:schemeClr val="accent3">
+        <a:tint val="40000"/>
         <a:alpha val="90000"/>
       </a:schemeClr>
     </dgm:linClrLst>
@@ -767,14 +728,23 @@
     <dgm:txEffectClrLst/>
   </dgm:styleLbl>
   <dgm:styleLbl name="alignAccFollowNode1">
-    <dgm:fillClrLst meth="repeat">
-      <a:schemeClr val="lt1">
+    <dgm:fillClrLst>
+      <a:schemeClr val="accent2">
+        <a:tint val="40000"/>
         <a:alpha val="90000"/>
+      </a:schemeClr>
+      <a:schemeClr val="accent3">
         <a:tint val="40000"/>
+        <a:alpha val="90000"/>
       </a:schemeClr>
     </dgm:fillClrLst>
-    <dgm:linClrLst meth="repeat">
-      <a:schemeClr val="accent1">
+    <dgm:linClrLst>
+      <a:schemeClr val="accent2">
+        <a:tint val="40000"/>
+        <a:alpha val="90000"/>
+      </a:schemeClr>
+      <a:schemeClr val="accent3">
+        <a:tint val="40000"/>
         <a:alpha val="90000"/>
       </a:schemeClr>
     </dgm:linClrLst>
@@ -786,14 +756,23 @@
     <dgm:txEffectClrLst/>
   </dgm:styleLbl>
   <dgm:styleLbl name="bgAccFollowNode1">
-    <dgm:fillClrLst meth="repeat">
-      <a:schemeClr val="lt1">
+    <dgm:fillClrLst>
+      <a:schemeClr val="accent2">
+        <a:tint val="40000"/>
         <a:alpha val="90000"/>
+      </a:schemeClr>
+      <a:schemeClr val="accent3">
         <a:tint val="40000"/>
+        <a:alpha val="90000"/>
       </a:schemeClr>
     </dgm:fillClrLst>
-    <dgm:linClrLst meth="repeat">
-      <a:schemeClr val="accent1">
+    <dgm:linClrLst>
+      <a:schemeClr val="accent2">
+        <a:tint val="40000"/>
+        <a:alpha val="90000"/>
+      </a:schemeClr>
+      <a:schemeClr val="accent3">
+        <a:tint val="40000"/>
         <a:alpha val="90000"/>
       </a:schemeClr>
     </dgm:linClrLst>
@@ -806,12 +785,11 @@
   </dgm:styleLbl>
   <dgm:styleLbl name="fgAcc0">
     <dgm:fillClrLst meth="repeat">
-      <a:schemeClr val="accent1">
+      <a:schemeClr val="lt1">
         <a:alpha val="90000"/>
-        <a:tint val="40000"/>
       </a:schemeClr>
     </dgm:fillClrLst>
-    <dgm:linClrLst meth="repeat">
+    <dgm:linClrLst>
       <a:schemeClr val="accent1"/>
     </dgm:linClrLst>
     <dgm:effectClrLst/>
@@ -823,13 +801,12 @@
   </dgm:styleLbl>
   <dgm:styleLbl name="fgAcc2">
     <dgm:fillClrLst meth="repeat">
-      <a:schemeClr val="accent1">
+      <a:schemeClr val="lt1">
         <a:alpha val="90000"/>
-        <a:tint val="40000"/>
       </a:schemeClr>
     </dgm:fillClrLst>
-    <dgm:linClrLst meth="repeat">
-      <a:schemeClr val="accent1"/>
+    <dgm:linClrLst>
+      <a:schemeClr val="accent3"/>
     </dgm:linClrLst>
     <dgm:effectClrLst/>
     <dgm:txLinClrLst/>
@@ -840,13 +817,12 @@
   </dgm:styleLbl>
   <dgm:styleLbl name="fgAcc3">
     <dgm:fillClrLst meth="repeat">
-      <a:schemeClr val="accent1">
+      <a:schemeClr val="lt1">
         <a:alpha val="90000"/>
-        <a:tint val="40000"/>
       </a:schemeClr>
     </dgm:fillClrLst>
-    <dgm:linClrLst meth="repeat">
-      <a:schemeClr val="accent1"/>
+    <dgm:linClrLst>
+      <a:schemeClr val="accent4"/>
     </dgm:linClrLst>
     <dgm:effectClrLst/>
     <dgm:txLinClrLst/>
@@ -857,13 +833,12 @@
   </dgm:styleLbl>
   <dgm:styleLbl name="fgAcc4">
     <dgm:fillClrLst meth="repeat">
-      <a:schemeClr val="accent1">
+      <a:schemeClr val="lt1">
         <a:alpha val="90000"/>
-        <a:tint val="40000"/>
       </a:schemeClr>
     </dgm:fillClrLst>
-    <dgm:linClrLst meth="repeat">
-      <a:schemeClr val="accent1"/>
+    <dgm:linClrLst>
+      <a:schemeClr val="accent5"/>
     </dgm:linClrLst>
     <dgm:effectClrLst/>
     <dgm:txLinClrLst/>
@@ -874,12 +849,12 @@
   </dgm:styleLbl>
   <dgm:styleLbl name="bgShp">
     <dgm:fillClrLst meth="repeat">
-      <a:schemeClr val="accent1">
+      <a:schemeClr val="accent2">
         <a:tint val="40000"/>
       </a:schemeClr>
     </dgm:fillClrLst>
     <dgm:linClrLst meth="repeat">
-      <a:schemeClr val="accent1"/>
+      <a:schemeClr val="dk1"/>
     </dgm:linClrLst>
     <dgm:effectClrLst/>
     <dgm:txLinClrLst/>
@@ -890,12 +865,12 @@
   </dgm:styleLbl>
   <dgm:styleLbl name="dkBgShp">
     <dgm:fillClrLst meth="repeat">
-      <a:schemeClr val="accent1">
-        <a:shade val="80000"/>
+      <a:schemeClr val="accent2">
+        <a:shade val="90000"/>
       </a:schemeClr>
     </dgm:fillClrLst>
     <dgm:linClrLst meth="repeat">
-      <a:schemeClr val="accent1"/>
+      <a:schemeClr val="dk1"/>
     </dgm:linClrLst>
     <dgm:effectClrLst/>
     <dgm:txLinClrLst/>
@@ -906,13 +881,13 @@
   </dgm:styleLbl>
   <dgm:styleLbl name="trBgShp">
     <dgm:fillClrLst meth="repeat">
-      <a:schemeClr val="accent1">
+      <a:schemeClr val="accent2">
         <a:tint val="50000"/>
         <a:alpha val="40000"/>
       </a:schemeClr>
     </dgm:fillClrLst>
     <dgm:linClrLst meth="repeat">
-      <a:schemeClr val="accent1"/>
+      <a:schemeClr val="accent2"/>
     </dgm:linClrLst>
     <dgm:effectClrLst/>
     <dgm:txLinClrLst/>
@@ -923,8 +898,8 @@
   </dgm:styleLbl>
   <dgm:styleLbl name="fgShp">
     <dgm:fillClrLst meth="repeat">
-      <a:schemeClr val="accent1">
-        <a:tint val="60000"/>
+      <a:schemeClr val="accent2">
+        <a:tint val="40000"/>
       </a:schemeClr>
     </dgm:fillClrLst>
     <dgm:linClrLst meth="repeat">
@@ -962,7 +937,7 @@
 <dgm:dataModel xmlns:dgm="http://schemas.openxmlformats.org/drawingml/2006/diagram" xmlns:a="http://schemas.openxmlformats.org/drawingml/2006/main">
   <dgm:ptLst>
     <dgm:pt modelId="{0EA680EF-1CA6-4CDD-98AC-9858A5EA3EF7}" type="doc">
-      <dgm:prSet loTypeId="urn:microsoft.com/office/officeart/2008/layout/HalfCircleOrganizationChart" loCatId="hierarchy" qsTypeId="urn:microsoft.com/office/officeart/2005/8/quickstyle/3d1" qsCatId="3D" csTypeId="urn:microsoft.com/office/officeart/2005/8/colors/accent1_1" csCatId="accent1" phldr="1"/>
+      <dgm:prSet loTypeId="urn:microsoft.com/office/officeart/2008/layout/HalfCircleOrganizationChart" loCatId="hierarchy" qsTypeId="urn:microsoft.com/office/officeart/2005/8/quickstyle/3d1" qsCatId="3D" csTypeId="urn:microsoft.com/office/officeart/2005/8/colors/colorful2" csCatId="colorful" phldr="1"/>
       <dgm:spPr/>
       <dgm:t>
         <a:bodyPr/>
@@ -1017,28 +992,17 @@
         <a:lstStyle/>
         <a:p>
           <a:r>
-            <a:rPr lang="en-US" sz="1400" dirty="0" smtClean="0"/>
+            <a:rPr lang="en-US" sz="1400" smtClean="0"/>
             <a:t>Parsing </a:t>
           </a:r>
           <a:r>
-            <a:rPr lang="en-US" sz="1400" i="1" dirty="0" smtClean="0">
-              <a:solidFill>
-                <a:schemeClr val="accent4">
-                  <a:lumMod val="75000"/>
-                </a:schemeClr>
-              </a:solidFill>
+            <a:rPr lang="en-US" sz="1400" i="1" smtClean="0">
               <a:latin typeface="Consolas" panose="020B0609020204030204" pitchFamily="49" charset="0"/>
               <a:cs typeface="Consolas" panose="020B0609020204030204" pitchFamily="49" charset="0"/>
             </a:rPr>
             <a:t>√</a:t>
           </a:r>
-          <a:endParaRPr lang="en-US" sz="1400" dirty="0">
-            <a:solidFill>
-              <a:schemeClr val="accent4">
-                <a:lumMod val="75000"/>
-              </a:schemeClr>
-            </a:solidFill>
-          </a:endParaRPr>
+          <a:endParaRPr lang="en-US" sz="1400" dirty="0"/>
         </a:p>
       </dgm:t>
     </dgm:pt>
@@ -1072,28 +1036,17 @@
         <a:lstStyle/>
         <a:p>
           <a:r>
-            <a:rPr lang="en-US" sz="1400" dirty="0" smtClean="0"/>
+            <a:rPr lang="en-US" sz="1400" smtClean="0"/>
             <a:t>Conversion to AST </a:t>
           </a:r>
           <a:r>
-            <a:rPr lang="en-US" sz="1400" i="1" dirty="0" smtClean="0">
-              <a:solidFill>
-                <a:schemeClr val="accent4">
-                  <a:lumMod val="75000"/>
-                </a:schemeClr>
-              </a:solidFill>
+            <a:rPr lang="en-US" sz="1400" i="1" smtClean="0">
               <a:latin typeface="Consolas" panose="020B0609020204030204" pitchFamily="49" charset="0"/>
               <a:cs typeface="Consolas" panose="020B0609020204030204" pitchFamily="49" charset="0"/>
             </a:rPr>
             <a:t>√</a:t>
           </a:r>
-          <a:endParaRPr lang="en-US" sz="1400" dirty="0">
-            <a:solidFill>
-              <a:schemeClr val="accent4">
-                <a:lumMod val="75000"/>
-              </a:schemeClr>
-            </a:solidFill>
-          </a:endParaRPr>
+          <a:endParaRPr lang="en-US" sz="1400" dirty="0"/>
         </a:p>
       </dgm:t>
     </dgm:pt>
@@ -1238,38 +1191,21 @@
         <a:lstStyle/>
         <a:p>
           <a:r>
-            <a:rPr lang="en-US" sz="1400" dirty="0" smtClean="0"/>
+            <a:rPr lang="en-US" sz="1400" smtClean="0"/>
             <a:t>to SMT </a:t>
           </a:r>
           <a:r>
-            <a:rPr lang="en-US" sz="1400" i="1" dirty="0" smtClean="0">
-              <a:solidFill>
-                <a:schemeClr val="accent4">
-                  <a:lumMod val="75000"/>
-                </a:schemeClr>
-              </a:solidFill>
+            <a:rPr lang="en-US" sz="1400" i="1" smtClean="0">
               <a:latin typeface="Consolas" panose="020B0609020204030204" pitchFamily="49" charset="0"/>
               <a:cs typeface="Consolas" panose="020B0609020204030204" pitchFamily="49" charset="0"/>
             </a:rPr>
             <a:t>√</a:t>
           </a:r>
           <a:r>
-            <a:rPr lang="en-US" sz="1400" dirty="0" smtClean="0">
-              <a:solidFill>
-                <a:schemeClr val="accent4">
-                  <a:lumMod val="75000"/>
-                </a:schemeClr>
-              </a:solidFill>
-            </a:rPr>
+            <a:rPr lang="en-US" sz="1400" smtClean="0"/>
             <a:t> </a:t>
           </a:r>
-          <a:endParaRPr lang="en-US" sz="1400" dirty="0">
-            <a:solidFill>
-              <a:schemeClr val="accent4">
-                <a:lumMod val="75000"/>
-              </a:schemeClr>
-            </a:solidFill>
-          </a:endParaRPr>
+          <a:endParaRPr lang="en-US" sz="1400" dirty="0"/>
         </a:p>
       </dgm:t>
     </dgm:pt>
@@ -1420,28 +1356,17 @@
         <a:lstStyle/>
         <a:p>
           <a:r>
-            <a:rPr lang="en-US" sz="1400" dirty="0" smtClean="0"/>
+            <a:rPr lang="en-US" sz="1400" smtClean="0"/>
             <a:t>Class consistency </a:t>
           </a:r>
           <a:r>
-            <a:rPr lang="en-US" sz="1400" i="1" dirty="0" smtClean="0">
-              <a:solidFill>
-                <a:schemeClr val="accent4">
-                  <a:lumMod val="75000"/>
-                </a:schemeClr>
-              </a:solidFill>
+            <a:rPr lang="en-US" sz="1400" i="1" smtClean="0">
               <a:latin typeface="Consolas" panose="020B0609020204030204" pitchFamily="49" charset="0"/>
               <a:cs typeface="Consolas" panose="020B0609020204030204" pitchFamily="49" charset="0"/>
             </a:rPr>
             <a:t>√</a:t>
           </a:r>
-          <a:endParaRPr lang="en-US" sz="1400" dirty="0">
-            <a:solidFill>
-              <a:schemeClr val="accent4">
-                <a:lumMod val="75000"/>
-              </a:schemeClr>
-            </a:solidFill>
-          </a:endParaRPr>
+          <a:endParaRPr lang="en-US" sz="1400" dirty="0"/>
         </a:p>
       </dgm:t>
     </dgm:pt>
@@ -1660,16 +1585,11 @@
         <a:lstStyle/>
         <a:p>
           <a:r>
-            <a:rPr lang="en-US" sz="1400" dirty="0" smtClean="0"/>
+            <a:rPr lang="en-US" sz="1400" smtClean="0"/>
             <a:t>Latex </a:t>
           </a:r>
           <a:r>
-            <a:rPr lang="en-US" sz="1400" i="1" dirty="0" smtClean="0">
-              <a:solidFill>
-                <a:schemeClr val="accent4">
-                  <a:lumMod val="75000"/>
-                </a:schemeClr>
-              </a:solidFill>
+            <a:rPr lang="en-US" sz="1400" i="1" smtClean="0">
               <a:latin typeface="Consolas" panose="020B0609020204030204" pitchFamily="49" charset="0"/>
               <a:cs typeface="Consolas" panose="020B0609020204030204" pitchFamily="49" charset="0"/>
             </a:rPr>
@@ -1709,16 +1629,11 @@
         <a:lstStyle/>
         <a:p>
           <a:r>
-            <a:rPr lang="en-US" sz="1400" dirty="0" smtClean="0"/>
+            <a:rPr lang="en-US" sz="1400" smtClean="0"/>
             <a:t>Type Checking </a:t>
           </a:r>
           <a:r>
-            <a:rPr lang="en-US" sz="1400" i="1" dirty="0" smtClean="0">
-              <a:solidFill>
-                <a:schemeClr val="accent4">
-                  <a:lumMod val="75000"/>
-                </a:schemeClr>
-              </a:solidFill>
+            <a:rPr lang="en-US" sz="1400" i="1" smtClean="0">
               <a:latin typeface="Consolas" panose="020B0609020204030204" pitchFamily="49" charset="0"/>
               <a:cs typeface="Consolas" panose="020B0609020204030204" pitchFamily="49" charset="0"/>
             </a:rPr>
@@ -1777,10 +1692,24 @@
         </dgm:presLayoutVars>
       </dgm:prSet>
       <dgm:spPr/>
+      <dgm:t>
+        <a:bodyPr/>
+        <a:lstStyle/>
+        <a:p>
+          <a:endParaRPr lang="en-US"/>
+        </a:p>
+      </dgm:t>
     </dgm:pt>
     <dgm:pt modelId="{0DAE816F-A22E-464F-A8B0-8A6CE57A22FB}" type="pres">
       <dgm:prSet presAssocID="{7B7203B6-20DB-4281-8539-1072620383ED}" presName="rootComposite1" presStyleCnt="0"/>
       <dgm:spPr/>
+      <dgm:t>
+        <a:bodyPr/>
+        <a:lstStyle/>
+        <a:p>
+          <a:endParaRPr lang="en-US"/>
+        </a:p>
+      </dgm:t>
     </dgm:pt>
     <dgm:pt modelId="{1E0C8858-A0CA-4D0A-9317-A9C531C71B03}" type="pres">
       <dgm:prSet presAssocID="{7B7203B6-20DB-4281-8539-1072620383ED}" presName="rootText1" presStyleLbl="alignAcc1" presStyleIdx="0" presStyleCnt="0">
@@ -1800,10 +1729,24 @@
     <dgm:pt modelId="{3A5B0F3B-1D54-42AC-AA45-855E2902F93A}" type="pres">
       <dgm:prSet presAssocID="{7B7203B6-20DB-4281-8539-1072620383ED}" presName="topArc1" presStyleLbl="parChTrans1D1" presStyleIdx="0" presStyleCnt="36"/>
       <dgm:spPr/>
+      <dgm:t>
+        <a:bodyPr/>
+        <a:lstStyle/>
+        <a:p>
+          <a:endParaRPr lang="en-US"/>
+        </a:p>
+      </dgm:t>
     </dgm:pt>
     <dgm:pt modelId="{F7CEE381-80E3-4C85-9970-F17C6A5805BB}" type="pres">
       <dgm:prSet presAssocID="{7B7203B6-20DB-4281-8539-1072620383ED}" presName="bottomArc1" presStyleLbl="parChTrans1D1" presStyleIdx="1" presStyleCnt="36"/>
       <dgm:spPr/>
+      <dgm:t>
+        <a:bodyPr/>
+        <a:lstStyle/>
+        <a:p>
+          <a:endParaRPr lang="en-US"/>
+        </a:p>
+      </dgm:t>
     </dgm:pt>
     <dgm:pt modelId="{A121B180-66BB-4442-AEE4-D8032C6E0E2B}" type="pres">
       <dgm:prSet presAssocID="{7B7203B6-20DB-4281-8539-1072620383ED}" presName="topConnNode1" presStyleLbl="node1" presStyleIdx="0" presStyleCnt="0"/>
@@ -1819,6 +1762,13 @@
     <dgm:pt modelId="{9A133843-4035-4337-8976-887C914216AD}" type="pres">
       <dgm:prSet presAssocID="{7B7203B6-20DB-4281-8539-1072620383ED}" presName="hierChild2" presStyleCnt="0"/>
       <dgm:spPr/>
+      <dgm:t>
+        <a:bodyPr/>
+        <a:lstStyle/>
+        <a:p>
+          <a:endParaRPr lang="en-US"/>
+        </a:p>
+      </dgm:t>
     </dgm:pt>
     <dgm:pt modelId="{DF023ABA-E34F-4E78-BBD3-7D55876D0B06}" type="pres">
       <dgm:prSet presAssocID="{A0CD79B0-DBD6-441D-BCFE-4C84129DFCA7}" presName="Name28" presStyleLbl="parChTrans1D2" presStyleIdx="0" presStyleCnt="1"/>
@@ -1838,10 +1788,24 @@
         </dgm:presLayoutVars>
       </dgm:prSet>
       <dgm:spPr/>
+      <dgm:t>
+        <a:bodyPr/>
+        <a:lstStyle/>
+        <a:p>
+          <a:endParaRPr lang="en-US"/>
+        </a:p>
+      </dgm:t>
     </dgm:pt>
     <dgm:pt modelId="{48596564-DA73-4F9A-A5AC-42F82CC34700}" type="pres">
       <dgm:prSet presAssocID="{66DBE711-4A49-4547-8CF2-6E2CF867FF00}" presName="rootComposite2" presStyleCnt="0"/>
       <dgm:spPr/>
+      <dgm:t>
+        <a:bodyPr/>
+        <a:lstStyle/>
+        <a:p>
+          <a:endParaRPr lang="en-US"/>
+        </a:p>
+      </dgm:t>
     </dgm:pt>
     <dgm:pt modelId="{6224BBFC-5F3E-491F-AC1A-4BD1E8D437D5}" type="pres">
       <dgm:prSet presAssocID="{66DBE711-4A49-4547-8CF2-6E2CF867FF00}" presName="rootText2" presStyleLbl="alignAcc1" presStyleIdx="0" presStyleCnt="0" custScaleX="166336">
@@ -1861,10 +1825,24 @@
     <dgm:pt modelId="{393B7EF1-45A2-428C-81C6-07699A8AAAFC}" type="pres">
       <dgm:prSet presAssocID="{66DBE711-4A49-4547-8CF2-6E2CF867FF00}" presName="topArc2" presStyleLbl="parChTrans1D1" presStyleIdx="2" presStyleCnt="36"/>
       <dgm:spPr/>
+      <dgm:t>
+        <a:bodyPr/>
+        <a:lstStyle/>
+        <a:p>
+          <a:endParaRPr lang="en-US"/>
+        </a:p>
+      </dgm:t>
     </dgm:pt>
     <dgm:pt modelId="{A1CD0BB2-3B53-4E54-8880-449EA23E54E7}" type="pres">
       <dgm:prSet presAssocID="{66DBE711-4A49-4547-8CF2-6E2CF867FF00}" presName="bottomArc2" presStyleLbl="parChTrans1D1" presStyleIdx="3" presStyleCnt="36"/>
       <dgm:spPr/>
+      <dgm:t>
+        <a:bodyPr/>
+        <a:lstStyle/>
+        <a:p>
+          <a:endParaRPr lang="en-US"/>
+        </a:p>
+      </dgm:t>
     </dgm:pt>
     <dgm:pt modelId="{39840B04-74A9-430D-8615-F9CEC991CBE5}" type="pres">
       <dgm:prSet presAssocID="{66DBE711-4A49-4547-8CF2-6E2CF867FF00}" presName="topConnNode2" presStyleLbl="node2" presStyleIdx="0" presStyleCnt="0"/>
@@ -1880,6 +1858,13 @@
     <dgm:pt modelId="{D6FC57DE-2D1E-4157-9A1E-7D5508157EA1}" type="pres">
       <dgm:prSet presAssocID="{66DBE711-4A49-4547-8CF2-6E2CF867FF00}" presName="hierChild4" presStyleCnt="0"/>
       <dgm:spPr/>
+      <dgm:t>
+        <a:bodyPr/>
+        <a:lstStyle/>
+        <a:p>
+          <a:endParaRPr lang="en-US"/>
+        </a:p>
+      </dgm:t>
     </dgm:pt>
     <dgm:pt modelId="{B3AE80F9-2103-4B71-8F02-CAB3AA4CF62D}" type="pres">
       <dgm:prSet presAssocID="{46279AFF-16FC-4AC9-A440-F482ED3920CC}" presName="Name28" presStyleLbl="parChTrans1D3" presStyleIdx="0" presStyleCnt="1"/>
@@ -1899,10 +1884,24 @@
         </dgm:presLayoutVars>
       </dgm:prSet>
       <dgm:spPr/>
+      <dgm:t>
+        <a:bodyPr/>
+        <a:lstStyle/>
+        <a:p>
+          <a:endParaRPr lang="en-US"/>
+        </a:p>
+      </dgm:t>
     </dgm:pt>
     <dgm:pt modelId="{8DE8CED8-1808-4057-AE78-A112E9A6FA03}" type="pres">
       <dgm:prSet presAssocID="{B27876A7-3F8C-431C-956B-7EAC02A1E33F}" presName="rootComposite2" presStyleCnt="0"/>
       <dgm:spPr/>
+      <dgm:t>
+        <a:bodyPr/>
+        <a:lstStyle/>
+        <a:p>
+          <a:endParaRPr lang="en-US"/>
+        </a:p>
+      </dgm:t>
     </dgm:pt>
     <dgm:pt modelId="{87E6D7E6-E975-4EC6-AFCF-93E9E200463A}" type="pres">
       <dgm:prSet presAssocID="{B27876A7-3F8C-431C-956B-7EAC02A1E33F}" presName="rootText2" presStyleLbl="alignAcc1" presStyleIdx="0" presStyleCnt="0" custScaleX="216061">
@@ -1922,10 +1921,24 @@
     <dgm:pt modelId="{9547FDBC-85F8-4482-875B-2A91930BD865}" type="pres">
       <dgm:prSet presAssocID="{B27876A7-3F8C-431C-956B-7EAC02A1E33F}" presName="topArc2" presStyleLbl="parChTrans1D1" presStyleIdx="4" presStyleCnt="36"/>
       <dgm:spPr/>
+      <dgm:t>
+        <a:bodyPr/>
+        <a:lstStyle/>
+        <a:p>
+          <a:endParaRPr lang="en-US"/>
+        </a:p>
+      </dgm:t>
     </dgm:pt>
     <dgm:pt modelId="{7E1F0D96-FEDE-492B-BA91-2077254DDF1F}" type="pres">
       <dgm:prSet presAssocID="{B27876A7-3F8C-431C-956B-7EAC02A1E33F}" presName="bottomArc2" presStyleLbl="parChTrans1D1" presStyleIdx="5" presStyleCnt="36"/>
       <dgm:spPr/>
+      <dgm:t>
+        <a:bodyPr/>
+        <a:lstStyle/>
+        <a:p>
+          <a:endParaRPr lang="en-US"/>
+        </a:p>
+      </dgm:t>
     </dgm:pt>
     <dgm:pt modelId="{AC8F9C80-B792-406D-9BE6-FE9A429B2B0D}" type="pres">
       <dgm:prSet presAssocID="{B27876A7-3F8C-431C-956B-7EAC02A1E33F}" presName="topConnNode2" presStyleLbl="node3" presStyleIdx="0" presStyleCnt="0"/>
@@ -1941,6 +1954,13 @@
     <dgm:pt modelId="{527D52BA-68CA-49D7-8C44-075DE07A8C66}" type="pres">
       <dgm:prSet presAssocID="{B27876A7-3F8C-431C-956B-7EAC02A1E33F}" presName="hierChild4" presStyleCnt="0"/>
       <dgm:spPr/>
+      <dgm:t>
+        <a:bodyPr/>
+        <a:lstStyle/>
+        <a:p>
+          <a:endParaRPr lang="en-US"/>
+        </a:p>
+      </dgm:t>
     </dgm:pt>
     <dgm:pt modelId="{D8110EF7-E15B-4001-A3CB-7ADAA5444A7C}" type="pres">
       <dgm:prSet presAssocID="{72324453-13DB-4627-ACB6-B569C90981C3}" presName="Name28" presStyleLbl="parChTrans1D4" presStyleIdx="0" presStyleCnt="15"/>
@@ -1960,10 +1980,24 @@
         </dgm:presLayoutVars>
       </dgm:prSet>
       <dgm:spPr/>
+      <dgm:t>
+        <a:bodyPr/>
+        <a:lstStyle/>
+        <a:p>
+          <a:endParaRPr lang="en-US"/>
+        </a:p>
+      </dgm:t>
     </dgm:pt>
     <dgm:pt modelId="{53BB81B9-9590-4B36-BE69-D8D66A463EA4}" type="pres">
       <dgm:prSet presAssocID="{A056FB49-F477-465A-B39F-FE65E20D5F2A}" presName="rootComposite2" presStyleCnt="0"/>
       <dgm:spPr/>
+      <dgm:t>
+        <a:bodyPr/>
+        <a:lstStyle/>
+        <a:p>
+          <a:endParaRPr lang="en-US"/>
+        </a:p>
+      </dgm:t>
     </dgm:pt>
     <dgm:pt modelId="{E0D2B6F8-DBD2-46D6-9746-95F8869D9A07}" type="pres">
       <dgm:prSet presAssocID="{A056FB49-F477-465A-B39F-FE65E20D5F2A}" presName="rootText2" presStyleLbl="alignAcc1" presStyleIdx="0" presStyleCnt="0" custScaleX="348742">
@@ -1983,10 +2017,24 @@
     <dgm:pt modelId="{E31517EB-C846-4A00-93D5-87480B62B81A}" type="pres">
       <dgm:prSet presAssocID="{A056FB49-F477-465A-B39F-FE65E20D5F2A}" presName="topArc2" presStyleLbl="parChTrans1D1" presStyleIdx="6" presStyleCnt="36"/>
       <dgm:spPr/>
+      <dgm:t>
+        <a:bodyPr/>
+        <a:lstStyle/>
+        <a:p>
+          <a:endParaRPr lang="en-US"/>
+        </a:p>
+      </dgm:t>
     </dgm:pt>
     <dgm:pt modelId="{5850E104-533A-4AD8-810B-0172E1ECD260}" type="pres">
       <dgm:prSet presAssocID="{A056FB49-F477-465A-B39F-FE65E20D5F2A}" presName="bottomArc2" presStyleLbl="parChTrans1D1" presStyleIdx="7" presStyleCnt="36"/>
       <dgm:spPr/>
+      <dgm:t>
+        <a:bodyPr/>
+        <a:lstStyle/>
+        <a:p>
+          <a:endParaRPr lang="en-US"/>
+        </a:p>
+      </dgm:t>
     </dgm:pt>
     <dgm:pt modelId="{148AE8B7-38E0-48F6-AEF7-9463C452981A}" type="pres">
       <dgm:prSet presAssocID="{A056FB49-F477-465A-B39F-FE65E20D5F2A}" presName="topConnNode2" presStyleLbl="node4" presStyleIdx="0" presStyleCnt="0"/>
@@ -2002,6 +2050,13 @@
     <dgm:pt modelId="{E1E75EB5-FF2B-4B82-ABC1-7615A2A0B3AF}" type="pres">
       <dgm:prSet presAssocID="{A056FB49-F477-465A-B39F-FE65E20D5F2A}" presName="hierChild4" presStyleCnt="0"/>
       <dgm:spPr/>
+      <dgm:t>
+        <a:bodyPr/>
+        <a:lstStyle/>
+        <a:p>
+          <a:endParaRPr lang="en-US"/>
+        </a:p>
+      </dgm:t>
     </dgm:pt>
     <dgm:pt modelId="{6FF57E50-04A8-4951-847A-2C725B24ABB4}" type="pres">
       <dgm:prSet presAssocID="{884BB362-3BD4-4CA6-ADD3-538298516D23}" presName="Name28" presStyleLbl="parChTrans1D4" presStyleIdx="1" presStyleCnt="15"/>
@@ -2021,10 +2076,24 @@
         </dgm:presLayoutVars>
       </dgm:prSet>
       <dgm:spPr/>
+      <dgm:t>
+        <a:bodyPr/>
+        <a:lstStyle/>
+        <a:p>
+          <a:endParaRPr lang="en-US"/>
+        </a:p>
+      </dgm:t>
     </dgm:pt>
     <dgm:pt modelId="{DFD95109-A2F6-49C7-9DDC-61779E64A057}" type="pres">
       <dgm:prSet presAssocID="{0A49A00D-6E82-4D45-9E4A-6FDEE4EEA527}" presName="rootComposite2" presStyleCnt="0"/>
       <dgm:spPr/>
+      <dgm:t>
+        <a:bodyPr/>
+        <a:lstStyle/>
+        <a:p>
+          <a:endParaRPr lang="en-US"/>
+        </a:p>
+      </dgm:t>
     </dgm:pt>
     <dgm:pt modelId="{9B5D9EDB-F93D-429C-B688-FC9E1CFB1F93}" type="pres">
       <dgm:prSet presAssocID="{0A49A00D-6E82-4D45-9E4A-6FDEE4EEA527}" presName="rootText2" presStyleLbl="alignAcc1" presStyleIdx="0" presStyleCnt="0" custScaleX="271401">
@@ -2044,10 +2113,24 @@
     <dgm:pt modelId="{146E1CFA-54DB-425B-9FA0-F19AC302FCB0}" type="pres">
       <dgm:prSet presAssocID="{0A49A00D-6E82-4D45-9E4A-6FDEE4EEA527}" presName="topArc2" presStyleLbl="parChTrans1D1" presStyleIdx="8" presStyleCnt="36"/>
       <dgm:spPr/>
+      <dgm:t>
+        <a:bodyPr/>
+        <a:lstStyle/>
+        <a:p>
+          <a:endParaRPr lang="en-US"/>
+        </a:p>
+      </dgm:t>
     </dgm:pt>
     <dgm:pt modelId="{D141DC33-1FD7-42E5-A6C7-7E60DC2ED7E0}" type="pres">
       <dgm:prSet presAssocID="{0A49A00D-6E82-4D45-9E4A-6FDEE4EEA527}" presName="bottomArc2" presStyleLbl="parChTrans1D1" presStyleIdx="9" presStyleCnt="36"/>
       <dgm:spPr/>
+      <dgm:t>
+        <a:bodyPr/>
+        <a:lstStyle/>
+        <a:p>
+          <a:endParaRPr lang="en-US"/>
+        </a:p>
+      </dgm:t>
     </dgm:pt>
     <dgm:pt modelId="{A9DED617-FFF3-4BE5-ABFC-DA272A85657E}" type="pres">
       <dgm:prSet presAssocID="{0A49A00D-6E82-4D45-9E4A-6FDEE4EEA527}" presName="topConnNode2" presStyleLbl="node4" presStyleIdx="0" presStyleCnt="0"/>
@@ -2063,10 +2146,24 @@
     <dgm:pt modelId="{5BE19DF6-601C-42EE-A4D8-A6285A57C589}" type="pres">
       <dgm:prSet presAssocID="{0A49A00D-6E82-4D45-9E4A-6FDEE4EEA527}" presName="hierChild4" presStyleCnt="0"/>
       <dgm:spPr/>
+      <dgm:t>
+        <a:bodyPr/>
+        <a:lstStyle/>
+        <a:p>
+          <a:endParaRPr lang="en-US"/>
+        </a:p>
+      </dgm:t>
     </dgm:pt>
     <dgm:pt modelId="{95701E7F-24D8-4792-9780-778B2A6E6C07}" type="pres">
       <dgm:prSet presAssocID="{0A49A00D-6E82-4D45-9E4A-6FDEE4EEA527}" presName="hierChild5" presStyleCnt="0"/>
       <dgm:spPr/>
+      <dgm:t>
+        <a:bodyPr/>
+        <a:lstStyle/>
+        <a:p>
+          <a:endParaRPr lang="en-US"/>
+        </a:p>
+      </dgm:t>
     </dgm:pt>
     <dgm:pt modelId="{77AFC571-5D4A-4713-BAD2-B2F043D9E4F0}" type="pres">
       <dgm:prSet presAssocID="{2BA41C0E-3BD3-4FAC-986D-6CC8E2028BC7}" presName="Name28" presStyleLbl="parChTrans1D4" presStyleIdx="2" presStyleCnt="15"/>
@@ -2086,10 +2183,24 @@
         </dgm:presLayoutVars>
       </dgm:prSet>
       <dgm:spPr/>
+      <dgm:t>
+        <a:bodyPr/>
+        <a:lstStyle/>
+        <a:p>
+          <a:endParaRPr lang="en-US"/>
+        </a:p>
+      </dgm:t>
     </dgm:pt>
     <dgm:pt modelId="{F686C128-1B36-430A-81C0-91345142274C}" type="pres">
       <dgm:prSet presAssocID="{D4DBD54D-CAAC-4F67-8AC9-F0FF09111B76}" presName="rootComposite2" presStyleCnt="0"/>
       <dgm:spPr/>
+      <dgm:t>
+        <a:bodyPr/>
+        <a:lstStyle/>
+        <a:p>
+          <a:endParaRPr lang="en-US"/>
+        </a:p>
+      </dgm:t>
     </dgm:pt>
     <dgm:pt modelId="{871FD543-CD1E-48A3-9DEC-EB41C7146695}" type="pres">
       <dgm:prSet presAssocID="{D4DBD54D-CAAC-4F67-8AC9-F0FF09111B76}" presName="rootText2" presStyleLbl="alignAcc1" presStyleIdx="0" presStyleCnt="0" custScaleX="221649">
@@ -2109,10 +2220,24 @@
     <dgm:pt modelId="{288875E8-CD6F-4FD8-8F03-8BBD78219C3A}" type="pres">
       <dgm:prSet presAssocID="{D4DBD54D-CAAC-4F67-8AC9-F0FF09111B76}" presName="topArc2" presStyleLbl="parChTrans1D1" presStyleIdx="10" presStyleCnt="36"/>
       <dgm:spPr/>
+      <dgm:t>
+        <a:bodyPr/>
+        <a:lstStyle/>
+        <a:p>
+          <a:endParaRPr lang="en-US"/>
+        </a:p>
+      </dgm:t>
     </dgm:pt>
     <dgm:pt modelId="{FA2DD701-E4E3-4B86-AAA9-C10491ED0A3E}" type="pres">
       <dgm:prSet presAssocID="{D4DBD54D-CAAC-4F67-8AC9-F0FF09111B76}" presName="bottomArc2" presStyleLbl="parChTrans1D1" presStyleIdx="11" presStyleCnt="36"/>
       <dgm:spPr/>
+      <dgm:t>
+        <a:bodyPr/>
+        <a:lstStyle/>
+        <a:p>
+          <a:endParaRPr lang="en-US"/>
+        </a:p>
+      </dgm:t>
     </dgm:pt>
     <dgm:pt modelId="{304EE8DC-74F9-4EA2-A898-F562AB921F08}" type="pres">
       <dgm:prSet presAssocID="{D4DBD54D-CAAC-4F67-8AC9-F0FF09111B76}" presName="topConnNode2" presStyleLbl="node4" presStyleIdx="0" presStyleCnt="0"/>
@@ -2128,14 +2253,35 @@
     <dgm:pt modelId="{D42D4020-116D-4544-B547-2A60F80DA6A5}" type="pres">
       <dgm:prSet presAssocID="{D4DBD54D-CAAC-4F67-8AC9-F0FF09111B76}" presName="hierChild4" presStyleCnt="0"/>
       <dgm:spPr/>
+      <dgm:t>
+        <a:bodyPr/>
+        <a:lstStyle/>
+        <a:p>
+          <a:endParaRPr lang="en-US"/>
+        </a:p>
+      </dgm:t>
     </dgm:pt>
     <dgm:pt modelId="{71317E25-63FF-4216-A396-086F6E598BA7}" type="pres">
       <dgm:prSet presAssocID="{D4DBD54D-CAAC-4F67-8AC9-F0FF09111B76}" presName="hierChild5" presStyleCnt="0"/>
       <dgm:spPr/>
+      <dgm:t>
+        <a:bodyPr/>
+        <a:lstStyle/>
+        <a:p>
+          <a:endParaRPr lang="en-US"/>
+        </a:p>
+      </dgm:t>
     </dgm:pt>
     <dgm:pt modelId="{6C6AFC28-7930-49BF-B58D-87B69C54AF53}" type="pres">
       <dgm:prSet presAssocID="{A056FB49-F477-465A-B39F-FE65E20D5F2A}" presName="hierChild5" presStyleCnt="0"/>
       <dgm:spPr/>
+      <dgm:t>
+        <a:bodyPr/>
+        <a:lstStyle/>
+        <a:p>
+          <a:endParaRPr lang="en-US"/>
+        </a:p>
+      </dgm:t>
     </dgm:pt>
     <dgm:pt modelId="{B4F2084F-355C-4A22-A705-3DDCE1749361}" type="pres">
       <dgm:prSet presAssocID="{153103D2-A285-4A1F-B43F-97FF1E941393}" presName="Name28" presStyleLbl="parChTrans1D4" presStyleIdx="3" presStyleCnt="15"/>
@@ -2155,10 +2301,24 @@
         </dgm:presLayoutVars>
       </dgm:prSet>
       <dgm:spPr/>
+      <dgm:t>
+        <a:bodyPr/>
+        <a:lstStyle/>
+        <a:p>
+          <a:endParaRPr lang="en-US"/>
+        </a:p>
+      </dgm:t>
     </dgm:pt>
     <dgm:pt modelId="{C3F7DCFF-5D85-41AC-8A75-08E9A75680CF}" type="pres">
       <dgm:prSet presAssocID="{AD0F264C-28C5-43BA-86B4-8733D972B0FF}" presName="rootComposite2" presStyleCnt="0"/>
       <dgm:spPr/>
+      <dgm:t>
+        <a:bodyPr/>
+        <a:lstStyle/>
+        <a:p>
+          <a:endParaRPr lang="en-US"/>
+        </a:p>
+      </dgm:t>
     </dgm:pt>
     <dgm:pt modelId="{D07A9C80-965E-4711-A655-3460DDBA569B}" type="pres">
       <dgm:prSet presAssocID="{AD0F264C-28C5-43BA-86B4-8733D972B0FF}" presName="rootText2" presStyleLbl="alignAcc1" presStyleIdx="0" presStyleCnt="0" custScaleX="203813">
@@ -2178,10 +2338,24 @@
     <dgm:pt modelId="{097E3815-5124-496B-A12D-0E759A531691}" type="pres">
       <dgm:prSet presAssocID="{AD0F264C-28C5-43BA-86B4-8733D972B0FF}" presName="topArc2" presStyleLbl="parChTrans1D1" presStyleIdx="12" presStyleCnt="36"/>
       <dgm:spPr/>
+      <dgm:t>
+        <a:bodyPr/>
+        <a:lstStyle/>
+        <a:p>
+          <a:endParaRPr lang="en-US"/>
+        </a:p>
+      </dgm:t>
     </dgm:pt>
     <dgm:pt modelId="{9F87DB24-2326-4139-8CBF-41A595E83F31}" type="pres">
       <dgm:prSet presAssocID="{AD0F264C-28C5-43BA-86B4-8733D972B0FF}" presName="bottomArc2" presStyleLbl="parChTrans1D1" presStyleIdx="13" presStyleCnt="36"/>
       <dgm:spPr/>
+      <dgm:t>
+        <a:bodyPr/>
+        <a:lstStyle/>
+        <a:p>
+          <a:endParaRPr lang="en-US"/>
+        </a:p>
+      </dgm:t>
     </dgm:pt>
     <dgm:pt modelId="{93E80003-D8D9-406A-99A3-533244C42A0E}" type="pres">
       <dgm:prSet presAssocID="{AD0F264C-28C5-43BA-86B4-8733D972B0FF}" presName="topConnNode2" presStyleLbl="node4" presStyleIdx="0" presStyleCnt="0"/>
@@ -2197,10 +2371,24 @@
     <dgm:pt modelId="{B827676D-834A-4CC5-8D61-97E98D36F963}" type="pres">
       <dgm:prSet presAssocID="{AD0F264C-28C5-43BA-86B4-8733D972B0FF}" presName="hierChild4" presStyleCnt="0"/>
       <dgm:spPr/>
+      <dgm:t>
+        <a:bodyPr/>
+        <a:lstStyle/>
+        <a:p>
+          <a:endParaRPr lang="en-US"/>
+        </a:p>
+      </dgm:t>
     </dgm:pt>
     <dgm:pt modelId="{0E025C5C-57D9-444F-B0C2-7AF9C3D9CB9A}" type="pres">
       <dgm:prSet presAssocID="{C18AE9E4-58C3-4D76-A5FB-6AB6DCC5F6CE}" presName="Name28" presStyleLbl="parChTrans1D4" presStyleIdx="4" presStyleCnt="15"/>
       <dgm:spPr/>
+      <dgm:t>
+        <a:bodyPr/>
+        <a:lstStyle/>
+        <a:p>
+          <a:endParaRPr lang="en-US"/>
+        </a:p>
+      </dgm:t>
     </dgm:pt>
     <dgm:pt modelId="{C5EDF823-32C3-47D5-B733-EFC17EBAE5C1}" type="pres">
       <dgm:prSet presAssocID="{A1EC8075-019A-443B-A990-CF7F53DE9B6C}" presName="hierRoot2" presStyleCnt="0">
@@ -2209,10 +2397,24 @@
         </dgm:presLayoutVars>
       </dgm:prSet>
       <dgm:spPr/>
+      <dgm:t>
+        <a:bodyPr/>
+        <a:lstStyle/>
+        <a:p>
+          <a:endParaRPr lang="en-US"/>
+        </a:p>
+      </dgm:t>
     </dgm:pt>
     <dgm:pt modelId="{F2AA286A-F220-4255-8C94-E786BCB7A9D2}" type="pres">
       <dgm:prSet presAssocID="{A1EC8075-019A-443B-A990-CF7F53DE9B6C}" presName="rootComposite2" presStyleCnt="0"/>
       <dgm:spPr/>
+      <dgm:t>
+        <a:bodyPr/>
+        <a:lstStyle/>
+        <a:p>
+          <a:endParaRPr lang="en-US"/>
+        </a:p>
+      </dgm:t>
     </dgm:pt>
     <dgm:pt modelId="{8AB6158F-8531-4243-9B9E-F063F6D62F02}" type="pres">
       <dgm:prSet presAssocID="{A1EC8075-019A-443B-A990-CF7F53DE9B6C}" presName="rootText2" presStyleLbl="alignAcc1" presStyleIdx="0" presStyleCnt="0" custScaleX="171901">
@@ -2232,10 +2434,24 @@
     <dgm:pt modelId="{5EBF7DAF-B9CC-430C-9A32-FEC851E299DE}" type="pres">
       <dgm:prSet presAssocID="{A1EC8075-019A-443B-A990-CF7F53DE9B6C}" presName="topArc2" presStyleLbl="parChTrans1D1" presStyleIdx="14" presStyleCnt="36"/>
       <dgm:spPr/>
+      <dgm:t>
+        <a:bodyPr/>
+        <a:lstStyle/>
+        <a:p>
+          <a:endParaRPr lang="en-US"/>
+        </a:p>
+      </dgm:t>
     </dgm:pt>
     <dgm:pt modelId="{B39AAD30-56C5-4B5C-A5FE-F7EE6B698A6F}" type="pres">
       <dgm:prSet presAssocID="{A1EC8075-019A-443B-A990-CF7F53DE9B6C}" presName="bottomArc2" presStyleLbl="parChTrans1D1" presStyleIdx="15" presStyleCnt="36"/>
       <dgm:spPr/>
+      <dgm:t>
+        <a:bodyPr/>
+        <a:lstStyle/>
+        <a:p>
+          <a:endParaRPr lang="en-US"/>
+        </a:p>
+      </dgm:t>
     </dgm:pt>
     <dgm:pt modelId="{16E10861-320A-4751-8F93-EF257D70805C}" type="pres">
       <dgm:prSet presAssocID="{A1EC8075-019A-443B-A990-CF7F53DE9B6C}" presName="topConnNode2" presStyleLbl="node4" presStyleIdx="0" presStyleCnt="0"/>
@@ -2251,10 +2467,24 @@
     <dgm:pt modelId="{EE3F7EB5-0792-4C16-B6C0-8581C98A848F}" type="pres">
       <dgm:prSet presAssocID="{A1EC8075-019A-443B-A990-CF7F53DE9B6C}" presName="hierChild4" presStyleCnt="0"/>
       <dgm:spPr/>
+      <dgm:t>
+        <a:bodyPr/>
+        <a:lstStyle/>
+        <a:p>
+          <a:endParaRPr lang="en-US"/>
+        </a:p>
+      </dgm:t>
     </dgm:pt>
     <dgm:pt modelId="{8FED2C8B-F894-48E4-9D0F-B4718B9118D8}" type="pres">
       <dgm:prSet presAssocID="{A1EC8075-019A-443B-A990-CF7F53DE9B6C}" presName="hierChild5" presStyleCnt="0"/>
       <dgm:spPr/>
+      <dgm:t>
+        <a:bodyPr/>
+        <a:lstStyle/>
+        <a:p>
+          <a:endParaRPr lang="en-US"/>
+        </a:p>
+      </dgm:t>
     </dgm:pt>
     <dgm:pt modelId="{B168139D-9638-4836-9432-0FB779B3B428}" type="pres">
       <dgm:prSet presAssocID="{8D7FDFAF-5840-48AE-905E-FEC26B5CBEBE}" presName="Name28" presStyleLbl="parChTrans1D4" presStyleIdx="5" presStyleCnt="15"/>
@@ -2274,10 +2504,24 @@
         </dgm:presLayoutVars>
       </dgm:prSet>
       <dgm:spPr/>
+      <dgm:t>
+        <a:bodyPr/>
+        <a:lstStyle/>
+        <a:p>
+          <a:endParaRPr lang="en-US"/>
+        </a:p>
+      </dgm:t>
     </dgm:pt>
     <dgm:pt modelId="{693934C2-5820-41E4-8321-1CAB3A980E0A}" type="pres">
       <dgm:prSet presAssocID="{5F413A98-045E-4A43-AC3C-B2E8D07F4B83}" presName="rootComposite2" presStyleCnt="0"/>
       <dgm:spPr/>
+      <dgm:t>
+        <a:bodyPr/>
+        <a:lstStyle/>
+        <a:p>
+          <a:endParaRPr lang="en-US"/>
+        </a:p>
+      </dgm:t>
     </dgm:pt>
     <dgm:pt modelId="{0F368D30-1687-4B9A-8E4C-18D6B90C8073}" type="pres">
       <dgm:prSet presAssocID="{5F413A98-045E-4A43-AC3C-B2E8D07F4B83}" presName="rootText2" presStyleLbl="alignAcc1" presStyleIdx="0" presStyleCnt="0" custScaleX="172896">
@@ -2297,10 +2541,24 @@
     <dgm:pt modelId="{0342C0EC-4FAA-42C0-A8B6-F4C9EF916262}" type="pres">
       <dgm:prSet presAssocID="{5F413A98-045E-4A43-AC3C-B2E8D07F4B83}" presName="topArc2" presStyleLbl="parChTrans1D1" presStyleIdx="16" presStyleCnt="36"/>
       <dgm:spPr/>
+      <dgm:t>
+        <a:bodyPr/>
+        <a:lstStyle/>
+        <a:p>
+          <a:endParaRPr lang="en-US"/>
+        </a:p>
+      </dgm:t>
     </dgm:pt>
     <dgm:pt modelId="{771EFBD6-F752-4C5D-A2EB-73C2B557B48B}" type="pres">
       <dgm:prSet presAssocID="{5F413A98-045E-4A43-AC3C-B2E8D07F4B83}" presName="bottomArc2" presStyleLbl="parChTrans1D1" presStyleIdx="17" presStyleCnt="36"/>
       <dgm:spPr/>
+      <dgm:t>
+        <a:bodyPr/>
+        <a:lstStyle/>
+        <a:p>
+          <a:endParaRPr lang="en-US"/>
+        </a:p>
+      </dgm:t>
     </dgm:pt>
     <dgm:pt modelId="{E3829788-7D38-4CB5-9F9B-856D393113D2}" type="pres">
       <dgm:prSet presAssocID="{5F413A98-045E-4A43-AC3C-B2E8D07F4B83}" presName="topConnNode2" presStyleLbl="node4" presStyleIdx="0" presStyleCnt="0"/>
@@ -2316,10 +2574,24 @@
     <dgm:pt modelId="{9FF9B21B-06C1-4D0D-A9A1-0C10287FF4AD}" type="pres">
       <dgm:prSet presAssocID="{5F413A98-045E-4A43-AC3C-B2E8D07F4B83}" presName="hierChild4" presStyleCnt="0"/>
       <dgm:spPr/>
+      <dgm:t>
+        <a:bodyPr/>
+        <a:lstStyle/>
+        <a:p>
+          <a:endParaRPr lang="en-US"/>
+        </a:p>
+      </dgm:t>
     </dgm:pt>
     <dgm:pt modelId="{49AFA00A-55ED-4BEE-8BF9-00A1C8ED5D93}" type="pres">
       <dgm:prSet presAssocID="{5F413A98-045E-4A43-AC3C-B2E8D07F4B83}" presName="hierChild5" presStyleCnt="0"/>
       <dgm:spPr/>
+      <dgm:t>
+        <a:bodyPr/>
+        <a:lstStyle/>
+        <a:p>
+          <a:endParaRPr lang="en-US"/>
+        </a:p>
+      </dgm:t>
     </dgm:pt>
     <dgm:pt modelId="{95646D47-2327-4564-85D8-6CCBB654AD0A}" type="pres">
       <dgm:prSet presAssocID="{97068351-7F29-4DB1-A0B4-9EBF9D77EEEF}" presName="Name28" presStyleLbl="parChTrans1D4" presStyleIdx="6" presStyleCnt="15"/>
@@ -2339,10 +2611,24 @@
         </dgm:presLayoutVars>
       </dgm:prSet>
       <dgm:spPr/>
+      <dgm:t>
+        <a:bodyPr/>
+        <a:lstStyle/>
+        <a:p>
+          <a:endParaRPr lang="en-US"/>
+        </a:p>
+      </dgm:t>
     </dgm:pt>
     <dgm:pt modelId="{3760D94A-E173-4A6D-92E5-FFFB6BDF0D0E}" type="pres">
       <dgm:prSet presAssocID="{D26629C5-CAC0-40C0-8699-E3F9E6C2F5BE}" presName="rootComposite2" presStyleCnt="0"/>
       <dgm:spPr/>
+      <dgm:t>
+        <a:bodyPr/>
+        <a:lstStyle/>
+        <a:p>
+          <a:endParaRPr lang="en-US"/>
+        </a:p>
+      </dgm:t>
     </dgm:pt>
     <dgm:pt modelId="{30AECE91-C63E-4D94-9394-381BD0623EE0}" type="pres">
       <dgm:prSet presAssocID="{D26629C5-CAC0-40C0-8699-E3F9E6C2F5BE}" presName="rootText2" presStyleLbl="alignAcc1" presStyleIdx="0" presStyleCnt="0" custScaleX="208113">
@@ -2362,10 +2648,24 @@
     <dgm:pt modelId="{F4E7FFED-36B0-487A-883C-7055BE2DABA7}" type="pres">
       <dgm:prSet presAssocID="{D26629C5-CAC0-40C0-8699-E3F9E6C2F5BE}" presName="topArc2" presStyleLbl="parChTrans1D1" presStyleIdx="18" presStyleCnt="36"/>
       <dgm:spPr/>
+      <dgm:t>
+        <a:bodyPr/>
+        <a:lstStyle/>
+        <a:p>
+          <a:endParaRPr lang="en-US"/>
+        </a:p>
+      </dgm:t>
     </dgm:pt>
     <dgm:pt modelId="{B311A944-5DE4-43A2-B2A4-39FC75C91AC0}" type="pres">
       <dgm:prSet presAssocID="{D26629C5-CAC0-40C0-8699-E3F9E6C2F5BE}" presName="bottomArc2" presStyleLbl="parChTrans1D1" presStyleIdx="19" presStyleCnt="36"/>
       <dgm:spPr/>
+      <dgm:t>
+        <a:bodyPr/>
+        <a:lstStyle/>
+        <a:p>
+          <a:endParaRPr lang="en-US"/>
+        </a:p>
+      </dgm:t>
     </dgm:pt>
     <dgm:pt modelId="{50357888-1378-470F-BA05-929C6044EC6D}" type="pres">
       <dgm:prSet presAssocID="{D26629C5-CAC0-40C0-8699-E3F9E6C2F5BE}" presName="topConnNode2" presStyleLbl="node4" presStyleIdx="0" presStyleCnt="0"/>
@@ -2381,10 +2681,24 @@
     <dgm:pt modelId="{3C190C30-6092-46B1-B5FD-23FB45CD81BF}" type="pres">
       <dgm:prSet presAssocID="{D26629C5-CAC0-40C0-8699-E3F9E6C2F5BE}" presName="hierChild4" presStyleCnt="0"/>
       <dgm:spPr/>
+      <dgm:t>
+        <a:bodyPr/>
+        <a:lstStyle/>
+        <a:p>
+          <a:endParaRPr lang="en-US"/>
+        </a:p>
+      </dgm:t>
     </dgm:pt>
     <dgm:pt modelId="{95AF125F-CAA4-444E-8CA9-FDF635D3FEDF}" type="pres">
       <dgm:prSet presAssocID="{D26629C5-CAC0-40C0-8699-E3F9E6C2F5BE}" presName="hierChild5" presStyleCnt="0"/>
       <dgm:spPr/>
+      <dgm:t>
+        <a:bodyPr/>
+        <a:lstStyle/>
+        <a:p>
+          <a:endParaRPr lang="en-US"/>
+        </a:p>
+      </dgm:t>
     </dgm:pt>
     <dgm:pt modelId="{B28CA9DD-8294-4623-899E-179B2A328D7B}" type="pres">
       <dgm:prSet presAssocID="{00204AB6-E9C2-44DD-9E72-C0766D735CE9}" presName="Name28" presStyleLbl="parChTrans1D4" presStyleIdx="7" presStyleCnt="15"/>
@@ -2404,10 +2718,24 @@
         </dgm:presLayoutVars>
       </dgm:prSet>
       <dgm:spPr/>
+      <dgm:t>
+        <a:bodyPr/>
+        <a:lstStyle/>
+        <a:p>
+          <a:endParaRPr lang="en-US"/>
+        </a:p>
+      </dgm:t>
     </dgm:pt>
     <dgm:pt modelId="{6BCDBAB0-49B4-497F-84E2-B4204943804C}" type="pres">
       <dgm:prSet presAssocID="{AB4FBE87-8274-4C06-B27D-91DEA9C21018}" presName="rootComposite2" presStyleCnt="0"/>
       <dgm:spPr/>
+      <dgm:t>
+        <a:bodyPr/>
+        <a:lstStyle/>
+        <a:p>
+          <a:endParaRPr lang="en-US"/>
+        </a:p>
+      </dgm:t>
     </dgm:pt>
     <dgm:pt modelId="{9086CC03-1419-4E02-8816-638CF6E9BCD3}" type="pres">
       <dgm:prSet presAssocID="{AB4FBE87-8274-4C06-B27D-91DEA9C21018}" presName="rootText2" presStyleLbl="alignAcc1" presStyleIdx="0" presStyleCnt="0" custScaleX="206372">
@@ -2427,10 +2755,24 @@
     <dgm:pt modelId="{06A44381-AC88-41A2-B1C3-0D0C4B9A0DBE}" type="pres">
       <dgm:prSet presAssocID="{AB4FBE87-8274-4C06-B27D-91DEA9C21018}" presName="topArc2" presStyleLbl="parChTrans1D1" presStyleIdx="20" presStyleCnt="36"/>
       <dgm:spPr/>
+      <dgm:t>
+        <a:bodyPr/>
+        <a:lstStyle/>
+        <a:p>
+          <a:endParaRPr lang="en-US"/>
+        </a:p>
+      </dgm:t>
     </dgm:pt>
     <dgm:pt modelId="{5BF4901D-BB48-46E9-B4BB-EEFFC736A225}" type="pres">
       <dgm:prSet presAssocID="{AB4FBE87-8274-4C06-B27D-91DEA9C21018}" presName="bottomArc2" presStyleLbl="parChTrans1D1" presStyleIdx="21" presStyleCnt="36"/>
       <dgm:spPr/>
+      <dgm:t>
+        <a:bodyPr/>
+        <a:lstStyle/>
+        <a:p>
+          <a:endParaRPr lang="en-US"/>
+        </a:p>
+      </dgm:t>
     </dgm:pt>
     <dgm:pt modelId="{6D2325CE-F490-4991-A56A-892EB5356C74}" type="pres">
       <dgm:prSet presAssocID="{AB4FBE87-8274-4C06-B27D-91DEA9C21018}" presName="topConnNode2" presStyleLbl="node4" presStyleIdx="0" presStyleCnt="0"/>
@@ -2446,14 +2788,35 @@
     <dgm:pt modelId="{AFA4E276-5BCB-4BC0-827F-FC03D8767578}" type="pres">
       <dgm:prSet presAssocID="{AB4FBE87-8274-4C06-B27D-91DEA9C21018}" presName="hierChild4" presStyleCnt="0"/>
       <dgm:spPr/>
+      <dgm:t>
+        <a:bodyPr/>
+        <a:lstStyle/>
+        <a:p>
+          <a:endParaRPr lang="en-US"/>
+        </a:p>
+      </dgm:t>
     </dgm:pt>
     <dgm:pt modelId="{7240F185-3B3E-422F-9761-B6A0F95CF361}" type="pres">
       <dgm:prSet presAssocID="{AB4FBE87-8274-4C06-B27D-91DEA9C21018}" presName="hierChild5" presStyleCnt="0"/>
       <dgm:spPr/>
+      <dgm:t>
+        <a:bodyPr/>
+        <a:lstStyle/>
+        <a:p>
+          <a:endParaRPr lang="en-US"/>
+        </a:p>
+      </dgm:t>
     </dgm:pt>
     <dgm:pt modelId="{57D05D10-8AB7-4D5A-B659-74E602E91DF3}" type="pres">
       <dgm:prSet presAssocID="{AD0F264C-28C5-43BA-86B4-8733D972B0FF}" presName="hierChild5" presStyleCnt="0"/>
       <dgm:spPr/>
+      <dgm:t>
+        <a:bodyPr/>
+        <a:lstStyle/>
+        <a:p>
+          <a:endParaRPr lang="en-US"/>
+        </a:p>
+      </dgm:t>
     </dgm:pt>
     <dgm:pt modelId="{879EC2B6-EEFE-4B35-BE06-9E3A52093AE1}" type="pres">
       <dgm:prSet presAssocID="{2B04B022-3D96-4962-AF3D-E9DB13CF6F2C}" presName="Name28" presStyleLbl="parChTrans1D4" presStyleIdx="8" presStyleCnt="15"/>
@@ -2473,10 +2836,24 @@
         </dgm:presLayoutVars>
       </dgm:prSet>
       <dgm:spPr/>
+      <dgm:t>
+        <a:bodyPr/>
+        <a:lstStyle/>
+        <a:p>
+          <a:endParaRPr lang="en-US"/>
+        </a:p>
+      </dgm:t>
     </dgm:pt>
     <dgm:pt modelId="{0B7F3587-C698-42E5-A8ED-4A5AEC3BC8F4}" type="pres">
       <dgm:prSet presAssocID="{30E7A03F-7F3A-4CF1-8860-75644279B951}" presName="rootComposite2" presStyleCnt="0"/>
       <dgm:spPr/>
+      <dgm:t>
+        <a:bodyPr/>
+        <a:lstStyle/>
+        <a:p>
+          <a:endParaRPr lang="en-US"/>
+        </a:p>
+      </dgm:t>
     </dgm:pt>
     <dgm:pt modelId="{ADE46A3D-DCE0-4E1B-9B8B-5B2E855C537B}" type="pres">
       <dgm:prSet presAssocID="{30E7A03F-7F3A-4CF1-8860-75644279B951}" presName="rootText2" presStyleLbl="alignAcc1" presStyleIdx="0" presStyleCnt="0">
@@ -2496,10 +2873,24 @@
     <dgm:pt modelId="{3FBB455D-F200-4BA3-8A4B-AE5615495DA5}" type="pres">
       <dgm:prSet presAssocID="{30E7A03F-7F3A-4CF1-8860-75644279B951}" presName="topArc2" presStyleLbl="parChTrans1D1" presStyleIdx="22" presStyleCnt="36"/>
       <dgm:spPr/>
+      <dgm:t>
+        <a:bodyPr/>
+        <a:lstStyle/>
+        <a:p>
+          <a:endParaRPr lang="en-US"/>
+        </a:p>
+      </dgm:t>
     </dgm:pt>
     <dgm:pt modelId="{A1B29CD6-71A4-407E-AE3F-A9DF4AAAC1AA}" type="pres">
       <dgm:prSet presAssocID="{30E7A03F-7F3A-4CF1-8860-75644279B951}" presName="bottomArc2" presStyleLbl="parChTrans1D1" presStyleIdx="23" presStyleCnt="36"/>
       <dgm:spPr/>
+      <dgm:t>
+        <a:bodyPr/>
+        <a:lstStyle/>
+        <a:p>
+          <a:endParaRPr lang="en-US"/>
+        </a:p>
+      </dgm:t>
     </dgm:pt>
     <dgm:pt modelId="{D2B4C66E-4A36-4456-B801-30C1FD84ED6F}" type="pres">
       <dgm:prSet presAssocID="{30E7A03F-7F3A-4CF1-8860-75644279B951}" presName="topConnNode2" presStyleLbl="node4" presStyleIdx="0" presStyleCnt="0"/>
@@ -2515,6 +2906,13 @@
     <dgm:pt modelId="{65F7894B-3F1F-4CB5-A4CB-75CE57687AAA}" type="pres">
       <dgm:prSet presAssocID="{30E7A03F-7F3A-4CF1-8860-75644279B951}" presName="hierChild4" presStyleCnt="0"/>
       <dgm:spPr/>
+      <dgm:t>
+        <a:bodyPr/>
+        <a:lstStyle/>
+        <a:p>
+          <a:endParaRPr lang="en-US"/>
+        </a:p>
+      </dgm:t>
     </dgm:pt>
     <dgm:pt modelId="{F30CD632-7AB3-4157-8022-9A04E41C61F5}" type="pres">
       <dgm:prSet presAssocID="{215DF587-48A2-48EC-90C5-28D4E27A3C42}" presName="Name28" presStyleLbl="parChTrans1D4" presStyleIdx="9" presStyleCnt="15"/>
@@ -2534,10 +2932,24 @@
         </dgm:presLayoutVars>
       </dgm:prSet>
       <dgm:spPr/>
+      <dgm:t>
+        <a:bodyPr/>
+        <a:lstStyle/>
+        <a:p>
+          <a:endParaRPr lang="en-US"/>
+        </a:p>
+      </dgm:t>
     </dgm:pt>
     <dgm:pt modelId="{96C252C8-1B90-4090-91F2-174C4C6AB2E2}" type="pres">
       <dgm:prSet presAssocID="{0BD76478-B91F-44E0-A5A7-31AE58744EA4}" presName="rootComposite2" presStyleCnt="0"/>
       <dgm:spPr/>
+      <dgm:t>
+        <a:bodyPr/>
+        <a:lstStyle/>
+        <a:p>
+          <a:endParaRPr lang="en-US"/>
+        </a:p>
+      </dgm:t>
     </dgm:pt>
     <dgm:pt modelId="{DB55847B-863F-4052-B638-1F104125F2A0}" type="pres">
       <dgm:prSet presAssocID="{0BD76478-B91F-44E0-A5A7-31AE58744EA4}" presName="rootText2" presStyleLbl="alignAcc1" presStyleIdx="0" presStyleCnt="0">
@@ -2557,10 +2969,24 @@
     <dgm:pt modelId="{0FB2F8A8-B9B9-494F-B897-540EBC9157CF}" type="pres">
       <dgm:prSet presAssocID="{0BD76478-B91F-44E0-A5A7-31AE58744EA4}" presName="topArc2" presStyleLbl="parChTrans1D1" presStyleIdx="24" presStyleCnt="36"/>
       <dgm:spPr/>
+      <dgm:t>
+        <a:bodyPr/>
+        <a:lstStyle/>
+        <a:p>
+          <a:endParaRPr lang="en-US"/>
+        </a:p>
+      </dgm:t>
     </dgm:pt>
     <dgm:pt modelId="{30CD97F0-2EF3-47D0-9F95-1E240EEDE1E6}" type="pres">
       <dgm:prSet presAssocID="{0BD76478-B91F-44E0-A5A7-31AE58744EA4}" presName="bottomArc2" presStyleLbl="parChTrans1D1" presStyleIdx="25" presStyleCnt="36"/>
       <dgm:spPr/>
+      <dgm:t>
+        <a:bodyPr/>
+        <a:lstStyle/>
+        <a:p>
+          <a:endParaRPr lang="en-US"/>
+        </a:p>
+      </dgm:t>
     </dgm:pt>
     <dgm:pt modelId="{114271C8-59B4-4C10-BA87-A00F7D17C663}" type="pres">
       <dgm:prSet presAssocID="{0BD76478-B91F-44E0-A5A7-31AE58744EA4}" presName="topConnNode2" presStyleLbl="node4" presStyleIdx="0" presStyleCnt="0"/>
@@ -2576,10 +3002,24 @@
     <dgm:pt modelId="{00BC2B00-B005-4A33-BFAD-0491B27F0BC3}" type="pres">
       <dgm:prSet presAssocID="{0BD76478-B91F-44E0-A5A7-31AE58744EA4}" presName="hierChild4" presStyleCnt="0"/>
       <dgm:spPr/>
+      <dgm:t>
+        <a:bodyPr/>
+        <a:lstStyle/>
+        <a:p>
+          <a:endParaRPr lang="en-US"/>
+        </a:p>
+      </dgm:t>
     </dgm:pt>
     <dgm:pt modelId="{CBDB9F45-5B08-44F7-B22C-A2FAC01B95AD}" type="pres">
       <dgm:prSet presAssocID="{0BD76478-B91F-44E0-A5A7-31AE58744EA4}" presName="hierChild5" presStyleCnt="0"/>
       <dgm:spPr/>
+      <dgm:t>
+        <a:bodyPr/>
+        <a:lstStyle/>
+        <a:p>
+          <a:endParaRPr lang="en-US"/>
+        </a:p>
+      </dgm:t>
     </dgm:pt>
     <dgm:pt modelId="{E47EE065-A5AD-439B-A045-57636814262E}" type="pres">
       <dgm:prSet presAssocID="{26A0D31B-9E33-4271-A888-87F357946316}" presName="Name28" presStyleLbl="parChTrans1D4" presStyleIdx="10" presStyleCnt="15"/>
@@ -2599,10 +3039,24 @@
         </dgm:presLayoutVars>
       </dgm:prSet>
       <dgm:spPr/>
+      <dgm:t>
+        <a:bodyPr/>
+        <a:lstStyle/>
+        <a:p>
+          <a:endParaRPr lang="en-US"/>
+        </a:p>
+      </dgm:t>
     </dgm:pt>
     <dgm:pt modelId="{4973447D-AC9F-4F8A-A193-3002710EC9B6}" type="pres">
       <dgm:prSet presAssocID="{220292C8-D3C9-43E3-A7D1-734FA07CC12F}" presName="rootComposite2" presStyleCnt="0"/>
       <dgm:spPr/>
+      <dgm:t>
+        <a:bodyPr/>
+        <a:lstStyle/>
+        <a:p>
+          <a:endParaRPr lang="en-US"/>
+        </a:p>
+      </dgm:t>
     </dgm:pt>
     <dgm:pt modelId="{DB0608AF-6434-4811-8D76-A819FFCCAF16}" type="pres">
       <dgm:prSet presAssocID="{220292C8-D3C9-43E3-A7D1-734FA07CC12F}" presName="rootText2" presStyleLbl="alignAcc1" presStyleIdx="0" presStyleCnt="0">
@@ -2622,10 +3076,24 @@
     <dgm:pt modelId="{C8F92E9B-A002-4473-B9BC-1178E10AFAEA}" type="pres">
       <dgm:prSet presAssocID="{220292C8-D3C9-43E3-A7D1-734FA07CC12F}" presName="topArc2" presStyleLbl="parChTrans1D1" presStyleIdx="26" presStyleCnt="36"/>
       <dgm:spPr/>
+      <dgm:t>
+        <a:bodyPr/>
+        <a:lstStyle/>
+        <a:p>
+          <a:endParaRPr lang="en-US"/>
+        </a:p>
+      </dgm:t>
     </dgm:pt>
     <dgm:pt modelId="{E496D336-07C5-40D6-8C55-28B47F0100A7}" type="pres">
       <dgm:prSet presAssocID="{220292C8-D3C9-43E3-A7D1-734FA07CC12F}" presName="bottomArc2" presStyleLbl="parChTrans1D1" presStyleIdx="27" presStyleCnt="36"/>
       <dgm:spPr/>
+      <dgm:t>
+        <a:bodyPr/>
+        <a:lstStyle/>
+        <a:p>
+          <a:endParaRPr lang="en-US"/>
+        </a:p>
+      </dgm:t>
     </dgm:pt>
     <dgm:pt modelId="{7ECCE2DA-38C0-4CC0-9371-403B20D68AB5}" type="pres">
       <dgm:prSet presAssocID="{220292C8-D3C9-43E3-A7D1-734FA07CC12F}" presName="topConnNode2" presStyleLbl="node4" presStyleIdx="0" presStyleCnt="0"/>
@@ -2641,10 +3109,24 @@
     <dgm:pt modelId="{56464D23-9FAF-458D-8DA9-51B077B174F1}" type="pres">
       <dgm:prSet presAssocID="{220292C8-D3C9-43E3-A7D1-734FA07CC12F}" presName="hierChild4" presStyleCnt="0"/>
       <dgm:spPr/>
+      <dgm:t>
+        <a:bodyPr/>
+        <a:lstStyle/>
+        <a:p>
+          <a:endParaRPr lang="en-US"/>
+        </a:p>
+      </dgm:t>
     </dgm:pt>
     <dgm:pt modelId="{E903E761-CA8D-4076-B2CE-AAEE6E873729}" type="pres">
       <dgm:prSet presAssocID="{220292C8-D3C9-43E3-A7D1-734FA07CC12F}" presName="hierChild5" presStyleCnt="0"/>
       <dgm:spPr/>
+      <dgm:t>
+        <a:bodyPr/>
+        <a:lstStyle/>
+        <a:p>
+          <a:endParaRPr lang="en-US"/>
+        </a:p>
+      </dgm:t>
     </dgm:pt>
     <dgm:pt modelId="{A8270DEA-35D0-4217-AFFF-9FC3852CCDC3}" type="pres">
       <dgm:prSet presAssocID="{965B1A88-B29D-4A73-8FAD-3060039D4AC2}" presName="Name28" presStyleLbl="parChTrans1D4" presStyleIdx="11" presStyleCnt="15"/>
@@ -2664,10 +3146,24 @@
         </dgm:presLayoutVars>
       </dgm:prSet>
       <dgm:spPr/>
+      <dgm:t>
+        <a:bodyPr/>
+        <a:lstStyle/>
+        <a:p>
+          <a:endParaRPr lang="en-US"/>
+        </a:p>
+      </dgm:t>
     </dgm:pt>
     <dgm:pt modelId="{7D0D6588-0822-4815-9347-48DDEDFBC409}" type="pres">
       <dgm:prSet presAssocID="{C767EE05-A867-4605-905A-26AEE19E33EF}" presName="rootComposite2" presStyleCnt="0"/>
       <dgm:spPr/>
+      <dgm:t>
+        <a:bodyPr/>
+        <a:lstStyle/>
+        <a:p>
+          <a:endParaRPr lang="en-US"/>
+        </a:p>
+      </dgm:t>
     </dgm:pt>
     <dgm:pt modelId="{EB104F69-8B6F-485D-BF5B-7765EC980701}" type="pres">
       <dgm:prSet presAssocID="{C767EE05-A867-4605-905A-26AEE19E33EF}" presName="rootText2" presStyleLbl="alignAcc1" presStyleIdx="0" presStyleCnt="0" custScaleX="303151">
@@ -2687,10 +3183,24 @@
     <dgm:pt modelId="{579C4178-BAB5-479D-9ABD-B92882E57EFC}" type="pres">
       <dgm:prSet presAssocID="{C767EE05-A867-4605-905A-26AEE19E33EF}" presName="topArc2" presStyleLbl="parChTrans1D1" presStyleIdx="28" presStyleCnt="36"/>
       <dgm:spPr/>
+      <dgm:t>
+        <a:bodyPr/>
+        <a:lstStyle/>
+        <a:p>
+          <a:endParaRPr lang="en-US"/>
+        </a:p>
+      </dgm:t>
     </dgm:pt>
     <dgm:pt modelId="{016F1884-A744-4BB3-BAAE-E54C40E49009}" type="pres">
       <dgm:prSet presAssocID="{C767EE05-A867-4605-905A-26AEE19E33EF}" presName="bottomArc2" presStyleLbl="parChTrans1D1" presStyleIdx="29" presStyleCnt="36"/>
       <dgm:spPr/>
+      <dgm:t>
+        <a:bodyPr/>
+        <a:lstStyle/>
+        <a:p>
+          <a:endParaRPr lang="en-US"/>
+        </a:p>
+      </dgm:t>
     </dgm:pt>
     <dgm:pt modelId="{EF04980A-0082-4377-90A6-EEA212E92C2D}" type="pres">
       <dgm:prSet presAssocID="{C767EE05-A867-4605-905A-26AEE19E33EF}" presName="topConnNode2" presStyleLbl="node4" presStyleIdx="0" presStyleCnt="0"/>
@@ -2706,14 +3216,35 @@
     <dgm:pt modelId="{B7E27F65-3843-4C14-9702-7B356D1F2682}" type="pres">
       <dgm:prSet presAssocID="{C767EE05-A867-4605-905A-26AEE19E33EF}" presName="hierChild4" presStyleCnt="0"/>
       <dgm:spPr/>
+      <dgm:t>
+        <a:bodyPr/>
+        <a:lstStyle/>
+        <a:p>
+          <a:endParaRPr lang="en-US"/>
+        </a:p>
+      </dgm:t>
     </dgm:pt>
     <dgm:pt modelId="{86469CCB-9092-43D0-A691-3BEC191112DC}" type="pres">
       <dgm:prSet presAssocID="{C767EE05-A867-4605-905A-26AEE19E33EF}" presName="hierChild5" presStyleCnt="0"/>
       <dgm:spPr/>
+      <dgm:t>
+        <a:bodyPr/>
+        <a:lstStyle/>
+        <a:p>
+          <a:endParaRPr lang="en-US"/>
+        </a:p>
+      </dgm:t>
     </dgm:pt>
     <dgm:pt modelId="{9B03D7B9-1A5A-4EBA-AAC6-7AE19C4BE611}" type="pres">
       <dgm:prSet presAssocID="{30E7A03F-7F3A-4CF1-8860-75644279B951}" presName="hierChild5" presStyleCnt="0"/>
       <dgm:spPr/>
+      <dgm:t>
+        <a:bodyPr/>
+        <a:lstStyle/>
+        <a:p>
+          <a:endParaRPr lang="en-US"/>
+        </a:p>
+      </dgm:t>
     </dgm:pt>
     <dgm:pt modelId="{B7CCB88F-0261-4FC8-BA15-888BCD3E30A8}" type="pres">
       <dgm:prSet presAssocID="{4F45B7B3-F24E-4744-A8FD-351D01F180EE}" presName="Name28" presStyleLbl="parChTrans1D4" presStyleIdx="12" presStyleCnt="15"/>
@@ -2733,10 +3264,24 @@
         </dgm:presLayoutVars>
       </dgm:prSet>
       <dgm:spPr/>
+      <dgm:t>
+        <a:bodyPr/>
+        <a:lstStyle/>
+        <a:p>
+          <a:endParaRPr lang="en-US"/>
+        </a:p>
+      </dgm:t>
     </dgm:pt>
     <dgm:pt modelId="{A221C025-D6E4-4B03-AC99-1AAE656F0855}" type="pres">
       <dgm:prSet presAssocID="{490EE227-96C8-47DB-BFD0-816B3A00B399}" presName="rootComposite2" presStyleCnt="0"/>
       <dgm:spPr/>
+      <dgm:t>
+        <a:bodyPr/>
+        <a:lstStyle/>
+        <a:p>
+          <a:endParaRPr lang="en-US"/>
+        </a:p>
+      </dgm:t>
     </dgm:pt>
     <dgm:pt modelId="{8E5B0BCC-D0D8-4094-A7DE-4CD6FD9FA789}" type="pres">
       <dgm:prSet presAssocID="{490EE227-96C8-47DB-BFD0-816B3A00B399}" presName="rootText2" presStyleLbl="alignAcc1" presStyleIdx="0" presStyleCnt="0" custScaleX="236133">
@@ -2756,10 +3301,24 @@
     <dgm:pt modelId="{4BA432B5-D5DB-465F-A8ED-523A8038D560}" type="pres">
       <dgm:prSet presAssocID="{490EE227-96C8-47DB-BFD0-816B3A00B399}" presName="topArc2" presStyleLbl="parChTrans1D1" presStyleIdx="30" presStyleCnt="36"/>
       <dgm:spPr/>
+      <dgm:t>
+        <a:bodyPr/>
+        <a:lstStyle/>
+        <a:p>
+          <a:endParaRPr lang="en-US"/>
+        </a:p>
+      </dgm:t>
     </dgm:pt>
     <dgm:pt modelId="{839401B2-0EB8-4D6F-9583-15FD7D7FA762}" type="pres">
       <dgm:prSet presAssocID="{490EE227-96C8-47DB-BFD0-816B3A00B399}" presName="bottomArc2" presStyleLbl="parChTrans1D1" presStyleIdx="31" presStyleCnt="36"/>
       <dgm:spPr/>
+      <dgm:t>
+        <a:bodyPr/>
+        <a:lstStyle/>
+        <a:p>
+          <a:endParaRPr lang="en-US"/>
+        </a:p>
+      </dgm:t>
     </dgm:pt>
     <dgm:pt modelId="{D02FA1C0-FB7B-4E7B-9212-57FDD04FDDC3}" type="pres">
       <dgm:prSet presAssocID="{490EE227-96C8-47DB-BFD0-816B3A00B399}" presName="topConnNode2" presStyleLbl="node4" presStyleIdx="0" presStyleCnt="0"/>
@@ -2775,14 +3334,35 @@
     <dgm:pt modelId="{A8C6ED02-9680-4673-AEA7-960FDF5C019B}" type="pres">
       <dgm:prSet presAssocID="{490EE227-96C8-47DB-BFD0-816B3A00B399}" presName="hierChild4" presStyleCnt="0"/>
       <dgm:spPr/>
+      <dgm:t>
+        <a:bodyPr/>
+        <a:lstStyle/>
+        <a:p>
+          <a:endParaRPr lang="en-US"/>
+        </a:p>
+      </dgm:t>
     </dgm:pt>
     <dgm:pt modelId="{B943E816-A614-49F0-84A1-31EF2D18A4A5}" type="pres">
       <dgm:prSet presAssocID="{490EE227-96C8-47DB-BFD0-816B3A00B399}" presName="hierChild5" presStyleCnt="0"/>
       <dgm:spPr/>
+      <dgm:t>
+        <a:bodyPr/>
+        <a:lstStyle/>
+        <a:p>
+          <a:endParaRPr lang="en-US"/>
+        </a:p>
+      </dgm:t>
     </dgm:pt>
     <dgm:pt modelId="{46FC53F3-E2B4-4AB7-8C72-75B8B2949500}" type="pres">
       <dgm:prSet presAssocID="{43A42314-2EAC-4DAD-A1A1-C6D0A51E0BAC}" presName="Name28" presStyleLbl="parChTrans1D4" presStyleIdx="13" presStyleCnt="15"/>
       <dgm:spPr/>
+      <dgm:t>
+        <a:bodyPr/>
+        <a:lstStyle/>
+        <a:p>
+          <a:endParaRPr lang="en-US"/>
+        </a:p>
+      </dgm:t>
     </dgm:pt>
     <dgm:pt modelId="{24D73316-1828-41A2-A15D-DA49E2070873}" type="pres">
       <dgm:prSet presAssocID="{C8F89FDB-1B01-44EA-ACFF-60DB3F58DC8B}" presName="hierRoot2" presStyleCnt="0">
@@ -2791,10 +3371,24 @@
         </dgm:presLayoutVars>
       </dgm:prSet>
       <dgm:spPr/>
+      <dgm:t>
+        <a:bodyPr/>
+        <a:lstStyle/>
+        <a:p>
+          <a:endParaRPr lang="en-US"/>
+        </a:p>
+      </dgm:t>
     </dgm:pt>
     <dgm:pt modelId="{DBFB1967-0B62-4FFD-824B-F7FF65F8AF64}" type="pres">
       <dgm:prSet presAssocID="{C8F89FDB-1B01-44EA-ACFF-60DB3F58DC8B}" presName="rootComposite2" presStyleCnt="0"/>
       <dgm:spPr/>
+      <dgm:t>
+        <a:bodyPr/>
+        <a:lstStyle/>
+        <a:p>
+          <a:endParaRPr lang="en-US"/>
+        </a:p>
+      </dgm:t>
     </dgm:pt>
     <dgm:pt modelId="{3388F3EC-68C1-4585-8B64-4450B68DE8D7}" type="pres">
       <dgm:prSet presAssocID="{C8F89FDB-1B01-44EA-ACFF-60DB3F58DC8B}" presName="rootText2" presStyleLbl="alignAcc1" presStyleIdx="0" presStyleCnt="0" custScaleX="182696">
@@ -2814,10 +3408,24 @@
     <dgm:pt modelId="{85E8DC3D-2BB7-44E0-A9BB-543D93F57A2F}" type="pres">
       <dgm:prSet presAssocID="{C8F89FDB-1B01-44EA-ACFF-60DB3F58DC8B}" presName="topArc2" presStyleLbl="parChTrans1D1" presStyleIdx="32" presStyleCnt="36"/>
       <dgm:spPr/>
+      <dgm:t>
+        <a:bodyPr/>
+        <a:lstStyle/>
+        <a:p>
+          <a:endParaRPr lang="en-US"/>
+        </a:p>
+      </dgm:t>
     </dgm:pt>
     <dgm:pt modelId="{485E0016-8DEC-4198-AC98-B9B6C594B7E5}" type="pres">
       <dgm:prSet presAssocID="{C8F89FDB-1B01-44EA-ACFF-60DB3F58DC8B}" presName="bottomArc2" presStyleLbl="parChTrans1D1" presStyleIdx="33" presStyleCnt="36"/>
       <dgm:spPr/>
+      <dgm:t>
+        <a:bodyPr/>
+        <a:lstStyle/>
+        <a:p>
+          <a:endParaRPr lang="en-US"/>
+        </a:p>
+      </dgm:t>
     </dgm:pt>
     <dgm:pt modelId="{47960EFF-35A0-4F39-9B31-1DD1604B6344}" type="pres">
       <dgm:prSet presAssocID="{C8F89FDB-1B01-44EA-ACFF-60DB3F58DC8B}" presName="topConnNode2" presStyleLbl="node4" presStyleIdx="0" presStyleCnt="0"/>
@@ -2833,10 +3441,24 @@
     <dgm:pt modelId="{EF68E7B5-83D5-43EB-83A5-4E99648C9139}" type="pres">
       <dgm:prSet presAssocID="{C8F89FDB-1B01-44EA-ACFF-60DB3F58DC8B}" presName="hierChild4" presStyleCnt="0"/>
       <dgm:spPr/>
+      <dgm:t>
+        <a:bodyPr/>
+        <a:lstStyle/>
+        <a:p>
+          <a:endParaRPr lang="en-US"/>
+        </a:p>
+      </dgm:t>
     </dgm:pt>
     <dgm:pt modelId="{82732868-9283-4264-89D3-0FCFD97F39F8}" type="pres">
       <dgm:prSet presAssocID="{EF2D4896-77CB-445C-877D-F11B38C2579D}" presName="Name28" presStyleLbl="parChTrans1D4" presStyleIdx="14" presStyleCnt="15"/>
       <dgm:spPr/>
+      <dgm:t>
+        <a:bodyPr/>
+        <a:lstStyle/>
+        <a:p>
+          <a:endParaRPr lang="en-US"/>
+        </a:p>
+      </dgm:t>
     </dgm:pt>
     <dgm:pt modelId="{5937D23A-43FD-4479-85D7-9D5C12EA47D8}" type="pres">
       <dgm:prSet presAssocID="{52B1F852-D929-4D6D-AA15-BE4D72739A86}" presName="hierRoot2" presStyleCnt="0">
@@ -2845,10 +3467,24 @@
         </dgm:presLayoutVars>
       </dgm:prSet>
       <dgm:spPr/>
+      <dgm:t>
+        <a:bodyPr/>
+        <a:lstStyle/>
+        <a:p>
+          <a:endParaRPr lang="en-US"/>
+        </a:p>
+      </dgm:t>
     </dgm:pt>
     <dgm:pt modelId="{10E6DAE0-5A23-471D-9EE5-F1D9AB7D02BB}" type="pres">
       <dgm:prSet presAssocID="{52B1F852-D929-4D6D-AA15-BE4D72739A86}" presName="rootComposite2" presStyleCnt="0"/>
       <dgm:spPr/>
+      <dgm:t>
+        <a:bodyPr/>
+        <a:lstStyle/>
+        <a:p>
+          <a:endParaRPr lang="en-US"/>
+        </a:p>
+      </dgm:t>
     </dgm:pt>
     <dgm:pt modelId="{398BC3BB-B7DD-4AAF-9963-2D3D2693CB22}" type="pres">
       <dgm:prSet presAssocID="{52B1F852-D929-4D6D-AA15-BE4D72739A86}" presName="rootText2" presStyleLbl="alignAcc1" presStyleIdx="0" presStyleCnt="0">
@@ -2868,10 +3504,24 @@
     <dgm:pt modelId="{D36BDF83-1659-48B3-8941-883368C8BA30}" type="pres">
       <dgm:prSet presAssocID="{52B1F852-D929-4D6D-AA15-BE4D72739A86}" presName="topArc2" presStyleLbl="parChTrans1D1" presStyleIdx="34" presStyleCnt="36"/>
       <dgm:spPr/>
+      <dgm:t>
+        <a:bodyPr/>
+        <a:lstStyle/>
+        <a:p>
+          <a:endParaRPr lang="en-US"/>
+        </a:p>
+      </dgm:t>
     </dgm:pt>
     <dgm:pt modelId="{402E685E-3A14-4B91-9909-DADE1CECEA5A}" type="pres">
       <dgm:prSet presAssocID="{52B1F852-D929-4D6D-AA15-BE4D72739A86}" presName="bottomArc2" presStyleLbl="parChTrans1D1" presStyleIdx="35" presStyleCnt="36"/>
       <dgm:spPr/>
+      <dgm:t>
+        <a:bodyPr/>
+        <a:lstStyle/>
+        <a:p>
+          <a:endParaRPr lang="en-US"/>
+        </a:p>
+      </dgm:t>
     </dgm:pt>
     <dgm:pt modelId="{23B9C89C-C5CC-4045-B072-F49531FFABEE}" type="pres">
       <dgm:prSet presAssocID="{52B1F852-D929-4D6D-AA15-BE4D72739A86}" presName="topConnNode2" presStyleLbl="node4" presStyleIdx="0" presStyleCnt="0"/>
@@ -2887,26 +3537,68 @@
     <dgm:pt modelId="{79C089EA-1824-4090-8260-4A468065A322}" type="pres">
       <dgm:prSet presAssocID="{52B1F852-D929-4D6D-AA15-BE4D72739A86}" presName="hierChild4" presStyleCnt="0"/>
       <dgm:spPr/>
+      <dgm:t>
+        <a:bodyPr/>
+        <a:lstStyle/>
+        <a:p>
+          <a:endParaRPr lang="en-US"/>
+        </a:p>
+      </dgm:t>
     </dgm:pt>
     <dgm:pt modelId="{39814DF8-2651-403A-B247-66AC9BC19105}" type="pres">
       <dgm:prSet presAssocID="{52B1F852-D929-4D6D-AA15-BE4D72739A86}" presName="hierChild5" presStyleCnt="0"/>
       <dgm:spPr/>
+      <dgm:t>
+        <a:bodyPr/>
+        <a:lstStyle/>
+        <a:p>
+          <a:endParaRPr lang="en-US"/>
+        </a:p>
+      </dgm:t>
     </dgm:pt>
     <dgm:pt modelId="{753E9FBD-9D10-4D54-8B87-DA78E0FBD04E}" type="pres">
       <dgm:prSet presAssocID="{C8F89FDB-1B01-44EA-ACFF-60DB3F58DC8B}" presName="hierChild5" presStyleCnt="0"/>
       <dgm:spPr/>
+      <dgm:t>
+        <a:bodyPr/>
+        <a:lstStyle/>
+        <a:p>
+          <a:endParaRPr lang="en-US"/>
+        </a:p>
+      </dgm:t>
     </dgm:pt>
     <dgm:pt modelId="{2E901098-36B9-4DC9-8852-B0339875F512}" type="pres">
       <dgm:prSet presAssocID="{B27876A7-3F8C-431C-956B-7EAC02A1E33F}" presName="hierChild5" presStyleCnt="0"/>
       <dgm:spPr/>
+      <dgm:t>
+        <a:bodyPr/>
+        <a:lstStyle/>
+        <a:p>
+          <a:endParaRPr lang="en-US"/>
+        </a:p>
+      </dgm:t>
     </dgm:pt>
     <dgm:pt modelId="{A19BFE21-5F78-4451-811E-68CF80540364}" type="pres">
       <dgm:prSet presAssocID="{66DBE711-4A49-4547-8CF2-6E2CF867FF00}" presName="hierChild5" presStyleCnt="0"/>
       <dgm:spPr/>
+      <dgm:t>
+        <a:bodyPr/>
+        <a:lstStyle/>
+        <a:p>
+          <a:endParaRPr lang="en-US"/>
+        </a:p>
+      </dgm:t>
     </dgm:pt>
     <dgm:pt modelId="{3C8B19BB-B43B-43E0-9323-4FAD23563CC9}" type="pres">
       <dgm:prSet presAssocID="{7B7203B6-20DB-4281-8539-1072620383ED}" presName="hierChild3" presStyleCnt="0"/>
       <dgm:spPr/>
+      <dgm:t>
+        <a:bodyPr/>
+        <a:lstStyle/>
+        <a:p>
+          <a:endParaRPr lang="en-US"/>
+        </a:p>
+      </dgm:t>
     </dgm:pt>
   </dgm:ptLst>
   <dgm:cxnLst>
@@ -2919,8 +3611,8 @@
     <dgm:cxn modelId="{34BD3534-FE2E-4A4C-8219-46A253D418FD}" type="presOf" srcId="{66DBE711-4A49-4547-8CF2-6E2CF867FF00}" destId="{39840B04-74A9-430D-8615-F9CEC991CBE5}" srcOrd="1" destOrd="0" presId="urn:microsoft.com/office/officeart/2008/layout/HalfCircleOrganizationChart"/>
     <dgm:cxn modelId="{BA0062DC-233B-48F5-B3ED-F79D4AFB6932}" type="presOf" srcId="{30E7A03F-7F3A-4CF1-8860-75644279B951}" destId="{ADE46A3D-DCE0-4E1B-9B8B-5B2E855C537B}" srcOrd="0" destOrd="0" presId="urn:microsoft.com/office/officeart/2008/layout/HalfCircleOrganizationChart"/>
     <dgm:cxn modelId="{7F1AE16C-63C6-4A55-94AE-AEBB771448DD}" type="presOf" srcId="{7B7203B6-20DB-4281-8539-1072620383ED}" destId="{1E0C8858-A0CA-4D0A-9317-A9C531C71B03}" srcOrd="0" destOrd="0" presId="urn:microsoft.com/office/officeart/2008/layout/HalfCircleOrganizationChart"/>
+    <dgm:cxn modelId="{E77D918A-68AA-4B1E-B522-81F8BA5B9895}" type="presOf" srcId="{C767EE05-A867-4605-905A-26AEE19E33EF}" destId="{EB104F69-8B6F-485D-BF5B-7765EC980701}" srcOrd="0" destOrd="0" presId="urn:microsoft.com/office/officeart/2008/layout/HalfCircleOrganizationChart"/>
     <dgm:cxn modelId="{A9B5940E-DD21-4C89-8255-66F6BA8C8292}" type="presOf" srcId="{EF2D4896-77CB-445C-877D-F11B38C2579D}" destId="{82732868-9283-4264-89D3-0FCFD97F39F8}" srcOrd="0" destOrd="0" presId="urn:microsoft.com/office/officeart/2008/layout/HalfCircleOrganizationChart"/>
-    <dgm:cxn modelId="{E77D918A-68AA-4B1E-B522-81F8BA5B9895}" type="presOf" srcId="{C767EE05-A867-4605-905A-26AEE19E33EF}" destId="{EB104F69-8B6F-485D-BF5B-7765EC980701}" srcOrd="0" destOrd="0" presId="urn:microsoft.com/office/officeart/2008/layout/HalfCircleOrganizationChart"/>
     <dgm:cxn modelId="{87B0C0E7-9E8A-4C09-8359-A4439AEA48D1}" srcId="{30E7A03F-7F3A-4CF1-8860-75644279B951}" destId="{220292C8-D3C9-43E3-A7D1-734FA07CC12F}" srcOrd="1" destOrd="0" parTransId="{26A0D31B-9E33-4271-A888-87F357946316}" sibTransId="{45D0FF33-0D4C-4EAF-AA6D-D07026E2F0AB}"/>
     <dgm:cxn modelId="{BD83622E-6AA3-460A-A61F-7E1B7E7DB51D}" type="presOf" srcId="{AD0F264C-28C5-43BA-86B4-8733D972B0FF}" destId="{D07A9C80-965E-4711-A655-3460DDBA569B}" srcOrd="0" destOrd="0" presId="urn:microsoft.com/office/officeart/2008/layout/HalfCircleOrganizationChart"/>
     <dgm:cxn modelId="{C66EAD64-C6F8-4362-A3C9-9E07558C4F90}" srcId="{B27876A7-3F8C-431C-956B-7EAC02A1E33F}" destId="{C8F89FDB-1B01-44EA-ACFF-60DB3F58DC8B}" srcOrd="4" destOrd="0" parTransId="{43A42314-2EAC-4DAD-A1A1-C6D0A51E0BAC}" sibTransId="{5EC999CD-9912-4E84-94BE-798BF19BDD17}"/>
@@ -3206,8 +3898,7 @@
         <a:noFill/>
         <a:ln w="19050" cap="rnd" cmpd="sng" algn="ctr">
           <a:solidFill>
-            <a:schemeClr val="accent1">
-              <a:shade val="80000"/>
+            <a:schemeClr val="accent5">
               <a:hueOff val="0"/>
               <a:satOff val="0"/>
               <a:lumOff val="0"/>
@@ -3272,8 +3963,7 @@
         <a:noFill/>
         <a:ln w="19050" cap="rnd" cmpd="sng" algn="ctr">
           <a:solidFill>
-            <a:schemeClr val="accent1">
-              <a:shade val="80000"/>
+            <a:schemeClr val="accent5">
               <a:hueOff val="0"/>
               <a:satOff val="0"/>
               <a:lumOff val="0"/>
@@ -3338,8 +4028,7 @@
         <a:noFill/>
         <a:ln w="19050" cap="rnd" cmpd="sng" algn="ctr">
           <a:solidFill>
-            <a:schemeClr val="accent1">
-              <a:shade val="80000"/>
+            <a:schemeClr val="accent5">
               <a:hueOff val="0"/>
               <a:satOff val="0"/>
               <a:lumOff val="0"/>
@@ -3401,8 +4090,7 @@
         <a:noFill/>
         <a:ln w="19050" cap="rnd" cmpd="sng" algn="ctr">
           <a:solidFill>
-            <a:schemeClr val="accent1">
-              <a:shade val="80000"/>
+            <a:schemeClr val="accent5">
               <a:hueOff val="0"/>
               <a:satOff val="0"/>
               <a:lumOff val="0"/>
@@ -3464,8 +4152,7 @@
         <a:noFill/>
         <a:ln w="19050" cap="rnd" cmpd="sng" algn="ctr">
           <a:solidFill>
-            <a:schemeClr val="accent1">
-              <a:shade val="80000"/>
+            <a:schemeClr val="accent5">
               <a:hueOff val="0"/>
               <a:satOff val="0"/>
               <a:lumOff val="0"/>
@@ -3527,8 +4214,7 @@
         <a:noFill/>
         <a:ln w="19050" cap="rnd" cmpd="sng" algn="ctr">
           <a:solidFill>
-            <a:schemeClr val="accent1">
-              <a:shade val="80000"/>
+            <a:schemeClr val="accent5">
               <a:hueOff val="0"/>
               <a:satOff val="0"/>
               <a:lumOff val="0"/>
@@ -3593,8 +4279,7 @@
         <a:noFill/>
         <a:ln w="19050" cap="rnd" cmpd="sng" algn="ctr">
           <a:solidFill>
-            <a:schemeClr val="accent1">
-              <a:shade val="80000"/>
+            <a:schemeClr val="accent5">
               <a:hueOff val="0"/>
               <a:satOff val="0"/>
               <a:lumOff val="0"/>
@@ -3656,8 +4341,7 @@
         <a:noFill/>
         <a:ln w="19050" cap="rnd" cmpd="sng" algn="ctr">
           <a:solidFill>
-            <a:schemeClr val="accent1">
-              <a:shade val="80000"/>
+            <a:schemeClr val="accent5">
               <a:hueOff val="0"/>
               <a:satOff val="0"/>
               <a:lumOff val="0"/>
@@ -3719,8 +4403,7 @@
         <a:noFill/>
         <a:ln w="19050" cap="rnd" cmpd="sng" algn="ctr">
           <a:solidFill>
-            <a:schemeClr val="accent1">
-              <a:shade val="80000"/>
+            <a:schemeClr val="accent5">
               <a:hueOff val="0"/>
               <a:satOff val="0"/>
               <a:lumOff val="0"/>
@@ -3782,8 +4465,7 @@
         <a:noFill/>
         <a:ln w="19050" cap="rnd" cmpd="sng" algn="ctr">
           <a:solidFill>
-            <a:schemeClr val="accent1">
-              <a:shade val="80000"/>
+            <a:schemeClr val="accent5">
               <a:hueOff val="0"/>
               <a:satOff val="0"/>
               <a:lumOff val="0"/>
@@ -3845,8 +4527,7 @@
         <a:noFill/>
         <a:ln w="19050" cap="rnd" cmpd="sng" algn="ctr">
           <a:solidFill>
-            <a:schemeClr val="accent1">
-              <a:shade val="80000"/>
+            <a:schemeClr val="accent5">
               <a:hueOff val="0"/>
               <a:satOff val="0"/>
               <a:lumOff val="0"/>
@@ -3911,8 +4592,7 @@
         <a:noFill/>
         <a:ln w="19050" cap="rnd" cmpd="sng" algn="ctr">
           <a:solidFill>
-            <a:schemeClr val="accent1">
-              <a:shade val="80000"/>
+            <a:schemeClr val="accent5">
               <a:hueOff val="0"/>
               <a:satOff val="0"/>
               <a:lumOff val="0"/>
@@ -3974,8 +4654,7 @@
         <a:noFill/>
         <a:ln w="19050" cap="rnd" cmpd="sng" algn="ctr">
           <a:solidFill>
-            <a:schemeClr val="accent1">
-              <a:shade val="80000"/>
+            <a:schemeClr val="accent5">
               <a:hueOff val="0"/>
               <a:satOff val="0"/>
               <a:lumOff val="0"/>
@@ -4037,8 +4716,7 @@
         <a:noFill/>
         <a:ln w="19050" cap="rnd" cmpd="sng" algn="ctr">
           <a:solidFill>
-            <a:schemeClr val="accent1">
-              <a:shade val="80000"/>
+            <a:schemeClr val="accent5">
               <a:hueOff val="0"/>
               <a:satOff val="0"/>
               <a:lumOff val="0"/>
@@ -4103,8 +4781,7 @@
         <a:noFill/>
         <a:ln w="19050" cap="rnd" cmpd="sng" algn="ctr">
           <a:solidFill>
-            <a:schemeClr val="accent1">
-              <a:shade val="80000"/>
+            <a:schemeClr val="accent5">
               <a:hueOff val="0"/>
               <a:satOff val="0"/>
               <a:lumOff val="0"/>
@@ -4163,8 +4840,7 @@
         <a:noFill/>
         <a:ln w="19050" cap="rnd" cmpd="sng" algn="ctr">
           <a:solidFill>
-            <a:schemeClr val="accent1">
-              <a:shade val="80000"/>
+            <a:schemeClr val="accent4">
               <a:hueOff val="0"/>
               <a:satOff val="0"/>
               <a:lumOff val="0"/>
@@ -4223,8 +4899,7 @@
         <a:noFill/>
         <a:ln w="19050" cap="rnd" cmpd="sng" algn="ctr">
           <a:solidFill>
-            <a:schemeClr val="accent1">
-              <a:shade val="60000"/>
+            <a:schemeClr val="accent3">
               <a:hueOff val="0"/>
               <a:satOff val="0"/>
               <a:lumOff val="0"/>
@@ -4272,8 +4947,7 @@
         <a:noFill/>
         <a:ln w="19050" cap="rnd" cmpd="sng" algn="ctr">
           <a:solidFill>
-            <a:schemeClr val="accent1">
-              <a:shade val="60000"/>
+            <a:schemeClr val="accent2">
               <a:hueOff val="0"/>
               <a:satOff val="0"/>
               <a:lumOff val="0"/>
@@ -4321,8 +4995,7 @@
         <a:noFill/>
         <a:ln w="19050" cap="rnd" cmpd="sng" algn="ctr">
           <a:solidFill>
-            <a:schemeClr val="accent1">
-              <a:shade val="60000"/>
+            <a:schemeClr val="accent2">
               <a:hueOff val="0"/>
               <a:satOff val="0"/>
               <a:lumOff val="0"/>
@@ -4442,8 +5115,7 @@
         <a:noFill/>
         <a:ln w="19050" cap="rnd" cmpd="sng" algn="ctr">
           <a:solidFill>
-            <a:schemeClr val="accent1">
-              <a:shade val="60000"/>
+            <a:schemeClr val="accent2">
               <a:hueOff val="0"/>
               <a:satOff val="0"/>
               <a:lumOff val="0"/>
@@ -4491,8 +5163,7 @@
         <a:noFill/>
         <a:ln w="19050" cap="rnd" cmpd="sng" algn="ctr">
           <a:solidFill>
-            <a:schemeClr val="accent1">
-              <a:shade val="60000"/>
+            <a:schemeClr val="accent2">
               <a:hueOff val="0"/>
               <a:satOff val="0"/>
               <a:lumOff val="0"/>
@@ -4582,28 +5253,17 @@
             </a:spcAft>
           </a:pPr>
           <a:r>
-            <a:rPr lang="en-US" sz="1400" kern="1200" dirty="0" smtClean="0"/>
+            <a:rPr lang="en-US" sz="1400" kern="1200" smtClean="0"/>
             <a:t>Parsing </a:t>
           </a:r>
           <a:r>
-            <a:rPr lang="en-US" sz="1400" i="1" kern="1200" dirty="0" smtClean="0">
-              <a:solidFill>
-                <a:schemeClr val="accent4">
-                  <a:lumMod val="75000"/>
-                </a:schemeClr>
-              </a:solidFill>
+            <a:rPr lang="en-US" sz="1400" i="1" kern="1200" smtClean="0">
               <a:latin typeface="Consolas" panose="020B0609020204030204" pitchFamily="49" charset="0"/>
               <a:cs typeface="Consolas" panose="020B0609020204030204" pitchFamily="49" charset="0"/>
             </a:rPr>
             <a:t>√</a:t>
           </a:r>
-          <a:endParaRPr lang="en-US" sz="1400" kern="1200" dirty="0">
-            <a:solidFill>
-              <a:schemeClr val="accent4">
-                <a:lumMod val="75000"/>
-              </a:schemeClr>
-            </a:solidFill>
-          </a:endParaRPr>
+          <a:endParaRPr lang="en-US" sz="1400" kern="1200" dirty="0"/>
         </a:p>
       </dsp:txBody>
       <dsp:txXfrm>
@@ -4630,8 +5290,7 @@
         <a:noFill/>
         <a:ln w="19050" cap="rnd" cmpd="sng" algn="ctr">
           <a:solidFill>
-            <a:schemeClr val="accent1">
-              <a:shade val="60000"/>
+            <a:schemeClr val="accent2">
               <a:hueOff val="0"/>
               <a:satOff val="0"/>
               <a:lumOff val="0"/>
@@ -4679,8 +5338,7 @@
         <a:noFill/>
         <a:ln w="19050" cap="rnd" cmpd="sng" algn="ctr">
           <a:solidFill>
-            <a:schemeClr val="accent1">
-              <a:shade val="60000"/>
+            <a:schemeClr val="accent2">
               <a:hueOff val="0"/>
               <a:satOff val="0"/>
               <a:lumOff val="0"/>
@@ -4770,28 +5428,17 @@
             </a:spcAft>
           </a:pPr>
           <a:r>
-            <a:rPr lang="en-US" sz="1400" kern="1200" dirty="0" smtClean="0"/>
+            <a:rPr lang="en-US" sz="1400" kern="1200" smtClean="0"/>
             <a:t>Conversion to AST </a:t>
           </a:r>
           <a:r>
-            <a:rPr lang="en-US" sz="1400" i="1" kern="1200" dirty="0" smtClean="0">
-              <a:solidFill>
-                <a:schemeClr val="accent4">
-                  <a:lumMod val="75000"/>
-                </a:schemeClr>
-              </a:solidFill>
+            <a:rPr lang="en-US" sz="1400" i="1" kern="1200" smtClean="0">
               <a:latin typeface="Consolas" panose="020B0609020204030204" pitchFamily="49" charset="0"/>
               <a:cs typeface="Consolas" panose="020B0609020204030204" pitchFamily="49" charset="0"/>
             </a:rPr>
             <a:t>√</a:t>
           </a:r>
-          <a:endParaRPr lang="en-US" sz="1400" kern="1200" dirty="0">
-            <a:solidFill>
-              <a:schemeClr val="accent4">
-                <a:lumMod val="75000"/>
-              </a:schemeClr>
-            </a:solidFill>
-          </a:endParaRPr>
+          <a:endParaRPr lang="en-US" sz="1400" kern="1200" dirty="0"/>
         </a:p>
       </dsp:txBody>
       <dsp:txXfrm>
@@ -4818,8 +5465,7 @@
         <a:noFill/>
         <a:ln w="19050" cap="rnd" cmpd="sng" algn="ctr">
           <a:solidFill>
-            <a:schemeClr val="accent1">
-              <a:shade val="60000"/>
+            <a:schemeClr val="accent2">
               <a:hueOff val="0"/>
               <a:satOff val="0"/>
               <a:lumOff val="0"/>
@@ -4867,8 +5513,7 @@
         <a:noFill/>
         <a:ln w="19050" cap="rnd" cmpd="sng" algn="ctr">
           <a:solidFill>
-            <a:schemeClr val="accent1">
-              <a:shade val="60000"/>
+            <a:schemeClr val="accent2">
               <a:hueOff val="0"/>
               <a:satOff val="0"/>
               <a:lumOff val="0"/>
@@ -4988,8 +5633,7 @@
         <a:noFill/>
         <a:ln w="19050" cap="rnd" cmpd="sng" algn="ctr">
           <a:solidFill>
-            <a:schemeClr val="accent1">
-              <a:shade val="60000"/>
+            <a:schemeClr val="accent2">
               <a:hueOff val="0"/>
               <a:satOff val="0"/>
               <a:lumOff val="0"/>
@@ -5037,8 +5681,7 @@
         <a:noFill/>
         <a:ln w="19050" cap="rnd" cmpd="sng" algn="ctr">
           <a:solidFill>
-            <a:schemeClr val="accent1">
-              <a:shade val="60000"/>
+            <a:schemeClr val="accent2">
               <a:hueOff val="0"/>
               <a:satOff val="0"/>
               <a:lumOff val="0"/>
@@ -5158,8 +5801,7 @@
         <a:noFill/>
         <a:ln w="19050" cap="rnd" cmpd="sng" algn="ctr">
           <a:solidFill>
-            <a:schemeClr val="accent1">
-              <a:shade val="60000"/>
+            <a:schemeClr val="accent2">
               <a:hueOff val="0"/>
               <a:satOff val="0"/>
               <a:lumOff val="0"/>
@@ -5207,8 +5849,7 @@
         <a:noFill/>
         <a:ln w="19050" cap="rnd" cmpd="sng" algn="ctr">
           <a:solidFill>
-            <a:schemeClr val="accent1">
-              <a:shade val="60000"/>
+            <a:schemeClr val="accent2">
               <a:hueOff val="0"/>
               <a:satOff val="0"/>
               <a:lumOff val="0"/>
@@ -5328,8 +5969,7 @@
         <a:noFill/>
         <a:ln w="19050" cap="rnd" cmpd="sng" algn="ctr">
           <a:solidFill>
-            <a:schemeClr val="accent1">
-              <a:shade val="60000"/>
+            <a:schemeClr val="accent2">
               <a:hueOff val="0"/>
               <a:satOff val="0"/>
               <a:lumOff val="0"/>
@@ -5377,8 +6017,7 @@
         <a:noFill/>
         <a:ln w="19050" cap="rnd" cmpd="sng" algn="ctr">
           <a:solidFill>
-            <a:schemeClr val="accent1">
-              <a:shade val="60000"/>
+            <a:schemeClr val="accent2">
               <a:hueOff val="0"/>
               <a:satOff val="0"/>
               <a:lumOff val="0"/>
@@ -5498,8 +6137,7 @@
         <a:noFill/>
         <a:ln w="19050" cap="rnd" cmpd="sng" algn="ctr">
           <a:solidFill>
-            <a:schemeClr val="accent1">
-              <a:shade val="60000"/>
+            <a:schemeClr val="accent2">
               <a:hueOff val="0"/>
               <a:satOff val="0"/>
               <a:lumOff val="0"/>
@@ -5547,8 +6185,7 @@
         <a:noFill/>
         <a:ln w="19050" cap="rnd" cmpd="sng" algn="ctr">
           <a:solidFill>
-            <a:schemeClr val="accent1">
-              <a:shade val="60000"/>
+            <a:schemeClr val="accent2">
               <a:hueOff val="0"/>
               <a:satOff val="0"/>
               <a:lumOff val="0"/>
@@ -5638,16 +6275,11 @@
             </a:spcAft>
           </a:pPr>
           <a:r>
-            <a:rPr lang="en-US" sz="1400" kern="1200" dirty="0" smtClean="0"/>
+            <a:rPr lang="en-US" sz="1400" kern="1200" smtClean="0"/>
             <a:t>Type Checking </a:t>
           </a:r>
           <a:r>
-            <a:rPr lang="en-US" sz="1400" i="1" kern="1200" dirty="0" smtClean="0">
-              <a:solidFill>
-                <a:schemeClr val="accent4">
-                  <a:lumMod val="75000"/>
-                </a:schemeClr>
-              </a:solidFill>
+            <a:rPr lang="en-US" sz="1400" i="1" kern="1200" smtClean="0">
               <a:latin typeface="Consolas" panose="020B0609020204030204" pitchFamily="49" charset="0"/>
               <a:cs typeface="Consolas" panose="020B0609020204030204" pitchFamily="49" charset="0"/>
             </a:rPr>
@@ -5680,8 +6312,7 @@
         <a:noFill/>
         <a:ln w="19050" cap="rnd" cmpd="sng" algn="ctr">
           <a:solidFill>
-            <a:schemeClr val="accent1">
-              <a:shade val="60000"/>
+            <a:schemeClr val="accent2">
               <a:hueOff val="0"/>
               <a:satOff val="0"/>
               <a:lumOff val="0"/>
@@ -5729,8 +6360,7 @@
         <a:noFill/>
         <a:ln w="19050" cap="rnd" cmpd="sng" algn="ctr">
           <a:solidFill>
-            <a:schemeClr val="accent1">
-              <a:shade val="60000"/>
+            <a:schemeClr val="accent2">
               <a:hueOff val="0"/>
               <a:satOff val="0"/>
               <a:lumOff val="0"/>
@@ -5850,8 +6480,7 @@
         <a:noFill/>
         <a:ln w="19050" cap="rnd" cmpd="sng" algn="ctr">
           <a:solidFill>
-            <a:schemeClr val="accent1">
-              <a:shade val="60000"/>
+            <a:schemeClr val="accent2">
               <a:hueOff val="0"/>
               <a:satOff val="0"/>
               <a:lumOff val="0"/>
@@ -5899,8 +6528,7 @@
         <a:noFill/>
         <a:ln w="19050" cap="rnd" cmpd="sng" algn="ctr">
           <a:solidFill>
-            <a:schemeClr val="accent1">
-              <a:shade val="60000"/>
+            <a:schemeClr val="accent2">
               <a:hueOff val="0"/>
               <a:satOff val="0"/>
               <a:lumOff val="0"/>
@@ -5990,28 +6618,17 @@
             </a:spcAft>
           </a:pPr>
           <a:r>
-            <a:rPr lang="en-US" sz="1400" kern="1200" dirty="0" smtClean="0"/>
+            <a:rPr lang="en-US" sz="1400" kern="1200" smtClean="0"/>
             <a:t>Class consistency </a:t>
           </a:r>
           <a:r>
-            <a:rPr lang="en-US" sz="1400" i="1" kern="1200" dirty="0" smtClean="0">
-              <a:solidFill>
-                <a:schemeClr val="accent4">
-                  <a:lumMod val="75000"/>
-                </a:schemeClr>
-              </a:solidFill>
+            <a:rPr lang="en-US" sz="1400" i="1" kern="1200" smtClean="0">
               <a:latin typeface="Consolas" panose="020B0609020204030204" pitchFamily="49" charset="0"/>
               <a:cs typeface="Consolas" panose="020B0609020204030204" pitchFamily="49" charset="0"/>
             </a:rPr>
             <a:t>√</a:t>
           </a:r>
-          <a:endParaRPr lang="en-US" sz="1400" kern="1200" dirty="0">
-            <a:solidFill>
-              <a:schemeClr val="accent4">
-                <a:lumMod val="75000"/>
-              </a:schemeClr>
-            </a:solidFill>
-          </a:endParaRPr>
+          <a:endParaRPr lang="en-US" sz="1400" kern="1200" dirty="0"/>
         </a:p>
       </dsp:txBody>
       <dsp:txXfrm>
@@ -6038,8 +6655,7 @@
         <a:noFill/>
         <a:ln w="19050" cap="rnd" cmpd="sng" algn="ctr">
           <a:solidFill>
-            <a:schemeClr val="accent1">
-              <a:shade val="60000"/>
+            <a:schemeClr val="accent2">
               <a:hueOff val="0"/>
               <a:satOff val="0"/>
               <a:lumOff val="0"/>
@@ -6087,8 +6703,7 @@
         <a:noFill/>
         <a:ln w="19050" cap="rnd" cmpd="sng" algn="ctr">
           <a:solidFill>
-            <a:schemeClr val="accent1">
-              <a:shade val="60000"/>
+            <a:schemeClr val="accent2">
               <a:hueOff val="0"/>
               <a:satOff val="0"/>
               <a:lumOff val="0"/>
@@ -6208,8 +6823,7 @@
         <a:noFill/>
         <a:ln w="19050" cap="rnd" cmpd="sng" algn="ctr">
           <a:solidFill>
-            <a:schemeClr val="accent1">
-              <a:shade val="60000"/>
+            <a:schemeClr val="accent2">
               <a:hueOff val="0"/>
               <a:satOff val="0"/>
               <a:lumOff val="0"/>
@@ -6257,8 +6871,7 @@
         <a:noFill/>
         <a:ln w="19050" cap="rnd" cmpd="sng" algn="ctr">
           <a:solidFill>
-            <a:schemeClr val="accent1">
-              <a:shade val="60000"/>
+            <a:schemeClr val="accent2">
               <a:hueOff val="0"/>
               <a:satOff val="0"/>
               <a:lumOff val="0"/>
@@ -6378,8 +6991,7 @@
         <a:noFill/>
         <a:ln w="19050" cap="rnd" cmpd="sng" algn="ctr">
           <a:solidFill>
-            <a:schemeClr val="accent1">
-              <a:shade val="60000"/>
+            <a:schemeClr val="accent2">
               <a:hueOff val="0"/>
               <a:satOff val="0"/>
               <a:lumOff val="0"/>
@@ -6427,8 +7039,7 @@
         <a:noFill/>
         <a:ln w="19050" cap="rnd" cmpd="sng" algn="ctr">
           <a:solidFill>
-            <a:schemeClr val="accent1">
-              <a:shade val="60000"/>
+            <a:schemeClr val="accent2">
               <a:hueOff val="0"/>
               <a:satOff val="0"/>
               <a:lumOff val="0"/>
@@ -6518,38 +7129,21 @@
             </a:spcAft>
           </a:pPr>
           <a:r>
-            <a:rPr lang="en-US" sz="1400" kern="1200" dirty="0" smtClean="0"/>
+            <a:rPr lang="en-US" sz="1400" kern="1200" smtClean="0"/>
             <a:t>to SMT </a:t>
           </a:r>
           <a:r>
-            <a:rPr lang="en-US" sz="1400" i="1" kern="1200" dirty="0" smtClean="0">
-              <a:solidFill>
-                <a:schemeClr val="accent4">
-                  <a:lumMod val="75000"/>
-                </a:schemeClr>
-              </a:solidFill>
+            <a:rPr lang="en-US" sz="1400" i="1" kern="1200" smtClean="0">
               <a:latin typeface="Consolas" panose="020B0609020204030204" pitchFamily="49" charset="0"/>
               <a:cs typeface="Consolas" panose="020B0609020204030204" pitchFamily="49" charset="0"/>
             </a:rPr>
             <a:t>√</a:t>
           </a:r>
           <a:r>
-            <a:rPr lang="en-US" sz="1400" kern="1200" dirty="0" smtClean="0">
-              <a:solidFill>
-                <a:schemeClr val="accent4">
-                  <a:lumMod val="75000"/>
-                </a:schemeClr>
-              </a:solidFill>
-            </a:rPr>
+            <a:rPr lang="en-US" sz="1400" kern="1200" smtClean="0"/>
             <a:t> </a:t>
           </a:r>
-          <a:endParaRPr lang="en-US" sz="1400" kern="1200" dirty="0">
-            <a:solidFill>
-              <a:schemeClr val="accent4">
-                <a:lumMod val="75000"/>
-              </a:schemeClr>
-            </a:solidFill>
-          </a:endParaRPr>
+          <a:endParaRPr lang="en-US" sz="1400" kern="1200" dirty="0"/>
         </a:p>
       </dsp:txBody>
       <dsp:txXfrm>
@@ -6576,8 +7170,7 @@
         <a:noFill/>
         <a:ln w="19050" cap="rnd" cmpd="sng" algn="ctr">
           <a:solidFill>
-            <a:schemeClr val="accent1">
-              <a:shade val="60000"/>
+            <a:schemeClr val="accent2">
               <a:hueOff val="0"/>
               <a:satOff val="0"/>
               <a:lumOff val="0"/>
@@ -6625,8 +7218,7 @@
         <a:noFill/>
         <a:ln w="19050" cap="rnd" cmpd="sng" algn="ctr">
           <a:solidFill>
-            <a:schemeClr val="accent1">
-              <a:shade val="60000"/>
+            <a:schemeClr val="accent2">
               <a:hueOff val="0"/>
               <a:satOff val="0"/>
               <a:lumOff val="0"/>
@@ -6746,8 +7338,7 @@
         <a:noFill/>
         <a:ln w="19050" cap="rnd" cmpd="sng" algn="ctr">
           <a:solidFill>
-            <a:schemeClr val="accent1">
-              <a:shade val="60000"/>
+            <a:schemeClr val="accent2">
               <a:hueOff val="0"/>
               <a:satOff val="0"/>
               <a:lumOff val="0"/>
@@ -6795,8 +7386,7 @@
         <a:noFill/>
         <a:ln w="19050" cap="rnd" cmpd="sng" algn="ctr">
           <a:solidFill>
-            <a:schemeClr val="accent1">
-              <a:shade val="60000"/>
+            <a:schemeClr val="accent2">
               <a:hueOff val="0"/>
               <a:satOff val="0"/>
               <a:lumOff val="0"/>
@@ -6922,8 +7512,7 @@
         <a:noFill/>
         <a:ln w="19050" cap="rnd" cmpd="sng" algn="ctr">
           <a:solidFill>
-            <a:schemeClr val="accent1">
-              <a:shade val="60000"/>
+            <a:schemeClr val="accent2">
               <a:hueOff val="0"/>
               <a:satOff val="0"/>
               <a:lumOff val="0"/>
@@ -6971,8 +7560,7 @@
         <a:noFill/>
         <a:ln w="19050" cap="rnd" cmpd="sng" algn="ctr">
           <a:solidFill>
-            <a:schemeClr val="accent1">
-              <a:shade val="60000"/>
+            <a:schemeClr val="accent2">
               <a:hueOff val="0"/>
               <a:satOff val="0"/>
               <a:lumOff val="0"/>
@@ -7092,8 +7680,7 @@
         <a:noFill/>
         <a:ln w="19050" cap="rnd" cmpd="sng" algn="ctr">
           <a:solidFill>
-            <a:schemeClr val="accent1">
-              <a:shade val="60000"/>
+            <a:schemeClr val="accent2">
               <a:hueOff val="0"/>
               <a:satOff val="0"/>
               <a:lumOff val="0"/>
@@ -7141,8 +7728,7 @@
         <a:noFill/>
         <a:ln w="19050" cap="rnd" cmpd="sng" algn="ctr">
           <a:solidFill>
-            <a:schemeClr val="accent1">
-              <a:shade val="60000"/>
+            <a:schemeClr val="accent2">
               <a:hueOff val="0"/>
               <a:satOff val="0"/>
               <a:lumOff val="0"/>
@@ -7262,8 +7848,7 @@
         <a:noFill/>
         <a:ln w="19050" cap="rnd" cmpd="sng" algn="ctr">
           <a:solidFill>
-            <a:schemeClr val="accent1">
-              <a:shade val="60000"/>
+            <a:schemeClr val="accent2">
               <a:hueOff val="0"/>
               <a:satOff val="0"/>
               <a:lumOff val="0"/>
@@ -7311,8 +7896,7 @@
         <a:noFill/>
         <a:ln w="19050" cap="rnd" cmpd="sng" algn="ctr">
           <a:solidFill>
-            <a:schemeClr val="accent1">
-              <a:shade val="60000"/>
+            <a:schemeClr val="accent2">
               <a:hueOff val="0"/>
               <a:satOff val="0"/>
               <a:lumOff val="0"/>
@@ -7402,16 +7986,11 @@
             </a:spcAft>
           </a:pPr>
           <a:r>
-            <a:rPr lang="en-US" sz="1400" kern="1200" dirty="0" smtClean="0"/>
+            <a:rPr lang="en-US" sz="1400" kern="1200" smtClean="0"/>
             <a:t>Latex </a:t>
           </a:r>
           <a:r>
-            <a:rPr lang="en-US" sz="1400" i="1" kern="1200" dirty="0" smtClean="0">
-              <a:solidFill>
-                <a:schemeClr val="accent4">
-                  <a:lumMod val="75000"/>
-                </a:schemeClr>
-              </a:solidFill>
+            <a:rPr lang="en-US" sz="1400" i="1" kern="1200" smtClean="0">
               <a:latin typeface="Consolas" panose="020B0609020204030204" pitchFamily="49" charset="0"/>
               <a:cs typeface="Consolas" panose="020B0609020204030204" pitchFamily="49" charset="0"/>
             </a:rPr>
@@ -9923,7 +10502,7 @@
           <a:p>
             <a:fld id="{3A560DDB-BEB9-48D2-8F04-7EAC6052052E}" type="datetimeFigureOut">
               <a:rPr lang="en-US" smtClean="0"/>
-              <a:t>7/8/2015</a:t>
+              <a:t>7/9/2015</a:t>
             </a:fld>
             <a:endParaRPr lang="en-US"/>
           </a:p>
@@ -10377,7 +10956,7 @@
           <a:p>
             <a:fld id="{ED57E8F0-C568-41E0-BE5A-51B4982C6A0E}" type="datetimeFigureOut">
               <a:rPr lang="en-US" smtClean="0"/>
-              <a:t>7/8/2015</a:t>
+              <a:t>7/9/2015</a:t>
             </a:fld>
             <a:endParaRPr lang="en-US"/>
           </a:p>
@@ -10652,7 +11231,7 @@
           <a:p>
             <a:fld id="{ED57E8F0-C568-41E0-BE5A-51B4982C6A0E}" type="datetimeFigureOut">
               <a:rPr lang="en-US" smtClean="0"/>
-              <a:t>7/8/2015</a:t>
+              <a:t>7/9/2015</a:t>
             </a:fld>
             <a:endParaRPr lang="en-US"/>
           </a:p>
@@ -10846,7 +11425,7 @@
           <a:p>
             <a:fld id="{ED57E8F0-C568-41E0-BE5A-51B4982C6A0E}" type="datetimeFigureOut">
               <a:rPr lang="en-US" smtClean="0"/>
-              <a:t>7/8/2015</a:t>
+              <a:t>7/9/2015</a:t>
             </a:fld>
             <a:endParaRPr lang="en-US"/>
           </a:p>
@@ -11119,7 +11698,7 @@
           <a:p>
             <a:fld id="{ED57E8F0-C568-41E0-BE5A-51B4982C6A0E}" type="datetimeFigureOut">
               <a:rPr lang="en-US" smtClean="0"/>
-              <a:t>7/8/2015</a:t>
+              <a:t>7/9/2015</a:t>
             </a:fld>
             <a:endParaRPr lang="en-US"/>
           </a:p>
@@ -11460,7 +12039,7 @@
           <a:p>
             <a:fld id="{ED57E8F0-C568-41E0-BE5A-51B4982C6A0E}" type="datetimeFigureOut">
               <a:rPr lang="en-US" smtClean="0"/>
-              <a:t>7/8/2015</a:t>
+              <a:t>7/9/2015</a:t>
             </a:fld>
             <a:endParaRPr lang="en-US"/>
           </a:p>
@@ -12083,7 +12662,7 @@
           <a:p>
             <a:fld id="{ED57E8F0-C568-41E0-BE5A-51B4982C6A0E}" type="datetimeFigureOut">
               <a:rPr lang="en-US" smtClean="0"/>
-              <a:t>7/8/2015</a:t>
+              <a:t>7/9/2015</a:t>
             </a:fld>
             <a:endParaRPr lang="en-US"/>
           </a:p>
@@ -12943,7 +13522,7 @@
           <a:p>
             <a:fld id="{ED57E8F0-C568-41E0-BE5A-51B4982C6A0E}" type="datetimeFigureOut">
               <a:rPr lang="en-US" smtClean="0"/>
-              <a:t>7/8/2015</a:t>
+              <a:t>7/9/2015</a:t>
             </a:fld>
             <a:endParaRPr lang="en-US"/>
           </a:p>
@@ -13113,7 +13692,7 @@
           <a:p>
             <a:fld id="{ED57E8F0-C568-41E0-BE5A-51B4982C6A0E}" type="datetimeFigureOut">
               <a:rPr lang="en-US" smtClean="0"/>
-              <a:t>7/8/2015</a:t>
+              <a:t>7/9/2015</a:t>
             </a:fld>
             <a:endParaRPr lang="en-US"/>
           </a:p>
@@ -13293,7 +13872,7 @@
           <a:p>
             <a:fld id="{ED57E8F0-C568-41E0-BE5A-51B4982C6A0E}" type="datetimeFigureOut">
               <a:rPr lang="en-US" smtClean="0"/>
-              <a:t>7/8/2015</a:t>
+              <a:t>7/9/2015</a:t>
             </a:fld>
             <a:endParaRPr lang="en-US"/>
           </a:p>
@@ -13463,7 +14042,7 @@
           <a:p>
             <a:fld id="{ED57E8F0-C568-41E0-BE5A-51B4982C6A0E}" type="datetimeFigureOut">
               <a:rPr lang="en-US" smtClean="0"/>
-              <a:t>7/8/2015</a:t>
+              <a:t>7/9/2015</a:t>
             </a:fld>
             <a:endParaRPr lang="en-US"/>
           </a:p>
@@ -13710,7 +14289,7 @@
           <a:p>
             <a:fld id="{ED57E8F0-C568-41E0-BE5A-51B4982C6A0E}" type="datetimeFigureOut">
               <a:rPr lang="en-US" smtClean="0"/>
-              <a:t>7/8/2015</a:t>
+              <a:t>7/9/2015</a:t>
             </a:fld>
             <a:endParaRPr lang="en-US"/>
           </a:p>
@@ -14002,7 +14581,7 @@
           <a:p>
             <a:fld id="{ED57E8F0-C568-41E0-BE5A-51B4982C6A0E}" type="datetimeFigureOut">
               <a:rPr lang="en-US" smtClean="0"/>
-              <a:t>7/8/2015</a:t>
+              <a:t>7/9/2015</a:t>
             </a:fld>
             <a:endParaRPr lang="en-US"/>
           </a:p>
@@ -14446,7 +15025,7 @@
           <a:p>
             <a:fld id="{ED57E8F0-C568-41E0-BE5A-51B4982C6A0E}" type="datetimeFigureOut">
               <a:rPr lang="en-US" smtClean="0"/>
-              <a:t>7/8/2015</a:t>
+              <a:t>7/9/2015</a:t>
             </a:fld>
             <a:endParaRPr lang="en-US"/>
           </a:p>
@@ -14564,7 +15143,7 @@
           <a:p>
             <a:fld id="{ED57E8F0-C568-41E0-BE5A-51B4982C6A0E}" type="datetimeFigureOut">
               <a:rPr lang="en-US" smtClean="0"/>
-              <a:t>7/8/2015</a:t>
+              <a:t>7/9/2015</a:t>
             </a:fld>
             <a:endParaRPr lang="en-US"/>
           </a:p>
@@ -14659,7 +15238,7 @@
           <a:p>
             <a:fld id="{ED57E8F0-C568-41E0-BE5A-51B4982C6A0E}" type="datetimeFigureOut">
               <a:rPr lang="en-US" smtClean="0"/>
-              <a:t>7/8/2015</a:t>
+              <a:t>7/9/2015</a:t>
             </a:fld>
             <a:endParaRPr lang="en-US"/>
           </a:p>
@@ -14938,7 +15517,7 @@
           <a:p>
             <a:fld id="{ED57E8F0-C568-41E0-BE5A-51B4982C6A0E}" type="datetimeFigureOut">
               <a:rPr lang="en-US" smtClean="0"/>
-              <a:t>7/8/2015</a:t>
+              <a:t>7/9/2015</a:t>
             </a:fld>
             <a:endParaRPr lang="en-US"/>
           </a:p>
@@ -15213,7 +15792,7 @@
           <a:p>
             <a:fld id="{ED57E8F0-C568-41E0-BE5A-51B4982C6A0E}" type="datetimeFigureOut">
               <a:rPr lang="en-US" smtClean="0"/>
-              <a:t>7/8/2015</a:t>
+              <a:t>7/9/2015</a:t>
             </a:fld>
             <a:endParaRPr lang="en-US"/>
           </a:p>
@@ -15642,7 +16221,7 @@
           <a:p>
             <a:fld id="{ED57E8F0-C568-41E0-BE5A-51B4982C6A0E}" type="datetimeFigureOut">
               <a:rPr lang="en-US" smtClean="0"/>
-              <a:t>7/8/2015</a:t>
+              <a:t>7/9/2015</a:t>
             </a:fld>
             <a:endParaRPr lang="en-US"/>
           </a:p>
@@ -16218,11 +16797,7 @@
           <a:p>
             <a:r>
               <a:rPr lang="en-US" dirty="0" smtClean="0"/>
-              <a:t>Joint work with Klaus </a:t>
-            </a:r>
-            <a:r>
-              <a:rPr lang="en-US" dirty="0" smtClean="0"/>
-              <a:t>Havelund, </a:t>
+              <a:t>Joint work with Klaus Havelund, </a:t>
             </a:r>
             <a:r>
               <a:rPr lang="en-US" dirty="0" err="1" smtClean="0"/>
@@ -16849,19 +17424,17 @@
           </a:prstGeom>
         </p:spPr>
         <p:style>
-          <a:lnRef idx="2">
-            <a:schemeClr val="accent1">
-              <a:shade val="50000"/>
-            </a:schemeClr>
+          <a:lnRef idx="1">
+            <a:schemeClr val="accent1"/>
           </a:lnRef>
-          <a:fillRef idx="1">
+          <a:fillRef idx="2">
             <a:schemeClr val="accent1"/>
           </a:fillRef>
-          <a:effectRef idx="0">
+          <a:effectRef idx="1">
             <a:schemeClr val="accent1"/>
           </a:effectRef>
           <a:fontRef idx="minor">
-            <a:schemeClr val="lt1"/>
+            <a:schemeClr val="dk1"/>
           </a:fontRef>
         </p:style>
         <p:txBody>
@@ -16897,19 +17470,17 @@
           </a:prstGeom>
         </p:spPr>
         <p:style>
-          <a:lnRef idx="2">
-            <a:schemeClr val="accent1">
-              <a:shade val="50000"/>
-            </a:schemeClr>
+          <a:lnRef idx="1">
+            <a:schemeClr val="accent1"/>
           </a:lnRef>
-          <a:fillRef idx="1">
+          <a:fillRef idx="2">
             <a:schemeClr val="accent1"/>
           </a:fillRef>
-          <a:effectRef idx="0">
+          <a:effectRef idx="1">
             <a:schemeClr val="accent1"/>
           </a:effectRef>
           <a:fontRef idx="minor">
-            <a:schemeClr val="lt1"/>
+            <a:schemeClr val="dk1"/>
           </a:fontRef>
         </p:style>
         <p:txBody>
@@ -16945,19 +17516,17 @@
           </a:prstGeom>
         </p:spPr>
         <p:style>
-          <a:lnRef idx="2">
-            <a:schemeClr val="accent1">
-              <a:shade val="50000"/>
-            </a:schemeClr>
+          <a:lnRef idx="1">
+            <a:schemeClr val="accent1"/>
           </a:lnRef>
-          <a:fillRef idx="1">
+          <a:fillRef idx="2">
             <a:schemeClr val="accent1"/>
           </a:fillRef>
-          <a:effectRef idx="0">
+          <a:effectRef idx="1">
             <a:schemeClr val="accent1"/>
           </a:effectRef>
           <a:fontRef idx="minor">
-            <a:schemeClr val="lt1"/>
+            <a:schemeClr val="dk1"/>
           </a:fontRef>
         </p:style>
         <p:txBody>
@@ -17224,7 +17793,7 @@
           <p:nvPr>
             <p:extLst>
               <p:ext uri="{D42A27DB-BD31-4B8C-83A1-F6EECF244321}">
-                <p14:modId xmlns:p14="http://schemas.microsoft.com/office/powerpoint/2010/main" val="261924037"/>
+                <p14:modId xmlns:p14="http://schemas.microsoft.com/office/powerpoint/2010/main" val="2908306680"/>
               </p:ext>
             </p:extLst>
           </p:nvPr>
@@ -18184,13 +18753,13 @@
           </a:prstGeom>
         </p:spPr>
         <p:style>
-          <a:lnRef idx="0">
+          <a:lnRef idx="1">
             <a:schemeClr val="accent1"/>
           </a:lnRef>
           <a:fillRef idx="3">
             <a:schemeClr val="accent1"/>
           </a:fillRef>
-          <a:effectRef idx="3">
+          <a:effectRef idx="2">
             <a:schemeClr val="accent1"/>
           </a:effectRef>
           <a:fontRef idx="minor">
@@ -23909,23 +24478,7 @@
           <a:p>
             <a:r>
               <a:rPr lang="en-US" dirty="0" smtClean="0"/>
-              <a:t>Strengthen i</a:t>
-            </a:r>
-            <a:r>
-              <a:rPr lang="en-US" dirty="0" smtClean="0"/>
-              <a:t>ntegrating </a:t>
-            </a:r>
-            <a:r>
-              <a:rPr lang="en-US" dirty="0" smtClean="0"/>
-              <a:t>with the </a:t>
-            </a:r>
-            <a:r>
-              <a:rPr lang="en-US" dirty="0" smtClean="0"/>
-              <a:t>MD and </a:t>
-            </a:r>
-            <a:r>
-              <a:rPr lang="en-US" dirty="0" smtClean="0"/>
-              <a:t>MMS for Europa</a:t>
+              <a:t>Strengthen integrating with the MD and MMS for Europa</a:t>
             </a:r>
           </a:p>
           <a:p>
@@ -23935,11 +24488,7 @@
             </a:r>
             <a:r>
               <a:rPr lang="en-US" dirty="0" smtClean="0"/>
-              <a:t>erform </a:t>
-            </a:r>
-            <a:r>
-              <a:rPr lang="en-US" dirty="0" smtClean="0"/>
-              <a:t>analysis on Europa models using our K infrastructure</a:t>
+              <a:t>erform analysis on Europa models using our K infrastructure</a:t>
             </a:r>
           </a:p>
           <a:p>
@@ -23949,15 +24498,7 @@
             </a:r>
             <a:r>
               <a:rPr lang="en-US" dirty="0" smtClean="0"/>
-              <a:t>evelop </a:t>
-            </a:r>
-            <a:r>
-              <a:rPr lang="en-US" dirty="0" smtClean="0"/>
-              <a:t>domain specific </a:t>
-            </a:r>
-            <a:r>
-              <a:rPr lang="en-US" dirty="0" smtClean="0"/>
-              <a:t>libraries</a:t>
+              <a:t>evelop domain specific libraries</a:t>
             </a:r>
           </a:p>
           <a:p>
@@ -23965,7 +24506,6 @@
               <a:rPr lang="en-US" dirty="0" smtClean="0"/>
               <a:t>Integration with external tools such as Mathematica etc.</a:t>
             </a:r>
-            <a:endParaRPr lang="en-US" dirty="0" smtClean="0"/>
           </a:p>
           <a:p>
             <a:r>
@@ -24130,7 +24670,7 @@
         <p:spPr>
           <a:xfrm>
             <a:off x="3477334" y="3244334"/>
-            <a:ext cx="5237331" cy="369332"/>
+            <a:ext cx="5153975" cy="369332"/>
           </a:xfrm>
           <a:prstGeom prst="rect">
             <a:avLst/>
@@ -24143,7 +24683,7 @@
           <a:lstStyle/>
           <a:p>
             <a:r>
-              <a:rPr lang="en-US" b="1" dirty="0">
+              <a:rPr lang="en-US" b="1" dirty="0" smtClean="0">
                 <a:ln w="0"/>
                 <a:solidFill>
                   <a:schemeClr val="accent1"/>
@@ -24156,7 +24696,7 @@
                   </a:outerShdw>
                 </a:effectLst>
               </a:rPr>
-              <a:t>Thank you for your time and attention!</a:t>
+              <a:t>Thank you for your time and patience!</a:t>
             </a:r>
             <a:endParaRPr lang="en-US" b="1" dirty="0">
               <a:ln w="0"/>
@@ -24348,15 +24888,15 @@
         </p:spPr>
         <p:style>
           <a:lnRef idx="2">
-            <a:schemeClr val="accent1">
+            <a:schemeClr val="accent6">
               <a:shade val="50000"/>
             </a:schemeClr>
           </a:lnRef>
           <a:fillRef idx="1">
-            <a:schemeClr val="accent1"/>
+            <a:schemeClr val="accent6"/>
           </a:fillRef>
           <a:effectRef idx="0">
-            <a:schemeClr val="accent1"/>
+            <a:schemeClr val="accent6"/>
           </a:effectRef>
           <a:fontRef idx="minor">
             <a:schemeClr val="lt1"/>
@@ -24562,6 +25102,60 @@
       </p:sp>
       <p:sp>
         <p:nvSpPr>
+          <p:cNvPr id="6" name="Content Placeholder 2"/>
+          <p:cNvSpPr>
+            <a:spLocks noGrp="1"/>
+          </p:cNvSpPr>
+          <p:nvPr>
+            <p:ph idx="1"/>
+          </p:nvPr>
+        </p:nvSpPr>
+        <p:spPr>
+          <a:xfrm>
+            <a:off x="727392" y="1850195"/>
+            <a:ext cx="8946541" cy="4195481"/>
+          </a:xfrm>
+        </p:spPr>
+        <p:txBody>
+          <a:bodyPr>
+            <a:normAutofit/>
+          </a:bodyPr>
+          <a:lstStyle/>
+          <a:p>
+            <a:r>
+              <a:rPr lang="en-US" dirty="0" smtClean="0"/>
+              <a:t>Create models</a:t>
+            </a:r>
+          </a:p>
+          <a:p>
+            <a:r>
+              <a:rPr lang="en-US" dirty="0" smtClean="0"/>
+              <a:t>Analyze for correctness</a:t>
+            </a:r>
+          </a:p>
+          <a:p>
+            <a:r>
+              <a:rPr lang="en-US" dirty="0" smtClean="0"/>
+              <a:t>Discover problems at each level</a:t>
+            </a:r>
+          </a:p>
+          <a:p>
+            <a:r>
+              <a:rPr lang="en-US" dirty="0" smtClean="0"/>
+              <a:t>Eventually produce implementations</a:t>
+            </a:r>
+          </a:p>
+          <a:p>
+            <a:r>
+              <a:rPr lang="en-US" dirty="0" smtClean="0"/>
+              <a:t>Rinse and repeat…</a:t>
+            </a:r>
+            <a:endParaRPr lang="en-US" dirty="0"/>
+          </a:p>
+        </p:txBody>
+      </p:sp>
+      <p:sp>
+        <p:nvSpPr>
           <p:cNvPr id="4" name="Rectangle 3"/>
           <p:cNvSpPr/>
           <p:nvPr/>
@@ -24700,60 +25294,6 @@
           </a:fontRef>
         </p:style>
       </p:cxnSp>
-      <p:sp>
-        <p:nvSpPr>
-          <p:cNvPr id="6" name="Content Placeholder 2"/>
-          <p:cNvSpPr>
-            <a:spLocks noGrp="1"/>
-          </p:cNvSpPr>
-          <p:nvPr>
-            <p:ph idx="1"/>
-          </p:nvPr>
-        </p:nvSpPr>
-        <p:spPr>
-          <a:xfrm>
-            <a:off x="727392" y="1850195"/>
-            <a:ext cx="8946541" cy="4195481"/>
-          </a:xfrm>
-        </p:spPr>
-        <p:txBody>
-          <a:bodyPr>
-            <a:normAutofit/>
-          </a:bodyPr>
-          <a:lstStyle/>
-          <a:p>
-            <a:r>
-              <a:rPr lang="en-US" dirty="0" smtClean="0"/>
-              <a:t>Create models</a:t>
-            </a:r>
-          </a:p>
-          <a:p>
-            <a:r>
-              <a:rPr lang="en-US" dirty="0" smtClean="0"/>
-              <a:t>Analyze for correctness</a:t>
-            </a:r>
-          </a:p>
-          <a:p>
-            <a:r>
-              <a:rPr lang="en-US" dirty="0" smtClean="0"/>
-              <a:t>Discover problems at each level</a:t>
-            </a:r>
-          </a:p>
-          <a:p>
-            <a:r>
-              <a:rPr lang="en-US" dirty="0" smtClean="0"/>
-              <a:t>Eventually produce implementations</a:t>
-            </a:r>
-          </a:p>
-          <a:p>
-            <a:r>
-              <a:rPr lang="en-US" dirty="0" smtClean="0"/>
-              <a:t>Rinse and repeat…</a:t>
-            </a:r>
-            <a:endParaRPr lang="en-US" dirty="0"/>
-          </a:p>
-        </p:txBody>
-      </p:sp>
     </p:spTree>
     <p:extLst>
       <p:ext uri="{BB962C8B-B14F-4D97-AF65-F5344CB8AC3E}">
@@ -25187,11 +25727,7 @@
           <a:p>
             <a:r>
               <a:rPr lang="en-US" dirty="0" smtClean="0"/>
-              <a:t>MBE </a:t>
-            </a:r>
-            <a:r>
-              <a:rPr lang="en-US" dirty="0" smtClean="0"/>
-              <a:t>refers to this as a “relation”</a:t>
+              <a:t>MBE refers to this as a “relation”</a:t>
             </a:r>
           </a:p>
           <a:p>
@@ -25245,8 +25781,8 @@
           </a:p>
         </p:txBody>
       </p:sp>
-      <mc:AlternateContent xmlns:mc="http://schemas.openxmlformats.org/markup-compatibility/2006">
-        <mc:Choice xmlns:a14="http://schemas.microsoft.com/office/drawing/2010/main" Requires="a14">
+      <mc:AlternateContent xmlns:mc="http://schemas.openxmlformats.org/markup-compatibility/2006" xmlns:a14="http://schemas.microsoft.com/office/drawing/2010/main">
+        <mc:Choice Requires="a14">
           <p:sp>
             <p:nvSpPr>
               <p:cNvPr id="3" name="TextBox 2"/>
@@ -25269,6 +25805,7 @@
               </a:bodyPr>
               <a:lstStyle/>
               <a:p>
+                <a:pPr/>
                 <a14:m>
                   <m:oMathPara xmlns:m="http://schemas.openxmlformats.org/officeDocument/2006/math">
                     <m:oMathParaPr>
@@ -25385,7 +25922,7 @@
             </p:txBody>
           </p:sp>
         </mc:Choice>
-        <mc:Fallback>
+        <mc:Fallback xmlns="">
           <p:sp>
             <p:nvSpPr>
               <p:cNvPr id="3" name="TextBox 2"/>
@@ -26183,8 +26720,8 @@
           </a:p>
         </p:txBody>
       </p:sp>
-      <mc:AlternateContent xmlns:mc="http://schemas.openxmlformats.org/markup-compatibility/2006">
-        <mc:Choice xmlns:a14="http://schemas.microsoft.com/office/drawing/2010/main" Requires="a14">
+      <mc:AlternateContent xmlns:mc="http://schemas.openxmlformats.org/markup-compatibility/2006" xmlns:a14="http://schemas.microsoft.com/office/drawing/2010/main">
+        <mc:Choice Requires="a14">
           <p:sp>
             <p:nvSpPr>
               <p:cNvPr id="16" name="TextBox 15"/>
@@ -26207,6 +26744,7 @@
               </a:bodyPr>
               <a:lstStyle/>
               <a:p>
+                <a:pPr/>
                 <a14:m>
                   <m:oMathPara xmlns:m="http://schemas.openxmlformats.org/officeDocument/2006/math">
                     <m:oMathParaPr>
@@ -26251,7 +26789,7 @@
             </p:txBody>
           </p:sp>
         </mc:Choice>
-        <mc:Fallback>
+        <mc:Fallback xmlns="">
           <p:sp>
             <p:nvSpPr>
               <p:cNvPr id="16" name="TextBox 15"/>
@@ -26290,8 +26828,8 @@
           </p:sp>
         </mc:Fallback>
       </mc:AlternateContent>
-      <mc:AlternateContent xmlns:mc="http://schemas.openxmlformats.org/markup-compatibility/2006">
-        <mc:Choice xmlns:a14="http://schemas.microsoft.com/office/drawing/2010/main" Requires="a14">
+      <mc:AlternateContent xmlns:mc="http://schemas.openxmlformats.org/markup-compatibility/2006" xmlns:a14="http://schemas.microsoft.com/office/drawing/2010/main">
+        <mc:Choice Requires="a14">
           <p:sp>
             <p:nvSpPr>
               <p:cNvPr id="17" name="TextBox 16"/>
@@ -26314,6 +26852,7 @@
               </a:bodyPr>
               <a:lstStyle/>
               <a:p>
+                <a:pPr/>
                 <a14:m>
                   <m:oMathPara xmlns:m="http://schemas.openxmlformats.org/officeDocument/2006/math">
                     <m:oMathParaPr>
@@ -26395,7 +26934,7 @@
             </p:txBody>
           </p:sp>
         </mc:Choice>
-        <mc:Fallback>
+        <mc:Fallback xmlns="">
           <p:sp>
             <p:nvSpPr>
               <p:cNvPr id="17" name="TextBox 16"/>
@@ -26434,8 +26973,8 @@
           </p:sp>
         </mc:Fallback>
       </mc:AlternateContent>
-      <mc:AlternateContent xmlns:mc="http://schemas.openxmlformats.org/markup-compatibility/2006">
-        <mc:Choice xmlns:a14="http://schemas.microsoft.com/office/drawing/2010/main" Requires="a14">
+      <mc:AlternateContent xmlns:mc="http://schemas.openxmlformats.org/markup-compatibility/2006" xmlns:a14="http://schemas.microsoft.com/office/drawing/2010/main">
+        <mc:Choice Requires="a14">
           <p:sp>
             <p:nvSpPr>
               <p:cNvPr id="18" name="TextBox 17"/>
@@ -26458,6 +26997,7 @@
               </a:bodyPr>
               <a:lstStyle/>
               <a:p>
+                <a:pPr/>
                 <a14:m>
                   <m:oMathPara xmlns:m="http://schemas.openxmlformats.org/officeDocument/2006/math">
                     <m:oMathParaPr>
@@ -26521,7 +27061,7 @@
             </p:txBody>
           </p:sp>
         </mc:Choice>
-        <mc:Fallback>
+        <mc:Fallback xmlns="">
           <p:sp>
             <p:nvSpPr>
               <p:cNvPr id="18" name="TextBox 17"/>
@@ -26560,8 +27100,8 @@
           </p:sp>
         </mc:Fallback>
       </mc:AlternateContent>
-      <mc:AlternateContent xmlns:mc="http://schemas.openxmlformats.org/markup-compatibility/2006">
-        <mc:Choice xmlns:a14="http://schemas.microsoft.com/office/drawing/2010/main" Requires="a14">
+      <mc:AlternateContent xmlns:mc="http://schemas.openxmlformats.org/markup-compatibility/2006" xmlns:a14="http://schemas.microsoft.com/office/drawing/2010/main">
+        <mc:Choice Requires="a14">
           <p:sp>
             <p:nvSpPr>
               <p:cNvPr id="19" name="TextBox 18"/>
@@ -26584,6 +27124,7 @@
               </a:bodyPr>
               <a:lstStyle/>
               <a:p>
+                <a:pPr/>
                 <a14:m>
                   <m:oMathPara xmlns:m="http://schemas.openxmlformats.org/officeDocument/2006/math">
                     <m:oMathParaPr>
@@ -26787,7 +27328,7 @@
             </p:txBody>
           </p:sp>
         </mc:Choice>
-        <mc:Fallback>
+        <mc:Fallback xmlns="">
           <p:sp>
             <p:nvSpPr>
               <p:cNvPr id="19" name="TextBox 18"/>
@@ -26826,8 +27367,8 @@
           </p:sp>
         </mc:Fallback>
       </mc:AlternateContent>
-      <mc:AlternateContent xmlns:mc="http://schemas.openxmlformats.org/markup-compatibility/2006">
-        <mc:Choice xmlns:a14="http://schemas.microsoft.com/office/drawing/2010/main" Requires="a14">
+      <mc:AlternateContent xmlns:mc="http://schemas.openxmlformats.org/markup-compatibility/2006" xmlns:a14="http://schemas.microsoft.com/office/drawing/2010/main">
+        <mc:Choice Requires="a14">
           <p:sp>
             <p:nvSpPr>
               <p:cNvPr id="20" name="TextBox 19"/>
@@ -26850,6 +27391,7 @@
               </a:bodyPr>
               <a:lstStyle/>
               <a:p>
+                <a:pPr/>
                 <a14:m>
                   <m:oMathPara xmlns:m="http://schemas.openxmlformats.org/officeDocument/2006/math">
                     <m:oMathParaPr>
@@ -26894,7 +27436,7 @@
             </p:txBody>
           </p:sp>
         </mc:Choice>
-        <mc:Fallback>
+        <mc:Fallback xmlns="">
           <p:sp>
             <p:nvSpPr>
               <p:cNvPr id="20" name="TextBox 19"/>
@@ -26933,8 +27475,8 @@
           </p:sp>
         </mc:Fallback>
       </mc:AlternateContent>
-      <mc:AlternateContent xmlns:mc="http://schemas.openxmlformats.org/markup-compatibility/2006">
-        <mc:Choice xmlns:a14="http://schemas.microsoft.com/office/drawing/2010/main" Requires="a14">
+      <mc:AlternateContent xmlns:mc="http://schemas.openxmlformats.org/markup-compatibility/2006" xmlns:a14="http://schemas.microsoft.com/office/drawing/2010/main">
+        <mc:Choice Requires="a14">
           <p:sp>
             <p:nvSpPr>
               <p:cNvPr id="21" name="TextBox 20"/>
@@ -26957,6 +27499,7 @@
               </a:bodyPr>
               <a:lstStyle/>
               <a:p>
+                <a:pPr/>
                 <a14:m>
                   <m:oMathPara xmlns:m="http://schemas.openxmlformats.org/officeDocument/2006/math">
                     <m:oMathParaPr>
@@ -27116,7 +27659,7 @@
             </p:txBody>
           </p:sp>
         </mc:Choice>
-        <mc:Fallback>
+        <mc:Fallback xmlns="">
           <p:sp>
             <p:nvSpPr>
               <p:cNvPr id="21" name="TextBox 20"/>
@@ -27155,8 +27698,8 @@
           </p:sp>
         </mc:Fallback>
       </mc:AlternateContent>
-      <mc:AlternateContent xmlns:mc="http://schemas.openxmlformats.org/markup-compatibility/2006">
-        <mc:Choice xmlns:a14="http://schemas.microsoft.com/office/drawing/2010/main" Requires="a14">
+      <mc:AlternateContent xmlns:mc="http://schemas.openxmlformats.org/markup-compatibility/2006" xmlns:a14="http://schemas.microsoft.com/office/drawing/2010/main">
+        <mc:Choice Requires="a14">
           <p:sp>
             <p:nvSpPr>
               <p:cNvPr id="22" name="TextBox 21"/>
@@ -27179,6 +27722,7 @@
               </a:bodyPr>
               <a:lstStyle/>
               <a:p>
+                <a:pPr/>
                 <a14:m>
                   <m:oMathPara xmlns:m="http://schemas.openxmlformats.org/officeDocument/2006/math">
                     <m:oMathParaPr>
@@ -27393,7 +27937,7 @@
             </p:txBody>
           </p:sp>
         </mc:Choice>
-        <mc:Fallback>
+        <mc:Fallback xmlns="">
           <p:sp>
             <p:nvSpPr>
               <p:cNvPr id="22" name="TextBox 21"/>
@@ -27638,7 +28182,7 @@
 <file path=ppt/theme/theme1.xml><?xml version="1.0" encoding="utf-8"?>
 <a:theme xmlns:a="http://schemas.openxmlformats.org/drawingml/2006/main" name="Ion">
   <a:themeElements>
-    <a:clrScheme name="Aspect">
+    <a:clrScheme name="Custom 1">
       <a:dk1>
         <a:sysClr val="windowText" lastClr="000000"/>
       </a:dk1>
@@ -27652,7 +28196,7 @@
         <a:srgbClr val="E3DED1"/>
       </a:lt2>
       <a:accent1>
-        <a:srgbClr val="F07F09"/>
+        <a:srgbClr val="FFFF00"/>
       </a:accent1>
       <a:accent2>
         <a:srgbClr val="9F2936"/>

--- a/presentations/K.pptx
+++ b/presentations/K.pptx
@@ -5,7 +5,7 @@
     <p:sldMasterId id="2147483744" r:id="rId1"/>
   </p:sldMasterIdLst>
   <p:notesMasterIdLst>
-    <p:notesMasterId r:id="rId28"/>
+    <p:notesMasterId r:id="rId29"/>
   </p:notesMasterIdLst>
   <p:sldIdLst>
     <p:sldId id="266" r:id="rId2"/>
@@ -32,8 +32,9 @@
     <p:sldId id="275" r:id="rId23"/>
     <p:sldId id="276" r:id="rId24"/>
     <p:sldId id="277" r:id="rId25"/>
-    <p:sldId id="287" r:id="rId26"/>
-    <p:sldId id="283" r:id="rId27"/>
+    <p:sldId id="289" r:id="rId26"/>
+    <p:sldId id="287" r:id="rId27"/>
+    <p:sldId id="283" r:id="rId28"/>
   </p:sldIdLst>
   <p:sldSz cx="12192000" cy="6858000"/>
   <p:notesSz cx="6858000" cy="9144000"/>
@@ -24191,6 +24192,561 @@
           <a:p>
             <a:r>
               <a:rPr lang="en-US" dirty="0" smtClean="0"/>
+              <a:t>Single Artifact</a:t>
+            </a:r>
+            <a:endParaRPr lang="en-US" dirty="0"/>
+          </a:p>
+        </p:txBody>
+      </p:sp>
+      <p:sp>
+        <p:nvSpPr>
+          <p:cNvPr id="4" name="Flowchart: Document 3"/>
+          <p:cNvSpPr/>
+          <p:nvPr/>
+        </p:nvSpPr>
+        <p:spPr>
+          <a:xfrm>
+            <a:off x="768096" y="3235484"/>
+            <a:ext cx="1362456" cy="1417320"/>
+          </a:xfrm>
+          <a:prstGeom prst="flowChartDocument">
+            <a:avLst/>
+          </a:prstGeom>
+        </p:spPr>
+        <p:style>
+          <a:lnRef idx="2">
+            <a:schemeClr val="accent1">
+              <a:shade val="50000"/>
+            </a:schemeClr>
+          </a:lnRef>
+          <a:fillRef idx="1">
+            <a:schemeClr val="accent1"/>
+          </a:fillRef>
+          <a:effectRef idx="0">
+            <a:schemeClr val="accent1"/>
+          </a:effectRef>
+          <a:fontRef idx="minor">
+            <a:schemeClr val="lt1"/>
+          </a:fontRef>
+        </p:style>
+        <p:txBody>
+          <a:bodyPr rtlCol="0" anchor="ctr"/>
+          <a:lstStyle/>
+          <a:p>
+            <a:pPr algn="ctr"/>
+            <a:r>
+              <a:rPr lang="en-US" b="1" dirty="0" smtClean="0">
+                <a:solidFill>
+                  <a:schemeClr val="bg1"/>
+                </a:solidFill>
+                <a:latin typeface="+mj-lt"/>
+              </a:rPr>
+              <a:t>K Model</a:t>
+            </a:r>
+            <a:endParaRPr lang="en-US" b="1" dirty="0">
+              <a:solidFill>
+                <a:schemeClr val="bg1"/>
+              </a:solidFill>
+              <a:latin typeface="+mj-lt"/>
+            </a:endParaRPr>
+          </a:p>
+        </p:txBody>
+      </p:sp>
+      <p:sp>
+        <p:nvSpPr>
+          <p:cNvPr id="6" name="Flowchart: Multidocument 5"/>
+          <p:cNvSpPr/>
+          <p:nvPr/>
+        </p:nvSpPr>
+        <p:spPr>
+          <a:xfrm>
+            <a:off x="3617976" y="1484408"/>
+            <a:ext cx="2176272" cy="1228376"/>
+          </a:xfrm>
+          <a:prstGeom prst="flowChartMultidocument">
+            <a:avLst/>
+          </a:prstGeom>
+        </p:spPr>
+        <p:style>
+          <a:lnRef idx="1">
+            <a:schemeClr val="accent2"/>
+          </a:lnRef>
+          <a:fillRef idx="2">
+            <a:schemeClr val="accent2"/>
+          </a:fillRef>
+          <a:effectRef idx="1">
+            <a:schemeClr val="accent2"/>
+          </a:effectRef>
+          <a:fontRef idx="minor">
+            <a:schemeClr val="dk1"/>
+          </a:fontRef>
+        </p:style>
+        <p:txBody>
+          <a:bodyPr rtlCol="0" anchor="ctr"/>
+          <a:lstStyle/>
+          <a:p>
+            <a:pPr algn="ctr"/>
+            <a:r>
+              <a:rPr lang="en-US" b="1" dirty="0" smtClean="0">
+                <a:solidFill>
+                  <a:schemeClr val="bg1"/>
+                </a:solidFill>
+                <a:latin typeface="+mj-lt"/>
+              </a:rPr>
+              <a:t>Documentation</a:t>
+            </a:r>
+            <a:endParaRPr lang="en-US" b="1" dirty="0">
+              <a:solidFill>
+                <a:schemeClr val="bg1"/>
+              </a:solidFill>
+              <a:latin typeface="+mj-lt"/>
+            </a:endParaRPr>
+          </a:p>
+        </p:txBody>
+      </p:sp>
+      <p:sp>
+        <p:nvSpPr>
+          <p:cNvPr id="7" name="Flowchart: Decision 6"/>
+          <p:cNvSpPr/>
+          <p:nvPr/>
+        </p:nvSpPr>
+        <p:spPr>
+          <a:xfrm>
+            <a:off x="3430432" y="2840752"/>
+            <a:ext cx="2505456" cy="1316736"/>
+          </a:xfrm>
+          <a:prstGeom prst="flowChartDecision">
+            <a:avLst/>
+          </a:prstGeom>
+        </p:spPr>
+        <p:style>
+          <a:lnRef idx="1">
+            <a:schemeClr val="accent2"/>
+          </a:lnRef>
+          <a:fillRef idx="2">
+            <a:schemeClr val="accent2"/>
+          </a:fillRef>
+          <a:effectRef idx="1">
+            <a:schemeClr val="accent2"/>
+          </a:effectRef>
+          <a:fontRef idx="minor">
+            <a:schemeClr val="dk1"/>
+          </a:fontRef>
+        </p:style>
+        <p:txBody>
+          <a:bodyPr rtlCol="0" anchor="ctr"/>
+          <a:lstStyle/>
+          <a:p>
+            <a:pPr algn="ctr"/>
+            <a:r>
+              <a:rPr lang="en-US" b="1" dirty="0" smtClean="0">
+                <a:solidFill>
+                  <a:schemeClr val="bg1"/>
+                </a:solidFill>
+                <a:latin typeface="+mj-lt"/>
+              </a:rPr>
+              <a:t>Analysis/Solving</a:t>
+            </a:r>
+            <a:endParaRPr lang="en-US" b="1" dirty="0">
+              <a:solidFill>
+                <a:schemeClr val="bg1"/>
+              </a:solidFill>
+              <a:latin typeface="+mj-lt"/>
+            </a:endParaRPr>
+          </a:p>
+        </p:txBody>
+      </p:sp>
+      <p:sp>
+        <p:nvSpPr>
+          <p:cNvPr id="8" name="Flowchart: Process 7"/>
+          <p:cNvSpPr/>
+          <p:nvPr/>
+        </p:nvSpPr>
+        <p:spPr>
+          <a:xfrm>
+            <a:off x="3850872" y="4357140"/>
+            <a:ext cx="1539240" cy="736092"/>
+          </a:xfrm>
+          <a:prstGeom prst="flowChartProcess">
+            <a:avLst/>
+          </a:prstGeom>
+        </p:spPr>
+        <p:style>
+          <a:lnRef idx="1">
+            <a:schemeClr val="accent2"/>
+          </a:lnRef>
+          <a:fillRef idx="2">
+            <a:schemeClr val="accent2"/>
+          </a:fillRef>
+          <a:effectRef idx="1">
+            <a:schemeClr val="accent2"/>
+          </a:effectRef>
+          <a:fontRef idx="minor">
+            <a:schemeClr val="dk1"/>
+          </a:fontRef>
+        </p:style>
+        <p:txBody>
+          <a:bodyPr rtlCol="0" anchor="ctr"/>
+          <a:lstStyle/>
+          <a:p>
+            <a:pPr algn="ctr"/>
+            <a:r>
+              <a:rPr lang="en-US" b="1" dirty="0" smtClean="0">
+                <a:solidFill>
+                  <a:schemeClr val="bg1"/>
+                </a:solidFill>
+                <a:latin typeface="+mj-lt"/>
+              </a:rPr>
+              <a:t>Execution</a:t>
+            </a:r>
+            <a:endParaRPr lang="en-US" b="1" dirty="0">
+              <a:solidFill>
+                <a:schemeClr val="bg1"/>
+              </a:solidFill>
+              <a:latin typeface="+mj-lt"/>
+            </a:endParaRPr>
+          </a:p>
+        </p:txBody>
+      </p:sp>
+      <p:cxnSp>
+        <p:nvCxnSpPr>
+          <p:cNvPr id="10" name="Straight Arrow Connector 9"/>
+          <p:cNvCxnSpPr>
+            <a:stCxn id="4" idx="3"/>
+            <a:endCxn id="6" idx="1"/>
+          </p:cNvCxnSpPr>
+          <p:nvPr/>
+        </p:nvCxnSpPr>
+        <p:spPr>
+          <a:xfrm flipV="1">
+            <a:off x="2130552" y="2098596"/>
+            <a:ext cx="1487424" cy="1845548"/>
+          </a:xfrm>
+          <a:prstGeom prst="straightConnector1">
+            <a:avLst/>
+          </a:prstGeom>
+          <a:ln>
+            <a:tailEnd type="triangle"/>
+          </a:ln>
+        </p:spPr>
+        <p:style>
+          <a:lnRef idx="3">
+            <a:schemeClr val="accent1"/>
+          </a:lnRef>
+          <a:fillRef idx="0">
+            <a:schemeClr val="accent1"/>
+          </a:fillRef>
+          <a:effectRef idx="2">
+            <a:schemeClr val="accent1"/>
+          </a:effectRef>
+          <a:fontRef idx="minor">
+            <a:schemeClr val="tx1"/>
+          </a:fontRef>
+        </p:style>
+      </p:cxnSp>
+      <p:cxnSp>
+        <p:nvCxnSpPr>
+          <p:cNvPr id="11" name="Straight Arrow Connector 10"/>
+          <p:cNvCxnSpPr>
+            <a:stCxn id="4" idx="3"/>
+            <a:endCxn id="7" idx="1"/>
+          </p:cNvCxnSpPr>
+          <p:nvPr/>
+        </p:nvCxnSpPr>
+        <p:spPr>
+          <a:xfrm flipV="1">
+            <a:off x="2130552" y="3499120"/>
+            <a:ext cx="1299880" cy="445024"/>
+          </a:xfrm>
+          <a:prstGeom prst="straightConnector1">
+            <a:avLst/>
+          </a:prstGeom>
+          <a:ln>
+            <a:tailEnd type="triangle"/>
+          </a:ln>
+        </p:spPr>
+        <p:style>
+          <a:lnRef idx="3">
+            <a:schemeClr val="accent1"/>
+          </a:lnRef>
+          <a:fillRef idx="0">
+            <a:schemeClr val="accent1"/>
+          </a:fillRef>
+          <a:effectRef idx="2">
+            <a:schemeClr val="accent1"/>
+          </a:effectRef>
+          <a:fontRef idx="minor">
+            <a:schemeClr val="tx1"/>
+          </a:fontRef>
+        </p:style>
+      </p:cxnSp>
+      <p:cxnSp>
+        <p:nvCxnSpPr>
+          <p:cNvPr id="14" name="Straight Arrow Connector 13"/>
+          <p:cNvCxnSpPr>
+            <a:stCxn id="4" idx="3"/>
+            <a:endCxn id="8" idx="1"/>
+          </p:cNvCxnSpPr>
+          <p:nvPr/>
+        </p:nvCxnSpPr>
+        <p:spPr>
+          <a:xfrm>
+            <a:off x="2130552" y="3944144"/>
+            <a:ext cx="1720320" cy="781042"/>
+          </a:xfrm>
+          <a:prstGeom prst="straightConnector1">
+            <a:avLst/>
+          </a:prstGeom>
+          <a:ln>
+            <a:tailEnd type="triangle"/>
+          </a:ln>
+        </p:spPr>
+        <p:style>
+          <a:lnRef idx="3">
+            <a:schemeClr val="accent1"/>
+          </a:lnRef>
+          <a:fillRef idx="0">
+            <a:schemeClr val="accent1"/>
+          </a:fillRef>
+          <a:effectRef idx="2">
+            <a:schemeClr val="accent1"/>
+          </a:effectRef>
+          <a:fontRef idx="minor">
+            <a:schemeClr val="tx1"/>
+          </a:fontRef>
+        </p:style>
+      </p:cxnSp>
+      <p:sp>
+        <p:nvSpPr>
+          <p:cNvPr id="17" name="Content Placeholder 2"/>
+          <p:cNvSpPr>
+            <a:spLocks noGrp="1"/>
+          </p:cNvSpPr>
+          <p:nvPr>
+            <p:ph idx="1"/>
+          </p:nvPr>
+        </p:nvSpPr>
+        <p:spPr>
+          <a:xfrm>
+            <a:off x="6214688" y="2640799"/>
+            <a:ext cx="5352472" cy="3127625"/>
+          </a:xfrm>
+        </p:spPr>
+        <p:txBody>
+          <a:bodyPr>
+            <a:normAutofit/>
+          </a:bodyPr>
+          <a:lstStyle/>
+          <a:p>
+            <a:r>
+              <a:rPr lang="en-US" dirty="0" smtClean="0"/>
+              <a:t>Produce a single artifact…</a:t>
+            </a:r>
+            <a:endParaRPr lang="en-US" dirty="0" smtClean="0"/>
+          </a:p>
+          <a:p>
+            <a:r>
+              <a:rPr lang="en-US" dirty="0" smtClean="0"/>
+              <a:t>K provides infrastructure and automation for the rest</a:t>
+            </a:r>
+            <a:endParaRPr lang="en-US" dirty="0" smtClean="0"/>
+          </a:p>
+          <a:p>
+            <a:r>
+              <a:rPr lang="en-US" dirty="0" smtClean="0"/>
+              <a:t>The common language for all tasks.</a:t>
+            </a:r>
+            <a:endParaRPr lang="en-US" dirty="0" smtClean="0"/>
+          </a:p>
+          <a:p>
+            <a:endParaRPr lang="en-US" dirty="0" smtClean="0"/>
+          </a:p>
+          <a:p>
+            <a:endParaRPr lang="en-US" dirty="0" smtClean="0"/>
+          </a:p>
+          <a:p>
+            <a:pPr marL="0" indent="0">
+              <a:buNone/>
+            </a:pPr>
+            <a:endParaRPr lang="en-US" dirty="0" smtClean="0"/>
+          </a:p>
+        </p:txBody>
+      </p:sp>
+      <p:sp>
+        <p:nvSpPr>
+          <p:cNvPr id="20" name="Flowchart: Decision 19"/>
+          <p:cNvSpPr/>
+          <p:nvPr/>
+        </p:nvSpPr>
+        <p:spPr>
+          <a:xfrm>
+            <a:off x="3430432" y="5260880"/>
+            <a:ext cx="2389816" cy="804672"/>
+          </a:xfrm>
+          <a:prstGeom prst="flowChartDecision">
+            <a:avLst/>
+          </a:prstGeom>
+        </p:spPr>
+        <p:style>
+          <a:lnRef idx="1">
+            <a:schemeClr val="accent2"/>
+          </a:lnRef>
+          <a:fillRef idx="2">
+            <a:schemeClr val="accent2"/>
+          </a:fillRef>
+          <a:effectRef idx="1">
+            <a:schemeClr val="accent2"/>
+          </a:effectRef>
+          <a:fontRef idx="minor">
+            <a:schemeClr val="dk1"/>
+          </a:fontRef>
+        </p:style>
+        <p:txBody>
+          <a:bodyPr rtlCol="0" anchor="ctr"/>
+          <a:lstStyle/>
+          <a:p>
+            <a:pPr algn="ctr"/>
+            <a:r>
+              <a:rPr lang="en-US" b="1" dirty="0" smtClean="0">
+                <a:solidFill>
+                  <a:schemeClr val="bg1"/>
+                </a:solidFill>
+                <a:latin typeface="+mj-lt"/>
+              </a:rPr>
+              <a:t>Querying</a:t>
+            </a:r>
+            <a:endParaRPr lang="en-US" b="1" dirty="0">
+              <a:solidFill>
+                <a:schemeClr val="bg1"/>
+              </a:solidFill>
+              <a:latin typeface="+mj-lt"/>
+            </a:endParaRPr>
+          </a:p>
+        </p:txBody>
+      </p:sp>
+      <p:cxnSp>
+        <p:nvCxnSpPr>
+          <p:cNvPr id="21" name="Straight Arrow Connector 20"/>
+          <p:cNvCxnSpPr>
+            <a:stCxn id="4" idx="3"/>
+            <a:endCxn id="20" idx="1"/>
+          </p:cNvCxnSpPr>
+          <p:nvPr/>
+        </p:nvCxnSpPr>
+        <p:spPr>
+          <a:xfrm>
+            <a:off x="2130552" y="3944144"/>
+            <a:ext cx="1299880" cy="1719072"/>
+          </a:xfrm>
+          <a:prstGeom prst="straightConnector1">
+            <a:avLst/>
+          </a:prstGeom>
+          <a:ln>
+            <a:tailEnd type="triangle"/>
+          </a:ln>
+        </p:spPr>
+        <p:style>
+          <a:lnRef idx="3">
+            <a:schemeClr val="accent1"/>
+          </a:lnRef>
+          <a:fillRef idx="0">
+            <a:schemeClr val="accent1"/>
+          </a:fillRef>
+          <a:effectRef idx="2">
+            <a:schemeClr val="accent1"/>
+          </a:effectRef>
+          <a:fontRef idx="minor">
+            <a:schemeClr val="tx1"/>
+          </a:fontRef>
+        </p:style>
+      </p:cxnSp>
+      <p:cxnSp>
+        <p:nvCxnSpPr>
+          <p:cNvPr id="30" name="Straight Connector 29"/>
+          <p:cNvCxnSpPr/>
+          <p:nvPr/>
+        </p:nvCxnSpPr>
+        <p:spPr>
+          <a:xfrm>
+            <a:off x="4616044" y="6320068"/>
+            <a:ext cx="4448" cy="429768"/>
+          </a:xfrm>
+          <a:prstGeom prst="line">
+            <a:avLst/>
+          </a:prstGeom>
+          <a:ln>
+            <a:prstDash val="sysDash"/>
+          </a:ln>
+        </p:spPr>
+        <p:style>
+          <a:lnRef idx="3">
+            <a:schemeClr val="accent1"/>
+          </a:lnRef>
+          <a:fillRef idx="0">
+            <a:schemeClr val="accent1"/>
+          </a:fillRef>
+          <a:effectRef idx="2">
+            <a:schemeClr val="accent1"/>
+          </a:effectRef>
+          <a:fontRef idx="minor">
+            <a:schemeClr val="tx1"/>
+          </a:fontRef>
+        </p:style>
+      </p:cxnSp>
+    </p:spTree>
+    <p:extLst>
+      <p:ext uri="{BB962C8B-B14F-4D97-AF65-F5344CB8AC3E}">
+        <p14:creationId xmlns:p14="http://schemas.microsoft.com/office/powerpoint/2010/main" val="2800770764"/>
+      </p:ext>
+    </p:extLst>
+  </p:cSld>
+  <p:clrMapOvr>
+    <a:masterClrMapping/>
+  </p:clrMapOvr>
+  <p:timing>
+    <p:tnLst>
+      <p:par>
+        <p:cTn id="1" dur="indefinite" restart="never" nodeType="tmRoot"/>
+      </p:par>
+    </p:tnLst>
+  </p:timing>
+</p:sld>
+</file>
+
+<file path=ppt/slides/slide26.xml><?xml version="1.0" encoding="utf-8"?>
+<p:sld xmlns:a="http://schemas.openxmlformats.org/drawingml/2006/main" xmlns:r="http://schemas.openxmlformats.org/officeDocument/2006/relationships" xmlns:p="http://schemas.openxmlformats.org/presentationml/2006/main">
+  <p:cSld>
+    <p:spTree>
+      <p:nvGrpSpPr>
+        <p:cNvPr id="1" name=""/>
+        <p:cNvGrpSpPr/>
+        <p:nvPr/>
+      </p:nvGrpSpPr>
+      <p:grpSpPr>
+        <a:xfrm>
+          <a:off x="0" y="0"/>
+          <a:ext cx="0" cy="0"/>
+          <a:chOff x="0" y="0"/>
+          <a:chExt cx="0" cy="0"/>
+        </a:xfrm>
+      </p:grpSpPr>
+      <p:sp>
+        <p:nvSpPr>
+          <p:cNvPr id="2" name="Title 1"/>
+          <p:cNvSpPr>
+            <a:spLocks noGrp="1"/>
+          </p:cNvSpPr>
+          <p:nvPr>
+            <p:ph type="title"/>
+          </p:nvPr>
+        </p:nvSpPr>
+        <p:spPr/>
+        <p:txBody>
+          <a:bodyPr/>
+          <a:lstStyle/>
+          <a:p>
+            <a:r>
+              <a:rPr lang="en-US" dirty="0" smtClean="0"/>
               <a:t>Further…</a:t>
             </a:r>
             <a:endParaRPr lang="en-US" dirty="0"/>
@@ -24621,7 +25177,7 @@
 </p:sld>
 </file>
 
-<file path=ppt/slides/slide26.xml><?xml version="1.0" encoding="utf-8"?>
+<file path=ppt/slides/slide27.xml><?xml version="1.0" encoding="utf-8"?>
 <p:sld xmlns:a="http://schemas.openxmlformats.org/drawingml/2006/main" xmlns:r="http://schemas.openxmlformats.org/officeDocument/2006/relationships" xmlns:p="http://schemas.openxmlformats.org/presentationml/2006/main">
   <p:cSld>
     <p:spTree>
@@ -25367,7 +25923,7 @@
         <p:spPr/>
         <p:txBody>
           <a:bodyPr>
-            <a:normAutofit fontScale="92500" lnSpcReduction="10000"/>
+            <a:normAutofit/>
           </a:bodyPr>
           <a:lstStyle/>
           <a:p>
@@ -25432,13 +25988,11 @@
           <a:p>
             <a:r>
               <a:rPr lang="en-US" dirty="0" smtClean="0"/>
-              <a:t>Extensible keyword set</a:t>
-            </a:r>
-          </a:p>
-          <a:p>
+              <a:t>Collections </a:t>
+            </a:r>
             <a:r>
               <a:rPr lang="en-US" dirty="0" smtClean="0"/>
-              <a:t>Collections (</a:t>
+              <a:t>(</a:t>
             </a:r>
             <a:r>
               <a:rPr lang="en-US" dirty="0" err="1" smtClean="0"/>
@@ -25557,22 +26111,9 @@
           <a:p>
             <a:r>
               <a:rPr lang="en-US" dirty="0" smtClean="0"/>
-              <a:t>Extensible using </a:t>
-            </a:r>
-          </a:p>
-          <a:p>
-            <a:pPr lvl="1"/>
-            <a:r>
-              <a:rPr lang="en-US" dirty="0" smtClean="0"/>
-              <a:t>Keyword extension </a:t>
-            </a:r>
-          </a:p>
-          <a:p>
-            <a:pPr lvl="1"/>
-            <a:r>
-              <a:rPr lang="en-US" dirty="0" smtClean="0"/>
-              <a:t>Libraries</a:t>
-            </a:r>
+              <a:t>Extensible </a:t>
+            </a:r>
+            <a:endParaRPr lang="en-US" dirty="0" smtClean="0"/>
           </a:p>
           <a:p>
             <a:r>
@@ -26128,7 +26669,7 @@
               <a:rPr lang="en-US" sz="1600" dirty="0" smtClean="0">
                 <a:latin typeface="+mj-lt"/>
               </a:rPr>
-              <a:t>Spacecraft</a:t>
+              <a:t>Instrument</a:t>
             </a:r>
             <a:endParaRPr lang="en-US" sz="1600" dirty="0">
               <a:latin typeface="+mj-lt"/>
@@ -26553,7 +27094,7 @@
               <a:rPr lang="en-US" sz="1600" dirty="0" smtClean="0">
                 <a:latin typeface="+mj-lt"/>
               </a:rPr>
-              <a:t>Spacecraft</a:t>
+              <a:t>Instrument</a:t>
             </a:r>
             <a:endParaRPr lang="en-US" sz="1600" dirty="0">
               <a:latin typeface="+mj-lt"/>

--- a/presentations/K.pptx
+++ b/presentations/K.pptx
@@ -135,7 +135,7 @@
   </p:defaultTextStyle>
   <p:extLst>
     <p:ext uri="{EFAFB233-063F-42B5-8137-9DF3F51BA10A}">
-      <p15:sldGuideLst xmlns:p15="http://schemas.microsoft.com/office/powerpoint/2012/main">
+      <p15:sldGuideLst xmlns:p15="http://schemas.microsoft.com/office/powerpoint/2012/main" xmlns="">
         <p15:guide id="1" orient="horz" pos="2160" userDrawn="1">
           <p15:clr>
             <a:srgbClr val="A4A3A4"/>
@@ -10503,7 +10503,7 @@
           <a:p>
             <a:fld id="{3A560DDB-BEB9-48D2-8F04-7EAC6052052E}" type="datetimeFigureOut">
               <a:rPr lang="en-US" smtClean="0"/>
-              <a:t>7/9/2015</a:t>
+              <a:t>7/22/15</a:t>
             </a:fld>
             <a:endParaRPr lang="en-US"/>
           </a:p>
@@ -10957,7 +10957,7 @@
           <a:p>
             <a:fld id="{ED57E8F0-C568-41E0-BE5A-51B4982C6A0E}" type="datetimeFigureOut">
               <a:rPr lang="en-US" smtClean="0"/>
-              <a:t>7/9/2015</a:t>
+              <a:t>7/22/15</a:t>
             </a:fld>
             <a:endParaRPr lang="en-US"/>
           </a:p>
@@ -11232,7 +11232,7 @@
           <a:p>
             <a:fld id="{ED57E8F0-C568-41E0-BE5A-51B4982C6A0E}" type="datetimeFigureOut">
               <a:rPr lang="en-US" smtClean="0"/>
-              <a:t>7/9/2015</a:t>
+              <a:t>7/22/15</a:t>
             </a:fld>
             <a:endParaRPr lang="en-US"/>
           </a:p>
@@ -11426,7 +11426,7 @@
           <a:p>
             <a:fld id="{ED57E8F0-C568-41E0-BE5A-51B4982C6A0E}" type="datetimeFigureOut">
               <a:rPr lang="en-US" smtClean="0"/>
-              <a:t>7/9/2015</a:t>
+              <a:t>7/22/15</a:t>
             </a:fld>
             <a:endParaRPr lang="en-US"/>
           </a:p>
@@ -11699,7 +11699,7 @@
           <a:p>
             <a:fld id="{ED57E8F0-C568-41E0-BE5A-51B4982C6A0E}" type="datetimeFigureOut">
               <a:rPr lang="en-US" smtClean="0"/>
-              <a:t>7/9/2015</a:t>
+              <a:t>7/22/15</a:t>
             </a:fld>
             <a:endParaRPr lang="en-US"/>
           </a:p>
@@ -12040,7 +12040,7 @@
           <a:p>
             <a:fld id="{ED57E8F0-C568-41E0-BE5A-51B4982C6A0E}" type="datetimeFigureOut">
               <a:rPr lang="en-US" smtClean="0"/>
-              <a:t>7/9/2015</a:t>
+              <a:t>7/22/15</a:t>
             </a:fld>
             <a:endParaRPr lang="en-US"/>
           </a:p>
@@ -12663,7 +12663,7 @@
           <a:p>
             <a:fld id="{ED57E8F0-C568-41E0-BE5A-51B4982C6A0E}" type="datetimeFigureOut">
               <a:rPr lang="en-US" smtClean="0"/>
-              <a:t>7/9/2015</a:t>
+              <a:t>7/22/15</a:t>
             </a:fld>
             <a:endParaRPr lang="en-US"/>
           </a:p>
@@ -13523,7 +13523,7 @@
           <a:p>
             <a:fld id="{ED57E8F0-C568-41E0-BE5A-51B4982C6A0E}" type="datetimeFigureOut">
               <a:rPr lang="en-US" smtClean="0"/>
-              <a:t>7/9/2015</a:t>
+              <a:t>7/22/15</a:t>
             </a:fld>
             <a:endParaRPr lang="en-US"/>
           </a:p>
@@ -13693,7 +13693,7 @@
           <a:p>
             <a:fld id="{ED57E8F0-C568-41E0-BE5A-51B4982C6A0E}" type="datetimeFigureOut">
               <a:rPr lang="en-US" smtClean="0"/>
-              <a:t>7/9/2015</a:t>
+              <a:t>7/22/15</a:t>
             </a:fld>
             <a:endParaRPr lang="en-US"/>
           </a:p>
@@ -13873,7 +13873,7 @@
           <a:p>
             <a:fld id="{ED57E8F0-C568-41E0-BE5A-51B4982C6A0E}" type="datetimeFigureOut">
               <a:rPr lang="en-US" smtClean="0"/>
-              <a:t>7/9/2015</a:t>
+              <a:t>7/22/15</a:t>
             </a:fld>
             <a:endParaRPr lang="en-US"/>
           </a:p>
@@ -14043,7 +14043,7 @@
           <a:p>
             <a:fld id="{ED57E8F0-C568-41E0-BE5A-51B4982C6A0E}" type="datetimeFigureOut">
               <a:rPr lang="en-US" smtClean="0"/>
-              <a:t>7/9/2015</a:t>
+              <a:t>7/22/15</a:t>
             </a:fld>
             <a:endParaRPr lang="en-US"/>
           </a:p>
@@ -14290,7 +14290,7 @@
           <a:p>
             <a:fld id="{ED57E8F0-C568-41E0-BE5A-51B4982C6A0E}" type="datetimeFigureOut">
               <a:rPr lang="en-US" smtClean="0"/>
-              <a:t>7/9/2015</a:t>
+              <a:t>7/22/15</a:t>
             </a:fld>
             <a:endParaRPr lang="en-US"/>
           </a:p>
@@ -14582,7 +14582,7 @@
           <a:p>
             <a:fld id="{ED57E8F0-C568-41E0-BE5A-51B4982C6A0E}" type="datetimeFigureOut">
               <a:rPr lang="en-US" smtClean="0"/>
-              <a:t>7/9/2015</a:t>
+              <a:t>7/22/15</a:t>
             </a:fld>
             <a:endParaRPr lang="en-US"/>
           </a:p>
@@ -15026,7 +15026,7 @@
           <a:p>
             <a:fld id="{ED57E8F0-C568-41E0-BE5A-51B4982C6A0E}" type="datetimeFigureOut">
               <a:rPr lang="en-US" smtClean="0"/>
-              <a:t>7/9/2015</a:t>
+              <a:t>7/22/15</a:t>
             </a:fld>
             <a:endParaRPr lang="en-US"/>
           </a:p>
@@ -15144,7 +15144,7 @@
           <a:p>
             <a:fld id="{ED57E8F0-C568-41E0-BE5A-51B4982C6A0E}" type="datetimeFigureOut">
               <a:rPr lang="en-US" smtClean="0"/>
-              <a:t>7/9/2015</a:t>
+              <a:t>7/22/15</a:t>
             </a:fld>
             <a:endParaRPr lang="en-US"/>
           </a:p>
@@ -15239,7 +15239,7 @@
           <a:p>
             <a:fld id="{ED57E8F0-C568-41E0-BE5A-51B4982C6A0E}" type="datetimeFigureOut">
               <a:rPr lang="en-US" smtClean="0"/>
-              <a:t>7/9/2015</a:t>
+              <a:t>7/22/15</a:t>
             </a:fld>
             <a:endParaRPr lang="en-US"/>
           </a:p>
@@ -15518,7 +15518,7 @@
           <a:p>
             <a:fld id="{ED57E8F0-C568-41E0-BE5A-51B4982C6A0E}" type="datetimeFigureOut">
               <a:rPr lang="en-US" smtClean="0"/>
-              <a:t>7/9/2015</a:t>
+              <a:t>7/22/15</a:t>
             </a:fld>
             <a:endParaRPr lang="en-US"/>
           </a:p>
@@ -15793,7 +15793,7 @@
           <a:p>
             <a:fld id="{ED57E8F0-C568-41E0-BE5A-51B4982C6A0E}" type="datetimeFigureOut">
               <a:rPr lang="en-US" smtClean="0"/>
-              <a:t>7/9/2015</a:t>
+              <a:t>7/22/15</a:t>
             </a:fld>
             <a:endParaRPr lang="en-US"/>
           </a:p>
@@ -16222,7 +16222,7 @@
           <a:p>
             <a:fld id="{ED57E8F0-C568-41E0-BE5A-51B4982C6A0E}" type="datetimeFigureOut">
               <a:rPr lang="en-US" smtClean="0"/>
-              <a:t>7/9/2015</a:t>
+              <a:t>7/22/15</a:t>
             </a:fld>
             <a:endParaRPr lang="en-US"/>
           </a:p>
@@ -16833,7 +16833,7 @@
   <p:timing>
     <p:tnLst>
       <p:par>
-        <p:cTn id="1" dur="indefinite" restart="never" nodeType="tmRoot"/>
+        <p:cTn xmlns:p14="http://schemas.microsoft.com/office/powerpoint/2010/main" id="1" dur="indefinite" restart="never" nodeType="tmRoot"/>
       </p:par>
     </p:tnLst>
   </p:timing>
@@ -17140,7 +17140,7 @@
   <p:timing>
     <p:tnLst>
       <p:par>
-        <p:cTn id="1" dur="indefinite" restart="never" nodeType="tmRoot"/>
+        <p:cTn xmlns:p14="http://schemas.microsoft.com/office/powerpoint/2010/main" id="1" dur="indefinite" restart="never" nodeType="tmRoot"/>
       </p:par>
     </p:tnLst>
   </p:timing>
@@ -17632,7 +17632,7 @@
   <p:timing>
     <p:tnLst>
       <p:par>
-        <p:cTn id="1" dur="indefinite" restart="never" nodeType="tmRoot"/>
+        <p:cTn xmlns:p14="http://schemas.microsoft.com/office/powerpoint/2010/main" id="1" dur="indefinite" restart="never" nodeType="tmRoot"/>
       </p:par>
     </p:tnLst>
   </p:timing>
@@ -17740,7 +17740,7 @@
   <p:timing>
     <p:tnLst>
       <p:par>
-        <p:cTn id="1" dur="indefinite" restart="never" nodeType="tmRoot"/>
+        <p:cTn xmlns:p14="http://schemas.microsoft.com/office/powerpoint/2010/main" id="1" dur="indefinite" restart="never" nodeType="tmRoot"/>
       </p:par>
     </p:tnLst>
   </p:timing>
@@ -17822,7 +17822,7 @@
   <p:timing>
     <p:tnLst>
       <p:par>
-        <p:cTn id="1" dur="indefinite" restart="never" nodeType="tmRoot"/>
+        <p:cTn xmlns:p14="http://schemas.microsoft.com/office/powerpoint/2010/main" id="1" dur="indefinite" restart="never" nodeType="tmRoot"/>
       </p:par>
     </p:tnLst>
   </p:timing>
@@ -17901,7 +17901,7 @@
   <p:timing>
     <p:tnLst>
       <p:par>
-        <p:cTn id="1" dur="indefinite" restart="never" nodeType="tmRoot"/>
+        <p:cTn xmlns:p14="http://schemas.microsoft.com/office/powerpoint/2010/main" id="1" dur="indefinite" restart="never" nodeType="tmRoot"/>
       </p:par>
     </p:tnLst>
   </p:timing>
@@ -17991,7 +17991,7 @@
   <p:timing>
     <p:tnLst>
       <p:par>
-        <p:cTn id="1" dur="indefinite" restart="never" nodeType="tmRoot"/>
+        <p:cTn xmlns:p14="http://schemas.microsoft.com/office/powerpoint/2010/main" id="1" dur="indefinite" restart="never" nodeType="tmRoot"/>
       </p:par>
     </p:tnLst>
   </p:timing>
@@ -18223,7 +18223,7 @@
   <p:timing>
     <p:tnLst>
       <p:par>
-        <p:cTn id="1" dur="indefinite" restart="never" nodeType="tmRoot"/>
+        <p:cTn xmlns:p14="http://schemas.microsoft.com/office/powerpoint/2010/main" id="1" dur="indefinite" restart="never" nodeType="tmRoot"/>
       </p:par>
     </p:tnLst>
   </p:timing>
@@ -18457,7 +18457,7 @@
   <p:timing>
     <p:tnLst>
       <p:par>
-        <p:cTn id="1" dur="indefinite" restart="never" nodeType="tmRoot"/>
+        <p:cTn xmlns:p14="http://schemas.microsoft.com/office/powerpoint/2010/main" id="1" dur="indefinite" restart="never" nodeType="tmRoot"/>
       </p:par>
     </p:tnLst>
   </p:timing>
@@ -18691,7 +18691,7 @@
   <p:timing>
     <p:tnLst>
       <p:par>
-        <p:cTn id="1" dur="indefinite" restart="never" nodeType="tmRoot"/>
+        <p:cTn xmlns:p14="http://schemas.microsoft.com/office/powerpoint/2010/main" id="1" dur="indefinite" restart="never" nodeType="tmRoot"/>
       </p:par>
     </p:tnLst>
   </p:timing>
@@ -19103,7 +19103,7 @@
   <p:timing>
     <p:tnLst>
       <p:par>
-        <p:cTn id="1" dur="indefinite" restart="never" nodeType="tmRoot"/>
+        <p:cTn xmlns:p14="http://schemas.microsoft.com/office/powerpoint/2010/main" id="1" dur="indefinite" restart="never" nodeType="tmRoot"/>
       </p:par>
     </p:tnLst>
   </p:timing>
@@ -19956,7 +19956,7 @@
   <p:timing>
     <p:tnLst>
       <p:par>
-        <p:cTn id="1" dur="indefinite" restart="never" nodeType="tmRoot"/>
+        <p:cTn xmlns:p14="http://schemas.microsoft.com/office/powerpoint/2010/main" id="1" dur="indefinite" restart="never" nodeType="tmRoot"/>
       </p:par>
     </p:tnLst>
   </p:timing>
@@ -20417,7 +20417,7 @@
   <p:timing>
     <p:tnLst>
       <p:par>
-        <p:cTn id="1" dur="indefinite" restart="never" nodeType="tmRoot"/>
+        <p:cTn xmlns:p14="http://schemas.microsoft.com/office/powerpoint/2010/main" id="1" dur="indefinite" restart="never" nodeType="tmRoot"/>
       </p:par>
     </p:tnLst>
   </p:timing>
@@ -21101,7 +21101,7 @@
   <p:timing>
     <p:tnLst>
       <p:par>
-        <p:cTn id="1" dur="indefinite" restart="never" nodeType="tmRoot"/>
+        <p:cTn xmlns:p14="http://schemas.microsoft.com/office/powerpoint/2010/main" id="1" dur="indefinite" restart="never" nodeType="tmRoot"/>
       </p:par>
     </p:tnLst>
   </p:timing>
@@ -22025,7 +22025,7 @@
   <p:timing>
     <p:tnLst>
       <p:par>
-        <p:cTn id="1" dur="indefinite" restart="never" nodeType="tmRoot"/>
+        <p:cTn xmlns:p14="http://schemas.microsoft.com/office/powerpoint/2010/main" id="1" dur="indefinite" restart="never" nodeType="tmRoot"/>
       </p:par>
     </p:tnLst>
   </p:timing>
@@ -22959,7 +22959,7 @@
   <p:timing>
     <p:tnLst>
       <p:par>
-        <p:cTn id="1" dur="indefinite" restart="never" nodeType="tmRoot"/>
+        <p:cTn xmlns:p14="http://schemas.microsoft.com/office/powerpoint/2010/main" id="1" dur="indefinite" restart="never" nodeType="tmRoot"/>
       </p:par>
     </p:tnLst>
   </p:timing>
@@ -24151,7 +24151,7 @@
   <p:timing>
     <p:tnLst>
       <p:par>
-        <p:cTn id="1" dur="indefinite" restart="never" nodeType="tmRoot"/>
+        <p:cTn xmlns:p14="http://schemas.microsoft.com/office/powerpoint/2010/main" id="1" dur="indefinite" restart="never" nodeType="tmRoot"/>
       </p:par>
     </p:tnLst>
   </p:timing>
@@ -24542,21 +24542,18 @@
               <a:rPr lang="en-US" dirty="0" smtClean="0"/>
               <a:t>Produce a single artifact…</a:t>
             </a:r>
-            <a:endParaRPr lang="en-US" dirty="0" smtClean="0"/>
           </a:p>
           <a:p>
             <a:r>
               <a:rPr lang="en-US" dirty="0" smtClean="0"/>
               <a:t>K provides infrastructure and automation for the rest</a:t>
             </a:r>
-            <a:endParaRPr lang="en-US" dirty="0" smtClean="0"/>
           </a:p>
           <a:p>
             <a:r>
               <a:rPr lang="en-US" dirty="0" smtClean="0"/>
               <a:t>The common language for all tasks.</a:t>
             </a:r>
-            <a:endParaRPr lang="en-US" dirty="0" smtClean="0"/>
           </a:p>
           <a:p>
             <a:endParaRPr lang="en-US" dirty="0" smtClean="0"/>
@@ -24706,7 +24703,7 @@
   <p:timing>
     <p:tnLst>
       <p:par>
-        <p:cTn id="1" dur="indefinite" restart="never" nodeType="tmRoot"/>
+        <p:cTn xmlns:p14="http://schemas.microsoft.com/office/powerpoint/2010/main" id="1" dur="indefinite" restart="never" nodeType="tmRoot"/>
       </p:par>
     </p:tnLst>
   </p:timing>
@@ -25091,7 +25088,7 @@
   <p:timing>
     <p:tnLst>
       <p:par>
-        <p:cTn id="1" dur="indefinite" restart="never" nodeType="tmRoot">
+        <p:cTn xmlns:p14="http://schemas.microsoft.com/office/powerpoint/2010/main" id="1" dur="indefinite" restart="never" nodeType="tmRoot">
           <p:childTnLst>
             <p:seq concurrent="1" nextAc="seek">
               <p:cTn id="2" dur="indefinite" nodeType="mainSeq">
@@ -25283,7 +25280,7 @@
   <p:timing>
     <p:tnLst>
       <p:par>
-        <p:cTn id="1" dur="indefinite" restart="never" nodeType="tmRoot"/>
+        <p:cTn xmlns:p14="http://schemas.microsoft.com/office/powerpoint/2010/main" id="1" dur="indefinite" restart="never" nodeType="tmRoot"/>
       </p:par>
     </p:tnLst>
   </p:timing>
@@ -25484,7 +25481,7 @@
   <p:timing>
     <p:tnLst>
       <p:par>
-        <p:cTn id="1" dur="indefinite" restart="never" nodeType="tmRoot">
+        <p:cTn xmlns:p14="http://schemas.microsoft.com/office/powerpoint/2010/main" id="1" dur="indefinite" restart="never" nodeType="tmRoot">
           <p:childTnLst>
             <p:seq concurrent="1" nextAc="seek">
               <p:cTn id="2" dur="indefinite" nodeType="mainSeq">
@@ -25863,7 +25860,7 @@
   <p:timing>
     <p:tnLst>
       <p:par>
-        <p:cTn id="1" dur="indefinite" restart="never" nodeType="tmRoot"/>
+        <p:cTn xmlns:p14="http://schemas.microsoft.com/office/powerpoint/2010/main" id="1" dur="indefinite" restart="never" nodeType="tmRoot"/>
       </p:par>
     </p:tnLst>
   </p:timing>
@@ -25988,11 +25985,7 @@
           <a:p>
             <a:r>
               <a:rPr lang="en-US" dirty="0" smtClean="0"/>
-              <a:t>Collections </a:t>
-            </a:r>
-            <a:r>
-              <a:rPr lang="en-US" dirty="0" smtClean="0"/>
-              <a:t>(</a:t>
+              <a:t>Collections (</a:t>
             </a:r>
             <a:r>
               <a:rPr lang="en-US" dirty="0" err="1" smtClean="0"/>
@@ -26021,7 +26014,7 @@
   <p:timing>
     <p:tnLst>
       <p:par>
-        <p:cTn id="1" dur="indefinite" restart="never" nodeType="tmRoot"/>
+        <p:cTn xmlns:p14="http://schemas.microsoft.com/office/powerpoint/2010/main" id="1" dur="indefinite" restart="never" nodeType="tmRoot"/>
       </p:par>
     </p:tnLst>
   </p:timing>
@@ -26113,7 +26106,6 @@
               <a:rPr lang="en-US" dirty="0" smtClean="0"/>
               <a:t>Extensible </a:t>
             </a:r>
-            <a:endParaRPr lang="en-US" dirty="0" smtClean="0"/>
           </a:p>
           <a:p>
             <a:r>
@@ -26151,7 +26143,7 @@
   <p:timing>
     <p:tnLst>
       <p:par>
-        <p:cTn id="1" dur="indefinite" restart="never" nodeType="tmRoot"/>
+        <p:cTn xmlns:p14="http://schemas.microsoft.com/office/powerpoint/2010/main" id="1" dur="indefinite" restart="never" nodeType="tmRoot"/>
       </p:par>
     </p:tnLst>
   </p:timing>
@@ -26346,9 +26338,8 @@
               </a:bodyPr>
               <a:lstStyle/>
               <a:p>
-                <a:pPr/>
                 <a14:m>
-                  <m:oMathPara xmlns:m="http://schemas.openxmlformats.org/officeDocument/2006/math">
+                  <m:oMathPara xmlns:m="http://schemas.openxmlformats.org/officeDocument/2006/math" xmlns="">
                     <m:oMathParaPr>
                       <m:jc m:val="centerGroup"/>
                     </m:oMathParaPr>
@@ -26849,7 +26840,7 @@
   <p:timing>
     <p:tnLst>
       <p:par>
-        <p:cTn id="1" dur="indefinite" restart="never" nodeType="tmRoot"/>
+        <p:cTn xmlns:p14="http://schemas.microsoft.com/office/powerpoint/2010/main" id="1" dur="indefinite" restart="never" nodeType="tmRoot"/>
       </p:par>
     </p:tnLst>
   </p:timing>
@@ -27285,9 +27276,8 @@
               </a:bodyPr>
               <a:lstStyle/>
               <a:p>
-                <a:pPr/>
                 <a14:m>
-                  <m:oMathPara xmlns:m="http://schemas.openxmlformats.org/officeDocument/2006/math">
+                  <m:oMathPara xmlns:m="http://schemas.openxmlformats.org/officeDocument/2006/math" xmlns="">
                     <m:oMathParaPr>
                       <m:jc m:val="centerGroup"/>
                     </m:oMathParaPr>
@@ -27393,9 +27383,8 @@
               </a:bodyPr>
               <a:lstStyle/>
               <a:p>
-                <a:pPr/>
                 <a14:m>
-                  <m:oMathPara xmlns:m="http://schemas.openxmlformats.org/officeDocument/2006/math">
+                  <m:oMathPara xmlns:m="http://schemas.openxmlformats.org/officeDocument/2006/math" xmlns="">
                     <m:oMathParaPr>
                       <m:jc m:val="centerGroup"/>
                     </m:oMathParaPr>
@@ -27538,9 +27527,8 @@
               </a:bodyPr>
               <a:lstStyle/>
               <a:p>
-                <a:pPr/>
                 <a14:m>
-                  <m:oMathPara xmlns:m="http://schemas.openxmlformats.org/officeDocument/2006/math">
+                  <m:oMathPara xmlns:m="http://schemas.openxmlformats.org/officeDocument/2006/math" xmlns="">
                     <m:oMathParaPr>
                       <m:jc m:val="centerGroup"/>
                     </m:oMathParaPr>
@@ -27665,9 +27653,8 @@
               </a:bodyPr>
               <a:lstStyle/>
               <a:p>
-                <a:pPr/>
                 <a14:m>
-                  <m:oMathPara xmlns:m="http://schemas.openxmlformats.org/officeDocument/2006/math">
+                  <m:oMathPara xmlns:m="http://schemas.openxmlformats.org/officeDocument/2006/math" xmlns="">
                     <m:oMathParaPr>
                       <m:jc m:val="centerGroup"/>
                     </m:oMathParaPr>
@@ -27932,9 +27919,8 @@
               </a:bodyPr>
               <a:lstStyle/>
               <a:p>
-                <a:pPr/>
                 <a14:m>
-                  <m:oMathPara xmlns:m="http://schemas.openxmlformats.org/officeDocument/2006/math">
+                  <m:oMathPara xmlns:m="http://schemas.openxmlformats.org/officeDocument/2006/math" xmlns="">
                     <m:oMathParaPr>
                       <m:jc m:val="centerGroup"/>
                     </m:oMathParaPr>
@@ -28040,9 +28026,8 @@
               </a:bodyPr>
               <a:lstStyle/>
               <a:p>
-                <a:pPr/>
                 <a14:m>
-                  <m:oMathPara xmlns:m="http://schemas.openxmlformats.org/officeDocument/2006/math">
+                  <m:oMathPara xmlns:m="http://schemas.openxmlformats.org/officeDocument/2006/math" xmlns="">
                     <m:oMathParaPr>
                       <m:jc m:val="centerGroup"/>
                     </m:oMathParaPr>
@@ -28263,9 +28248,8 @@
               </a:bodyPr>
               <a:lstStyle/>
               <a:p>
-                <a:pPr/>
                 <a14:m>
-                  <m:oMathPara xmlns:m="http://schemas.openxmlformats.org/officeDocument/2006/math">
+                  <m:oMathPara xmlns:m="http://schemas.openxmlformats.org/officeDocument/2006/math" xmlns="">
                     <m:oMathParaPr>
                       <m:jc m:val="centerGroup"/>
                     </m:oMathParaPr>
@@ -28530,7 +28514,7 @@
   <p:timing>
     <p:tnLst>
       <p:par>
-        <p:cTn id="1" dur="indefinite" restart="never" nodeType="tmRoot"/>
+        <p:cTn xmlns:p14="http://schemas.microsoft.com/office/powerpoint/2010/main" id="1" dur="indefinite" restart="never" nodeType="tmRoot"/>
       </p:par>
     </p:tnLst>
   </p:timing>
@@ -28713,7 +28697,7 @@
   <p:timing>
     <p:tnLst>
       <p:par>
-        <p:cTn id="1" dur="indefinite" restart="never" nodeType="tmRoot"/>
+        <p:cTn xmlns:p14="http://schemas.microsoft.com/office/powerpoint/2010/main" id="1" dur="indefinite" restart="never" nodeType="tmRoot"/>
       </p:par>
     </p:tnLst>
   </p:timing>
@@ -28763,7 +28747,7 @@
     </a:clrScheme>
     <a:fontScheme name="Consolas-Verdana">
       <a:majorFont>
-        <a:latin typeface="Consolas" panose="020B0609020204030204"/>
+        <a:latin typeface="Consolas"/>
         <a:ea typeface=""/>
         <a:cs typeface=""/>
         <a:font script="Jpan" typeface="HG丸ｺﾞｼｯｸM-PRO"/>
@@ -28798,7 +28782,7 @@
         <a:font script="Geor" typeface="Sylfaen"/>
       </a:majorFont>
       <a:minorFont>
-        <a:latin typeface="Verdana" panose="020B0604030504040204"/>
+        <a:latin typeface="Verdana"/>
         <a:ea typeface=""/>
         <a:cs typeface=""/>
         <a:font script="Jpan" typeface="ＭＳ ゴシック"/>
@@ -28980,7 +28964,7 @@
   <a:extraClrSchemeLst/>
   <a:extLst>
     <a:ext uri="{05A4C25C-085E-4340-85A3-A5531E510DB2}">
-      <thm15:themeFamily xmlns:thm15="http://schemas.microsoft.com/office/thememl/2012/main" name="Ion" id="{B8441ADB-2E43-4AF7-B97A-BD870242C6A8}" vid="{292E63A9-BB86-4E3D-B92A-7223C6510D2E}"/>
+      <thm15:themeFamily xmlns:thm15="http://schemas.microsoft.com/office/thememl/2012/main" xmlns="" name="Ion" id="{B8441ADB-2E43-4AF7-B97A-BD870242C6A8}" vid="{292E63A9-BB86-4E3D-B92A-7223C6510D2E}"/>
     </a:ext>
   </a:extLst>
 </a:theme>
@@ -29029,7 +29013,7 @@
     </a:clrScheme>
     <a:fontScheme name="Office">
       <a:majorFont>
-        <a:latin typeface="Calibri Light" panose="020F0302020204030204"/>
+        <a:latin typeface="Calibri Light"/>
         <a:ea typeface=""/>
         <a:cs typeface=""/>
         <a:font script="Jpan" typeface="ＭＳ Ｐゴシック"/>
@@ -29064,7 +29048,7 @@
         <a:font script="Geor" typeface="Sylfaen"/>
       </a:majorFont>
       <a:minorFont>
-        <a:latin typeface="Calibri" panose="020F0502020204030204"/>
+        <a:latin typeface="Calibri"/>
         <a:ea typeface=""/>
         <a:cs typeface=""/>
         <a:font script="Jpan" typeface="ＭＳ Ｐゴシック"/>
@@ -29241,7 +29225,7 @@
   <a:extraClrSchemeLst/>
   <a:extLst>
     <a:ext uri="{05A4C25C-085E-4340-85A3-A5531E510DB2}">
-      <thm15:themeFamily xmlns:thm15="http://schemas.microsoft.com/office/thememl/2012/main" name="Office Theme" id="{62F939B6-93AF-4DB8-9C6B-D6C7DFDC589F}" vid="{4A3C46E8-61CC-4603-A589-7422A47A8E4A}"/>
+      <thm15:themeFamily xmlns:thm15="http://schemas.microsoft.com/office/thememl/2012/main" xmlns="" name="Office Theme" id="{62F939B6-93AF-4DB8-9C6B-D6C7DFDC589F}" vid="{4A3C46E8-61CC-4603-A589-7422A47A8E4A}"/>
     </a:ext>
   </a:extLst>
 </a:theme>
